--- a/Whiteboard design session/WDS trainer presentation - Building a resilient IaaS architecture.pptx
+++ b/Whiteboard design session/WDS trainer presentation - Building a resilient IaaS architecture.pptx
@@ -242,7 +242,7 @@
           <a:p>
             <a:fld id="{D12B4A29-5F37-4DEF-BB05-EEA5E91F514E}" type="datetimeFigureOut">
               <a:rPr lang="en-US" smtClean="0"/>
-              <a:t>6/29/2018</a:t>
+              <a:t>7/13/2018</a:t>
             </a:fld>
             <a:endParaRPr lang="en-US" dirty="0"/>
           </a:p>
@@ -22568,15 +22568,7 @@
           <a:p>
             <a:r>
               <a:rPr lang="en-US" sz="3200" dirty="0"/>
-              <a:t>Web servers deployed into an availability </a:t>
-            </a:r>
-            <a:r>
-              <a:rPr lang="en-US" sz="3200" dirty="0" err="1"/>
-              <a:t>aet</a:t>
-            </a:r>
-            <a:r>
-              <a:rPr lang="en-US" sz="3200" dirty="0"/>
-              <a:t> </a:t>
+              <a:t>Web servers deployed into an availability set </a:t>
             </a:r>
           </a:p>
           <a:p>
@@ -23043,7 +23035,7 @@
         <p:spPr>
           <a:xfrm>
             <a:off x="269239" y="1189177"/>
-            <a:ext cx="11653523" cy="3128549"/>
+            <a:ext cx="11653523" cy="3571747"/>
           </a:xfrm>
         </p:spPr>
         <p:txBody>
@@ -23064,7 +23056,7 @@
             <a:pPr lvl="0"/>
             <a:r>
               <a:rPr lang="en-US" sz="3200" dirty="0"/>
-              <a:t>We are very concerned about the disk space issue that occurred earlier with our ADDS DCs and nearly our web servers and database servers. Will this be addressed per the resiliency plan?</a:t>
+              <a:t>We are very concerned about the disk space issue that occurred earlier with our Active Directory Domain Services domain controller and nearly our web servers and database servers. Will this be addressed per the resiliency plan?</a:t>
             </a:r>
           </a:p>
         </p:txBody>
@@ -23211,325 +23203,6 @@
           </a:p>
         </p:txBody>
       </p:sp>
-      <p:grpSp>
-        <p:nvGrpSpPr>
-          <p:cNvPr id="24" name="Group 23" descr="Icons of the previously mentioned products display." title="icons">
-            <a:extLst>
-              <a:ext uri="{FF2B5EF4-FFF2-40B4-BE49-F238E27FC236}">
-                <a16:creationId xmlns:a16="http://schemas.microsoft.com/office/drawing/2014/main" id="{49F73417-DB85-4EEC-A9FC-2B811FA68475}"/>
-              </a:ext>
-            </a:extLst>
-          </p:cNvPr>
-          <p:cNvGrpSpPr/>
-          <p:nvPr/>
-        </p:nvGrpSpPr>
-        <p:grpSpPr>
-          <a:xfrm>
-            <a:off x="855327" y="2500754"/>
-            <a:ext cx="4237772" cy="2345909"/>
-            <a:chOff x="855327" y="2500754"/>
-            <a:chExt cx="4237772" cy="2345909"/>
-          </a:xfrm>
-        </p:grpSpPr>
-        <p:sp>
-          <p:nvSpPr>
-            <p:cNvPr id="25" name="Rectangle: Rounded Corners 24">
-              <a:extLst>
-                <a:ext uri="{FF2B5EF4-FFF2-40B4-BE49-F238E27FC236}">
-                  <a16:creationId xmlns:a16="http://schemas.microsoft.com/office/drawing/2014/main" id="{AB413BB1-7340-49B6-95AF-61D5777FE893}"/>
-                </a:ext>
-              </a:extLst>
-            </p:cNvPr>
-            <p:cNvSpPr/>
-            <p:nvPr/>
-          </p:nvSpPr>
-          <p:spPr bwMode="auto">
-            <a:xfrm>
-              <a:off x="855327" y="2500754"/>
-              <a:ext cx="4237772" cy="2345909"/>
-            </a:xfrm>
-            <a:prstGeom prst="roundRect">
-              <a:avLst/>
-            </a:prstGeom>
-            <a:solidFill>
-              <a:srgbClr val="FFFFFF"/>
-            </a:solidFill>
-            <a:ln w="9525" cap="flat" cmpd="sng" algn="ctr">
-              <a:noFill/>
-              <a:prstDash val="solid"/>
-              <a:headEnd type="none" w="med" len="med"/>
-              <a:tailEnd type="none" w="med" len="med"/>
-            </a:ln>
-            <a:effectLst/>
-          </p:spPr>
-          <p:txBody>
-            <a:bodyPr rot="0" spcFirstLastPara="0" vertOverflow="overflow" horzOverflow="overflow" vert="horz" wrap="square" lIns="182880" tIns="146304" rIns="182880" bIns="146304" numCol="1" spcCol="0" rtlCol="0" fromWordArt="0" anchor="t" anchorCtr="0" forceAA="0" compatLnSpc="1">
-              <a:prstTxWarp prst="textNoShape">
-                <a:avLst/>
-              </a:prstTxWarp>
-              <a:noAutofit/>
-            </a:bodyPr>
-            <a:lstStyle/>
-            <a:p>
-              <a:pPr marL="0" marR="0" lvl="0" indent="0" algn="ctr" defTabSz="932472" eaLnBrk="1" fontAlgn="base" latinLnBrk="0" hangingPunct="1">
-                <a:lnSpc>
-                  <a:spcPct val="90000"/>
-                </a:lnSpc>
-                <a:spcBef>
-                  <a:spcPct val="0"/>
-                </a:spcBef>
-                <a:spcAft>
-                  <a:spcPct val="0"/>
-                </a:spcAft>
-                <a:buClrTx/>
-                <a:buSzTx/>
-                <a:buFontTx/>
-                <a:buNone/>
-                <a:tabLst/>
-                <a:defRPr/>
-              </a:pPr>
-              <a:endParaRPr kumimoji="0" lang="en-US" sz="2400" b="0" i="0" u="none" strike="noStrike" kern="0" cap="none" spc="0" normalizeH="0" baseline="0" noProof="0" dirty="0">
-                <a:ln>
-                  <a:noFill/>
-                </a:ln>
-                <a:gradFill>
-                  <a:gsLst>
-                    <a:gs pos="0">
-                      <a:srgbClr val="FFFFFF"/>
-                    </a:gs>
-                    <a:gs pos="100000">
-                      <a:srgbClr val="FFFFFF"/>
-                    </a:gs>
-                  </a:gsLst>
-                  <a:lin ang="5400000" scaled="0"/>
-                </a:gradFill>
-                <a:effectLst/>
-                <a:uLnTx/>
-                <a:uFillTx/>
-                <a:latin typeface="Segoe UI Semilight"/>
-                <a:ea typeface="Segoe UI" pitchFamily="34" charset="0"/>
-                <a:cs typeface="Segoe UI" pitchFamily="34" charset="0"/>
-              </a:endParaRPr>
-            </a:p>
-          </p:txBody>
-        </p:sp>
-        <p:pic>
-          <p:nvPicPr>
-            <p:cNvPr id="26" name="Picture 25" descr="Icon" title="Icon">
-              <a:extLst>
-                <a:ext uri="{FF2B5EF4-FFF2-40B4-BE49-F238E27FC236}">
-                  <a16:creationId xmlns:a16="http://schemas.microsoft.com/office/drawing/2014/main" id="{C4A117BC-4B66-408C-9439-E09F2B8CA7E1}"/>
-                </a:ext>
-              </a:extLst>
-            </p:cNvPr>
-            <p:cNvPicPr>
-              <a:picLocks noChangeAspect="1"/>
-            </p:cNvPicPr>
-            <p:nvPr/>
-          </p:nvPicPr>
-          <p:blipFill>
-            <a:blip r:embed="rId3" cstate="print">
-              <a:extLst>
-                <a:ext uri="{28A0092B-C50C-407E-A947-70E740481C1C}">
-                  <a14:useLocalDpi xmlns:a14="http://schemas.microsoft.com/office/drawing/2010/main" val="0"/>
-                </a:ext>
-              </a:extLst>
-            </a:blip>
-            <a:stretch>
-              <a:fillRect/>
-            </a:stretch>
-          </p:blipFill>
-          <p:spPr>
-            <a:xfrm>
-              <a:off x="1125232" y="2632446"/>
-              <a:ext cx="780290" cy="780290"/>
-            </a:xfrm>
-            <a:prstGeom prst="rect">
-              <a:avLst/>
-            </a:prstGeom>
-          </p:spPr>
-        </p:pic>
-        <p:pic>
-          <p:nvPicPr>
-            <p:cNvPr id="27" name="Picture 26" descr="Virtual Machine Icon" title="Virtual Machine Icon">
-              <a:extLst>
-                <a:ext uri="{FF2B5EF4-FFF2-40B4-BE49-F238E27FC236}">
-                  <a16:creationId xmlns:a16="http://schemas.microsoft.com/office/drawing/2014/main" id="{20B8E022-FA71-46D5-87C9-06B1F775F8CE}"/>
-                </a:ext>
-              </a:extLst>
-            </p:cNvPr>
-            <p:cNvPicPr>
-              <a:picLocks noChangeAspect="1"/>
-            </p:cNvPicPr>
-            <p:nvPr/>
-          </p:nvPicPr>
-          <p:blipFill>
-            <a:blip r:embed="rId4" cstate="print">
-              <a:extLst>
-                <a:ext uri="{28A0092B-C50C-407E-A947-70E740481C1C}">
-                  <a14:useLocalDpi xmlns:a14="http://schemas.microsoft.com/office/drawing/2010/main" val="0"/>
-                </a:ext>
-              </a:extLst>
-            </a:blip>
-            <a:stretch>
-              <a:fillRect/>
-            </a:stretch>
-          </p:blipFill>
-          <p:spPr>
-            <a:xfrm>
-              <a:off x="1184092" y="3596457"/>
-              <a:ext cx="780290" cy="780290"/>
-            </a:xfrm>
-            <a:prstGeom prst="rect">
-              <a:avLst/>
-            </a:prstGeom>
-          </p:spPr>
-        </p:pic>
-        <p:pic>
-          <p:nvPicPr>
-            <p:cNvPr id="28" name="Picture 27" descr="Virtual Machine Icon" title="Virtual Machine Icon">
-              <a:extLst>
-                <a:ext uri="{FF2B5EF4-FFF2-40B4-BE49-F238E27FC236}">
-                  <a16:creationId xmlns:a16="http://schemas.microsoft.com/office/drawing/2014/main" id="{2CE4A0C6-A1D1-4BE6-A624-79B1149F1AFF}"/>
-                </a:ext>
-              </a:extLst>
-            </p:cNvPr>
-            <p:cNvPicPr>
-              <a:picLocks noChangeAspect="1"/>
-            </p:cNvPicPr>
-            <p:nvPr/>
-          </p:nvPicPr>
-          <p:blipFill>
-            <a:blip r:embed="rId4" cstate="print">
-              <a:extLst>
-                <a:ext uri="{28A0092B-C50C-407E-A947-70E740481C1C}">
-                  <a14:useLocalDpi xmlns:a14="http://schemas.microsoft.com/office/drawing/2010/main" val="0"/>
-                </a:ext>
-              </a:extLst>
-            </a:blip>
-            <a:stretch>
-              <a:fillRect/>
-            </a:stretch>
-          </p:blipFill>
-          <p:spPr>
-            <a:xfrm>
-              <a:off x="2520587" y="3596457"/>
-              <a:ext cx="780290" cy="780290"/>
-            </a:xfrm>
-            <a:prstGeom prst="rect">
-              <a:avLst/>
-            </a:prstGeom>
-          </p:spPr>
-        </p:pic>
-        <p:pic>
-          <p:nvPicPr>
-            <p:cNvPr id="29" name="Picture 28" descr="Hybrid Connectivity icon" title="Hybrid Connectivity icon">
-              <a:extLst>
-                <a:ext uri="{FF2B5EF4-FFF2-40B4-BE49-F238E27FC236}">
-                  <a16:creationId xmlns:a16="http://schemas.microsoft.com/office/drawing/2014/main" id="{7C158FFE-5E41-48A4-916E-642ADB020867}"/>
-                </a:ext>
-              </a:extLst>
-            </p:cNvPr>
-            <p:cNvPicPr>
-              <a:picLocks noChangeAspect="1"/>
-            </p:cNvPicPr>
-            <p:nvPr/>
-          </p:nvPicPr>
-          <p:blipFill>
-            <a:blip r:embed="rId5" cstate="print">
-              <a:extLst>
-                <a:ext uri="{28A0092B-C50C-407E-A947-70E740481C1C}">
-                  <a14:useLocalDpi xmlns:a14="http://schemas.microsoft.com/office/drawing/2010/main" val="0"/>
-                </a:ext>
-              </a:extLst>
-            </a:blip>
-            <a:stretch>
-              <a:fillRect/>
-            </a:stretch>
-          </p:blipFill>
-          <p:spPr>
-            <a:xfrm>
-              <a:off x="2537822" y="2569384"/>
-              <a:ext cx="780290" cy="780290"/>
-            </a:xfrm>
-            <a:prstGeom prst="rect">
-              <a:avLst/>
-            </a:prstGeom>
-          </p:spPr>
-        </p:pic>
-        <p:pic>
-          <p:nvPicPr>
-            <p:cNvPr id="30" name="Picture 29" descr="Load Balancers icon" title="Load Balancers icon">
-              <a:extLst>
-                <a:ext uri="{FF2B5EF4-FFF2-40B4-BE49-F238E27FC236}">
-                  <a16:creationId xmlns:a16="http://schemas.microsoft.com/office/drawing/2014/main" id="{52B9A1EB-2A13-48F9-AED0-BD4875EAC6DA}"/>
-                </a:ext>
-              </a:extLst>
-            </p:cNvPr>
-            <p:cNvPicPr>
-              <a:picLocks noChangeAspect="1"/>
-            </p:cNvPicPr>
-            <p:nvPr/>
-          </p:nvPicPr>
-          <p:blipFill>
-            <a:blip r:embed="rId6" cstate="print">
-              <a:extLst>
-                <a:ext uri="{28A0092B-C50C-407E-A947-70E740481C1C}">
-                  <a14:useLocalDpi xmlns:a14="http://schemas.microsoft.com/office/drawing/2010/main" val="0"/>
-                </a:ext>
-              </a:extLst>
-            </a:blip>
-            <a:stretch>
-              <a:fillRect/>
-            </a:stretch>
-          </p:blipFill>
-          <p:spPr>
-            <a:xfrm>
-              <a:off x="3756604" y="3648700"/>
-              <a:ext cx="780290" cy="780290"/>
-            </a:xfrm>
-            <a:prstGeom prst="rect">
-              <a:avLst/>
-            </a:prstGeom>
-          </p:spPr>
-        </p:pic>
-        <p:pic>
-          <p:nvPicPr>
-            <p:cNvPr id="31" name="Picture 30" descr="Virtual networks icon" title="Virtual networks icon">
-              <a:extLst>
-                <a:ext uri="{FF2B5EF4-FFF2-40B4-BE49-F238E27FC236}">
-                  <a16:creationId xmlns:a16="http://schemas.microsoft.com/office/drawing/2014/main" id="{A3B6CBD2-A60A-4EF3-AB13-D6619323066F}"/>
-                </a:ext>
-              </a:extLst>
-            </p:cNvPr>
-            <p:cNvPicPr>
-              <a:picLocks noChangeAspect="1"/>
-            </p:cNvPicPr>
-            <p:nvPr/>
-          </p:nvPicPr>
-          <p:blipFill>
-            <a:blip r:embed="rId7" cstate="print">
-              <a:extLst>
-                <a:ext uri="{28A0092B-C50C-407E-A947-70E740481C1C}">
-                  <a14:useLocalDpi xmlns:a14="http://schemas.microsoft.com/office/drawing/2010/main" val="0"/>
-                </a:ext>
-              </a:extLst>
-            </a:blip>
-            <a:stretch>
-              <a:fillRect/>
-            </a:stretch>
-          </p:blipFill>
-          <p:spPr>
-            <a:xfrm>
-              <a:off x="3735583" y="2762383"/>
-              <a:ext cx="780290" cy="780290"/>
-            </a:xfrm>
-            <a:prstGeom prst="rect">
-              <a:avLst/>
-            </a:prstGeom>
-          </p:spPr>
-        </p:pic>
-      </p:grpSp>
       <p:sp>
         <p:nvSpPr>
           <p:cNvPr id="32" name="TextBox 31">
@@ -23804,211 +23477,6 @@
           </a:p>
         </p:txBody>
       </p:sp>
-      <p:grpSp>
-        <p:nvGrpSpPr>
-          <p:cNvPr id="44" name="Group 43" descr="Icons of the previously mentioned products display." title="Icons">
-            <a:extLst>
-              <a:ext uri="{FF2B5EF4-FFF2-40B4-BE49-F238E27FC236}">
-                <a16:creationId xmlns:a16="http://schemas.microsoft.com/office/drawing/2014/main" id="{C7BCDC43-5565-402D-9B4B-68960AD6B154}"/>
-              </a:ext>
-            </a:extLst>
-          </p:cNvPr>
-          <p:cNvGrpSpPr/>
-          <p:nvPr/>
-        </p:nvGrpSpPr>
-        <p:grpSpPr>
-          <a:xfrm>
-            <a:off x="7159925" y="2478504"/>
-            <a:ext cx="4237772" cy="2345909"/>
-            <a:chOff x="839967" y="2521535"/>
-            <a:chExt cx="4237772" cy="2345909"/>
-          </a:xfrm>
-        </p:grpSpPr>
-        <p:sp>
-          <p:nvSpPr>
-            <p:cNvPr id="45" name="Rectangle: Rounded Corners 44">
-              <a:extLst>
-                <a:ext uri="{FF2B5EF4-FFF2-40B4-BE49-F238E27FC236}">
-                  <a16:creationId xmlns:a16="http://schemas.microsoft.com/office/drawing/2014/main" id="{4C7EE074-D201-44D4-9103-A04A8DC5E387}"/>
-                </a:ext>
-              </a:extLst>
-            </p:cNvPr>
-            <p:cNvSpPr/>
-            <p:nvPr/>
-          </p:nvSpPr>
-          <p:spPr bwMode="auto">
-            <a:xfrm>
-              <a:off x="839967" y="2521535"/>
-              <a:ext cx="4237772" cy="2345909"/>
-            </a:xfrm>
-            <a:prstGeom prst="roundRect">
-              <a:avLst/>
-            </a:prstGeom>
-            <a:solidFill>
-              <a:srgbClr val="FFFFFF"/>
-            </a:solidFill>
-            <a:ln w="9525" cap="flat" cmpd="sng" algn="ctr">
-              <a:noFill/>
-              <a:prstDash val="solid"/>
-              <a:headEnd type="none" w="med" len="med"/>
-              <a:tailEnd type="none" w="med" len="med"/>
-            </a:ln>
-            <a:effectLst/>
-          </p:spPr>
-          <p:txBody>
-            <a:bodyPr rot="0" spcFirstLastPara="0" vertOverflow="overflow" horzOverflow="overflow" vert="horz" wrap="square" lIns="182880" tIns="146304" rIns="182880" bIns="146304" numCol="1" spcCol="0" rtlCol="0" fromWordArt="0" anchor="t" anchorCtr="0" forceAA="0" compatLnSpc="1">
-              <a:prstTxWarp prst="textNoShape">
-                <a:avLst/>
-              </a:prstTxWarp>
-              <a:noAutofit/>
-            </a:bodyPr>
-            <a:lstStyle/>
-            <a:p>
-              <a:pPr marL="0" marR="0" lvl="0" indent="0" algn="ctr" defTabSz="932472" eaLnBrk="1" fontAlgn="base" latinLnBrk="0" hangingPunct="1">
-                <a:lnSpc>
-                  <a:spcPct val="90000"/>
-                </a:lnSpc>
-                <a:spcBef>
-                  <a:spcPct val="0"/>
-                </a:spcBef>
-                <a:spcAft>
-                  <a:spcPct val="0"/>
-                </a:spcAft>
-                <a:buClrTx/>
-                <a:buSzTx/>
-                <a:buFontTx/>
-                <a:buNone/>
-                <a:tabLst/>
-                <a:defRPr/>
-              </a:pPr>
-              <a:endParaRPr kumimoji="0" lang="en-US" sz="2400" b="0" i="0" u="none" strike="noStrike" kern="0" cap="none" spc="0" normalizeH="0" baseline="0" noProof="0" dirty="0">
-                <a:ln>
-                  <a:noFill/>
-                </a:ln>
-                <a:gradFill>
-                  <a:gsLst>
-                    <a:gs pos="0">
-                      <a:srgbClr val="FFFFFF"/>
-                    </a:gs>
-                    <a:gs pos="100000">
-                      <a:srgbClr val="FFFFFF"/>
-                    </a:gs>
-                  </a:gsLst>
-                  <a:lin ang="5400000" scaled="0"/>
-                </a:gradFill>
-                <a:effectLst/>
-                <a:uLnTx/>
-                <a:uFillTx/>
-                <a:latin typeface="Segoe UI Semilight"/>
-                <a:ea typeface="Segoe UI" pitchFamily="34" charset="0"/>
-                <a:cs typeface="Segoe UI" pitchFamily="34" charset="0"/>
-              </a:endParaRPr>
-            </a:p>
-          </p:txBody>
-        </p:sp>
-        <p:pic>
-          <p:nvPicPr>
-            <p:cNvPr id="46" name="Picture 45" descr="Azure Backup icon" title="Azure Backup icon">
-              <a:extLst>
-                <a:ext uri="{FF2B5EF4-FFF2-40B4-BE49-F238E27FC236}">
-                  <a16:creationId xmlns:a16="http://schemas.microsoft.com/office/drawing/2014/main" id="{085455DE-7C80-4F10-A1C3-5FCB119A581F}"/>
-                </a:ext>
-              </a:extLst>
-            </p:cNvPr>
-            <p:cNvPicPr>
-              <a:picLocks noChangeAspect="1"/>
-            </p:cNvPicPr>
-            <p:nvPr/>
-          </p:nvPicPr>
-          <p:blipFill>
-            <a:blip r:embed="rId8" cstate="print">
-              <a:extLst>
-                <a:ext uri="{28A0092B-C50C-407E-A947-70E740481C1C}">
-                  <a14:useLocalDpi xmlns:a14="http://schemas.microsoft.com/office/drawing/2010/main" val="0"/>
-                </a:ext>
-              </a:extLst>
-            </a:blip>
-            <a:stretch>
-              <a:fillRect/>
-            </a:stretch>
-          </p:blipFill>
-          <p:spPr>
-            <a:xfrm>
-              <a:off x="1390165" y="2655531"/>
-              <a:ext cx="1110582" cy="1110582"/>
-            </a:xfrm>
-            <a:prstGeom prst="rect">
-              <a:avLst/>
-            </a:prstGeom>
-          </p:spPr>
-        </p:pic>
-        <p:pic>
-          <p:nvPicPr>
-            <p:cNvPr id="47" name="Picture 46" descr="Azure Site Recovery icon" title="Azure Site Recovery icon">
-              <a:extLst>
-                <a:ext uri="{FF2B5EF4-FFF2-40B4-BE49-F238E27FC236}">
-                  <a16:creationId xmlns:a16="http://schemas.microsoft.com/office/drawing/2014/main" id="{ACACDDE3-CD40-4168-BD11-6996153AC2C1}"/>
-                </a:ext>
-              </a:extLst>
-            </p:cNvPr>
-            <p:cNvPicPr>
-              <a:picLocks noChangeAspect="1"/>
-            </p:cNvPicPr>
-            <p:nvPr/>
-          </p:nvPicPr>
-          <p:blipFill>
-            <a:blip r:embed="rId9" cstate="print">
-              <a:extLst>
-                <a:ext uri="{28A0092B-C50C-407E-A947-70E740481C1C}">
-                  <a14:useLocalDpi xmlns:a14="http://schemas.microsoft.com/office/drawing/2010/main" val="0"/>
-                </a:ext>
-              </a:extLst>
-            </a:blip>
-            <a:stretch>
-              <a:fillRect/>
-            </a:stretch>
-          </p:blipFill>
-          <p:spPr>
-            <a:xfrm>
-              <a:off x="3412928" y="2697095"/>
-              <a:ext cx="1069018" cy="1069018"/>
-            </a:xfrm>
-            <a:prstGeom prst="rect">
-              <a:avLst/>
-            </a:prstGeom>
-          </p:spPr>
-        </p:pic>
-        <p:pic>
-          <p:nvPicPr>
-            <p:cNvPr id="48" name="Picture 47" descr="SQL Server managed backup icon" title="SQL Server managed backup icon">
-              <a:extLst>
-                <a:ext uri="{FF2B5EF4-FFF2-40B4-BE49-F238E27FC236}">
-                  <a16:creationId xmlns:a16="http://schemas.microsoft.com/office/drawing/2014/main" id="{8250A0CA-3931-4AC3-A678-94208F0174AB}"/>
-                </a:ext>
-              </a:extLst>
-            </p:cNvPr>
-            <p:cNvPicPr>
-              <a:picLocks noChangeAspect="1"/>
-            </p:cNvPicPr>
-            <p:nvPr/>
-          </p:nvPicPr>
-          <p:blipFill>
-            <a:blip r:embed="rId10"/>
-            <a:stretch>
-              <a:fillRect/>
-            </a:stretch>
-          </p:blipFill>
-          <p:spPr>
-            <a:xfrm>
-              <a:off x="1078122" y="3867679"/>
-              <a:ext cx="3801450" cy="923209"/>
-            </a:xfrm>
-            <a:prstGeom prst="rect">
-              <a:avLst/>
-            </a:prstGeom>
-          </p:spPr>
-        </p:pic>
-      </p:grpSp>
       <p:sp>
         <p:nvSpPr>
           <p:cNvPr id="49" name="TextBox 48">
@@ -24175,6 +23643,66 @@
           </a:p>
         </p:txBody>
       </p:sp>
+      <p:pic>
+        <p:nvPicPr>
+          <p:cNvPr id="3" name="Picture 2" descr="A diagram with Azure icons on it for common IaaS services." title="Common scenarios">
+            <a:extLst>
+              <a:ext uri="{FF2B5EF4-FFF2-40B4-BE49-F238E27FC236}">
+                <a16:creationId xmlns:a16="http://schemas.microsoft.com/office/drawing/2014/main" id="{C8D13E33-2A00-4F63-8B6D-D76D956DD16A}"/>
+              </a:ext>
+            </a:extLst>
+          </p:cNvPr>
+          <p:cNvPicPr>
+            <a:picLocks noChangeAspect="1"/>
+          </p:cNvPicPr>
+          <p:nvPr/>
+        </p:nvPicPr>
+        <p:blipFill>
+          <a:blip r:embed="rId3"/>
+          <a:stretch>
+            <a:fillRect/>
+          </a:stretch>
+        </p:blipFill>
+        <p:spPr>
+          <a:xfrm>
+            <a:off x="1115043" y="2500754"/>
+            <a:ext cx="4005292" cy="2238391"/>
+          </a:xfrm>
+          <a:prstGeom prst="rect">
+            <a:avLst/>
+          </a:prstGeom>
+        </p:spPr>
+      </p:pic>
+      <p:pic>
+        <p:nvPicPr>
+          <p:cNvPr id="4" name="Picture 3" descr="A diagram with Azure icons on it for common services for backup and business continuity." title="Common scenarios">
+            <a:extLst>
+              <a:ext uri="{FF2B5EF4-FFF2-40B4-BE49-F238E27FC236}">
+                <a16:creationId xmlns:a16="http://schemas.microsoft.com/office/drawing/2014/main" id="{2E1F86C6-1EF4-45DF-B2FE-0DAE9DF600D1}"/>
+              </a:ext>
+            </a:extLst>
+          </p:cNvPr>
+          <p:cNvPicPr>
+            <a:picLocks noChangeAspect="1"/>
+          </p:cNvPicPr>
+          <p:nvPr/>
+        </p:nvPicPr>
+        <p:blipFill>
+          <a:blip r:embed="rId4"/>
+          <a:stretch>
+            <a:fillRect/>
+          </a:stretch>
+        </p:blipFill>
+        <p:spPr>
+          <a:xfrm>
+            <a:off x="7405570" y="2494422"/>
+            <a:ext cx="3967192" cy="2228866"/>
+          </a:xfrm>
+          <a:prstGeom prst="rect">
+            <a:avLst/>
+          </a:prstGeom>
+        </p:spPr>
+      </p:pic>
     </p:spTree>
     <p:extLst>
       <p:ext uri="{BB962C8B-B14F-4D97-AF65-F5344CB8AC3E}">
@@ -26061,7 +25589,7 @@
         <p:spPr>
           <a:xfrm>
             <a:off x="269239" y="1189177"/>
-            <a:ext cx="11653523" cy="5883598"/>
+            <a:ext cx="11653523" cy="5626156"/>
           </a:xfrm>
         </p:spPr>
         <p:txBody>
@@ -26080,12 +25608,8 @@
               <a:rPr lang="en-US" sz="2400" dirty="0">
                 <a:latin typeface="+mn-lt"/>
               </a:rPr>
-              <a:t>The student will assist a large organization in evaluating their current infrastructure deployments in Azure and help identify single points of failure. Attention will be given to making the customer's current deployments more resilient and communicating best practices to ensure future deployments will follow best practices.</a:t>
-            </a:r>
-            <a:endParaRPr lang="en-US" sz="2400" dirty="0">
-              <a:latin typeface="+mn-lt"/>
-              <a:cs typeface="Segoe UI Semilight"/>
-            </a:endParaRPr>
+              <a:t>In this whiteboard design session, you will look at how to design for converting/extending an existing IaaS deployment to account for resiliency and in general high availability. Throughout the whiteboard design session you will look at the various configuration options and services to help build resilient architectures. </a:t>
+            </a:r>
           </a:p>
           <a:p>
             <a:endParaRPr lang="en-US" sz="2400" dirty="0"/>
@@ -26101,7 +25625,7 @@
               <a:rPr lang="en-US" sz="2400" dirty="0">
                 <a:latin typeface="+mn-lt"/>
               </a:rPr>
-              <a:t>Attendees will be better able to design resilient applications in Azure for high availability and disaster recovery. Specific attention will be given to:</a:t>
+              <a:t>At the end of this whiteboard design session, you will be better able to design and use the following services:</a:t>
             </a:r>
           </a:p>
           <a:p>
@@ -26153,6 +25677,16 @@
             </a:r>
           </a:p>
           <a:p>
+            <a:pPr marL="342900" indent="-342900">
+              <a:buFont typeface="Arial" panose="020B0604020202020204" pitchFamily="34" charset="0"/>
+              <a:buChar char="•"/>
+            </a:pPr>
+            <a:r>
+              <a:rPr lang="en-US" sz="2400" dirty="0">
+                <a:latin typeface="+mn-lt"/>
+              </a:rPr>
+              <a:t>SQL Server Always On Availability Groups </a:t>
+            </a:r>
             <a:endParaRPr lang="en-US" dirty="0"/>
           </a:p>
         </p:txBody>
@@ -26438,7 +25972,7 @@
       </p:sp>
       <p:sp>
         <p:nvSpPr>
-          <p:cNvPr id="6" name="Text Placeholder 5">
+          <p:cNvPr id="6" name="Text Placeholder 5" descr="This image represents a Virtual Network Configuration gateway containing details." title="Virtual Network Configuration gateway">
             <a:extLst>
               <a:ext uri="{FF2B5EF4-FFF2-40B4-BE49-F238E27FC236}">
                 <a16:creationId xmlns:a16="http://schemas.microsoft.com/office/drawing/2014/main" id="{FD5FE0BA-1701-4CE2-80B6-6A369399EFA5}"/>
@@ -26566,7 +26100,7 @@
       </p:sp>
       <p:sp>
         <p:nvSpPr>
-          <p:cNvPr id="2" name="Title 1"/>
+          <p:cNvPr id="2" name="Title 1" descr="A diagram that shows the network security group configuration per subnet with the domain controllers highlighted." title="Network security group"/>
           <p:cNvSpPr>
             <a:spLocks noGrp="1"/>
           </p:cNvSpPr>
@@ -26581,4166 +26115,41 @@
           <a:p>
             <a:r>
               <a:rPr lang="en-US" dirty="0"/>
-              <a:t>Network Security Group usage (West Central </a:t>
-            </a:r>
-            <a:r>
-              <a:rPr lang="en-US" sz="2400" dirty="0"/>
-              <a:t>S)</a:t>
-            </a:r>
-            <a:endParaRPr lang="en-US" dirty="0"/>
+              <a:t>Network Security Group usage (West Central)</a:t>
+            </a:r>
           </a:p>
         </p:txBody>
       </p:sp>
-      <p:graphicFrame>
-        <p:nvGraphicFramePr>
-          <p:cNvPr id="4" name="Table 3"/>
-          <p:cNvGraphicFramePr>
-            <a:graphicFrameLocks noGrp="1"/>
-          </p:cNvGraphicFramePr>
-          <p:nvPr>
-            <p:extLst>
-              <p:ext uri="{D42A27DB-BD31-4B8C-83A1-F6EECF244321}">
-                <p14:modId xmlns:p14="http://schemas.microsoft.com/office/powerpoint/2010/main" val="77019540"/>
-              </p:ext>
-            </p:extLst>
-          </p:nvPr>
-        </p:nvGraphicFramePr>
-        <p:xfrm>
-          <a:off x="395764" y="2468752"/>
-          <a:ext cx="11241021" cy="1027837"/>
-        </p:xfrm>
-        <a:graphic>
-          <a:graphicData uri="http://schemas.openxmlformats.org/drawingml/2006/table">
-            <a:tbl>
-              <a:tblPr firstRow="1" firstCol="1" bandRow="1">
-                <a:tableStyleId>{5C22544A-7EE6-4342-B048-85BDC9FD1C3A}</a:tableStyleId>
-              </a:tblPr>
-              <a:tblGrid>
-                <a:gridCol w="1273181">
-                  <a:extLst>
-                    <a:ext uri="{9D8B030D-6E8A-4147-A177-3AD203B41FA5}">
-                      <a16:colId xmlns:a16="http://schemas.microsoft.com/office/drawing/2014/main" val="1346598983"/>
-                    </a:ext>
-                  </a:extLst>
-                </a:gridCol>
-                <a:gridCol w="1316462">
-                  <a:extLst>
-                    <a:ext uri="{9D8B030D-6E8A-4147-A177-3AD203B41FA5}">
-                      <a16:colId xmlns:a16="http://schemas.microsoft.com/office/drawing/2014/main" val="1494924068"/>
-                    </a:ext>
-                  </a:extLst>
-                </a:gridCol>
-                <a:gridCol w="1903159">
-                  <a:extLst>
-                    <a:ext uri="{9D8B030D-6E8A-4147-A177-3AD203B41FA5}">
-                      <a16:colId xmlns:a16="http://schemas.microsoft.com/office/drawing/2014/main" val="1042239071"/>
-                    </a:ext>
-                  </a:extLst>
-                </a:gridCol>
-                <a:gridCol w="1112739">
-                  <a:extLst>
-                    <a:ext uri="{9D8B030D-6E8A-4147-A177-3AD203B41FA5}">
-                      <a16:colId xmlns:a16="http://schemas.microsoft.com/office/drawing/2014/main" val="2887354665"/>
-                    </a:ext>
-                  </a:extLst>
-                </a:gridCol>
-                <a:gridCol w="1429305">
-                  <a:extLst>
-                    <a:ext uri="{9D8B030D-6E8A-4147-A177-3AD203B41FA5}">
-                      <a16:colId xmlns:a16="http://schemas.microsoft.com/office/drawing/2014/main" val="4062946918"/>
-                    </a:ext>
-                  </a:extLst>
-                </a:gridCol>
-                <a:gridCol w="1638173">
-                  <a:extLst>
-                    <a:ext uri="{9D8B030D-6E8A-4147-A177-3AD203B41FA5}">
-                      <a16:colId xmlns:a16="http://schemas.microsoft.com/office/drawing/2014/main" val="2510865783"/>
-                    </a:ext>
-                  </a:extLst>
-                </a:gridCol>
-                <a:gridCol w="1279192">
-                  <a:extLst>
-                    <a:ext uri="{9D8B030D-6E8A-4147-A177-3AD203B41FA5}">
-                      <a16:colId xmlns:a16="http://schemas.microsoft.com/office/drawing/2014/main" val="2819886547"/>
-                    </a:ext>
-                  </a:extLst>
-                </a:gridCol>
-                <a:gridCol w="1288810">
-                  <a:extLst>
-                    <a:ext uri="{9D8B030D-6E8A-4147-A177-3AD203B41FA5}">
-                      <a16:colId xmlns:a16="http://schemas.microsoft.com/office/drawing/2014/main" val="3533102248"/>
-                    </a:ext>
-                  </a:extLst>
-                </a:gridCol>
-              </a:tblGrid>
-              <a:tr h="201524">
-                <a:tc gridSpan="8">
-                  <a:txBody>
-                    <a:bodyPr/>
-                    <a:lstStyle/>
-                    <a:p>
-                      <a:pPr marL="0" marR="0">
-                        <a:lnSpc>
-                          <a:spcPct val="107000"/>
-                        </a:lnSpc>
-                        <a:spcBef>
-                          <a:spcPts val="0"/>
-                        </a:spcBef>
-                        <a:spcAft>
-                          <a:spcPts val="0"/>
-                        </a:spcAft>
-                      </a:pPr>
-                      <a:r>
-                        <a:rPr lang="en-US" sz="1100" dirty="0">
-                          <a:effectLst/>
-                        </a:rPr>
-                        <a:t>Apps Tier NSG</a:t>
-                      </a:r>
-                      <a:endParaRPr lang="en-US" sz="1100" dirty="0">
-                        <a:effectLst/>
-                        <a:latin typeface="Calibri" panose="020F0502020204030204" pitchFamily="34" charset="0"/>
-                        <a:ea typeface="Calibri" panose="020F0502020204030204" pitchFamily="34" charset="0"/>
-                        <a:cs typeface="Times New Roman" panose="02020603050405020304" pitchFamily="18" charset="0"/>
-                      </a:endParaRPr>
-                    </a:p>
-                  </a:txBody>
-                  <a:tcPr marL="68580" marR="68580" marT="0" marB="0"/>
-                </a:tc>
-                <a:tc hMerge="1">
-                  <a:txBody>
-                    <a:bodyPr/>
-                    <a:lstStyle/>
-                    <a:p>
-                      <a:endParaRPr lang="en-US"/>
-                    </a:p>
-                  </a:txBody>
-                  <a:tcPr/>
-                </a:tc>
-                <a:tc hMerge="1">
-                  <a:txBody>
-                    <a:bodyPr/>
-                    <a:lstStyle/>
-                    <a:p>
-                      <a:endParaRPr lang="en-US"/>
-                    </a:p>
-                  </a:txBody>
-                  <a:tcPr/>
-                </a:tc>
-                <a:tc hMerge="1">
-                  <a:txBody>
-                    <a:bodyPr/>
-                    <a:lstStyle/>
-                    <a:p>
-                      <a:endParaRPr lang="en-US"/>
-                    </a:p>
-                  </a:txBody>
-                  <a:tcPr/>
-                </a:tc>
-                <a:tc hMerge="1">
-                  <a:txBody>
-                    <a:bodyPr/>
-                    <a:lstStyle/>
-                    <a:p>
-                      <a:endParaRPr lang="en-US"/>
-                    </a:p>
-                  </a:txBody>
-                  <a:tcPr/>
-                </a:tc>
-                <a:tc hMerge="1">
-                  <a:txBody>
-                    <a:bodyPr/>
-                    <a:lstStyle/>
-                    <a:p>
-                      <a:endParaRPr lang="en-US"/>
-                    </a:p>
-                  </a:txBody>
-                  <a:tcPr/>
-                </a:tc>
-                <a:tc hMerge="1">
-                  <a:txBody>
-                    <a:bodyPr/>
-                    <a:lstStyle/>
-                    <a:p>
-                      <a:endParaRPr lang="en-US"/>
-                    </a:p>
-                  </a:txBody>
-                  <a:tcPr/>
-                </a:tc>
-                <a:tc hMerge="1">
-                  <a:txBody>
-                    <a:bodyPr/>
-                    <a:lstStyle/>
-                    <a:p>
-                      <a:endParaRPr lang="en-US"/>
-                    </a:p>
-                  </a:txBody>
-                  <a:tcPr/>
-                </a:tc>
-                <a:extLst>
-                  <a:ext uri="{0D108BD9-81ED-4DB2-BD59-A6C34878D82A}">
-                    <a16:rowId xmlns:a16="http://schemas.microsoft.com/office/drawing/2014/main" val="813949847"/>
-                  </a:ext>
-                </a:extLst>
-              </a:tr>
-              <a:tr h="197139">
-                <a:tc>
-                  <a:txBody>
-                    <a:bodyPr/>
-                    <a:lstStyle/>
-                    <a:p>
-                      <a:pPr marL="0" marR="0" algn="ctr">
-                        <a:lnSpc>
-                          <a:spcPct val="107000"/>
-                        </a:lnSpc>
-                        <a:spcBef>
-                          <a:spcPts val="0"/>
-                        </a:spcBef>
-                        <a:spcAft>
-                          <a:spcPts val="0"/>
-                        </a:spcAft>
-                      </a:pPr>
-                      <a:r>
-                        <a:rPr lang="en-US" sz="1100" b="1" dirty="0">
-                          <a:effectLst/>
-                        </a:rPr>
-                        <a:t>Name</a:t>
-                      </a:r>
-                      <a:endParaRPr lang="en-US" sz="1100" b="1" dirty="0">
-                        <a:effectLst/>
-                        <a:latin typeface="Calibri" panose="020F0502020204030204" pitchFamily="34" charset="0"/>
-                        <a:ea typeface="Calibri" panose="020F0502020204030204" pitchFamily="34" charset="0"/>
-                        <a:cs typeface="Times New Roman" panose="02020603050405020304" pitchFamily="18" charset="0"/>
-                      </a:endParaRPr>
-                    </a:p>
-                  </a:txBody>
-                  <a:tcPr marL="68580" marR="68580" marT="0" marB="0"/>
-                </a:tc>
-                <a:tc>
-                  <a:txBody>
-                    <a:bodyPr/>
-                    <a:lstStyle/>
-                    <a:p>
-                      <a:pPr marL="0" marR="0" algn="ctr">
-                        <a:lnSpc>
-                          <a:spcPct val="107000"/>
-                        </a:lnSpc>
-                        <a:spcBef>
-                          <a:spcPts val="0"/>
-                        </a:spcBef>
-                        <a:spcAft>
-                          <a:spcPts val="0"/>
-                        </a:spcAft>
-                      </a:pPr>
-                      <a:r>
-                        <a:rPr lang="en-US" sz="1100" b="1" dirty="0">
-                          <a:effectLst/>
-                        </a:rPr>
-                        <a:t>Priority</a:t>
-                      </a:r>
-                      <a:endParaRPr lang="en-US" sz="1100" b="1" dirty="0">
-                        <a:effectLst/>
-                        <a:latin typeface="Calibri" panose="020F0502020204030204" pitchFamily="34" charset="0"/>
-                        <a:ea typeface="Calibri" panose="020F0502020204030204" pitchFamily="34" charset="0"/>
-                        <a:cs typeface="Times New Roman" panose="02020603050405020304" pitchFamily="18" charset="0"/>
-                      </a:endParaRPr>
-                    </a:p>
-                  </a:txBody>
-                  <a:tcPr marL="68580" marR="68580" marT="0" marB="0"/>
-                </a:tc>
-                <a:tc>
-                  <a:txBody>
-                    <a:bodyPr/>
-                    <a:lstStyle/>
-                    <a:p>
-                      <a:pPr marL="0" marR="0" algn="ctr">
-                        <a:lnSpc>
-                          <a:spcPct val="107000"/>
-                        </a:lnSpc>
-                        <a:spcBef>
-                          <a:spcPts val="0"/>
-                        </a:spcBef>
-                        <a:spcAft>
-                          <a:spcPts val="0"/>
-                        </a:spcAft>
-                      </a:pPr>
-                      <a:r>
-                        <a:rPr lang="en-US" sz="1100" b="1" dirty="0">
-                          <a:effectLst/>
-                        </a:rPr>
-                        <a:t>Source</a:t>
-                      </a:r>
-                      <a:endParaRPr lang="en-US" sz="1100" b="1" dirty="0">
-                        <a:effectLst/>
-                        <a:latin typeface="Calibri" panose="020F0502020204030204" pitchFamily="34" charset="0"/>
-                        <a:ea typeface="Calibri" panose="020F0502020204030204" pitchFamily="34" charset="0"/>
-                        <a:cs typeface="Times New Roman" panose="02020603050405020304" pitchFamily="18" charset="0"/>
-                      </a:endParaRPr>
-                    </a:p>
-                  </a:txBody>
-                  <a:tcPr marL="68580" marR="68580" marT="0" marB="0"/>
-                </a:tc>
-                <a:tc>
-                  <a:txBody>
-                    <a:bodyPr/>
-                    <a:lstStyle/>
-                    <a:p>
-                      <a:pPr marL="0" marR="0" algn="ctr">
-                        <a:lnSpc>
-                          <a:spcPct val="107000"/>
-                        </a:lnSpc>
-                        <a:spcBef>
-                          <a:spcPts val="0"/>
-                        </a:spcBef>
-                        <a:spcAft>
-                          <a:spcPts val="0"/>
-                        </a:spcAft>
-                      </a:pPr>
-                      <a:r>
-                        <a:rPr lang="en-US" sz="1100" b="1" dirty="0">
-                          <a:effectLst/>
-                        </a:rPr>
-                        <a:t>Protocol</a:t>
-                      </a:r>
-                      <a:endParaRPr lang="en-US" sz="1100" b="1" dirty="0">
-                        <a:effectLst/>
-                        <a:latin typeface="Calibri" panose="020F0502020204030204" pitchFamily="34" charset="0"/>
-                        <a:ea typeface="Calibri" panose="020F0502020204030204" pitchFamily="34" charset="0"/>
-                        <a:cs typeface="Times New Roman" panose="02020603050405020304" pitchFamily="18" charset="0"/>
-                      </a:endParaRPr>
-                    </a:p>
-                  </a:txBody>
-                  <a:tcPr marL="68580" marR="68580" marT="0" marB="0"/>
-                </a:tc>
-                <a:tc>
-                  <a:txBody>
-                    <a:bodyPr/>
-                    <a:lstStyle/>
-                    <a:p>
-                      <a:pPr marL="0" marR="0" algn="ctr">
-                        <a:lnSpc>
-                          <a:spcPct val="107000"/>
-                        </a:lnSpc>
-                        <a:spcBef>
-                          <a:spcPts val="0"/>
-                        </a:spcBef>
-                        <a:spcAft>
-                          <a:spcPts val="0"/>
-                        </a:spcAft>
-                      </a:pPr>
-                      <a:r>
-                        <a:rPr lang="en-US" sz="1100" b="1" dirty="0">
-                          <a:effectLst/>
-                        </a:rPr>
-                        <a:t>Source Port Range</a:t>
-                      </a:r>
-                      <a:endParaRPr lang="en-US" sz="1100" b="1" dirty="0">
-                        <a:effectLst/>
-                        <a:latin typeface="Calibri" panose="020F0502020204030204" pitchFamily="34" charset="0"/>
-                        <a:ea typeface="Calibri" panose="020F0502020204030204" pitchFamily="34" charset="0"/>
-                        <a:cs typeface="Times New Roman" panose="02020603050405020304" pitchFamily="18" charset="0"/>
-                      </a:endParaRPr>
-                    </a:p>
-                  </a:txBody>
-                  <a:tcPr marL="68580" marR="68580" marT="0" marB="0"/>
-                </a:tc>
-                <a:tc>
-                  <a:txBody>
-                    <a:bodyPr/>
-                    <a:lstStyle/>
-                    <a:p>
-                      <a:pPr marL="0" marR="0" algn="ctr">
-                        <a:lnSpc>
-                          <a:spcPct val="107000"/>
-                        </a:lnSpc>
-                        <a:spcBef>
-                          <a:spcPts val="0"/>
-                        </a:spcBef>
-                        <a:spcAft>
-                          <a:spcPts val="0"/>
-                        </a:spcAft>
-                      </a:pPr>
-                      <a:r>
-                        <a:rPr lang="en-US" sz="1100" b="1" dirty="0">
-                          <a:effectLst/>
-                        </a:rPr>
-                        <a:t>Destination</a:t>
-                      </a:r>
-                      <a:endParaRPr lang="en-US" sz="1100" b="1" dirty="0">
-                        <a:effectLst/>
-                        <a:latin typeface="Calibri" panose="020F0502020204030204" pitchFamily="34" charset="0"/>
-                        <a:ea typeface="Calibri" panose="020F0502020204030204" pitchFamily="34" charset="0"/>
-                        <a:cs typeface="Times New Roman" panose="02020603050405020304" pitchFamily="18" charset="0"/>
-                      </a:endParaRPr>
-                    </a:p>
-                  </a:txBody>
-                  <a:tcPr marL="68580" marR="68580" marT="0" marB="0"/>
-                </a:tc>
-                <a:tc>
-                  <a:txBody>
-                    <a:bodyPr/>
-                    <a:lstStyle/>
-                    <a:p>
-                      <a:pPr marL="0" marR="0" algn="ctr">
-                        <a:lnSpc>
-                          <a:spcPct val="107000"/>
-                        </a:lnSpc>
-                        <a:spcBef>
-                          <a:spcPts val="0"/>
-                        </a:spcBef>
-                        <a:spcAft>
-                          <a:spcPts val="0"/>
-                        </a:spcAft>
-                      </a:pPr>
-                      <a:r>
-                        <a:rPr lang="en-US" sz="1100" b="1" dirty="0">
-                          <a:effectLst/>
-                        </a:rPr>
-                        <a:t>Dest. Port Range</a:t>
-                      </a:r>
-                      <a:endParaRPr lang="en-US" sz="1100" b="1" dirty="0">
-                        <a:effectLst/>
-                        <a:latin typeface="Calibri" panose="020F0502020204030204" pitchFamily="34" charset="0"/>
-                        <a:ea typeface="Calibri" panose="020F0502020204030204" pitchFamily="34" charset="0"/>
-                        <a:cs typeface="Times New Roman" panose="02020603050405020304" pitchFamily="18" charset="0"/>
-                      </a:endParaRPr>
-                    </a:p>
-                  </a:txBody>
-                  <a:tcPr marL="68580" marR="68580" marT="0" marB="0"/>
-                </a:tc>
-                <a:tc>
-                  <a:txBody>
-                    <a:bodyPr/>
-                    <a:lstStyle/>
-                    <a:p>
-                      <a:pPr marL="0" marR="0" algn="ctr">
-                        <a:lnSpc>
-                          <a:spcPct val="107000"/>
-                        </a:lnSpc>
-                        <a:spcBef>
-                          <a:spcPts val="0"/>
-                        </a:spcBef>
-                        <a:spcAft>
-                          <a:spcPts val="0"/>
-                        </a:spcAft>
-                      </a:pPr>
-                      <a:r>
-                        <a:rPr lang="en-US" sz="1100" b="1" dirty="0">
-                          <a:effectLst/>
-                        </a:rPr>
-                        <a:t>Action</a:t>
-                      </a:r>
-                      <a:endParaRPr lang="en-US" sz="1100" b="1" dirty="0">
-                        <a:effectLst/>
-                        <a:latin typeface="Calibri" panose="020F0502020204030204" pitchFamily="34" charset="0"/>
-                        <a:ea typeface="Calibri" panose="020F0502020204030204" pitchFamily="34" charset="0"/>
-                        <a:cs typeface="Times New Roman" panose="02020603050405020304" pitchFamily="18" charset="0"/>
-                      </a:endParaRPr>
-                    </a:p>
-                  </a:txBody>
-                  <a:tcPr marL="68580" marR="68580" marT="0" marB="0"/>
-                </a:tc>
-                <a:extLst>
-                  <a:ext uri="{0D108BD9-81ED-4DB2-BD59-A6C34878D82A}">
-                    <a16:rowId xmlns:a16="http://schemas.microsoft.com/office/drawing/2014/main" val="1957078121"/>
-                  </a:ext>
-                </a:extLst>
-              </a:tr>
-              <a:tr h="201524">
-                <a:tc>
-                  <a:txBody>
-                    <a:bodyPr/>
-                    <a:lstStyle/>
-                    <a:p>
-                      <a:pPr marL="0" marR="0">
-                        <a:lnSpc>
-                          <a:spcPct val="107000"/>
-                        </a:lnSpc>
-                        <a:spcBef>
-                          <a:spcPts val="0"/>
-                        </a:spcBef>
-                        <a:spcAft>
-                          <a:spcPts val="0"/>
-                        </a:spcAft>
-                      </a:pPr>
-                      <a:r>
-                        <a:rPr lang="en-US" sz="1100" dirty="0">
-                          <a:effectLst/>
-                        </a:rPr>
-                        <a:t>HTTP</a:t>
-                      </a:r>
-                      <a:endParaRPr lang="en-US" sz="1100" dirty="0">
-                        <a:effectLst/>
-                        <a:latin typeface="Calibri" panose="020F0502020204030204" pitchFamily="34" charset="0"/>
-                        <a:ea typeface="Calibri" panose="020F0502020204030204" pitchFamily="34" charset="0"/>
-                        <a:cs typeface="Times New Roman" panose="02020603050405020304" pitchFamily="18" charset="0"/>
-                      </a:endParaRPr>
-                    </a:p>
-                  </a:txBody>
-                  <a:tcPr marL="68580" marR="68580" marT="0" marB="0"/>
-                </a:tc>
-                <a:tc>
-                  <a:txBody>
-                    <a:bodyPr/>
-                    <a:lstStyle/>
-                    <a:p>
-                      <a:pPr marL="0" marR="0">
-                        <a:lnSpc>
-                          <a:spcPct val="107000"/>
-                        </a:lnSpc>
-                        <a:spcBef>
-                          <a:spcPts val="0"/>
-                        </a:spcBef>
-                        <a:spcAft>
-                          <a:spcPts val="0"/>
-                        </a:spcAft>
-                      </a:pPr>
-                      <a:r>
-                        <a:rPr lang="en-US" sz="1100" dirty="0">
-                          <a:effectLst/>
-                        </a:rPr>
-                        <a:t>100</a:t>
-                      </a:r>
-                      <a:endParaRPr lang="en-US" sz="1100" dirty="0">
-                        <a:effectLst/>
-                        <a:latin typeface="Calibri" panose="020F0502020204030204" pitchFamily="34" charset="0"/>
-                        <a:ea typeface="Calibri" panose="020F0502020204030204" pitchFamily="34" charset="0"/>
-                        <a:cs typeface="Times New Roman" panose="02020603050405020304" pitchFamily="18" charset="0"/>
-                      </a:endParaRPr>
-                    </a:p>
-                  </a:txBody>
-                  <a:tcPr marL="68580" marR="68580" marT="0" marB="0"/>
-                </a:tc>
-                <a:tc>
-                  <a:txBody>
-                    <a:bodyPr/>
-                    <a:lstStyle/>
-                    <a:p>
-                      <a:pPr marL="0" marR="0">
-                        <a:lnSpc>
-                          <a:spcPct val="107000"/>
-                        </a:lnSpc>
-                        <a:spcBef>
-                          <a:spcPts val="0"/>
-                        </a:spcBef>
-                        <a:spcAft>
-                          <a:spcPts val="0"/>
-                        </a:spcAft>
-                      </a:pPr>
-                      <a:r>
-                        <a:rPr lang="en-US" sz="1100" dirty="0">
-                          <a:effectLst/>
-                        </a:rPr>
-                        <a:t>ANY</a:t>
-                      </a:r>
-                      <a:endParaRPr lang="en-US" sz="1100" dirty="0">
-                        <a:effectLst/>
-                        <a:latin typeface="Calibri" panose="020F0502020204030204" pitchFamily="34" charset="0"/>
-                        <a:ea typeface="Calibri" panose="020F0502020204030204" pitchFamily="34" charset="0"/>
-                        <a:cs typeface="Times New Roman" panose="02020603050405020304" pitchFamily="18" charset="0"/>
-                      </a:endParaRPr>
-                    </a:p>
-                  </a:txBody>
-                  <a:tcPr marL="68580" marR="68580" marT="0" marB="0"/>
-                </a:tc>
-                <a:tc>
-                  <a:txBody>
-                    <a:bodyPr/>
-                    <a:lstStyle/>
-                    <a:p>
-                      <a:pPr marL="0" marR="0">
-                        <a:lnSpc>
-                          <a:spcPct val="107000"/>
-                        </a:lnSpc>
-                        <a:spcBef>
-                          <a:spcPts val="0"/>
-                        </a:spcBef>
-                        <a:spcAft>
-                          <a:spcPts val="0"/>
-                        </a:spcAft>
-                      </a:pPr>
-                      <a:r>
-                        <a:rPr lang="en-US" sz="1100" dirty="0">
-                          <a:effectLst/>
-                        </a:rPr>
-                        <a:t>TCP</a:t>
-                      </a:r>
-                      <a:endParaRPr lang="en-US" sz="1100" dirty="0">
-                        <a:effectLst/>
-                        <a:latin typeface="Calibri" panose="020F0502020204030204" pitchFamily="34" charset="0"/>
-                        <a:ea typeface="Calibri" panose="020F0502020204030204" pitchFamily="34" charset="0"/>
-                        <a:cs typeface="Times New Roman" panose="02020603050405020304" pitchFamily="18" charset="0"/>
-                      </a:endParaRPr>
-                    </a:p>
-                  </a:txBody>
-                  <a:tcPr marL="68580" marR="68580" marT="0" marB="0"/>
-                </a:tc>
-                <a:tc>
-                  <a:txBody>
-                    <a:bodyPr/>
-                    <a:lstStyle/>
-                    <a:p>
-                      <a:pPr marL="0" marR="0">
-                        <a:lnSpc>
-                          <a:spcPct val="107000"/>
-                        </a:lnSpc>
-                        <a:spcBef>
-                          <a:spcPts val="0"/>
-                        </a:spcBef>
-                        <a:spcAft>
-                          <a:spcPts val="0"/>
-                        </a:spcAft>
-                      </a:pPr>
-                      <a:r>
-                        <a:rPr kumimoji="0" lang="en-US" sz="1100" b="0" i="0" u="none" strike="noStrike" kern="1200" cap="none" spc="0" normalizeH="0" baseline="0" noProof="0" dirty="0">
-                          <a:ln>
-                            <a:noFill/>
-                          </a:ln>
-                          <a:solidFill>
-                            <a:srgbClr val="505050"/>
-                          </a:solidFill>
-                          <a:effectLst/>
-                          <a:uLnTx/>
-                          <a:uFillTx/>
-                          <a:latin typeface="Segoe UI"/>
-                          <a:ea typeface="+mn-ea"/>
-                          <a:cs typeface="+mn-cs"/>
-                        </a:rPr>
-                        <a:t>ANY</a:t>
-                      </a:r>
-                      <a:endParaRPr lang="en-US" sz="1100" dirty="0">
-                        <a:effectLst/>
-                        <a:latin typeface="Calibri" panose="020F0502020204030204" pitchFamily="34" charset="0"/>
-                        <a:ea typeface="Calibri" panose="020F0502020204030204" pitchFamily="34" charset="0"/>
-                        <a:cs typeface="Times New Roman" panose="02020603050405020304" pitchFamily="18" charset="0"/>
-                      </a:endParaRPr>
-                    </a:p>
-                  </a:txBody>
-                  <a:tcPr marL="68580" marR="68580" marT="0" marB="0"/>
-                </a:tc>
-                <a:tc>
-                  <a:txBody>
-                    <a:bodyPr/>
-                    <a:lstStyle/>
-                    <a:p>
-                      <a:pPr marL="0" marR="0">
-                        <a:lnSpc>
-                          <a:spcPct val="107000"/>
-                        </a:lnSpc>
-                        <a:spcBef>
-                          <a:spcPts val="0"/>
-                        </a:spcBef>
-                        <a:spcAft>
-                          <a:spcPts val="0"/>
-                        </a:spcAft>
-                      </a:pPr>
-                      <a:r>
-                        <a:rPr lang="en-US" sz="1100" dirty="0">
-                          <a:effectLst/>
-                        </a:rPr>
-                        <a:t>10.0.0.0/24</a:t>
-                      </a:r>
-                      <a:endParaRPr lang="en-US" sz="1100" dirty="0">
-                        <a:effectLst/>
-                        <a:latin typeface="Calibri" panose="020F0502020204030204" pitchFamily="34" charset="0"/>
-                        <a:ea typeface="Calibri" panose="020F0502020204030204" pitchFamily="34" charset="0"/>
-                        <a:cs typeface="Times New Roman" panose="02020603050405020304" pitchFamily="18" charset="0"/>
-                      </a:endParaRPr>
-                    </a:p>
-                  </a:txBody>
-                  <a:tcPr marL="68580" marR="68580" marT="0" marB="0"/>
-                </a:tc>
-                <a:tc>
-                  <a:txBody>
-                    <a:bodyPr/>
-                    <a:lstStyle/>
-                    <a:p>
-                      <a:pPr marL="0" marR="0">
-                        <a:lnSpc>
-                          <a:spcPct val="107000"/>
-                        </a:lnSpc>
-                        <a:spcBef>
-                          <a:spcPts val="0"/>
-                        </a:spcBef>
-                        <a:spcAft>
-                          <a:spcPts val="0"/>
-                        </a:spcAft>
-                      </a:pPr>
-                      <a:r>
-                        <a:rPr lang="en-US" sz="1100" dirty="0">
-                          <a:effectLst/>
-                        </a:rPr>
-                        <a:t>80</a:t>
-                      </a:r>
-                      <a:endParaRPr lang="en-US" sz="1100" dirty="0">
-                        <a:effectLst/>
-                        <a:latin typeface="Calibri" panose="020F0502020204030204" pitchFamily="34" charset="0"/>
-                        <a:ea typeface="Calibri" panose="020F0502020204030204" pitchFamily="34" charset="0"/>
-                        <a:cs typeface="Times New Roman" panose="02020603050405020304" pitchFamily="18" charset="0"/>
-                      </a:endParaRPr>
-                    </a:p>
-                  </a:txBody>
-                  <a:tcPr marL="68580" marR="68580" marT="0" marB="0"/>
-                </a:tc>
-                <a:tc>
-                  <a:txBody>
-                    <a:bodyPr/>
-                    <a:lstStyle/>
-                    <a:p>
-                      <a:pPr marL="0" marR="0">
-                        <a:lnSpc>
-                          <a:spcPct val="107000"/>
-                        </a:lnSpc>
-                        <a:spcBef>
-                          <a:spcPts val="0"/>
-                        </a:spcBef>
-                        <a:spcAft>
-                          <a:spcPts val="0"/>
-                        </a:spcAft>
-                      </a:pPr>
-                      <a:r>
-                        <a:rPr lang="en-US" sz="1100" dirty="0">
-                          <a:effectLst/>
-                        </a:rPr>
-                        <a:t>ALLOW</a:t>
-                      </a:r>
-                      <a:endParaRPr lang="en-US" sz="1100" dirty="0">
-                        <a:effectLst/>
-                        <a:latin typeface="Calibri" panose="020F0502020204030204" pitchFamily="34" charset="0"/>
-                        <a:ea typeface="Calibri" panose="020F0502020204030204" pitchFamily="34" charset="0"/>
-                        <a:cs typeface="Times New Roman" panose="02020603050405020304" pitchFamily="18" charset="0"/>
-                      </a:endParaRPr>
-                    </a:p>
-                  </a:txBody>
-                  <a:tcPr marL="68580" marR="68580" marT="0" marB="0"/>
-                </a:tc>
-                <a:extLst>
-                  <a:ext uri="{0D108BD9-81ED-4DB2-BD59-A6C34878D82A}">
-                    <a16:rowId xmlns:a16="http://schemas.microsoft.com/office/drawing/2014/main" val="1499745191"/>
-                  </a:ext>
-                </a:extLst>
-              </a:tr>
-              <a:tr h="201524">
-                <a:tc>
-                  <a:txBody>
-                    <a:bodyPr/>
-                    <a:lstStyle/>
-                    <a:p>
-                      <a:pPr marL="0" marR="0">
-                        <a:lnSpc>
-                          <a:spcPct val="107000"/>
-                        </a:lnSpc>
-                        <a:spcBef>
-                          <a:spcPts val="0"/>
-                        </a:spcBef>
-                        <a:spcAft>
-                          <a:spcPts val="0"/>
-                        </a:spcAft>
-                      </a:pPr>
-                      <a:r>
-                        <a:rPr lang="en-US" sz="1100" dirty="0">
-                          <a:effectLst/>
-                        </a:rPr>
-                        <a:t>HTTPS</a:t>
-                      </a:r>
-                      <a:endParaRPr lang="en-US" sz="1100" dirty="0">
-                        <a:effectLst/>
-                        <a:latin typeface="Calibri" panose="020F0502020204030204" pitchFamily="34" charset="0"/>
-                        <a:ea typeface="Calibri" panose="020F0502020204030204" pitchFamily="34" charset="0"/>
-                        <a:cs typeface="Times New Roman" panose="02020603050405020304" pitchFamily="18" charset="0"/>
-                      </a:endParaRPr>
-                    </a:p>
-                  </a:txBody>
-                  <a:tcPr marL="68580" marR="68580" marT="0" marB="0"/>
-                </a:tc>
-                <a:tc>
-                  <a:txBody>
-                    <a:bodyPr/>
-                    <a:lstStyle/>
-                    <a:p>
-                      <a:pPr marL="0" marR="0">
-                        <a:lnSpc>
-                          <a:spcPct val="107000"/>
-                        </a:lnSpc>
-                        <a:spcBef>
-                          <a:spcPts val="0"/>
-                        </a:spcBef>
-                        <a:spcAft>
-                          <a:spcPts val="0"/>
-                        </a:spcAft>
-                      </a:pPr>
-                      <a:r>
-                        <a:rPr lang="en-US" sz="1100" dirty="0">
-                          <a:effectLst/>
-                        </a:rPr>
-                        <a:t>110</a:t>
-                      </a:r>
-                      <a:endParaRPr lang="en-US" sz="1100" dirty="0">
-                        <a:effectLst/>
-                        <a:latin typeface="Calibri" panose="020F0502020204030204" pitchFamily="34" charset="0"/>
-                        <a:ea typeface="Calibri" panose="020F0502020204030204" pitchFamily="34" charset="0"/>
-                        <a:cs typeface="Times New Roman" panose="02020603050405020304" pitchFamily="18" charset="0"/>
-                      </a:endParaRPr>
-                    </a:p>
-                  </a:txBody>
-                  <a:tcPr marL="68580" marR="68580" marT="0" marB="0"/>
-                </a:tc>
-                <a:tc>
-                  <a:txBody>
-                    <a:bodyPr/>
-                    <a:lstStyle/>
-                    <a:p>
-                      <a:pPr marL="0" marR="0">
-                        <a:lnSpc>
-                          <a:spcPct val="107000"/>
-                        </a:lnSpc>
-                        <a:spcBef>
-                          <a:spcPts val="0"/>
-                        </a:spcBef>
-                        <a:spcAft>
-                          <a:spcPts val="0"/>
-                        </a:spcAft>
-                      </a:pPr>
-                      <a:r>
-                        <a:rPr lang="en-US" sz="1100" dirty="0">
-                          <a:effectLst/>
-                        </a:rPr>
-                        <a:t>ANY</a:t>
-                      </a:r>
-                      <a:endParaRPr lang="en-US" sz="1100" dirty="0">
-                        <a:effectLst/>
-                        <a:latin typeface="Calibri" panose="020F0502020204030204" pitchFamily="34" charset="0"/>
-                        <a:ea typeface="Calibri" panose="020F0502020204030204" pitchFamily="34" charset="0"/>
-                        <a:cs typeface="Times New Roman" panose="02020603050405020304" pitchFamily="18" charset="0"/>
-                      </a:endParaRPr>
-                    </a:p>
-                  </a:txBody>
-                  <a:tcPr marL="68580" marR="68580" marT="0" marB="0"/>
-                </a:tc>
-                <a:tc>
-                  <a:txBody>
-                    <a:bodyPr/>
-                    <a:lstStyle/>
-                    <a:p>
-                      <a:pPr marL="0" marR="0">
-                        <a:lnSpc>
-                          <a:spcPct val="107000"/>
-                        </a:lnSpc>
-                        <a:spcBef>
-                          <a:spcPts val="0"/>
-                        </a:spcBef>
-                        <a:spcAft>
-                          <a:spcPts val="0"/>
-                        </a:spcAft>
-                      </a:pPr>
-                      <a:r>
-                        <a:rPr lang="en-US" sz="1100" dirty="0">
-                          <a:effectLst/>
-                        </a:rPr>
-                        <a:t>TCP</a:t>
-                      </a:r>
-                      <a:endParaRPr lang="en-US" sz="1100" dirty="0">
-                        <a:effectLst/>
-                        <a:latin typeface="Calibri" panose="020F0502020204030204" pitchFamily="34" charset="0"/>
-                        <a:ea typeface="Calibri" panose="020F0502020204030204" pitchFamily="34" charset="0"/>
-                        <a:cs typeface="Times New Roman" panose="02020603050405020304" pitchFamily="18" charset="0"/>
-                      </a:endParaRPr>
-                    </a:p>
-                  </a:txBody>
-                  <a:tcPr marL="68580" marR="68580" marT="0" marB="0"/>
-                </a:tc>
-                <a:tc>
-                  <a:txBody>
-                    <a:bodyPr/>
-                    <a:lstStyle/>
-                    <a:p>
-                      <a:pPr marL="0" marR="0">
-                        <a:lnSpc>
-                          <a:spcPct val="107000"/>
-                        </a:lnSpc>
-                        <a:spcBef>
-                          <a:spcPts val="0"/>
-                        </a:spcBef>
-                        <a:spcAft>
-                          <a:spcPts val="0"/>
-                        </a:spcAft>
-                      </a:pPr>
-                      <a:r>
-                        <a:rPr kumimoji="0" lang="en-US" sz="1100" b="0" i="0" u="none" strike="noStrike" kern="1200" cap="none" spc="0" normalizeH="0" baseline="0" noProof="0" dirty="0">
-                          <a:ln>
-                            <a:noFill/>
-                          </a:ln>
-                          <a:solidFill>
-                            <a:srgbClr val="505050"/>
-                          </a:solidFill>
-                          <a:effectLst/>
-                          <a:uLnTx/>
-                          <a:uFillTx/>
-                          <a:latin typeface="Segoe UI"/>
-                          <a:ea typeface="+mn-ea"/>
-                          <a:cs typeface="+mn-cs"/>
-                        </a:rPr>
-                        <a:t>ANY</a:t>
-                      </a:r>
-                      <a:endParaRPr lang="en-US" sz="1100" dirty="0">
-                        <a:effectLst/>
-                        <a:latin typeface="Calibri" panose="020F0502020204030204" pitchFamily="34" charset="0"/>
-                        <a:ea typeface="Calibri" panose="020F0502020204030204" pitchFamily="34" charset="0"/>
-                        <a:cs typeface="Times New Roman" panose="02020603050405020304" pitchFamily="18" charset="0"/>
-                      </a:endParaRPr>
-                    </a:p>
-                  </a:txBody>
-                  <a:tcPr marL="68580" marR="68580" marT="0" marB="0"/>
-                </a:tc>
-                <a:tc>
-                  <a:txBody>
-                    <a:bodyPr/>
-                    <a:lstStyle/>
-                    <a:p>
-                      <a:pPr marL="0" marR="0">
-                        <a:lnSpc>
-                          <a:spcPct val="107000"/>
-                        </a:lnSpc>
-                        <a:spcBef>
-                          <a:spcPts val="0"/>
-                        </a:spcBef>
-                        <a:spcAft>
-                          <a:spcPts val="0"/>
-                        </a:spcAft>
-                      </a:pPr>
-                      <a:r>
-                        <a:rPr lang="en-US" sz="1100" dirty="0">
-                          <a:effectLst/>
-                        </a:rPr>
-                        <a:t>10.0.0.0/24</a:t>
-                      </a:r>
-                      <a:endParaRPr lang="en-US" sz="1100" dirty="0">
-                        <a:effectLst/>
-                        <a:latin typeface="Calibri" panose="020F0502020204030204" pitchFamily="34" charset="0"/>
-                        <a:ea typeface="Calibri" panose="020F0502020204030204" pitchFamily="34" charset="0"/>
-                        <a:cs typeface="Times New Roman" panose="02020603050405020304" pitchFamily="18" charset="0"/>
-                      </a:endParaRPr>
-                    </a:p>
-                  </a:txBody>
-                  <a:tcPr marL="68580" marR="68580" marT="0" marB="0"/>
-                </a:tc>
-                <a:tc>
-                  <a:txBody>
-                    <a:bodyPr/>
-                    <a:lstStyle/>
-                    <a:p>
-                      <a:pPr marL="0" marR="0">
-                        <a:lnSpc>
-                          <a:spcPct val="107000"/>
-                        </a:lnSpc>
-                        <a:spcBef>
-                          <a:spcPts val="0"/>
-                        </a:spcBef>
-                        <a:spcAft>
-                          <a:spcPts val="0"/>
-                        </a:spcAft>
-                      </a:pPr>
-                      <a:r>
-                        <a:rPr lang="en-US" sz="1100" dirty="0">
-                          <a:effectLst/>
-                        </a:rPr>
-                        <a:t>443</a:t>
-                      </a:r>
-                      <a:endParaRPr lang="en-US" sz="1100" dirty="0">
-                        <a:effectLst/>
-                        <a:latin typeface="Calibri" panose="020F0502020204030204" pitchFamily="34" charset="0"/>
-                        <a:ea typeface="Calibri" panose="020F0502020204030204" pitchFamily="34" charset="0"/>
-                        <a:cs typeface="Times New Roman" panose="02020603050405020304" pitchFamily="18" charset="0"/>
-                      </a:endParaRPr>
-                    </a:p>
-                  </a:txBody>
-                  <a:tcPr marL="68580" marR="68580" marT="0" marB="0"/>
-                </a:tc>
-                <a:tc>
-                  <a:txBody>
-                    <a:bodyPr/>
-                    <a:lstStyle/>
-                    <a:p>
-                      <a:pPr marL="0" marR="0" lvl="0" indent="0" algn="l" defTabSz="685710" rtl="0" eaLnBrk="1" fontAlgn="auto" latinLnBrk="0" hangingPunct="1">
-                        <a:lnSpc>
-                          <a:spcPct val="107000"/>
-                        </a:lnSpc>
-                        <a:spcBef>
-                          <a:spcPts val="0"/>
-                        </a:spcBef>
-                        <a:spcAft>
-                          <a:spcPts val="0"/>
-                        </a:spcAft>
-                        <a:buClrTx/>
-                        <a:buSzTx/>
-                        <a:buFontTx/>
-                        <a:buNone/>
-                        <a:tabLst/>
-                        <a:defRPr/>
-                      </a:pPr>
-                      <a:r>
-                        <a:rPr kumimoji="0" lang="en-US" sz="1100" b="0" i="0" u="none" strike="noStrike" kern="1200" cap="none" spc="0" normalizeH="0" baseline="0" noProof="0" dirty="0">
-                          <a:ln>
-                            <a:noFill/>
-                          </a:ln>
-                          <a:solidFill>
-                            <a:srgbClr val="505050"/>
-                          </a:solidFill>
-                          <a:effectLst/>
-                          <a:uLnTx/>
-                          <a:uFillTx/>
-                          <a:latin typeface="Segoe UI"/>
-                          <a:ea typeface="+mn-ea"/>
-                          <a:cs typeface="+mn-cs"/>
-                        </a:rPr>
-                        <a:t>ALLOW</a:t>
-                      </a:r>
-                      <a:endParaRPr kumimoji="0" lang="en-US" sz="1100" b="0" i="0" u="none" strike="noStrike" kern="1200" cap="none" spc="0" normalizeH="0" baseline="0" noProof="0" dirty="0">
-                        <a:ln>
-                          <a:noFill/>
-                        </a:ln>
-                        <a:solidFill>
-                          <a:srgbClr val="505050"/>
-                        </a:solidFill>
-                        <a:effectLst/>
-                        <a:uLnTx/>
-                        <a:uFillTx/>
-                        <a:latin typeface="Calibri" panose="020F0502020204030204" pitchFamily="34" charset="0"/>
-                        <a:ea typeface="Calibri" panose="020F0502020204030204" pitchFamily="34" charset="0"/>
-                        <a:cs typeface="Times New Roman" panose="02020603050405020304" pitchFamily="18" charset="0"/>
-                      </a:endParaRPr>
-                    </a:p>
-                  </a:txBody>
-                  <a:tcPr marL="68580" marR="68580" marT="0" marB="0"/>
-                </a:tc>
-                <a:extLst>
-                  <a:ext uri="{0D108BD9-81ED-4DB2-BD59-A6C34878D82A}">
-                    <a16:rowId xmlns:a16="http://schemas.microsoft.com/office/drawing/2014/main" val="2024451721"/>
-                  </a:ext>
-                </a:extLst>
-              </a:tr>
-              <a:tr h="226126">
-                <a:tc>
-                  <a:txBody>
-                    <a:bodyPr/>
-                    <a:lstStyle/>
-                    <a:p>
-                      <a:pPr marL="0" marR="0">
-                        <a:lnSpc>
-                          <a:spcPct val="107000"/>
-                        </a:lnSpc>
-                        <a:spcBef>
-                          <a:spcPts val="0"/>
-                        </a:spcBef>
-                        <a:spcAft>
-                          <a:spcPts val="0"/>
-                        </a:spcAft>
-                      </a:pPr>
-                      <a:r>
-                        <a:rPr lang="en-US" sz="1100" dirty="0">
-                          <a:effectLst/>
-                        </a:rPr>
-                        <a:t>RDP</a:t>
-                      </a:r>
-                      <a:endParaRPr lang="en-US" sz="1100" dirty="0">
-                        <a:effectLst/>
-                        <a:latin typeface="Calibri" panose="020F0502020204030204" pitchFamily="34" charset="0"/>
-                        <a:ea typeface="Calibri" panose="020F0502020204030204" pitchFamily="34" charset="0"/>
-                        <a:cs typeface="Times New Roman" panose="02020603050405020304" pitchFamily="18" charset="0"/>
-                      </a:endParaRPr>
-                    </a:p>
-                  </a:txBody>
-                  <a:tcPr marL="68580" marR="68580" marT="0" marB="0"/>
-                </a:tc>
-                <a:tc>
-                  <a:txBody>
-                    <a:bodyPr/>
-                    <a:lstStyle/>
-                    <a:p>
-                      <a:pPr marL="0" marR="0">
-                        <a:lnSpc>
-                          <a:spcPct val="107000"/>
-                        </a:lnSpc>
-                        <a:spcBef>
-                          <a:spcPts val="0"/>
-                        </a:spcBef>
-                        <a:spcAft>
-                          <a:spcPts val="0"/>
-                        </a:spcAft>
-                      </a:pPr>
-                      <a:r>
-                        <a:rPr lang="en-US" sz="1100" dirty="0">
-                          <a:effectLst/>
-                        </a:rPr>
-                        <a:t>120</a:t>
-                      </a:r>
-                      <a:endParaRPr lang="en-US" sz="1100" dirty="0">
-                        <a:effectLst/>
-                        <a:latin typeface="Calibri" panose="020F0502020204030204" pitchFamily="34" charset="0"/>
-                        <a:ea typeface="Calibri" panose="020F0502020204030204" pitchFamily="34" charset="0"/>
-                        <a:cs typeface="Times New Roman" panose="02020603050405020304" pitchFamily="18" charset="0"/>
-                      </a:endParaRPr>
-                    </a:p>
-                  </a:txBody>
-                  <a:tcPr marL="68580" marR="68580" marT="0" marB="0"/>
-                </a:tc>
-                <a:tc>
-                  <a:txBody>
-                    <a:bodyPr/>
-                    <a:lstStyle/>
-                    <a:p>
-                      <a:pPr marL="0" marR="0">
-                        <a:lnSpc>
-                          <a:spcPct val="107000"/>
-                        </a:lnSpc>
-                        <a:spcBef>
-                          <a:spcPts val="0"/>
-                        </a:spcBef>
-                        <a:spcAft>
-                          <a:spcPts val="0"/>
-                        </a:spcAft>
-                      </a:pPr>
-                      <a:r>
-                        <a:rPr lang="en-US" sz="1100" dirty="0">
-                          <a:effectLst/>
-                        </a:rPr>
-                        <a:t>192.168.1.0/23</a:t>
-                      </a:r>
-                      <a:endParaRPr lang="en-US" sz="1100" dirty="0">
-                        <a:effectLst/>
-                        <a:latin typeface="Calibri" panose="020F0502020204030204" pitchFamily="34" charset="0"/>
-                        <a:ea typeface="Calibri" panose="020F0502020204030204" pitchFamily="34" charset="0"/>
-                        <a:cs typeface="Times New Roman" panose="02020603050405020304" pitchFamily="18" charset="0"/>
-                      </a:endParaRPr>
-                    </a:p>
-                  </a:txBody>
-                  <a:tcPr marL="68580" marR="68580" marT="0" marB="0"/>
-                </a:tc>
-                <a:tc>
-                  <a:txBody>
-                    <a:bodyPr/>
-                    <a:lstStyle/>
-                    <a:p>
-                      <a:pPr marL="0" marR="0">
-                        <a:lnSpc>
-                          <a:spcPct val="107000"/>
-                        </a:lnSpc>
-                        <a:spcBef>
-                          <a:spcPts val="0"/>
-                        </a:spcBef>
-                        <a:spcAft>
-                          <a:spcPts val="0"/>
-                        </a:spcAft>
-                      </a:pPr>
-                      <a:r>
-                        <a:rPr lang="en-US" sz="1100" dirty="0">
-                          <a:effectLst/>
-                        </a:rPr>
-                        <a:t>ANY</a:t>
-                      </a:r>
-                      <a:endParaRPr lang="en-US" sz="1100" dirty="0">
-                        <a:effectLst/>
-                        <a:latin typeface="Calibri" panose="020F0502020204030204" pitchFamily="34" charset="0"/>
-                        <a:ea typeface="Calibri" panose="020F0502020204030204" pitchFamily="34" charset="0"/>
-                        <a:cs typeface="Times New Roman" panose="02020603050405020304" pitchFamily="18" charset="0"/>
-                      </a:endParaRPr>
-                    </a:p>
-                  </a:txBody>
-                  <a:tcPr marL="68580" marR="68580" marT="0" marB="0"/>
-                </a:tc>
-                <a:tc>
-                  <a:txBody>
-                    <a:bodyPr/>
-                    <a:lstStyle/>
-                    <a:p>
-                      <a:pPr marL="0" marR="0">
-                        <a:lnSpc>
-                          <a:spcPct val="107000"/>
-                        </a:lnSpc>
-                        <a:spcBef>
-                          <a:spcPts val="0"/>
-                        </a:spcBef>
-                        <a:spcAft>
-                          <a:spcPts val="0"/>
-                        </a:spcAft>
-                      </a:pPr>
-                      <a:r>
-                        <a:rPr lang="en-US" sz="1100" dirty="0">
-                          <a:effectLst/>
-                        </a:rPr>
-                        <a:t>ANY</a:t>
-                      </a:r>
-                      <a:endParaRPr lang="en-US" sz="1100" dirty="0">
-                        <a:effectLst/>
-                        <a:latin typeface="Calibri" panose="020F0502020204030204" pitchFamily="34" charset="0"/>
-                        <a:ea typeface="Calibri" panose="020F0502020204030204" pitchFamily="34" charset="0"/>
-                        <a:cs typeface="Times New Roman" panose="02020603050405020304" pitchFamily="18" charset="0"/>
-                      </a:endParaRPr>
-                    </a:p>
-                  </a:txBody>
-                  <a:tcPr marL="68580" marR="68580" marT="0" marB="0"/>
-                </a:tc>
-                <a:tc>
-                  <a:txBody>
-                    <a:bodyPr/>
-                    <a:lstStyle/>
-                    <a:p>
-                      <a:pPr marL="0" marR="0">
-                        <a:lnSpc>
-                          <a:spcPct val="107000"/>
-                        </a:lnSpc>
-                        <a:spcBef>
-                          <a:spcPts val="0"/>
-                        </a:spcBef>
-                        <a:spcAft>
-                          <a:spcPts val="0"/>
-                        </a:spcAft>
-                      </a:pPr>
-                      <a:r>
-                        <a:rPr lang="en-US" sz="1100" dirty="0">
-                          <a:effectLst/>
-                        </a:rPr>
-                        <a:t>10.0.0.0/24</a:t>
-                      </a:r>
-                      <a:endParaRPr lang="en-US" sz="1100" dirty="0">
-                        <a:effectLst/>
-                        <a:latin typeface="Calibri" panose="020F0502020204030204" pitchFamily="34" charset="0"/>
-                        <a:ea typeface="Calibri" panose="020F0502020204030204" pitchFamily="34" charset="0"/>
-                        <a:cs typeface="Times New Roman" panose="02020603050405020304" pitchFamily="18" charset="0"/>
-                      </a:endParaRPr>
-                    </a:p>
-                  </a:txBody>
-                  <a:tcPr marL="68580" marR="68580" marT="0" marB="0"/>
-                </a:tc>
-                <a:tc>
-                  <a:txBody>
-                    <a:bodyPr/>
-                    <a:lstStyle/>
-                    <a:p>
-                      <a:pPr marL="0" marR="0">
-                        <a:lnSpc>
-                          <a:spcPct val="107000"/>
-                        </a:lnSpc>
-                        <a:spcBef>
-                          <a:spcPts val="0"/>
-                        </a:spcBef>
-                        <a:spcAft>
-                          <a:spcPts val="0"/>
-                        </a:spcAft>
-                      </a:pPr>
-                      <a:r>
-                        <a:rPr lang="en-US" sz="1100" dirty="0">
-                          <a:effectLst/>
-                        </a:rPr>
-                        <a:t>3389</a:t>
-                      </a:r>
-                      <a:endParaRPr lang="en-US" sz="1100" dirty="0">
-                        <a:effectLst/>
-                        <a:latin typeface="Calibri" panose="020F0502020204030204" pitchFamily="34" charset="0"/>
-                        <a:ea typeface="Calibri" panose="020F0502020204030204" pitchFamily="34" charset="0"/>
-                        <a:cs typeface="Times New Roman" panose="02020603050405020304" pitchFamily="18" charset="0"/>
-                      </a:endParaRPr>
-                    </a:p>
-                  </a:txBody>
-                  <a:tcPr marL="68580" marR="68580" marT="0" marB="0"/>
-                </a:tc>
-                <a:tc>
-                  <a:txBody>
-                    <a:bodyPr/>
-                    <a:lstStyle/>
-                    <a:p>
-                      <a:pPr marL="0" marR="0" lvl="0" indent="0" algn="l" defTabSz="685710" rtl="0" eaLnBrk="1" fontAlgn="auto" latinLnBrk="0" hangingPunct="1">
-                        <a:lnSpc>
-                          <a:spcPct val="107000"/>
-                        </a:lnSpc>
-                        <a:spcBef>
-                          <a:spcPts val="0"/>
-                        </a:spcBef>
-                        <a:spcAft>
-                          <a:spcPts val="0"/>
-                        </a:spcAft>
-                        <a:buClrTx/>
-                        <a:buSzTx/>
-                        <a:buFontTx/>
-                        <a:buNone/>
-                        <a:tabLst/>
-                        <a:defRPr/>
-                      </a:pPr>
-                      <a:r>
-                        <a:rPr kumimoji="0" lang="en-US" sz="1100" b="0" i="0" u="none" strike="noStrike" kern="1200" cap="none" spc="0" normalizeH="0" baseline="0" noProof="0" dirty="0">
-                          <a:ln>
-                            <a:noFill/>
-                          </a:ln>
-                          <a:solidFill>
-                            <a:srgbClr val="505050"/>
-                          </a:solidFill>
-                          <a:effectLst/>
-                          <a:uLnTx/>
-                          <a:uFillTx/>
-                          <a:latin typeface="Segoe UI"/>
-                          <a:ea typeface="+mn-ea"/>
-                          <a:cs typeface="+mn-cs"/>
-                        </a:rPr>
-                        <a:t>ALLOW</a:t>
-                      </a:r>
-                      <a:endParaRPr kumimoji="0" lang="en-US" sz="1100" b="0" i="0" u="none" strike="noStrike" kern="1200" cap="none" spc="0" normalizeH="0" baseline="0" noProof="0" dirty="0">
-                        <a:ln>
-                          <a:noFill/>
-                        </a:ln>
-                        <a:solidFill>
-                          <a:srgbClr val="505050"/>
-                        </a:solidFill>
-                        <a:effectLst/>
-                        <a:uLnTx/>
-                        <a:uFillTx/>
-                        <a:latin typeface="Calibri" panose="020F0502020204030204" pitchFamily="34" charset="0"/>
-                        <a:ea typeface="Calibri" panose="020F0502020204030204" pitchFamily="34" charset="0"/>
-                        <a:cs typeface="Times New Roman" panose="02020603050405020304" pitchFamily="18" charset="0"/>
-                      </a:endParaRPr>
-                    </a:p>
-                  </a:txBody>
-                  <a:tcPr marL="68580" marR="68580" marT="0" marB="0"/>
-                </a:tc>
-                <a:extLst>
-                  <a:ext uri="{0D108BD9-81ED-4DB2-BD59-A6C34878D82A}">
-                    <a16:rowId xmlns:a16="http://schemas.microsoft.com/office/drawing/2014/main" val="3842953994"/>
-                  </a:ext>
-                </a:extLst>
-              </a:tr>
-            </a:tbl>
-          </a:graphicData>
-        </a:graphic>
-      </p:graphicFrame>
-      <p:graphicFrame>
-        <p:nvGraphicFramePr>
-          <p:cNvPr id="5" name="Table 4"/>
-          <p:cNvGraphicFramePr>
-            <a:graphicFrameLocks noGrp="1"/>
-          </p:cNvGraphicFramePr>
-          <p:nvPr>
-            <p:extLst>
-              <p:ext uri="{D42A27DB-BD31-4B8C-83A1-F6EECF244321}">
-                <p14:modId xmlns:p14="http://schemas.microsoft.com/office/powerpoint/2010/main" val="82196705"/>
-              </p:ext>
-            </p:extLst>
-          </p:nvPr>
-        </p:nvGraphicFramePr>
-        <p:xfrm>
-          <a:off x="395764" y="3795166"/>
-          <a:ext cx="11241022" cy="851535"/>
-        </p:xfrm>
-        <a:graphic>
-          <a:graphicData uri="http://schemas.openxmlformats.org/drawingml/2006/table">
-            <a:tbl>
-              <a:tblPr firstRow="1" firstCol="1" bandRow="1">
-                <a:tableStyleId>{5C22544A-7EE6-4342-B048-85BDC9FD1C3A}</a:tableStyleId>
-              </a:tblPr>
-              <a:tblGrid>
-                <a:gridCol w="1277990">
-                  <a:extLst>
-                    <a:ext uri="{9D8B030D-6E8A-4147-A177-3AD203B41FA5}">
-                      <a16:colId xmlns:a16="http://schemas.microsoft.com/office/drawing/2014/main" val="609838921"/>
-                    </a:ext>
-                  </a:extLst>
-                </a:gridCol>
-                <a:gridCol w="1315260">
-                  <a:extLst>
-                    <a:ext uri="{9D8B030D-6E8A-4147-A177-3AD203B41FA5}">
-                      <a16:colId xmlns:a16="http://schemas.microsoft.com/office/drawing/2014/main" val="1095997788"/>
-                    </a:ext>
-                  </a:extLst>
-                </a:gridCol>
-                <a:gridCol w="1903159">
-                  <a:extLst>
-                    <a:ext uri="{9D8B030D-6E8A-4147-A177-3AD203B41FA5}">
-                      <a16:colId xmlns:a16="http://schemas.microsoft.com/office/drawing/2014/main" val="1672240164"/>
-                    </a:ext>
-                  </a:extLst>
-                </a:gridCol>
-                <a:gridCol w="1073621">
-                  <a:extLst>
-                    <a:ext uri="{9D8B030D-6E8A-4147-A177-3AD203B41FA5}">
-                      <a16:colId xmlns:a16="http://schemas.microsoft.com/office/drawing/2014/main" val="718375582"/>
-                    </a:ext>
-                  </a:extLst>
-                </a:gridCol>
-                <a:gridCol w="1438183">
-                  <a:extLst>
-                    <a:ext uri="{9D8B030D-6E8A-4147-A177-3AD203B41FA5}">
-                      <a16:colId xmlns:a16="http://schemas.microsoft.com/office/drawing/2014/main" val="1478949311"/>
-                    </a:ext>
-                  </a:extLst>
-                </a:gridCol>
-                <a:gridCol w="1667211">
-                  <a:extLst>
-                    <a:ext uri="{9D8B030D-6E8A-4147-A177-3AD203B41FA5}">
-                      <a16:colId xmlns:a16="http://schemas.microsoft.com/office/drawing/2014/main" val="1397828947"/>
-                    </a:ext>
-                  </a:extLst>
-                </a:gridCol>
-                <a:gridCol w="1277990">
-                  <a:extLst>
-                    <a:ext uri="{9D8B030D-6E8A-4147-A177-3AD203B41FA5}">
-                      <a16:colId xmlns:a16="http://schemas.microsoft.com/office/drawing/2014/main" val="2676054075"/>
-                    </a:ext>
-                  </a:extLst>
-                </a:gridCol>
-                <a:gridCol w="1287608">
-                  <a:extLst>
-                    <a:ext uri="{9D8B030D-6E8A-4147-A177-3AD203B41FA5}">
-                      <a16:colId xmlns:a16="http://schemas.microsoft.com/office/drawing/2014/main" val="3362739431"/>
-                    </a:ext>
-                  </a:extLst>
-                </a:gridCol>
-              </a:tblGrid>
-              <a:tr h="0">
-                <a:tc gridSpan="8">
-                  <a:txBody>
-                    <a:bodyPr/>
-                    <a:lstStyle/>
-                    <a:p>
-                      <a:pPr marL="0" marR="0">
-                        <a:lnSpc>
-                          <a:spcPct val="107000"/>
-                        </a:lnSpc>
-                        <a:spcBef>
-                          <a:spcPts val="0"/>
-                        </a:spcBef>
-                        <a:spcAft>
-                          <a:spcPts val="0"/>
-                        </a:spcAft>
-                      </a:pPr>
-                      <a:r>
-                        <a:rPr lang="en-US" sz="1100" dirty="0">
-                          <a:effectLst/>
-                        </a:rPr>
-                        <a:t>Data Tier NSG</a:t>
-                      </a:r>
-                      <a:endParaRPr lang="en-US" sz="1100" dirty="0">
-                        <a:effectLst/>
-                        <a:latin typeface="Calibri" panose="020F0502020204030204" pitchFamily="34" charset="0"/>
-                        <a:ea typeface="Calibri" panose="020F0502020204030204" pitchFamily="34" charset="0"/>
-                        <a:cs typeface="Times New Roman" panose="02020603050405020304" pitchFamily="18" charset="0"/>
-                      </a:endParaRPr>
-                    </a:p>
-                  </a:txBody>
-                  <a:tcPr marL="68580" marR="68580" marT="0" marB="0"/>
-                </a:tc>
-                <a:tc hMerge="1">
-                  <a:txBody>
-                    <a:bodyPr/>
-                    <a:lstStyle/>
-                    <a:p>
-                      <a:endParaRPr lang="en-US"/>
-                    </a:p>
-                  </a:txBody>
-                  <a:tcPr/>
-                </a:tc>
-                <a:tc hMerge="1">
-                  <a:txBody>
-                    <a:bodyPr/>
-                    <a:lstStyle/>
-                    <a:p>
-                      <a:endParaRPr lang="en-US"/>
-                    </a:p>
-                  </a:txBody>
-                  <a:tcPr/>
-                </a:tc>
-                <a:tc hMerge="1">
-                  <a:txBody>
-                    <a:bodyPr/>
-                    <a:lstStyle/>
-                    <a:p>
-                      <a:endParaRPr lang="en-US"/>
-                    </a:p>
-                  </a:txBody>
-                  <a:tcPr/>
-                </a:tc>
-                <a:tc hMerge="1">
-                  <a:txBody>
-                    <a:bodyPr/>
-                    <a:lstStyle/>
-                    <a:p>
-                      <a:endParaRPr lang="en-US"/>
-                    </a:p>
-                  </a:txBody>
-                  <a:tcPr/>
-                </a:tc>
-                <a:tc hMerge="1">
-                  <a:txBody>
-                    <a:bodyPr/>
-                    <a:lstStyle/>
-                    <a:p>
-                      <a:endParaRPr lang="en-US"/>
-                    </a:p>
-                  </a:txBody>
-                  <a:tcPr/>
-                </a:tc>
-                <a:tc hMerge="1">
-                  <a:txBody>
-                    <a:bodyPr/>
-                    <a:lstStyle/>
-                    <a:p>
-                      <a:endParaRPr lang="en-US"/>
-                    </a:p>
-                  </a:txBody>
-                  <a:tcPr/>
-                </a:tc>
-                <a:tc hMerge="1">
-                  <a:txBody>
-                    <a:bodyPr/>
-                    <a:lstStyle/>
-                    <a:p>
-                      <a:endParaRPr lang="en-US"/>
-                    </a:p>
-                  </a:txBody>
-                  <a:tcPr/>
-                </a:tc>
-                <a:extLst>
-                  <a:ext uri="{0D108BD9-81ED-4DB2-BD59-A6C34878D82A}">
-                    <a16:rowId xmlns:a16="http://schemas.microsoft.com/office/drawing/2014/main" val="1619404625"/>
-                  </a:ext>
-                </a:extLst>
-              </a:tr>
-              <a:tr h="0">
-                <a:tc>
-                  <a:txBody>
-                    <a:bodyPr/>
-                    <a:lstStyle/>
-                    <a:p>
-                      <a:pPr marL="0" marR="0" algn="ctr">
-                        <a:lnSpc>
-                          <a:spcPct val="107000"/>
-                        </a:lnSpc>
-                        <a:spcBef>
-                          <a:spcPts val="0"/>
-                        </a:spcBef>
-                        <a:spcAft>
-                          <a:spcPts val="0"/>
-                        </a:spcAft>
-                      </a:pPr>
-                      <a:r>
-                        <a:rPr lang="en-US" sz="1100" dirty="0">
-                          <a:effectLst/>
-                        </a:rPr>
-                        <a:t>Name</a:t>
-                      </a:r>
-                      <a:endParaRPr lang="en-US" sz="1100" dirty="0">
-                        <a:effectLst/>
-                        <a:latin typeface="Calibri" panose="020F0502020204030204" pitchFamily="34" charset="0"/>
-                        <a:ea typeface="Calibri" panose="020F0502020204030204" pitchFamily="34" charset="0"/>
-                        <a:cs typeface="Times New Roman" panose="02020603050405020304" pitchFamily="18" charset="0"/>
-                      </a:endParaRPr>
-                    </a:p>
-                  </a:txBody>
-                  <a:tcPr marL="68580" marR="68580" marT="0" marB="0"/>
-                </a:tc>
-                <a:tc>
-                  <a:txBody>
-                    <a:bodyPr/>
-                    <a:lstStyle/>
-                    <a:p>
-                      <a:pPr marL="0" marR="0" algn="ctr">
-                        <a:lnSpc>
-                          <a:spcPct val="107000"/>
-                        </a:lnSpc>
-                        <a:spcBef>
-                          <a:spcPts val="0"/>
-                        </a:spcBef>
-                        <a:spcAft>
-                          <a:spcPts val="0"/>
-                        </a:spcAft>
-                      </a:pPr>
-                      <a:r>
-                        <a:rPr lang="en-US" sz="1100" b="1" dirty="0">
-                          <a:effectLst/>
-                        </a:rPr>
-                        <a:t>Priority</a:t>
-                      </a:r>
-                      <a:endParaRPr lang="en-US" sz="1100" b="1" dirty="0">
-                        <a:effectLst/>
-                        <a:latin typeface="Calibri" panose="020F0502020204030204" pitchFamily="34" charset="0"/>
-                        <a:ea typeface="Calibri" panose="020F0502020204030204" pitchFamily="34" charset="0"/>
-                        <a:cs typeface="Times New Roman" panose="02020603050405020304" pitchFamily="18" charset="0"/>
-                      </a:endParaRPr>
-                    </a:p>
-                  </a:txBody>
-                  <a:tcPr marL="68580" marR="68580" marT="0" marB="0"/>
-                </a:tc>
-                <a:tc>
-                  <a:txBody>
-                    <a:bodyPr/>
-                    <a:lstStyle/>
-                    <a:p>
-                      <a:pPr marL="0" marR="0" algn="ctr">
-                        <a:lnSpc>
-                          <a:spcPct val="107000"/>
-                        </a:lnSpc>
-                        <a:spcBef>
-                          <a:spcPts val="0"/>
-                        </a:spcBef>
-                        <a:spcAft>
-                          <a:spcPts val="0"/>
-                        </a:spcAft>
-                      </a:pPr>
-                      <a:r>
-                        <a:rPr lang="en-US" sz="1100" b="1" dirty="0">
-                          <a:effectLst/>
-                        </a:rPr>
-                        <a:t>Source</a:t>
-                      </a:r>
-                      <a:endParaRPr lang="en-US" sz="1100" b="1" dirty="0">
-                        <a:effectLst/>
-                        <a:latin typeface="Calibri" panose="020F0502020204030204" pitchFamily="34" charset="0"/>
-                        <a:ea typeface="Calibri" panose="020F0502020204030204" pitchFamily="34" charset="0"/>
-                        <a:cs typeface="Times New Roman" panose="02020603050405020304" pitchFamily="18" charset="0"/>
-                      </a:endParaRPr>
-                    </a:p>
-                  </a:txBody>
-                  <a:tcPr marL="68580" marR="68580" marT="0" marB="0"/>
-                </a:tc>
-                <a:tc>
-                  <a:txBody>
-                    <a:bodyPr/>
-                    <a:lstStyle/>
-                    <a:p>
-                      <a:pPr marL="0" marR="0" algn="ctr">
-                        <a:lnSpc>
-                          <a:spcPct val="107000"/>
-                        </a:lnSpc>
-                        <a:spcBef>
-                          <a:spcPts val="0"/>
-                        </a:spcBef>
-                        <a:spcAft>
-                          <a:spcPts val="0"/>
-                        </a:spcAft>
-                      </a:pPr>
-                      <a:r>
-                        <a:rPr lang="en-US" sz="1100" b="1" dirty="0">
-                          <a:effectLst/>
-                        </a:rPr>
-                        <a:t>Protocol</a:t>
-                      </a:r>
-                      <a:endParaRPr lang="en-US" sz="1100" b="1" dirty="0">
-                        <a:effectLst/>
-                        <a:latin typeface="Calibri" panose="020F0502020204030204" pitchFamily="34" charset="0"/>
-                        <a:ea typeface="Calibri" panose="020F0502020204030204" pitchFamily="34" charset="0"/>
-                        <a:cs typeface="Times New Roman" panose="02020603050405020304" pitchFamily="18" charset="0"/>
-                      </a:endParaRPr>
-                    </a:p>
-                  </a:txBody>
-                  <a:tcPr marL="68580" marR="68580" marT="0" marB="0"/>
-                </a:tc>
-                <a:tc>
-                  <a:txBody>
-                    <a:bodyPr/>
-                    <a:lstStyle/>
-                    <a:p>
-                      <a:pPr marL="0" marR="0" algn="ctr">
-                        <a:lnSpc>
-                          <a:spcPct val="107000"/>
-                        </a:lnSpc>
-                        <a:spcBef>
-                          <a:spcPts val="0"/>
-                        </a:spcBef>
-                        <a:spcAft>
-                          <a:spcPts val="0"/>
-                        </a:spcAft>
-                      </a:pPr>
-                      <a:r>
-                        <a:rPr lang="en-US" sz="1100" b="1" dirty="0">
-                          <a:effectLst/>
-                        </a:rPr>
-                        <a:t>Source Port Range</a:t>
-                      </a:r>
-                      <a:endParaRPr lang="en-US" sz="1100" b="1" dirty="0">
-                        <a:effectLst/>
-                        <a:latin typeface="Calibri" panose="020F0502020204030204" pitchFamily="34" charset="0"/>
-                        <a:ea typeface="Calibri" panose="020F0502020204030204" pitchFamily="34" charset="0"/>
-                        <a:cs typeface="Times New Roman" panose="02020603050405020304" pitchFamily="18" charset="0"/>
-                      </a:endParaRPr>
-                    </a:p>
-                  </a:txBody>
-                  <a:tcPr marL="68580" marR="68580" marT="0" marB="0"/>
-                </a:tc>
-                <a:tc>
-                  <a:txBody>
-                    <a:bodyPr/>
-                    <a:lstStyle/>
-                    <a:p>
-                      <a:pPr marL="0" marR="0" algn="ctr">
-                        <a:lnSpc>
-                          <a:spcPct val="107000"/>
-                        </a:lnSpc>
-                        <a:spcBef>
-                          <a:spcPts val="0"/>
-                        </a:spcBef>
-                        <a:spcAft>
-                          <a:spcPts val="0"/>
-                        </a:spcAft>
-                      </a:pPr>
-                      <a:r>
-                        <a:rPr lang="en-US" sz="1100" b="1" dirty="0">
-                          <a:effectLst/>
-                        </a:rPr>
-                        <a:t>Destination</a:t>
-                      </a:r>
-                      <a:endParaRPr lang="en-US" sz="1100" b="1" dirty="0">
-                        <a:effectLst/>
-                        <a:latin typeface="Calibri" panose="020F0502020204030204" pitchFamily="34" charset="0"/>
-                        <a:ea typeface="Calibri" panose="020F0502020204030204" pitchFamily="34" charset="0"/>
-                        <a:cs typeface="Times New Roman" panose="02020603050405020304" pitchFamily="18" charset="0"/>
-                      </a:endParaRPr>
-                    </a:p>
-                  </a:txBody>
-                  <a:tcPr marL="68580" marR="68580" marT="0" marB="0"/>
-                </a:tc>
-                <a:tc>
-                  <a:txBody>
-                    <a:bodyPr/>
-                    <a:lstStyle/>
-                    <a:p>
-                      <a:pPr marL="0" marR="0" algn="ctr">
-                        <a:lnSpc>
-                          <a:spcPct val="107000"/>
-                        </a:lnSpc>
-                        <a:spcBef>
-                          <a:spcPts val="0"/>
-                        </a:spcBef>
-                        <a:spcAft>
-                          <a:spcPts val="0"/>
-                        </a:spcAft>
-                      </a:pPr>
-                      <a:r>
-                        <a:rPr lang="en-US" sz="1100" b="1" dirty="0">
-                          <a:effectLst/>
-                        </a:rPr>
-                        <a:t>Dest. Port Range</a:t>
-                      </a:r>
-                      <a:endParaRPr lang="en-US" sz="1100" b="1" dirty="0">
-                        <a:effectLst/>
-                        <a:latin typeface="Calibri" panose="020F0502020204030204" pitchFamily="34" charset="0"/>
-                        <a:ea typeface="Calibri" panose="020F0502020204030204" pitchFamily="34" charset="0"/>
-                        <a:cs typeface="Times New Roman" panose="02020603050405020304" pitchFamily="18" charset="0"/>
-                      </a:endParaRPr>
-                    </a:p>
-                  </a:txBody>
-                  <a:tcPr marL="68580" marR="68580" marT="0" marB="0"/>
-                </a:tc>
-                <a:tc>
-                  <a:txBody>
-                    <a:bodyPr/>
-                    <a:lstStyle/>
-                    <a:p>
-                      <a:pPr marL="0" marR="0" algn="ctr">
-                        <a:lnSpc>
-                          <a:spcPct val="107000"/>
-                        </a:lnSpc>
-                        <a:spcBef>
-                          <a:spcPts val="0"/>
-                        </a:spcBef>
-                        <a:spcAft>
-                          <a:spcPts val="0"/>
-                        </a:spcAft>
-                      </a:pPr>
-                      <a:r>
-                        <a:rPr lang="en-US" sz="1100" b="1" dirty="0">
-                          <a:effectLst/>
-                        </a:rPr>
-                        <a:t>Action</a:t>
-                      </a:r>
-                      <a:endParaRPr lang="en-US" sz="1100" b="1" dirty="0">
-                        <a:effectLst/>
-                        <a:latin typeface="Calibri" panose="020F0502020204030204" pitchFamily="34" charset="0"/>
-                        <a:ea typeface="Calibri" panose="020F0502020204030204" pitchFamily="34" charset="0"/>
-                        <a:cs typeface="Times New Roman" panose="02020603050405020304" pitchFamily="18" charset="0"/>
-                      </a:endParaRPr>
-                    </a:p>
-                  </a:txBody>
-                  <a:tcPr marL="68580" marR="68580" marT="0" marB="0"/>
-                </a:tc>
-                <a:extLst>
-                  <a:ext uri="{0D108BD9-81ED-4DB2-BD59-A6C34878D82A}">
-                    <a16:rowId xmlns:a16="http://schemas.microsoft.com/office/drawing/2014/main" val="2194500652"/>
-                  </a:ext>
-                </a:extLst>
-              </a:tr>
-              <a:tr h="0">
-                <a:tc>
-                  <a:txBody>
-                    <a:bodyPr/>
-                    <a:lstStyle/>
-                    <a:p>
-                      <a:pPr marL="0" marR="0">
-                        <a:lnSpc>
-                          <a:spcPct val="107000"/>
-                        </a:lnSpc>
-                        <a:spcBef>
-                          <a:spcPts val="0"/>
-                        </a:spcBef>
-                        <a:spcAft>
-                          <a:spcPts val="0"/>
-                        </a:spcAft>
-                      </a:pPr>
-                      <a:r>
-                        <a:rPr lang="en-US" sz="1100" dirty="0">
-                          <a:effectLst/>
-                        </a:rPr>
-                        <a:t> </a:t>
-                      </a:r>
-                      <a:endParaRPr lang="en-US" sz="1100" dirty="0">
-                        <a:effectLst/>
-                        <a:latin typeface="Calibri" panose="020F0502020204030204" pitchFamily="34" charset="0"/>
-                        <a:ea typeface="Calibri" panose="020F0502020204030204" pitchFamily="34" charset="0"/>
-                        <a:cs typeface="Times New Roman" panose="02020603050405020304" pitchFamily="18" charset="0"/>
-                      </a:endParaRPr>
-                    </a:p>
-                  </a:txBody>
-                  <a:tcPr marL="68580" marR="68580" marT="0" marB="0"/>
-                </a:tc>
-                <a:tc>
-                  <a:txBody>
-                    <a:bodyPr/>
-                    <a:lstStyle/>
-                    <a:p>
-                      <a:pPr marL="0" marR="0">
-                        <a:lnSpc>
-                          <a:spcPct val="107000"/>
-                        </a:lnSpc>
-                        <a:spcBef>
-                          <a:spcPts val="0"/>
-                        </a:spcBef>
-                        <a:spcAft>
-                          <a:spcPts val="0"/>
-                        </a:spcAft>
-                      </a:pPr>
-                      <a:r>
-                        <a:rPr lang="en-US" sz="1100" dirty="0">
-                          <a:effectLst/>
-                        </a:rPr>
-                        <a:t>100</a:t>
-                      </a:r>
-                      <a:endParaRPr lang="en-US" sz="1100" dirty="0">
-                        <a:effectLst/>
-                        <a:latin typeface="Calibri" panose="020F0502020204030204" pitchFamily="34" charset="0"/>
-                        <a:ea typeface="Calibri" panose="020F0502020204030204" pitchFamily="34" charset="0"/>
-                        <a:cs typeface="Times New Roman" panose="02020603050405020304" pitchFamily="18" charset="0"/>
-                      </a:endParaRPr>
-                    </a:p>
-                  </a:txBody>
-                  <a:tcPr marL="68580" marR="68580" marT="0" marB="0"/>
-                </a:tc>
-                <a:tc>
-                  <a:txBody>
-                    <a:bodyPr/>
-                    <a:lstStyle/>
-                    <a:p>
-                      <a:pPr marL="0" marR="0">
-                        <a:lnSpc>
-                          <a:spcPct val="107000"/>
-                        </a:lnSpc>
-                        <a:spcBef>
-                          <a:spcPts val="0"/>
-                        </a:spcBef>
-                        <a:spcAft>
-                          <a:spcPts val="0"/>
-                        </a:spcAft>
-                      </a:pPr>
-                      <a:r>
-                        <a:rPr lang="en-US" sz="1100" dirty="0">
-                          <a:effectLst/>
-                        </a:rPr>
-                        <a:t>192.168.1.0/23</a:t>
-                      </a:r>
-                      <a:endParaRPr lang="en-US" sz="1100" dirty="0">
-                        <a:effectLst/>
-                        <a:latin typeface="Calibri" panose="020F0502020204030204" pitchFamily="34" charset="0"/>
-                        <a:ea typeface="Calibri" panose="020F0502020204030204" pitchFamily="34" charset="0"/>
-                        <a:cs typeface="Times New Roman" panose="02020603050405020304" pitchFamily="18" charset="0"/>
-                      </a:endParaRPr>
-                    </a:p>
-                  </a:txBody>
-                  <a:tcPr marL="68580" marR="68580" marT="0" marB="0"/>
-                </a:tc>
-                <a:tc>
-                  <a:txBody>
-                    <a:bodyPr/>
-                    <a:lstStyle/>
-                    <a:p>
-                      <a:pPr marL="0" marR="0">
-                        <a:lnSpc>
-                          <a:spcPct val="107000"/>
-                        </a:lnSpc>
-                        <a:spcBef>
-                          <a:spcPts val="0"/>
-                        </a:spcBef>
-                        <a:spcAft>
-                          <a:spcPts val="0"/>
-                        </a:spcAft>
-                      </a:pPr>
-                      <a:r>
-                        <a:rPr lang="en-US" sz="1100" dirty="0">
-                          <a:effectLst/>
-                        </a:rPr>
-                        <a:t>TCP</a:t>
-                      </a:r>
-                      <a:endParaRPr lang="en-US" sz="1100" dirty="0">
-                        <a:effectLst/>
-                        <a:latin typeface="Calibri" panose="020F0502020204030204" pitchFamily="34" charset="0"/>
-                        <a:ea typeface="Calibri" panose="020F0502020204030204" pitchFamily="34" charset="0"/>
-                        <a:cs typeface="Times New Roman" panose="02020603050405020304" pitchFamily="18" charset="0"/>
-                      </a:endParaRPr>
-                    </a:p>
-                  </a:txBody>
-                  <a:tcPr marL="68580" marR="68580" marT="0" marB="0"/>
-                </a:tc>
-                <a:tc>
-                  <a:txBody>
-                    <a:bodyPr/>
-                    <a:lstStyle/>
-                    <a:p>
-                      <a:pPr marL="0" marR="0">
-                        <a:lnSpc>
-                          <a:spcPct val="107000"/>
-                        </a:lnSpc>
-                        <a:spcBef>
-                          <a:spcPts val="0"/>
-                        </a:spcBef>
-                        <a:spcAft>
-                          <a:spcPts val="0"/>
-                        </a:spcAft>
-                      </a:pPr>
-                      <a:r>
-                        <a:rPr lang="en-US" sz="1100" dirty="0">
-                          <a:effectLst/>
-                        </a:rPr>
-                        <a:t>ANY</a:t>
-                      </a:r>
-                      <a:endParaRPr lang="en-US" sz="1100" dirty="0">
-                        <a:effectLst/>
-                        <a:latin typeface="Calibri" panose="020F0502020204030204" pitchFamily="34" charset="0"/>
-                        <a:ea typeface="Calibri" panose="020F0502020204030204" pitchFamily="34" charset="0"/>
-                        <a:cs typeface="Times New Roman" panose="02020603050405020304" pitchFamily="18" charset="0"/>
-                      </a:endParaRPr>
-                    </a:p>
-                  </a:txBody>
-                  <a:tcPr marL="68580" marR="68580" marT="0" marB="0"/>
-                </a:tc>
-                <a:tc>
-                  <a:txBody>
-                    <a:bodyPr/>
-                    <a:lstStyle/>
-                    <a:p>
-                      <a:pPr marL="0" marR="0">
-                        <a:lnSpc>
-                          <a:spcPct val="107000"/>
-                        </a:lnSpc>
-                        <a:spcBef>
-                          <a:spcPts val="0"/>
-                        </a:spcBef>
-                        <a:spcAft>
-                          <a:spcPts val="0"/>
-                        </a:spcAft>
-                      </a:pPr>
-                      <a:r>
-                        <a:rPr lang="en-US" sz="1100" dirty="0">
-                          <a:effectLst/>
-                        </a:rPr>
-                        <a:t>10.0.2.0/24</a:t>
-                      </a:r>
-                      <a:endParaRPr lang="en-US" sz="1100" dirty="0">
-                        <a:effectLst/>
-                        <a:latin typeface="Calibri" panose="020F0502020204030204" pitchFamily="34" charset="0"/>
-                        <a:ea typeface="Calibri" panose="020F0502020204030204" pitchFamily="34" charset="0"/>
-                        <a:cs typeface="Times New Roman" panose="02020603050405020304" pitchFamily="18" charset="0"/>
-                      </a:endParaRPr>
-                    </a:p>
-                  </a:txBody>
-                  <a:tcPr marL="68580" marR="68580" marT="0" marB="0"/>
-                </a:tc>
-                <a:tc>
-                  <a:txBody>
-                    <a:bodyPr/>
-                    <a:lstStyle/>
-                    <a:p>
-                      <a:pPr marL="0" marR="0">
-                        <a:lnSpc>
-                          <a:spcPct val="107000"/>
-                        </a:lnSpc>
-                        <a:spcBef>
-                          <a:spcPts val="0"/>
-                        </a:spcBef>
-                        <a:spcAft>
-                          <a:spcPts val="0"/>
-                        </a:spcAft>
-                      </a:pPr>
-                      <a:r>
-                        <a:rPr lang="en-US" sz="1100" dirty="0">
-                          <a:effectLst/>
-                        </a:rPr>
-                        <a:t>1433</a:t>
-                      </a:r>
-                      <a:endParaRPr lang="en-US" sz="1100" dirty="0">
-                        <a:effectLst/>
-                        <a:latin typeface="Calibri" panose="020F0502020204030204" pitchFamily="34" charset="0"/>
-                        <a:ea typeface="Calibri" panose="020F0502020204030204" pitchFamily="34" charset="0"/>
-                        <a:cs typeface="Times New Roman" panose="02020603050405020304" pitchFamily="18" charset="0"/>
-                      </a:endParaRPr>
-                    </a:p>
-                  </a:txBody>
-                  <a:tcPr marL="68580" marR="68580" marT="0" marB="0"/>
-                </a:tc>
-                <a:tc>
-                  <a:txBody>
-                    <a:bodyPr/>
-                    <a:lstStyle/>
-                    <a:p>
-                      <a:pPr marL="0" marR="0" lvl="0" indent="0" algn="l" defTabSz="685710" rtl="0" eaLnBrk="1" fontAlgn="auto" latinLnBrk="0" hangingPunct="1">
-                        <a:lnSpc>
-                          <a:spcPct val="107000"/>
-                        </a:lnSpc>
-                        <a:spcBef>
-                          <a:spcPts val="0"/>
-                        </a:spcBef>
-                        <a:spcAft>
-                          <a:spcPts val="0"/>
-                        </a:spcAft>
-                        <a:buClrTx/>
-                        <a:buSzTx/>
-                        <a:buFontTx/>
-                        <a:buNone/>
-                        <a:tabLst/>
-                        <a:defRPr/>
-                      </a:pPr>
-                      <a:r>
-                        <a:rPr kumimoji="0" lang="en-US" sz="1100" b="0" i="0" u="none" strike="noStrike" kern="1200" cap="none" spc="0" normalizeH="0" baseline="0" noProof="0" dirty="0">
-                          <a:ln>
-                            <a:noFill/>
-                          </a:ln>
-                          <a:solidFill>
-                            <a:srgbClr val="505050"/>
-                          </a:solidFill>
-                          <a:effectLst/>
-                          <a:uLnTx/>
-                          <a:uFillTx/>
-                          <a:latin typeface="Segoe UI"/>
-                          <a:ea typeface="+mn-ea"/>
-                          <a:cs typeface="+mn-cs"/>
-                        </a:rPr>
-                        <a:t>ALLOW</a:t>
-                      </a:r>
-                      <a:endParaRPr kumimoji="0" lang="en-US" sz="1100" b="0" i="0" u="none" strike="noStrike" kern="1200" cap="none" spc="0" normalizeH="0" baseline="0" noProof="0" dirty="0">
-                        <a:ln>
-                          <a:noFill/>
-                        </a:ln>
-                        <a:solidFill>
-                          <a:srgbClr val="505050"/>
-                        </a:solidFill>
-                        <a:effectLst/>
-                        <a:uLnTx/>
-                        <a:uFillTx/>
-                        <a:latin typeface="Calibri" panose="020F0502020204030204" pitchFamily="34" charset="0"/>
-                        <a:ea typeface="Calibri" panose="020F0502020204030204" pitchFamily="34" charset="0"/>
-                        <a:cs typeface="Times New Roman" panose="02020603050405020304" pitchFamily="18" charset="0"/>
-                      </a:endParaRPr>
-                    </a:p>
-                  </a:txBody>
-                  <a:tcPr marL="68580" marR="68580" marT="0" marB="0"/>
-                </a:tc>
-                <a:extLst>
-                  <a:ext uri="{0D108BD9-81ED-4DB2-BD59-A6C34878D82A}">
-                    <a16:rowId xmlns:a16="http://schemas.microsoft.com/office/drawing/2014/main" val="1987913682"/>
-                  </a:ext>
-                </a:extLst>
-              </a:tr>
-              <a:tr h="0">
-                <a:tc>
-                  <a:txBody>
-                    <a:bodyPr/>
-                    <a:lstStyle/>
-                    <a:p>
-                      <a:pPr marL="0" marR="0">
-                        <a:lnSpc>
-                          <a:spcPct val="107000"/>
-                        </a:lnSpc>
-                        <a:spcBef>
-                          <a:spcPts val="0"/>
-                        </a:spcBef>
-                        <a:spcAft>
-                          <a:spcPts val="0"/>
-                        </a:spcAft>
-                      </a:pPr>
-                      <a:r>
-                        <a:rPr lang="en-US" sz="1100" dirty="0">
-                          <a:effectLst/>
-                        </a:rPr>
-                        <a:t>SQLINT</a:t>
-                      </a:r>
-                      <a:endParaRPr lang="en-US" sz="1100" dirty="0">
-                        <a:effectLst/>
-                        <a:latin typeface="Calibri" panose="020F0502020204030204" pitchFamily="34" charset="0"/>
-                        <a:ea typeface="Calibri" panose="020F0502020204030204" pitchFamily="34" charset="0"/>
-                        <a:cs typeface="Times New Roman" panose="02020603050405020304" pitchFamily="18" charset="0"/>
-                      </a:endParaRPr>
-                    </a:p>
-                  </a:txBody>
-                  <a:tcPr marL="68580" marR="68580" marT="0" marB="0"/>
-                </a:tc>
-                <a:tc>
-                  <a:txBody>
-                    <a:bodyPr/>
-                    <a:lstStyle/>
-                    <a:p>
-                      <a:pPr marL="0" marR="0">
-                        <a:lnSpc>
-                          <a:spcPct val="107000"/>
-                        </a:lnSpc>
-                        <a:spcBef>
-                          <a:spcPts val="0"/>
-                        </a:spcBef>
-                        <a:spcAft>
-                          <a:spcPts val="0"/>
-                        </a:spcAft>
-                      </a:pPr>
-                      <a:r>
-                        <a:rPr lang="en-US" sz="1100" dirty="0">
-                          <a:effectLst/>
-                        </a:rPr>
-                        <a:t>110</a:t>
-                      </a:r>
-                      <a:endParaRPr lang="en-US" sz="1100" dirty="0">
-                        <a:effectLst/>
-                        <a:latin typeface="Calibri" panose="020F0502020204030204" pitchFamily="34" charset="0"/>
-                        <a:ea typeface="Calibri" panose="020F0502020204030204" pitchFamily="34" charset="0"/>
-                        <a:cs typeface="Times New Roman" panose="02020603050405020304" pitchFamily="18" charset="0"/>
-                      </a:endParaRPr>
-                    </a:p>
-                  </a:txBody>
-                  <a:tcPr marL="68580" marR="68580" marT="0" marB="0"/>
-                </a:tc>
-                <a:tc>
-                  <a:txBody>
-                    <a:bodyPr/>
-                    <a:lstStyle/>
-                    <a:p>
-                      <a:pPr marL="0" marR="0">
-                        <a:lnSpc>
-                          <a:spcPct val="107000"/>
-                        </a:lnSpc>
-                        <a:spcBef>
-                          <a:spcPts val="0"/>
-                        </a:spcBef>
-                        <a:spcAft>
-                          <a:spcPts val="0"/>
-                        </a:spcAft>
-                      </a:pPr>
-                      <a:r>
-                        <a:rPr lang="en-US" sz="1100" dirty="0">
-                          <a:effectLst/>
-                        </a:rPr>
-                        <a:t>10.0.0.0/24</a:t>
-                      </a:r>
-                      <a:endParaRPr lang="en-US" sz="1100" dirty="0">
-                        <a:effectLst/>
-                        <a:latin typeface="Calibri" panose="020F0502020204030204" pitchFamily="34" charset="0"/>
-                        <a:ea typeface="Calibri" panose="020F0502020204030204" pitchFamily="34" charset="0"/>
-                        <a:cs typeface="Times New Roman" panose="02020603050405020304" pitchFamily="18" charset="0"/>
-                      </a:endParaRPr>
-                    </a:p>
-                  </a:txBody>
-                  <a:tcPr marL="68580" marR="68580" marT="0" marB="0"/>
-                </a:tc>
-                <a:tc>
-                  <a:txBody>
-                    <a:bodyPr/>
-                    <a:lstStyle/>
-                    <a:p>
-                      <a:pPr marL="0" marR="0">
-                        <a:lnSpc>
-                          <a:spcPct val="107000"/>
-                        </a:lnSpc>
-                        <a:spcBef>
-                          <a:spcPts val="0"/>
-                        </a:spcBef>
-                        <a:spcAft>
-                          <a:spcPts val="0"/>
-                        </a:spcAft>
-                      </a:pPr>
-                      <a:r>
-                        <a:rPr lang="en-US" sz="1100" dirty="0">
-                          <a:effectLst/>
-                        </a:rPr>
-                        <a:t>TCP</a:t>
-                      </a:r>
-                      <a:endParaRPr lang="en-US" sz="1100" dirty="0">
-                        <a:effectLst/>
-                        <a:latin typeface="Calibri" panose="020F0502020204030204" pitchFamily="34" charset="0"/>
-                        <a:ea typeface="Calibri" panose="020F0502020204030204" pitchFamily="34" charset="0"/>
-                        <a:cs typeface="Times New Roman" panose="02020603050405020304" pitchFamily="18" charset="0"/>
-                      </a:endParaRPr>
-                    </a:p>
-                  </a:txBody>
-                  <a:tcPr marL="68580" marR="68580" marT="0" marB="0"/>
-                </a:tc>
-                <a:tc>
-                  <a:txBody>
-                    <a:bodyPr/>
-                    <a:lstStyle/>
-                    <a:p>
-                      <a:pPr marL="0" marR="0">
-                        <a:lnSpc>
-                          <a:spcPct val="107000"/>
-                        </a:lnSpc>
-                        <a:spcBef>
-                          <a:spcPts val="0"/>
-                        </a:spcBef>
-                        <a:spcAft>
-                          <a:spcPts val="0"/>
-                        </a:spcAft>
-                      </a:pPr>
-                      <a:r>
-                        <a:rPr lang="en-US" sz="1100" dirty="0">
-                          <a:effectLst/>
-                        </a:rPr>
-                        <a:t>ANY</a:t>
-                      </a:r>
-                      <a:endParaRPr lang="en-US" sz="1100" dirty="0">
-                        <a:effectLst/>
-                        <a:latin typeface="Calibri" panose="020F0502020204030204" pitchFamily="34" charset="0"/>
-                        <a:ea typeface="Calibri" panose="020F0502020204030204" pitchFamily="34" charset="0"/>
-                        <a:cs typeface="Times New Roman" panose="02020603050405020304" pitchFamily="18" charset="0"/>
-                      </a:endParaRPr>
-                    </a:p>
-                  </a:txBody>
-                  <a:tcPr marL="68580" marR="68580" marT="0" marB="0"/>
-                </a:tc>
-                <a:tc>
-                  <a:txBody>
-                    <a:bodyPr/>
-                    <a:lstStyle/>
-                    <a:p>
-                      <a:pPr marL="0" marR="0">
-                        <a:lnSpc>
-                          <a:spcPct val="107000"/>
-                        </a:lnSpc>
-                        <a:spcBef>
-                          <a:spcPts val="0"/>
-                        </a:spcBef>
-                        <a:spcAft>
-                          <a:spcPts val="0"/>
-                        </a:spcAft>
-                      </a:pPr>
-                      <a:r>
-                        <a:rPr lang="en-US" sz="1100" dirty="0">
-                          <a:effectLst/>
-                        </a:rPr>
-                        <a:t>10.0.2.0/24</a:t>
-                      </a:r>
-                      <a:endParaRPr lang="en-US" sz="1100" dirty="0">
-                        <a:effectLst/>
-                        <a:latin typeface="Calibri" panose="020F0502020204030204" pitchFamily="34" charset="0"/>
-                        <a:ea typeface="Calibri" panose="020F0502020204030204" pitchFamily="34" charset="0"/>
-                        <a:cs typeface="Times New Roman" panose="02020603050405020304" pitchFamily="18" charset="0"/>
-                      </a:endParaRPr>
-                    </a:p>
-                  </a:txBody>
-                  <a:tcPr marL="68580" marR="68580" marT="0" marB="0"/>
-                </a:tc>
-                <a:tc>
-                  <a:txBody>
-                    <a:bodyPr/>
-                    <a:lstStyle/>
-                    <a:p>
-                      <a:pPr marL="0" marR="0">
-                        <a:lnSpc>
-                          <a:spcPct val="107000"/>
-                        </a:lnSpc>
-                        <a:spcBef>
-                          <a:spcPts val="0"/>
-                        </a:spcBef>
-                        <a:spcAft>
-                          <a:spcPts val="0"/>
-                        </a:spcAft>
-                      </a:pPr>
-                      <a:r>
-                        <a:rPr lang="en-US" sz="1100" dirty="0">
-                          <a:effectLst/>
-                        </a:rPr>
-                        <a:t>1433</a:t>
-                      </a:r>
-                      <a:endParaRPr lang="en-US" sz="1100" dirty="0">
-                        <a:effectLst/>
-                        <a:latin typeface="Calibri" panose="020F0502020204030204" pitchFamily="34" charset="0"/>
-                        <a:ea typeface="Calibri" panose="020F0502020204030204" pitchFamily="34" charset="0"/>
-                        <a:cs typeface="Times New Roman" panose="02020603050405020304" pitchFamily="18" charset="0"/>
-                      </a:endParaRPr>
-                    </a:p>
-                  </a:txBody>
-                  <a:tcPr marL="68580" marR="68580" marT="0" marB="0"/>
-                </a:tc>
-                <a:tc>
-                  <a:txBody>
-                    <a:bodyPr/>
-                    <a:lstStyle/>
-                    <a:p>
-                      <a:pPr marL="0" marR="0" lvl="0" indent="0" algn="l" defTabSz="685710" rtl="0" eaLnBrk="1" fontAlgn="auto" latinLnBrk="0" hangingPunct="1">
-                        <a:lnSpc>
-                          <a:spcPct val="107000"/>
-                        </a:lnSpc>
-                        <a:spcBef>
-                          <a:spcPts val="0"/>
-                        </a:spcBef>
-                        <a:spcAft>
-                          <a:spcPts val="0"/>
-                        </a:spcAft>
-                        <a:buClrTx/>
-                        <a:buSzTx/>
-                        <a:buFontTx/>
-                        <a:buNone/>
-                        <a:tabLst/>
-                        <a:defRPr/>
-                      </a:pPr>
-                      <a:r>
-                        <a:rPr kumimoji="0" lang="en-US" sz="1100" b="0" i="0" u="none" strike="noStrike" kern="1200" cap="none" spc="0" normalizeH="0" baseline="0" noProof="0" dirty="0">
-                          <a:ln>
-                            <a:noFill/>
-                          </a:ln>
-                          <a:solidFill>
-                            <a:srgbClr val="505050"/>
-                          </a:solidFill>
-                          <a:effectLst/>
-                          <a:uLnTx/>
-                          <a:uFillTx/>
-                          <a:latin typeface="Segoe UI"/>
-                          <a:ea typeface="+mn-ea"/>
-                          <a:cs typeface="+mn-cs"/>
-                        </a:rPr>
-                        <a:t>ALLOW</a:t>
-                      </a:r>
-                      <a:endParaRPr kumimoji="0" lang="en-US" sz="1100" b="0" i="0" u="none" strike="noStrike" kern="1200" cap="none" spc="0" normalizeH="0" baseline="0" noProof="0" dirty="0">
-                        <a:ln>
-                          <a:noFill/>
-                        </a:ln>
-                        <a:solidFill>
-                          <a:srgbClr val="505050"/>
-                        </a:solidFill>
-                        <a:effectLst/>
-                        <a:uLnTx/>
-                        <a:uFillTx/>
-                        <a:latin typeface="Calibri" panose="020F0502020204030204" pitchFamily="34" charset="0"/>
-                        <a:ea typeface="Calibri" panose="020F0502020204030204" pitchFamily="34" charset="0"/>
-                        <a:cs typeface="Times New Roman" panose="02020603050405020304" pitchFamily="18" charset="0"/>
-                      </a:endParaRPr>
-                    </a:p>
-                  </a:txBody>
-                  <a:tcPr marL="68580" marR="68580" marT="0" marB="0"/>
-                </a:tc>
-                <a:extLst>
-                  <a:ext uri="{0D108BD9-81ED-4DB2-BD59-A6C34878D82A}">
-                    <a16:rowId xmlns:a16="http://schemas.microsoft.com/office/drawing/2014/main" val="466111927"/>
-                  </a:ext>
-                </a:extLst>
-              </a:tr>
-              <a:tr h="0">
-                <a:tc>
-                  <a:txBody>
-                    <a:bodyPr/>
-                    <a:lstStyle/>
-                    <a:p>
-                      <a:pPr marL="0" marR="0">
-                        <a:lnSpc>
-                          <a:spcPct val="107000"/>
-                        </a:lnSpc>
-                        <a:spcBef>
-                          <a:spcPts val="0"/>
-                        </a:spcBef>
-                        <a:spcAft>
-                          <a:spcPts val="0"/>
-                        </a:spcAft>
-                      </a:pPr>
-                      <a:r>
-                        <a:rPr lang="en-US" sz="1100" dirty="0">
-                          <a:effectLst/>
-                        </a:rPr>
-                        <a:t>RDP</a:t>
-                      </a:r>
-                      <a:endParaRPr lang="en-US" sz="1100" dirty="0">
-                        <a:effectLst/>
-                        <a:latin typeface="Calibri" panose="020F0502020204030204" pitchFamily="34" charset="0"/>
-                        <a:ea typeface="Calibri" panose="020F0502020204030204" pitchFamily="34" charset="0"/>
-                        <a:cs typeface="Times New Roman" panose="02020603050405020304" pitchFamily="18" charset="0"/>
-                      </a:endParaRPr>
-                    </a:p>
-                  </a:txBody>
-                  <a:tcPr marL="68580" marR="68580" marT="0" marB="0"/>
-                </a:tc>
-                <a:tc>
-                  <a:txBody>
-                    <a:bodyPr/>
-                    <a:lstStyle/>
-                    <a:p>
-                      <a:pPr marL="0" marR="0">
-                        <a:lnSpc>
-                          <a:spcPct val="107000"/>
-                        </a:lnSpc>
-                        <a:spcBef>
-                          <a:spcPts val="0"/>
-                        </a:spcBef>
-                        <a:spcAft>
-                          <a:spcPts val="0"/>
-                        </a:spcAft>
-                      </a:pPr>
-                      <a:r>
-                        <a:rPr lang="en-US" sz="1100" dirty="0">
-                          <a:effectLst/>
-                        </a:rPr>
-                        <a:t>120</a:t>
-                      </a:r>
-                      <a:endParaRPr lang="en-US" sz="1100" dirty="0">
-                        <a:effectLst/>
-                        <a:latin typeface="Calibri" panose="020F0502020204030204" pitchFamily="34" charset="0"/>
-                        <a:ea typeface="Calibri" panose="020F0502020204030204" pitchFamily="34" charset="0"/>
-                        <a:cs typeface="Times New Roman" panose="02020603050405020304" pitchFamily="18" charset="0"/>
-                      </a:endParaRPr>
-                    </a:p>
-                  </a:txBody>
-                  <a:tcPr marL="68580" marR="68580" marT="0" marB="0"/>
-                </a:tc>
-                <a:tc>
-                  <a:txBody>
-                    <a:bodyPr/>
-                    <a:lstStyle/>
-                    <a:p>
-                      <a:pPr marL="0" marR="0">
-                        <a:lnSpc>
-                          <a:spcPct val="107000"/>
-                        </a:lnSpc>
-                        <a:spcBef>
-                          <a:spcPts val="0"/>
-                        </a:spcBef>
-                        <a:spcAft>
-                          <a:spcPts val="0"/>
-                        </a:spcAft>
-                      </a:pPr>
-                      <a:r>
-                        <a:rPr lang="en-US" sz="1100" dirty="0">
-                          <a:effectLst/>
-                        </a:rPr>
-                        <a:t>192.168.1.0/23</a:t>
-                      </a:r>
-                      <a:endParaRPr lang="en-US" sz="1100" dirty="0">
-                        <a:effectLst/>
-                        <a:latin typeface="Calibri" panose="020F0502020204030204" pitchFamily="34" charset="0"/>
-                        <a:ea typeface="Calibri" panose="020F0502020204030204" pitchFamily="34" charset="0"/>
-                        <a:cs typeface="Times New Roman" panose="02020603050405020304" pitchFamily="18" charset="0"/>
-                      </a:endParaRPr>
-                    </a:p>
-                  </a:txBody>
-                  <a:tcPr marL="68580" marR="68580" marT="0" marB="0"/>
-                </a:tc>
-                <a:tc>
-                  <a:txBody>
-                    <a:bodyPr/>
-                    <a:lstStyle/>
-                    <a:p>
-                      <a:pPr marL="0" marR="0">
-                        <a:lnSpc>
-                          <a:spcPct val="107000"/>
-                        </a:lnSpc>
-                        <a:spcBef>
-                          <a:spcPts val="0"/>
-                        </a:spcBef>
-                        <a:spcAft>
-                          <a:spcPts val="0"/>
-                        </a:spcAft>
-                      </a:pPr>
-                      <a:r>
-                        <a:rPr lang="en-US" sz="1100" dirty="0">
-                          <a:effectLst/>
-                        </a:rPr>
-                        <a:t>ANY</a:t>
-                      </a:r>
-                      <a:endParaRPr lang="en-US" sz="1100" dirty="0">
-                        <a:effectLst/>
-                        <a:latin typeface="Calibri" panose="020F0502020204030204" pitchFamily="34" charset="0"/>
-                        <a:ea typeface="Calibri" panose="020F0502020204030204" pitchFamily="34" charset="0"/>
-                        <a:cs typeface="Times New Roman" panose="02020603050405020304" pitchFamily="18" charset="0"/>
-                      </a:endParaRPr>
-                    </a:p>
-                  </a:txBody>
-                  <a:tcPr marL="68580" marR="68580" marT="0" marB="0"/>
-                </a:tc>
-                <a:tc>
-                  <a:txBody>
-                    <a:bodyPr/>
-                    <a:lstStyle/>
-                    <a:p>
-                      <a:pPr marL="0" marR="0">
-                        <a:lnSpc>
-                          <a:spcPct val="107000"/>
-                        </a:lnSpc>
-                        <a:spcBef>
-                          <a:spcPts val="0"/>
-                        </a:spcBef>
-                        <a:spcAft>
-                          <a:spcPts val="0"/>
-                        </a:spcAft>
-                      </a:pPr>
-                      <a:r>
-                        <a:rPr lang="en-US" sz="1100" dirty="0">
-                          <a:effectLst/>
-                        </a:rPr>
-                        <a:t>ANY</a:t>
-                      </a:r>
-                      <a:endParaRPr lang="en-US" sz="1100" dirty="0">
-                        <a:effectLst/>
-                        <a:latin typeface="Calibri" panose="020F0502020204030204" pitchFamily="34" charset="0"/>
-                        <a:ea typeface="Calibri" panose="020F0502020204030204" pitchFamily="34" charset="0"/>
-                        <a:cs typeface="Times New Roman" panose="02020603050405020304" pitchFamily="18" charset="0"/>
-                      </a:endParaRPr>
-                    </a:p>
-                  </a:txBody>
-                  <a:tcPr marL="68580" marR="68580" marT="0" marB="0"/>
-                </a:tc>
-                <a:tc>
-                  <a:txBody>
-                    <a:bodyPr/>
-                    <a:lstStyle/>
-                    <a:p>
-                      <a:pPr marL="0" marR="0">
-                        <a:lnSpc>
-                          <a:spcPct val="107000"/>
-                        </a:lnSpc>
-                        <a:spcBef>
-                          <a:spcPts val="0"/>
-                        </a:spcBef>
-                        <a:spcAft>
-                          <a:spcPts val="0"/>
-                        </a:spcAft>
-                      </a:pPr>
-                      <a:r>
-                        <a:rPr lang="en-US" sz="1100" dirty="0">
-                          <a:effectLst/>
-                        </a:rPr>
-                        <a:t>10.0.2.0/24</a:t>
-                      </a:r>
-                      <a:endParaRPr lang="en-US" sz="1100" dirty="0">
-                        <a:effectLst/>
-                        <a:latin typeface="Calibri" panose="020F0502020204030204" pitchFamily="34" charset="0"/>
-                        <a:ea typeface="Calibri" panose="020F0502020204030204" pitchFamily="34" charset="0"/>
-                        <a:cs typeface="Times New Roman" panose="02020603050405020304" pitchFamily="18" charset="0"/>
-                      </a:endParaRPr>
-                    </a:p>
-                  </a:txBody>
-                  <a:tcPr marL="68580" marR="68580" marT="0" marB="0"/>
-                </a:tc>
-                <a:tc>
-                  <a:txBody>
-                    <a:bodyPr/>
-                    <a:lstStyle/>
-                    <a:p>
-                      <a:pPr marL="0" marR="0">
-                        <a:lnSpc>
-                          <a:spcPct val="107000"/>
-                        </a:lnSpc>
-                        <a:spcBef>
-                          <a:spcPts val="0"/>
-                        </a:spcBef>
-                        <a:spcAft>
-                          <a:spcPts val="0"/>
-                        </a:spcAft>
-                      </a:pPr>
-                      <a:r>
-                        <a:rPr lang="en-US" sz="1100" dirty="0">
-                          <a:effectLst/>
-                        </a:rPr>
-                        <a:t>3389</a:t>
-                      </a:r>
-                      <a:endParaRPr lang="en-US" sz="1100" dirty="0">
-                        <a:effectLst/>
-                        <a:latin typeface="Calibri" panose="020F0502020204030204" pitchFamily="34" charset="0"/>
-                        <a:ea typeface="Calibri" panose="020F0502020204030204" pitchFamily="34" charset="0"/>
-                        <a:cs typeface="Times New Roman" panose="02020603050405020304" pitchFamily="18" charset="0"/>
-                      </a:endParaRPr>
-                    </a:p>
-                  </a:txBody>
-                  <a:tcPr marL="68580" marR="68580" marT="0" marB="0"/>
-                </a:tc>
-                <a:tc>
-                  <a:txBody>
-                    <a:bodyPr/>
-                    <a:lstStyle/>
-                    <a:p>
-                      <a:pPr marL="0" marR="0" lvl="0" indent="0" algn="l" defTabSz="685710" rtl="0" eaLnBrk="1" fontAlgn="auto" latinLnBrk="0" hangingPunct="1">
-                        <a:lnSpc>
-                          <a:spcPct val="107000"/>
-                        </a:lnSpc>
-                        <a:spcBef>
-                          <a:spcPts val="0"/>
-                        </a:spcBef>
-                        <a:spcAft>
-                          <a:spcPts val="0"/>
-                        </a:spcAft>
-                        <a:buClrTx/>
-                        <a:buSzTx/>
-                        <a:buFontTx/>
-                        <a:buNone/>
-                        <a:tabLst/>
-                        <a:defRPr/>
-                      </a:pPr>
-                      <a:r>
-                        <a:rPr kumimoji="0" lang="en-US" sz="1100" b="0" i="0" u="none" strike="noStrike" kern="1200" cap="none" spc="0" normalizeH="0" baseline="0" noProof="0" dirty="0">
-                          <a:ln>
-                            <a:noFill/>
-                          </a:ln>
-                          <a:solidFill>
-                            <a:srgbClr val="505050"/>
-                          </a:solidFill>
-                          <a:effectLst/>
-                          <a:uLnTx/>
-                          <a:uFillTx/>
-                          <a:latin typeface="Segoe UI"/>
-                          <a:ea typeface="+mn-ea"/>
-                          <a:cs typeface="+mn-cs"/>
-                        </a:rPr>
-                        <a:t>ALLOW</a:t>
-                      </a:r>
-                      <a:endParaRPr kumimoji="0" lang="en-US" sz="1100" b="0" i="0" u="none" strike="noStrike" kern="1200" cap="none" spc="0" normalizeH="0" baseline="0" noProof="0" dirty="0">
-                        <a:ln>
-                          <a:noFill/>
-                        </a:ln>
-                        <a:solidFill>
-                          <a:srgbClr val="505050"/>
-                        </a:solidFill>
-                        <a:effectLst/>
-                        <a:uLnTx/>
-                        <a:uFillTx/>
-                        <a:latin typeface="Calibri" panose="020F0502020204030204" pitchFamily="34" charset="0"/>
-                        <a:ea typeface="Calibri" panose="020F0502020204030204" pitchFamily="34" charset="0"/>
-                        <a:cs typeface="Times New Roman" panose="02020603050405020304" pitchFamily="18" charset="0"/>
-                      </a:endParaRPr>
-                    </a:p>
-                  </a:txBody>
-                  <a:tcPr marL="68580" marR="68580" marT="0" marB="0"/>
-                </a:tc>
-                <a:extLst>
-                  <a:ext uri="{0D108BD9-81ED-4DB2-BD59-A6C34878D82A}">
-                    <a16:rowId xmlns:a16="http://schemas.microsoft.com/office/drawing/2014/main" val="3771725086"/>
-                  </a:ext>
-                </a:extLst>
-              </a:tr>
-            </a:tbl>
-          </a:graphicData>
-        </a:graphic>
-      </p:graphicFrame>
-      <p:graphicFrame>
-        <p:nvGraphicFramePr>
-          <p:cNvPr id="6" name="Table 5"/>
-          <p:cNvGraphicFramePr>
-            <a:graphicFrameLocks noGrp="1"/>
-          </p:cNvGraphicFramePr>
-          <p:nvPr>
-            <p:extLst>
-              <p:ext uri="{D42A27DB-BD31-4B8C-83A1-F6EECF244321}">
-                <p14:modId xmlns:p14="http://schemas.microsoft.com/office/powerpoint/2010/main" val="380093576"/>
-              </p:ext>
-            </p:extLst>
-          </p:nvPr>
-        </p:nvGraphicFramePr>
-        <p:xfrm>
-          <a:off x="395765" y="4939348"/>
-          <a:ext cx="11241020" cy="851535"/>
-        </p:xfrm>
-        <a:graphic>
-          <a:graphicData uri="http://schemas.openxmlformats.org/drawingml/2006/table">
-            <a:tbl>
-              <a:tblPr firstRow="1" firstCol="1" bandRow="1">
-                <a:tableStyleId>{5C22544A-7EE6-4342-B048-85BDC9FD1C3A}</a:tableStyleId>
-              </a:tblPr>
-              <a:tblGrid>
-                <a:gridCol w="1357338">
-                  <a:extLst>
-                    <a:ext uri="{9D8B030D-6E8A-4147-A177-3AD203B41FA5}">
-                      <a16:colId xmlns:a16="http://schemas.microsoft.com/office/drawing/2014/main" val="2666432238"/>
-                    </a:ext>
-                  </a:extLst>
-                </a:gridCol>
-                <a:gridCol w="1372967">
-                  <a:extLst>
-                    <a:ext uri="{9D8B030D-6E8A-4147-A177-3AD203B41FA5}">
-                      <a16:colId xmlns:a16="http://schemas.microsoft.com/office/drawing/2014/main" val="1647015745"/>
-                    </a:ext>
-                  </a:extLst>
-                </a:gridCol>
-                <a:gridCol w="1501608">
-                  <a:extLst>
-                    <a:ext uri="{9D8B030D-6E8A-4147-A177-3AD203B41FA5}">
-                      <a16:colId xmlns:a16="http://schemas.microsoft.com/office/drawing/2014/main" val="560455665"/>
-                    </a:ext>
-                  </a:extLst>
-                </a:gridCol>
-                <a:gridCol w="1383788">
-                  <a:extLst>
-                    <a:ext uri="{9D8B030D-6E8A-4147-A177-3AD203B41FA5}">
-                      <a16:colId xmlns:a16="http://schemas.microsoft.com/office/drawing/2014/main" val="349185585"/>
-                    </a:ext>
-                  </a:extLst>
-                </a:gridCol>
-                <a:gridCol w="1366956">
-                  <a:extLst>
-                    <a:ext uri="{9D8B030D-6E8A-4147-A177-3AD203B41FA5}">
-                      <a16:colId xmlns:a16="http://schemas.microsoft.com/office/drawing/2014/main" val="102287761"/>
-                    </a:ext>
-                  </a:extLst>
-                </a:gridCol>
-                <a:gridCol w="1535271">
-                  <a:extLst>
-                    <a:ext uri="{9D8B030D-6E8A-4147-A177-3AD203B41FA5}">
-                      <a16:colId xmlns:a16="http://schemas.microsoft.com/office/drawing/2014/main" val="3757197783"/>
-                    </a:ext>
-                  </a:extLst>
-                </a:gridCol>
-                <a:gridCol w="1359743">
-                  <a:extLst>
-                    <a:ext uri="{9D8B030D-6E8A-4147-A177-3AD203B41FA5}">
-                      <a16:colId xmlns:a16="http://schemas.microsoft.com/office/drawing/2014/main" val="276571416"/>
-                    </a:ext>
-                  </a:extLst>
-                </a:gridCol>
-                <a:gridCol w="1363349">
-                  <a:extLst>
-                    <a:ext uri="{9D8B030D-6E8A-4147-A177-3AD203B41FA5}">
-                      <a16:colId xmlns:a16="http://schemas.microsoft.com/office/drawing/2014/main" val="3204085821"/>
-                    </a:ext>
-                  </a:extLst>
-                </a:gridCol>
-              </a:tblGrid>
-              <a:tr h="0">
-                <a:tc gridSpan="8">
-                  <a:txBody>
-                    <a:bodyPr/>
-                    <a:lstStyle/>
-                    <a:p>
-                      <a:pPr marL="0" marR="0">
-                        <a:lnSpc>
-                          <a:spcPct val="107000"/>
-                        </a:lnSpc>
-                        <a:spcBef>
-                          <a:spcPts val="0"/>
-                        </a:spcBef>
-                        <a:spcAft>
-                          <a:spcPts val="0"/>
-                        </a:spcAft>
-                      </a:pPr>
-                      <a:r>
-                        <a:rPr lang="en-US" sz="1100" dirty="0">
-                          <a:effectLst/>
-                        </a:rPr>
-                        <a:t>Identity Tier NSG</a:t>
-                      </a:r>
-                      <a:endParaRPr lang="en-US" sz="1100" dirty="0">
-                        <a:effectLst/>
-                        <a:latin typeface="Calibri" panose="020F0502020204030204" pitchFamily="34" charset="0"/>
-                        <a:ea typeface="Calibri" panose="020F0502020204030204" pitchFamily="34" charset="0"/>
-                        <a:cs typeface="Times New Roman" panose="02020603050405020304" pitchFamily="18" charset="0"/>
-                      </a:endParaRPr>
-                    </a:p>
-                  </a:txBody>
-                  <a:tcPr marL="68580" marR="68580" marT="0" marB="0"/>
-                </a:tc>
-                <a:tc hMerge="1">
-                  <a:txBody>
-                    <a:bodyPr/>
-                    <a:lstStyle/>
-                    <a:p>
-                      <a:endParaRPr lang="en-US"/>
-                    </a:p>
-                  </a:txBody>
-                  <a:tcPr/>
-                </a:tc>
-                <a:tc hMerge="1">
-                  <a:txBody>
-                    <a:bodyPr/>
-                    <a:lstStyle/>
-                    <a:p>
-                      <a:endParaRPr lang="en-US"/>
-                    </a:p>
-                  </a:txBody>
-                  <a:tcPr/>
-                </a:tc>
-                <a:tc hMerge="1">
-                  <a:txBody>
-                    <a:bodyPr/>
-                    <a:lstStyle/>
-                    <a:p>
-                      <a:endParaRPr lang="en-US"/>
-                    </a:p>
-                  </a:txBody>
-                  <a:tcPr/>
-                </a:tc>
-                <a:tc hMerge="1">
-                  <a:txBody>
-                    <a:bodyPr/>
-                    <a:lstStyle/>
-                    <a:p>
-                      <a:endParaRPr lang="en-US"/>
-                    </a:p>
-                  </a:txBody>
-                  <a:tcPr/>
-                </a:tc>
-                <a:tc hMerge="1">
-                  <a:txBody>
-                    <a:bodyPr/>
-                    <a:lstStyle/>
-                    <a:p>
-                      <a:endParaRPr lang="en-US"/>
-                    </a:p>
-                  </a:txBody>
-                  <a:tcPr/>
-                </a:tc>
-                <a:tc hMerge="1">
-                  <a:txBody>
-                    <a:bodyPr/>
-                    <a:lstStyle/>
-                    <a:p>
-                      <a:endParaRPr lang="en-US"/>
-                    </a:p>
-                  </a:txBody>
-                  <a:tcPr/>
-                </a:tc>
-                <a:tc hMerge="1">
-                  <a:txBody>
-                    <a:bodyPr/>
-                    <a:lstStyle/>
-                    <a:p>
-                      <a:endParaRPr lang="en-US"/>
-                    </a:p>
-                  </a:txBody>
-                  <a:tcPr/>
-                </a:tc>
-                <a:extLst>
-                  <a:ext uri="{0D108BD9-81ED-4DB2-BD59-A6C34878D82A}">
-                    <a16:rowId xmlns:a16="http://schemas.microsoft.com/office/drawing/2014/main" val="2595900479"/>
-                  </a:ext>
-                </a:extLst>
-              </a:tr>
-              <a:tr h="0">
-                <a:tc>
-                  <a:txBody>
-                    <a:bodyPr/>
-                    <a:lstStyle/>
-                    <a:p>
-                      <a:pPr marL="0" marR="0" algn="ctr">
-                        <a:lnSpc>
-                          <a:spcPct val="107000"/>
-                        </a:lnSpc>
-                        <a:spcBef>
-                          <a:spcPts val="0"/>
-                        </a:spcBef>
-                        <a:spcAft>
-                          <a:spcPts val="0"/>
-                        </a:spcAft>
-                      </a:pPr>
-                      <a:r>
-                        <a:rPr lang="en-US" sz="1100" b="1" dirty="0">
-                          <a:effectLst/>
-                        </a:rPr>
-                        <a:t>Name</a:t>
-                      </a:r>
-                      <a:endParaRPr lang="en-US" sz="1100" b="1" dirty="0">
-                        <a:effectLst/>
-                        <a:latin typeface="Calibri" panose="020F0502020204030204" pitchFamily="34" charset="0"/>
-                        <a:ea typeface="Calibri" panose="020F0502020204030204" pitchFamily="34" charset="0"/>
-                        <a:cs typeface="Times New Roman" panose="02020603050405020304" pitchFamily="18" charset="0"/>
-                      </a:endParaRPr>
-                    </a:p>
-                  </a:txBody>
-                  <a:tcPr marL="68580" marR="68580" marT="0" marB="0"/>
-                </a:tc>
-                <a:tc>
-                  <a:txBody>
-                    <a:bodyPr/>
-                    <a:lstStyle/>
-                    <a:p>
-                      <a:pPr marL="0" marR="0" algn="ctr">
-                        <a:lnSpc>
-                          <a:spcPct val="107000"/>
-                        </a:lnSpc>
-                        <a:spcBef>
-                          <a:spcPts val="0"/>
-                        </a:spcBef>
-                        <a:spcAft>
-                          <a:spcPts val="0"/>
-                        </a:spcAft>
-                      </a:pPr>
-                      <a:r>
-                        <a:rPr lang="en-US" sz="1100" b="1" dirty="0">
-                          <a:effectLst/>
-                        </a:rPr>
-                        <a:t>Priority</a:t>
-                      </a:r>
-                      <a:endParaRPr lang="en-US" sz="1100" b="1" dirty="0">
-                        <a:effectLst/>
-                        <a:latin typeface="Calibri" panose="020F0502020204030204" pitchFamily="34" charset="0"/>
-                        <a:ea typeface="Calibri" panose="020F0502020204030204" pitchFamily="34" charset="0"/>
-                        <a:cs typeface="Times New Roman" panose="02020603050405020304" pitchFamily="18" charset="0"/>
-                      </a:endParaRPr>
-                    </a:p>
-                  </a:txBody>
-                  <a:tcPr marL="68580" marR="68580" marT="0" marB="0"/>
-                </a:tc>
-                <a:tc>
-                  <a:txBody>
-                    <a:bodyPr/>
-                    <a:lstStyle/>
-                    <a:p>
-                      <a:pPr marL="0" marR="0" algn="ctr">
-                        <a:lnSpc>
-                          <a:spcPct val="107000"/>
-                        </a:lnSpc>
-                        <a:spcBef>
-                          <a:spcPts val="0"/>
-                        </a:spcBef>
-                        <a:spcAft>
-                          <a:spcPts val="0"/>
-                        </a:spcAft>
-                      </a:pPr>
-                      <a:r>
-                        <a:rPr lang="en-US" sz="1100" b="1" dirty="0">
-                          <a:effectLst/>
-                        </a:rPr>
-                        <a:t>Source</a:t>
-                      </a:r>
-                      <a:endParaRPr lang="en-US" sz="1100" b="1" dirty="0">
-                        <a:effectLst/>
-                        <a:latin typeface="Calibri" panose="020F0502020204030204" pitchFamily="34" charset="0"/>
-                        <a:ea typeface="Calibri" panose="020F0502020204030204" pitchFamily="34" charset="0"/>
-                        <a:cs typeface="Times New Roman" panose="02020603050405020304" pitchFamily="18" charset="0"/>
-                      </a:endParaRPr>
-                    </a:p>
-                  </a:txBody>
-                  <a:tcPr marL="68580" marR="68580" marT="0" marB="0"/>
-                </a:tc>
-                <a:tc>
-                  <a:txBody>
-                    <a:bodyPr/>
-                    <a:lstStyle/>
-                    <a:p>
-                      <a:pPr marL="0" marR="0" algn="ctr">
-                        <a:lnSpc>
-                          <a:spcPct val="107000"/>
-                        </a:lnSpc>
-                        <a:spcBef>
-                          <a:spcPts val="0"/>
-                        </a:spcBef>
-                        <a:spcAft>
-                          <a:spcPts val="0"/>
-                        </a:spcAft>
-                      </a:pPr>
-                      <a:r>
-                        <a:rPr lang="en-US" sz="1100" b="1" dirty="0">
-                          <a:effectLst/>
-                        </a:rPr>
-                        <a:t>Protocol</a:t>
-                      </a:r>
-                      <a:endParaRPr lang="en-US" sz="1100" b="1" dirty="0">
-                        <a:effectLst/>
-                        <a:latin typeface="Calibri" panose="020F0502020204030204" pitchFamily="34" charset="0"/>
-                        <a:ea typeface="Calibri" panose="020F0502020204030204" pitchFamily="34" charset="0"/>
-                        <a:cs typeface="Times New Roman" panose="02020603050405020304" pitchFamily="18" charset="0"/>
-                      </a:endParaRPr>
-                    </a:p>
-                  </a:txBody>
-                  <a:tcPr marL="68580" marR="68580" marT="0" marB="0"/>
-                </a:tc>
-                <a:tc>
-                  <a:txBody>
-                    <a:bodyPr/>
-                    <a:lstStyle/>
-                    <a:p>
-                      <a:pPr marL="0" marR="0" algn="ctr">
-                        <a:lnSpc>
-                          <a:spcPct val="107000"/>
-                        </a:lnSpc>
-                        <a:spcBef>
-                          <a:spcPts val="0"/>
-                        </a:spcBef>
-                        <a:spcAft>
-                          <a:spcPts val="0"/>
-                        </a:spcAft>
-                      </a:pPr>
-                      <a:r>
-                        <a:rPr lang="en-US" sz="1100" b="1" dirty="0">
-                          <a:effectLst/>
-                        </a:rPr>
-                        <a:t>Source Port Range</a:t>
-                      </a:r>
-                      <a:endParaRPr lang="en-US" sz="1100" b="1" dirty="0">
-                        <a:effectLst/>
-                        <a:latin typeface="Calibri" panose="020F0502020204030204" pitchFamily="34" charset="0"/>
-                        <a:ea typeface="Calibri" panose="020F0502020204030204" pitchFamily="34" charset="0"/>
-                        <a:cs typeface="Times New Roman" panose="02020603050405020304" pitchFamily="18" charset="0"/>
-                      </a:endParaRPr>
-                    </a:p>
-                  </a:txBody>
-                  <a:tcPr marL="68580" marR="68580" marT="0" marB="0"/>
-                </a:tc>
-                <a:tc>
-                  <a:txBody>
-                    <a:bodyPr/>
-                    <a:lstStyle/>
-                    <a:p>
-                      <a:pPr marL="0" marR="0" algn="ctr">
-                        <a:lnSpc>
-                          <a:spcPct val="107000"/>
-                        </a:lnSpc>
-                        <a:spcBef>
-                          <a:spcPts val="0"/>
-                        </a:spcBef>
-                        <a:spcAft>
-                          <a:spcPts val="0"/>
-                        </a:spcAft>
-                      </a:pPr>
-                      <a:r>
-                        <a:rPr lang="en-US" sz="1100" b="1" dirty="0">
-                          <a:effectLst/>
-                        </a:rPr>
-                        <a:t>Destination</a:t>
-                      </a:r>
-                      <a:endParaRPr lang="en-US" sz="1100" b="1" dirty="0">
-                        <a:effectLst/>
-                        <a:latin typeface="Calibri" panose="020F0502020204030204" pitchFamily="34" charset="0"/>
-                        <a:ea typeface="Calibri" panose="020F0502020204030204" pitchFamily="34" charset="0"/>
-                        <a:cs typeface="Times New Roman" panose="02020603050405020304" pitchFamily="18" charset="0"/>
-                      </a:endParaRPr>
-                    </a:p>
-                  </a:txBody>
-                  <a:tcPr marL="68580" marR="68580" marT="0" marB="0"/>
-                </a:tc>
-                <a:tc>
-                  <a:txBody>
-                    <a:bodyPr/>
-                    <a:lstStyle/>
-                    <a:p>
-                      <a:pPr marL="0" marR="0" algn="ctr">
-                        <a:lnSpc>
-                          <a:spcPct val="107000"/>
-                        </a:lnSpc>
-                        <a:spcBef>
-                          <a:spcPts val="0"/>
-                        </a:spcBef>
-                        <a:spcAft>
-                          <a:spcPts val="0"/>
-                        </a:spcAft>
-                      </a:pPr>
-                      <a:r>
-                        <a:rPr lang="en-US" sz="1100" b="1" dirty="0">
-                          <a:effectLst/>
-                        </a:rPr>
-                        <a:t>Dest. Port Range</a:t>
-                      </a:r>
-                      <a:endParaRPr lang="en-US" sz="1100" b="1" dirty="0">
-                        <a:effectLst/>
-                        <a:latin typeface="Calibri" panose="020F0502020204030204" pitchFamily="34" charset="0"/>
-                        <a:ea typeface="Calibri" panose="020F0502020204030204" pitchFamily="34" charset="0"/>
-                        <a:cs typeface="Times New Roman" panose="02020603050405020304" pitchFamily="18" charset="0"/>
-                      </a:endParaRPr>
-                    </a:p>
-                  </a:txBody>
-                  <a:tcPr marL="68580" marR="68580" marT="0" marB="0"/>
-                </a:tc>
-                <a:tc>
-                  <a:txBody>
-                    <a:bodyPr/>
-                    <a:lstStyle/>
-                    <a:p>
-                      <a:pPr marL="0" marR="0" algn="ctr">
-                        <a:lnSpc>
-                          <a:spcPct val="107000"/>
-                        </a:lnSpc>
-                        <a:spcBef>
-                          <a:spcPts val="0"/>
-                        </a:spcBef>
-                        <a:spcAft>
-                          <a:spcPts val="0"/>
-                        </a:spcAft>
-                      </a:pPr>
-                      <a:r>
-                        <a:rPr lang="en-US" sz="1100" b="1" dirty="0">
-                          <a:effectLst/>
-                        </a:rPr>
-                        <a:t>Action</a:t>
-                      </a:r>
-                      <a:endParaRPr lang="en-US" sz="1100" b="1" dirty="0">
-                        <a:effectLst/>
-                        <a:latin typeface="Calibri" panose="020F0502020204030204" pitchFamily="34" charset="0"/>
-                        <a:ea typeface="Calibri" panose="020F0502020204030204" pitchFamily="34" charset="0"/>
-                        <a:cs typeface="Times New Roman" panose="02020603050405020304" pitchFamily="18" charset="0"/>
-                      </a:endParaRPr>
-                    </a:p>
-                  </a:txBody>
-                  <a:tcPr marL="68580" marR="68580" marT="0" marB="0"/>
-                </a:tc>
-                <a:extLst>
-                  <a:ext uri="{0D108BD9-81ED-4DB2-BD59-A6C34878D82A}">
-                    <a16:rowId xmlns:a16="http://schemas.microsoft.com/office/drawing/2014/main" val="2883528278"/>
-                  </a:ext>
-                </a:extLst>
-              </a:tr>
-              <a:tr h="0">
-                <a:tc>
-                  <a:txBody>
-                    <a:bodyPr/>
-                    <a:lstStyle/>
-                    <a:p>
-                      <a:pPr marL="0" marR="0">
-                        <a:lnSpc>
-                          <a:spcPct val="107000"/>
-                        </a:lnSpc>
-                        <a:spcBef>
-                          <a:spcPts val="0"/>
-                        </a:spcBef>
-                        <a:spcAft>
-                          <a:spcPts val="0"/>
-                        </a:spcAft>
-                      </a:pPr>
-                      <a:r>
-                        <a:rPr lang="en-US" sz="1100" dirty="0">
-                          <a:effectLst/>
-                        </a:rPr>
-                        <a:t>RDP</a:t>
-                      </a:r>
-                      <a:endParaRPr lang="en-US" sz="1100" dirty="0">
-                        <a:effectLst/>
-                        <a:latin typeface="Calibri" panose="020F0502020204030204" pitchFamily="34" charset="0"/>
-                        <a:ea typeface="Calibri" panose="020F0502020204030204" pitchFamily="34" charset="0"/>
-                        <a:cs typeface="Times New Roman" panose="02020603050405020304" pitchFamily="18" charset="0"/>
-                      </a:endParaRPr>
-                    </a:p>
-                  </a:txBody>
-                  <a:tcPr marL="68580" marR="68580" marT="0" marB="0"/>
-                </a:tc>
-                <a:tc>
-                  <a:txBody>
-                    <a:bodyPr/>
-                    <a:lstStyle/>
-                    <a:p>
-                      <a:pPr marL="0" marR="0">
-                        <a:lnSpc>
-                          <a:spcPct val="107000"/>
-                        </a:lnSpc>
-                        <a:spcBef>
-                          <a:spcPts val="0"/>
-                        </a:spcBef>
-                        <a:spcAft>
-                          <a:spcPts val="0"/>
-                        </a:spcAft>
-                      </a:pPr>
-                      <a:r>
-                        <a:rPr lang="en-US" sz="1100" dirty="0">
-                          <a:effectLst/>
-                        </a:rPr>
-                        <a:t>100</a:t>
-                      </a:r>
-                      <a:endParaRPr lang="en-US" sz="1100" dirty="0">
-                        <a:effectLst/>
-                        <a:latin typeface="Calibri" panose="020F0502020204030204" pitchFamily="34" charset="0"/>
-                        <a:ea typeface="Calibri" panose="020F0502020204030204" pitchFamily="34" charset="0"/>
-                        <a:cs typeface="Times New Roman" panose="02020603050405020304" pitchFamily="18" charset="0"/>
-                      </a:endParaRPr>
-                    </a:p>
-                  </a:txBody>
-                  <a:tcPr marL="68580" marR="68580" marT="0" marB="0"/>
-                </a:tc>
-                <a:tc>
-                  <a:txBody>
-                    <a:bodyPr/>
-                    <a:lstStyle/>
-                    <a:p>
-                      <a:pPr marL="0" marR="0">
-                        <a:lnSpc>
-                          <a:spcPct val="107000"/>
-                        </a:lnSpc>
-                        <a:spcBef>
-                          <a:spcPts val="0"/>
-                        </a:spcBef>
-                        <a:spcAft>
-                          <a:spcPts val="0"/>
-                        </a:spcAft>
-                      </a:pPr>
-                      <a:r>
-                        <a:rPr lang="en-US" sz="1100" dirty="0">
-                          <a:effectLst/>
-                        </a:rPr>
-                        <a:t>192.168.1.0/23</a:t>
-                      </a:r>
-                      <a:endParaRPr lang="en-US" sz="1100" dirty="0">
-                        <a:effectLst/>
-                        <a:latin typeface="Calibri" panose="020F0502020204030204" pitchFamily="34" charset="0"/>
-                        <a:ea typeface="Calibri" panose="020F0502020204030204" pitchFamily="34" charset="0"/>
-                        <a:cs typeface="Times New Roman" panose="02020603050405020304" pitchFamily="18" charset="0"/>
-                      </a:endParaRPr>
-                    </a:p>
-                  </a:txBody>
-                  <a:tcPr marL="68580" marR="68580" marT="0" marB="0"/>
-                </a:tc>
-                <a:tc>
-                  <a:txBody>
-                    <a:bodyPr/>
-                    <a:lstStyle/>
-                    <a:p>
-                      <a:pPr marL="0" marR="0">
-                        <a:lnSpc>
-                          <a:spcPct val="107000"/>
-                        </a:lnSpc>
-                        <a:spcBef>
-                          <a:spcPts val="0"/>
-                        </a:spcBef>
-                        <a:spcAft>
-                          <a:spcPts val="0"/>
-                        </a:spcAft>
-                      </a:pPr>
-                      <a:r>
-                        <a:rPr lang="en-US" sz="1100" dirty="0">
-                          <a:effectLst/>
-                        </a:rPr>
-                        <a:t>ANY</a:t>
-                      </a:r>
-                      <a:endParaRPr lang="en-US" sz="1100" dirty="0">
-                        <a:effectLst/>
-                        <a:latin typeface="Calibri" panose="020F0502020204030204" pitchFamily="34" charset="0"/>
-                        <a:ea typeface="Calibri" panose="020F0502020204030204" pitchFamily="34" charset="0"/>
-                        <a:cs typeface="Times New Roman" panose="02020603050405020304" pitchFamily="18" charset="0"/>
-                      </a:endParaRPr>
-                    </a:p>
-                  </a:txBody>
-                  <a:tcPr marL="68580" marR="68580" marT="0" marB="0"/>
-                </a:tc>
-                <a:tc>
-                  <a:txBody>
-                    <a:bodyPr/>
-                    <a:lstStyle/>
-                    <a:p>
-                      <a:pPr marL="0" marR="0">
-                        <a:lnSpc>
-                          <a:spcPct val="107000"/>
-                        </a:lnSpc>
-                        <a:spcBef>
-                          <a:spcPts val="0"/>
-                        </a:spcBef>
-                        <a:spcAft>
-                          <a:spcPts val="0"/>
-                        </a:spcAft>
-                      </a:pPr>
-                      <a:r>
-                        <a:rPr lang="en-US" sz="1100" dirty="0">
-                          <a:effectLst/>
-                        </a:rPr>
-                        <a:t>ANY</a:t>
-                      </a:r>
-                      <a:endParaRPr lang="en-US" sz="1100" dirty="0">
-                        <a:effectLst/>
-                        <a:latin typeface="Calibri" panose="020F0502020204030204" pitchFamily="34" charset="0"/>
-                        <a:ea typeface="Calibri" panose="020F0502020204030204" pitchFamily="34" charset="0"/>
-                        <a:cs typeface="Times New Roman" panose="02020603050405020304" pitchFamily="18" charset="0"/>
-                      </a:endParaRPr>
-                    </a:p>
-                  </a:txBody>
-                  <a:tcPr marL="68580" marR="68580" marT="0" marB="0"/>
-                </a:tc>
-                <a:tc>
-                  <a:txBody>
-                    <a:bodyPr/>
-                    <a:lstStyle/>
-                    <a:p>
-                      <a:pPr marL="0" marR="0">
-                        <a:lnSpc>
-                          <a:spcPct val="107000"/>
-                        </a:lnSpc>
-                        <a:spcBef>
-                          <a:spcPts val="0"/>
-                        </a:spcBef>
-                        <a:spcAft>
-                          <a:spcPts val="0"/>
-                        </a:spcAft>
-                      </a:pPr>
-                      <a:r>
-                        <a:rPr lang="en-US" sz="1100" dirty="0">
-                          <a:effectLst/>
-                        </a:rPr>
-                        <a:t>10.0.3.0/24</a:t>
-                      </a:r>
-                      <a:endParaRPr lang="en-US" sz="1100" dirty="0">
-                        <a:effectLst/>
-                        <a:latin typeface="Calibri" panose="020F0502020204030204" pitchFamily="34" charset="0"/>
-                        <a:ea typeface="Calibri" panose="020F0502020204030204" pitchFamily="34" charset="0"/>
-                        <a:cs typeface="Times New Roman" panose="02020603050405020304" pitchFamily="18" charset="0"/>
-                      </a:endParaRPr>
-                    </a:p>
-                  </a:txBody>
-                  <a:tcPr marL="68580" marR="68580" marT="0" marB="0"/>
-                </a:tc>
-                <a:tc>
-                  <a:txBody>
-                    <a:bodyPr/>
-                    <a:lstStyle/>
-                    <a:p>
-                      <a:pPr marL="0" marR="0">
-                        <a:lnSpc>
-                          <a:spcPct val="107000"/>
-                        </a:lnSpc>
-                        <a:spcBef>
-                          <a:spcPts val="0"/>
-                        </a:spcBef>
-                        <a:spcAft>
-                          <a:spcPts val="0"/>
-                        </a:spcAft>
-                      </a:pPr>
-                      <a:r>
-                        <a:rPr lang="en-US" sz="1100" dirty="0">
-                          <a:effectLst/>
-                        </a:rPr>
-                        <a:t>3389</a:t>
-                      </a:r>
-                      <a:endParaRPr lang="en-US" sz="1100" dirty="0">
-                        <a:effectLst/>
-                        <a:latin typeface="Calibri" panose="020F0502020204030204" pitchFamily="34" charset="0"/>
-                        <a:ea typeface="Calibri" panose="020F0502020204030204" pitchFamily="34" charset="0"/>
-                        <a:cs typeface="Times New Roman" panose="02020603050405020304" pitchFamily="18" charset="0"/>
-                      </a:endParaRPr>
-                    </a:p>
-                  </a:txBody>
-                  <a:tcPr marL="68580" marR="68580" marT="0" marB="0"/>
-                </a:tc>
-                <a:tc>
-                  <a:txBody>
-                    <a:bodyPr/>
-                    <a:lstStyle/>
-                    <a:p>
-                      <a:pPr marL="0" marR="0" lvl="0" indent="0" algn="l" defTabSz="685710" rtl="0" eaLnBrk="1" fontAlgn="auto" latinLnBrk="0" hangingPunct="1">
-                        <a:lnSpc>
-                          <a:spcPct val="107000"/>
-                        </a:lnSpc>
-                        <a:spcBef>
-                          <a:spcPts val="0"/>
-                        </a:spcBef>
-                        <a:spcAft>
-                          <a:spcPts val="0"/>
-                        </a:spcAft>
-                        <a:buClrTx/>
-                        <a:buSzTx/>
-                        <a:buFontTx/>
-                        <a:buNone/>
-                        <a:tabLst/>
-                        <a:defRPr/>
-                      </a:pPr>
-                      <a:r>
-                        <a:rPr kumimoji="0" lang="en-US" sz="1100" b="0" i="0" u="none" strike="noStrike" kern="1200" cap="none" spc="0" normalizeH="0" baseline="0" noProof="0" dirty="0">
-                          <a:ln>
-                            <a:noFill/>
-                          </a:ln>
-                          <a:solidFill>
-                            <a:srgbClr val="505050"/>
-                          </a:solidFill>
-                          <a:effectLst/>
-                          <a:uLnTx/>
-                          <a:uFillTx/>
-                          <a:latin typeface="Segoe UI"/>
-                          <a:ea typeface="+mn-ea"/>
-                          <a:cs typeface="+mn-cs"/>
-                        </a:rPr>
-                        <a:t>ALLOW</a:t>
-                      </a:r>
-                      <a:endParaRPr kumimoji="0" lang="en-US" sz="1100" b="0" i="0" u="none" strike="noStrike" kern="1200" cap="none" spc="0" normalizeH="0" baseline="0" noProof="0" dirty="0">
-                        <a:ln>
-                          <a:noFill/>
-                        </a:ln>
-                        <a:solidFill>
-                          <a:srgbClr val="505050"/>
-                        </a:solidFill>
-                        <a:effectLst/>
-                        <a:uLnTx/>
-                        <a:uFillTx/>
-                        <a:latin typeface="Calibri" panose="020F0502020204030204" pitchFamily="34" charset="0"/>
-                        <a:ea typeface="Calibri" panose="020F0502020204030204" pitchFamily="34" charset="0"/>
-                        <a:cs typeface="Times New Roman" panose="02020603050405020304" pitchFamily="18" charset="0"/>
-                      </a:endParaRPr>
-                    </a:p>
-                  </a:txBody>
-                  <a:tcPr marL="68580" marR="68580" marT="0" marB="0"/>
-                </a:tc>
-                <a:extLst>
-                  <a:ext uri="{0D108BD9-81ED-4DB2-BD59-A6C34878D82A}">
-                    <a16:rowId xmlns:a16="http://schemas.microsoft.com/office/drawing/2014/main" val="1649721919"/>
-                  </a:ext>
-                </a:extLst>
-              </a:tr>
-              <a:tr h="0">
-                <a:tc>
-                  <a:txBody>
-                    <a:bodyPr/>
-                    <a:lstStyle/>
-                    <a:p>
-                      <a:pPr marL="0" marR="0" algn="l" defTabSz="685710" rtl="0" eaLnBrk="1" latinLnBrk="0" hangingPunct="1">
-                        <a:lnSpc>
-                          <a:spcPct val="107000"/>
-                        </a:lnSpc>
-                        <a:spcBef>
-                          <a:spcPts val="0"/>
-                        </a:spcBef>
-                        <a:spcAft>
-                          <a:spcPts val="0"/>
-                        </a:spcAft>
-                      </a:pPr>
-                      <a:r>
-                        <a:rPr lang="en-US" sz="1100" b="1" kern="1200" dirty="0">
-                          <a:solidFill>
-                            <a:schemeClr val="lt1"/>
-                          </a:solidFill>
-                          <a:effectLst/>
-                          <a:latin typeface="+mn-lt"/>
-                          <a:ea typeface="+mn-ea"/>
-                          <a:cs typeface="+mn-cs"/>
-                        </a:rPr>
-                        <a:t>ADDS Replication1</a:t>
-                      </a:r>
-                    </a:p>
-                  </a:txBody>
-                  <a:tcPr marL="68580" marR="68580" marT="0" marB="0"/>
-                </a:tc>
-                <a:tc>
-                  <a:txBody>
-                    <a:bodyPr/>
-                    <a:lstStyle/>
-                    <a:p>
-                      <a:pPr marL="0" marR="0" algn="l" defTabSz="685710" rtl="0" eaLnBrk="1" latinLnBrk="0" hangingPunct="1">
-                        <a:lnSpc>
-                          <a:spcPct val="107000"/>
-                        </a:lnSpc>
-                        <a:spcBef>
-                          <a:spcPts val="0"/>
-                        </a:spcBef>
-                        <a:spcAft>
-                          <a:spcPts val="0"/>
-                        </a:spcAft>
-                      </a:pPr>
-                      <a:r>
-                        <a:rPr lang="en-US" sz="1100" kern="1200" dirty="0">
-                          <a:solidFill>
-                            <a:schemeClr val="dk1"/>
-                          </a:solidFill>
-                          <a:effectLst/>
-                          <a:latin typeface="+mn-lt"/>
-                          <a:ea typeface="+mn-ea"/>
-                          <a:cs typeface="+mn-cs"/>
-                        </a:rPr>
-                        <a:t>110</a:t>
-                      </a:r>
-                    </a:p>
-                  </a:txBody>
-                  <a:tcPr marL="68580" marR="68580" marT="0" marB="0"/>
-                </a:tc>
-                <a:tc>
-                  <a:txBody>
-                    <a:bodyPr/>
-                    <a:lstStyle/>
-                    <a:p>
-                      <a:pPr marL="0" marR="0" algn="l" defTabSz="685710" rtl="0" eaLnBrk="1" latinLnBrk="0" hangingPunct="1">
-                        <a:lnSpc>
-                          <a:spcPct val="107000"/>
-                        </a:lnSpc>
-                        <a:spcBef>
-                          <a:spcPts val="0"/>
-                        </a:spcBef>
-                        <a:spcAft>
-                          <a:spcPts val="0"/>
-                        </a:spcAft>
-                      </a:pPr>
-                      <a:r>
-                        <a:rPr lang="en-US" sz="1100" kern="1200" dirty="0">
-                          <a:solidFill>
-                            <a:schemeClr val="dk1"/>
-                          </a:solidFill>
-                          <a:effectLst/>
-                          <a:latin typeface="+mn-lt"/>
-                          <a:ea typeface="+mn-ea"/>
-                          <a:cs typeface="+mn-cs"/>
-                        </a:rPr>
-                        <a:t>192.168.1.10</a:t>
-                      </a:r>
-                    </a:p>
-                  </a:txBody>
-                  <a:tcPr marL="68580" marR="68580" marT="0" marB="0"/>
-                </a:tc>
-                <a:tc>
-                  <a:txBody>
-                    <a:bodyPr/>
-                    <a:lstStyle/>
-                    <a:p>
-                      <a:pPr marL="0" marR="0" algn="l" defTabSz="685710" rtl="0" eaLnBrk="1" latinLnBrk="0" hangingPunct="1">
-                        <a:lnSpc>
-                          <a:spcPct val="107000"/>
-                        </a:lnSpc>
-                        <a:spcBef>
-                          <a:spcPts val="0"/>
-                        </a:spcBef>
-                        <a:spcAft>
-                          <a:spcPts val="0"/>
-                        </a:spcAft>
-                      </a:pPr>
-                      <a:r>
-                        <a:rPr lang="en-US" sz="1100" kern="1200" dirty="0">
-                          <a:solidFill>
-                            <a:schemeClr val="dk1"/>
-                          </a:solidFill>
-                          <a:effectLst/>
-                          <a:latin typeface="+mn-lt"/>
-                          <a:ea typeface="+mn-ea"/>
-                          <a:cs typeface="+mn-cs"/>
-                        </a:rPr>
-                        <a:t>ANY</a:t>
-                      </a:r>
-                    </a:p>
-                  </a:txBody>
-                  <a:tcPr marL="68580" marR="68580" marT="0" marB="0"/>
-                </a:tc>
-                <a:tc>
-                  <a:txBody>
-                    <a:bodyPr/>
-                    <a:lstStyle/>
-                    <a:p>
-                      <a:pPr marL="0" marR="0" algn="l" defTabSz="685710" rtl="0" eaLnBrk="1" latinLnBrk="0" hangingPunct="1">
-                        <a:lnSpc>
-                          <a:spcPct val="107000"/>
-                        </a:lnSpc>
-                        <a:spcBef>
-                          <a:spcPts val="0"/>
-                        </a:spcBef>
-                        <a:spcAft>
-                          <a:spcPts val="0"/>
-                        </a:spcAft>
-                      </a:pPr>
-                      <a:r>
-                        <a:rPr lang="en-US" sz="1100" dirty="0">
-                          <a:effectLst/>
-                        </a:rPr>
-                        <a:t>ANY</a:t>
-                      </a:r>
-                      <a:endParaRPr lang="en-US" sz="1100" kern="1200" dirty="0">
-                        <a:solidFill>
-                          <a:schemeClr val="dk1"/>
-                        </a:solidFill>
-                        <a:effectLst/>
-                        <a:latin typeface="+mn-lt"/>
-                        <a:ea typeface="+mn-ea"/>
-                        <a:cs typeface="+mn-cs"/>
-                      </a:endParaRPr>
-                    </a:p>
-                  </a:txBody>
-                  <a:tcPr marL="68580" marR="68580" marT="0" marB="0"/>
-                </a:tc>
-                <a:tc>
-                  <a:txBody>
-                    <a:bodyPr/>
-                    <a:lstStyle/>
-                    <a:p>
-                      <a:pPr marL="0" marR="0" lvl="0" indent="0" algn="l" defTabSz="685710" rtl="0" eaLnBrk="1" fontAlgn="auto" latinLnBrk="0" hangingPunct="1">
-                        <a:lnSpc>
-                          <a:spcPct val="107000"/>
-                        </a:lnSpc>
-                        <a:spcBef>
-                          <a:spcPts val="0"/>
-                        </a:spcBef>
-                        <a:spcAft>
-                          <a:spcPts val="0"/>
-                        </a:spcAft>
-                        <a:buClrTx/>
-                        <a:buSzTx/>
-                        <a:buFontTx/>
-                        <a:buNone/>
-                        <a:tabLst/>
-                        <a:defRPr/>
-                      </a:pPr>
-                      <a:r>
-                        <a:rPr lang="en-US" sz="1100" kern="1200" dirty="0">
-                          <a:solidFill>
-                            <a:schemeClr val="dk1"/>
-                          </a:solidFill>
-                          <a:effectLst/>
-                          <a:latin typeface="+mn-lt"/>
-                          <a:ea typeface="+mn-ea"/>
-                          <a:cs typeface="+mn-cs"/>
-                        </a:rPr>
-                        <a:t>10.0.3.0/24</a:t>
-                      </a:r>
-                    </a:p>
-                  </a:txBody>
-                  <a:tcPr marL="68580" marR="68580" marT="0" marB="0"/>
-                </a:tc>
-                <a:tc>
-                  <a:txBody>
-                    <a:bodyPr/>
-                    <a:lstStyle/>
-                    <a:p>
-                      <a:pPr marL="0" marR="0" algn="l" defTabSz="685710" rtl="0" eaLnBrk="1" latinLnBrk="0" hangingPunct="1">
-                        <a:lnSpc>
-                          <a:spcPct val="107000"/>
-                        </a:lnSpc>
-                        <a:spcBef>
-                          <a:spcPts val="0"/>
-                        </a:spcBef>
-                        <a:spcAft>
-                          <a:spcPts val="0"/>
-                        </a:spcAft>
-                      </a:pPr>
-                      <a:r>
-                        <a:rPr lang="en-US" sz="1100" kern="1200" dirty="0">
-                          <a:solidFill>
-                            <a:schemeClr val="dk1"/>
-                          </a:solidFill>
-                          <a:effectLst/>
-                          <a:latin typeface="+mn-lt"/>
-                          <a:ea typeface="+mn-ea"/>
-                          <a:cs typeface="+mn-cs"/>
-                        </a:rPr>
-                        <a:t>ANY</a:t>
-                      </a:r>
-                    </a:p>
-                  </a:txBody>
-                  <a:tcPr marL="68580" marR="68580" marT="0" marB="0"/>
-                </a:tc>
-                <a:tc>
-                  <a:txBody>
-                    <a:bodyPr/>
-                    <a:lstStyle/>
-                    <a:p>
-                      <a:pPr marL="0" marR="0" lvl="0" indent="0" algn="l" defTabSz="685710" rtl="0" eaLnBrk="1" fontAlgn="auto" latinLnBrk="0" hangingPunct="1">
-                        <a:lnSpc>
-                          <a:spcPct val="107000"/>
-                        </a:lnSpc>
-                        <a:spcBef>
-                          <a:spcPts val="0"/>
-                        </a:spcBef>
-                        <a:spcAft>
-                          <a:spcPts val="0"/>
-                        </a:spcAft>
-                        <a:buClrTx/>
-                        <a:buSzTx/>
-                        <a:buFontTx/>
-                        <a:buNone/>
-                        <a:tabLst/>
-                        <a:defRPr/>
-                      </a:pPr>
-                      <a:r>
-                        <a:rPr kumimoji="0" lang="en-US" sz="1100" b="0" i="0" u="none" strike="noStrike" kern="1200" cap="none" spc="0" normalizeH="0" baseline="0" noProof="0" dirty="0">
-                          <a:ln>
-                            <a:noFill/>
-                          </a:ln>
-                          <a:solidFill>
-                            <a:srgbClr val="505050"/>
-                          </a:solidFill>
-                          <a:effectLst/>
-                          <a:uLnTx/>
-                          <a:uFillTx/>
-                          <a:latin typeface="Segoe UI"/>
-                          <a:ea typeface="+mn-ea"/>
-                          <a:cs typeface="+mn-cs"/>
-                        </a:rPr>
-                        <a:t>ALLOW</a:t>
-                      </a:r>
-                      <a:endParaRPr kumimoji="0" lang="en-US" sz="1100" b="0" i="0" u="none" strike="noStrike" kern="1200" cap="none" spc="0" normalizeH="0" baseline="0" noProof="0" dirty="0">
-                        <a:ln>
-                          <a:noFill/>
-                        </a:ln>
-                        <a:solidFill>
-                          <a:srgbClr val="505050"/>
-                        </a:solidFill>
-                        <a:effectLst/>
-                        <a:uLnTx/>
-                        <a:uFillTx/>
-                        <a:latin typeface="Calibri" panose="020F0502020204030204" pitchFamily="34" charset="0"/>
-                        <a:ea typeface="Calibri" panose="020F0502020204030204" pitchFamily="34" charset="0"/>
-                        <a:cs typeface="Times New Roman" panose="02020603050405020304" pitchFamily="18" charset="0"/>
-                      </a:endParaRPr>
-                    </a:p>
-                  </a:txBody>
-                  <a:tcPr marL="68580" marR="68580" marT="0" marB="0"/>
-                </a:tc>
-                <a:extLst>
-                  <a:ext uri="{0D108BD9-81ED-4DB2-BD59-A6C34878D82A}">
-                    <a16:rowId xmlns:a16="http://schemas.microsoft.com/office/drawing/2014/main" val="3062115299"/>
-                  </a:ext>
-                </a:extLst>
-              </a:tr>
-              <a:tr h="0">
-                <a:tc>
-                  <a:txBody>
-                    <a:bodyPr/>
-                    <a:lstStyle/>
-                    <a:p>
-                      <a:pPr marL="0" marR="0" algn="l" defTabSz="685710" rtl="0" eaLnBrk="1" latinLnBrk="0" hangingPunct="1">
-                        <a:lnSpc>
-                          <a:spcPct val="107000"/>
-                        </a:lnSpc>
-                        <a:spcBef>
-                          <a:spcPts val="0"/>
-                        </a:spcBef>
-                        <a:spcAft>
-                          <a:spcPts val="0"/>
-                        </a:spcAft>
-                      </a:pPr>
-                      <a:r>
-                        <a:rPr lang="en-US" sz="1100" b="1" kern="1200" dirty="0">
-                          <a:solidFill>
-                            <a:schemeClr val="lt1"/>
-                          </a:solidFill>
-                          <a:effectLst/>
-                          <a:latin typeface="+mn-lt"/>
-                          <a:ea typeface="+mn-ea"/>
-                          <a:cs typeface="+mn-cs"/>
-                        </a:rPr>
-                        <a:t>ADDS Replication2</a:t>
-                      </a:r>
-                    </a:p>
-                  </a:txBody>
-                  <a:tcPr marL="68580" marR="68580" marT="0" marB="0"/>
-                </a:tc>
-                <a:tc>
-                  <a:txBody>
-                    <a:bodyPr/>
-                    <a:lstStyle/>
-                    <a:p>
-                      <a:pPr marL="0" marR="0" algn="l" defTabSz="685710" rtl="0" eaLnBrk="1" latinLnBrk="0" hangingPunct="1">
-                        <a:lnSpc>
-                          <a:spcPct val="107000"/>
-                        </a:lnSpc>
-                        <a:spcBef>
-                          <a:spcPts val="0"/>
-                        </a:spcBef>
-                        <a:spcAft>
-                          <a:spcPts val="0"/>
-                        </a:spcAft>
-                      </a:pPr>
-                      <a:r>
-                        <a:rPr lang="en-US" sz="1100" kern="1200" dirty="0">
-                          <a:solidFill>
-                            <a:schemeClr val="dk1"/>
-                          </a:solidFill>
-                          <a:effectLst/>
-                          <a:latin typeface="+mn-lt"/>
-                          <a:ea typeface="+mn-ea"/>
-                          <a:cs typeface="+mn-cs"/>
-                        </a:rPr>
-                        <a:t>120</a:t>
-                      </a:r>
-                    </a:p>
-                  </a:txBody>
-                  <a:tcPr marL="68580" marR="68580" marT="0" marB="0"/>
-                </a:tc>
-                <a:tc>
-                  <a:txBody>
-                    <a:bodyPr/>
-                    <a:lstStyle/>
-                    <a:p>
-                      <a:pPr marL="0" marR="0" lvl="0" indent="0" algn="l" defTabSz="685710" rtl="0" eaLnBrk="1" fontAlgn="auto" latinLnBrk="0" hangingPunct="1">
-                        <a:lnSpc>
-                          <a:spcPct val="107000"/>
-                        </a:lnSpc>
-                        <a:spcBef>
-                          <a:spcPts val="0"/>
-                        </a:spcBef>
-                        <a:spcAft>
-                          <a:spcPts val="0"/>
-                        </a:spcAft>
-                        <a:buClrTx/>
-                        <a:buSzTx/>
-                        <a:buFontTx/>
-                        <a:buNone/>
-                        <a:tabLst/>
-                        <a:defRPr/>
-                      </a:pPr>
-                      <a:r>
-                        <a:rPr lang="en-US" sz="1100" kern="1200" dirty="0">
-                          <a:solidFill>
-                            <a:schemeClr val="dk1"/>
-                          </a:solidFill>
-                          <a:effectLst/>
-                          <a:latin typeface="+mn-lt"/>
-                          <a:ea typeface="+mn-ea"/>
-                          <a:cs typeface="+mn-cs"/>
-                        </a:rPr>
-                        <a:t>192.168.1.11</a:t>
-                      </a:r>
-                    </a:p>
-                  </a:txBody>
-                  <a:tcPr marL="68580" marR="68580" marT="0" marB="0"/>
-                </a:tc>
-                <a:tc>
-                  <a:txBody>
-                    <a:bodyPr/>
-                    <a:lstStyle/>
-                    <a:p>
-                      <a:pPr marL="0" marR="0" algn="l" defTabSz="685710" rtl="0" eaLnBrk="1" latinLnBrk="0" hangingPunct="1">
-                        <a:lnSpc>
-                          <a:spcPct val="107000"/>
-                        </a:lnSpc>
-                        <a:spcBef>
-                          <a:spcPts val="0"/>
-                        </a:spcBef>
-                        <a:spcAft>
-                          <a:spcPts val="0"/>
-                        </a:spcAft>
-                      </a:pPr>
-                      <a:r>
-                        <a:rPr lang="en-US" sz="1100" kern="1200" dirty="0">
-                          <a:solidFill>
-                            <a:schemeClr val="dk1"/>
-                          </a:solidFill>
-                          <a:effectLst/>
-                          <a:latin typeface="+mn-lt"/>
-                          <a:ea typeface="+mn-ea"/>
-                          <a:cs typeface="+mn-cs"/>
-                        </a:rPr>
-                        <a:t>ANY</a:t>
-                      </a:r>
-                    </a:p>
-                  </a:txBody>
-                  <a:tcPr marL="68580" marR="68580" marT="0" marB="0"/>
-                </a:tc>
-                <a:tc>
-                  <a:txBody>
-                    <a:bodyPr/>
-                    <a:lstStyle/>
-                    <a:p>
-                      <a:pPr marL="0" marR="0" algn="l" defTabSz="685710" rtl="0" eaLnBrk="1" latinLnBrk="0" hangingPunct="1">
-                        <a:lnSpc>
-                          <a:spcPct val="107000"/>
-                        </a:lnSpc>
-                        <a:spcBef>
-                          <a:spcPts val="0"/>
-                        </a:spcBef>
-                        <a:spcAft>
-                          <a:spcPts val="0"/>
-                        </a:spcAft>
-                      </a:pPr>
-                      <a:r>
-                        <a:rPr lang="en-US" sz="1100" dirty="0">
-                          <a:effectLst/>
-                        </a:rPr>
-                        <a:t>ANY</a:t>
-                      </a:r>
-                      <a:endParaRPr lang="en-US" sz="1100" kern="1200" dirty="0">
-                        <a:solidFill>
-                          <a:schemeClr val="dk1"/>
-                        </a:solidFill>
-                        <a:effectLst/>
-                        <a:latin typeface="+mn-lt"/>
-                        <a:ea typeface="+mn-ea"/>
-                        <a:cs typeface="+mn-cs"/>
-                      </a:endParaRPr>
-                    </a:p>
-                  </a:txBody>
-                  <a:tcPr marL="68580" marR="68580" marT="0" marB="0"/>
-                </a:tc>
-                <a:tc>
-                  <a:txBody>
-                    <a:bodyPr/>
-                    <a:lstStyle/>
-                    <a:p>
-                      <a:pPr marL="0" marR="0" lvl="0" indent="0" algn="l" defTabSz="685710" rtl="0" eaLnBrk="1" fontAlgn="auto" latinLnBrk="0" hangingPunct="1">
-                        <a:lnSpc>
-                          <a:spcPct val="107000"/>
-                        </a:lnSpc>
-                        <a:spcBef>
-                          <a:spcPts val="0"/>
-                        </a:spcBef>
-                        <a:spcAft>
-                          <a:spcPts val="0"/>
-                        </a:spcAft>
-                        <a:buClrTx/>
-                        <a:buSzTx/>
-                        <a:buFontTx/>
-                        <a:buNone/>
-                        <a:tabLst/>
-                        <a:defRPr/>
-                      </a:pPr>
-                      <a:r>
-                        <a:rPr lang="en-US" sz="1100" kern="1200" dirty="0">
-                          <a:solidFill>
-                            <a:schemeClr val="dk1"/>
-                          </a:solidFill>
-                          <a:effectLst/>
-                          <a:latin typeface="+mn-lt"/>
-                          <a:ea typeface="+mn-ea"/>
-                          <a:cs typeface="+mn-cs"/>
-                        </a:rPr>
-                        <a:t>10.0.3.0/24</a:t>
-                      </a:r>
-                    </a:p>
-                  </a:txBody>
-                  <a:tcPr marL="68580" marR="68580" marT="0" marB="0"/>
-                </a:tc>
-                <a:tc>
-                  <a:txBody>
-                    <a:bodyPr/>
-                    <a:lstStyle/>
-                    <a:p>
-                      <a:pPr marL="0" marR="0" algn="l" defTabSz="685710" rtl="0" eaLnBrk="1" latinLnBrk="0" hangingPunct="1">
-                        <a:lnSpc>
-                          <a:spcPct val="107000"/>
-                        </a:lnSpc>
-                        <a:spcBef>
-                          <a:spcPts val="0"/>
-                        </a:spcBef>
-                        <a:spcAft>
-                          <a:spcPts val="0"/>
-                        </a:spcAft>
-                      </a:pPr>
-                      <a:r>
-                        <a:rPr lang="en-US" sz="1100" kern="1200" dirty="0">
-                          <a:solidFill>
-                            <a:schemeClr val="dk1"/>
-                          </a:solidFill>
-                          <a:effectLst/>
-                          <a:latin typeface="+mn-lt"/>
-                          <a:ea typeface="+mn-ea"/>
-                          <a:cs typeface="+mn-cs"/>
-                        </a:rPr>
-                        <a:t>ANY</a:t>
-                      </a:r>
-                    </a:p>
-                  </a:txBody>
-                  <a:tcPr marL="68580" marR="68580" marT="0" marB="0"/>
-                </a:tc>
-                <a:tc>
-                  <a:txBody>
-                    <a:bodyPr/>
-                    <a:lstStyle/>
-                    <a:p>
-                      <a:pPr marL="0" marR="0" lvl="0" indent="0" algn="l" defTabSz="685710" rtl="0" eaLnBrk="1" fontAlgn="auto" latinLnBrk="0" hangingPunct="1">
-                        <a:lnSpc>
-                          <a:spcPct val="107000"/>
-                        </a:lnSpc>
-                        <a:spcBef>
-                          <a:spcPts val="0"/>
-                        </a:spcBef>
-                        <a:spcAft>
-                          <a:spcPts val="0"/>
-                        </a:spcAft>
-                        <a:buClrTx/>
-                        <a:buSzTx/>
-                        <a:buFontTx/>
-                        <a:buNone/>
-                        <a:tabLst/>
-                        <a:defRPr/>
-                      </a:pPr>
-                      <a:r>
-                        <a:rPr kumimoji="0" lang="en-US" sz="1100" b="0" i="0" u="none" strike="noStrike" kern="1200" cap="none" spc="0" normalizeH="0" baseline="0" noProof="0" dirty="0">
-                          <a:ln>
-                            <a:noFill/>
-                          </a:ln>
-                          <a:solidFill>
-                            <a:srgbClr val="505050"/>
-                          </a:solidFill>
-                          <a:effectLst/>
-                          <a:uLnTx/>
-                          <a:uFillTx/>
-                          <a:latin typeface="Segoe UI"/>
-                          <a:ea typeface="+mn-ea"/>
-                          <a:cs typeface="+mn-cs"/>
-                        </a:rPr>
-                        <a:t>ALLOW</a:t>
-                      </a:r>
-                      <a:endParaRPr kumimoji="0" lang="en-US" sz="1100" b="0" i="0" u="none" strike="noStrike" kern="1200" cap="none" spc="0" normalizeH="0" baseline="0" noProof="0" dirty="0">
-                        <a:ln>
-                          <a:noFill/>
-                        </a:ln>
-                        <a:solidFill>
-                          <a:srgbClr val="505050"/>
-                        </a:solidFill>
-                        <a:effectLst/>
-                        <a:uLnTx/>
-                        <a:uFillTx/>
-                        <a:latin typeface="Calibri" panose="020F0502020204030204" pitchFamily="34" charset="0"/>
-                        <a:ea typeface="Calibri" panose="020F0502020204030204" pitchFamily="34" charset="0"/>
-                        <a:cs typeface="Times New Roman" panose="02020603050405020304" pitchFamily="18" charset="0"/>
-                      </a:endParaRPr>
-                    </a:p>
-                  </a:txBody>
-                  <a:tcPr marL="68580" marR="68580" marT="0" marB="0"/>
-                </a:tc>
-                <a:extLst>
-                  <a:ext uri="{0D108BD9-81ED-4DB2-BD59-A6C34878D82A}">
-                    <a16:rowId xmlns:a16="http://schemas.microsoft.com/office/drawing/2014/main" val="1146097472"/>
-                  </a:ext>
-                </a:extLst>
-              </a:tr>
-            </a:tbl>
-          </a:graphicData>
-        </a:graphic>
-      </p:graphicFrame>
-      <p:sp>
-        <p:nvSpPr>
-          <p:cNvPr id="8" name="Speech Bubble: Rectangle with Corners Rounded 7" descr="On-Premise Domain Controllers speech bubble." title="On-Premise Domain Controllers"/>
-          <p:cNvSpPr/>
+      <p:pic>
+        <p:nvPicPr>
+          <p:cNvPr id="3" name="Picture 2" title="Network security group usage">
+            <a:extLst>
+              <a:ext uri="{FF2B5EF4-FFF2-40B4-BE49-F238E27FC236}">
+                <a16:creationId xmlns:a16="http://schemas.microsoft.com/office/drawing/2014/main" id="{1CB55AE3-E503-4B41-9C42-DB027B272218}"/>
+              </a:ext>
+            </a:extLst>
+          </p:cNvPr>
+          <p:cNvPicPr>
+            <a:picLocks noChangeAspect="1"/>
+          </p:cNvPicPr>
           <p:nvPr/>
-        </p:nvSpPr>
-        <p:spPr bwMode="auto">
+        </p:nvPicPr>
+        <p:blipFill>
+          <a:blip r:embed="rId3"/>
+          <a:stretch>
+            <a:fillRect/>
+          </a:stretch>
+        </p:blipFill>
+        <p:spPr>
           <a:xfrm>
-            <a:off x="4241443" y="6276623"/>
-            <a:ext cx="1116168" cy="502276"/>
+            <a:off x="213590" y="2204840"/>
+            <a:ext cx="11613414" cy="4519133"/>
           </a:xfrm>
-          <a:prstGeom prst="wedgeRoundRectCallout">
-            <a:avLst>
-              <a:gd name="adj1" fmla="val -55207"/>
-              <a:gd name="adj2" fmla="val -184509"/>
-              <a:gd name="adj3" fmla="val 16667"/>
-            </a:avLst>
+          <a:prstGeom prst="rect">
+            <a:avLst/>
           </a:prstGeom>
-          <a:solidFill>
-            <a:srgbClr val="FF0000"/>
-          </a:solidFill>
-          <a:ln>
-            <a:noFill/>
-            <a:headEnd type="none" w="med" len="med"/>
-            <a:tailEnd type="none" w="med" len="med"/>
-          </a:ln>
-          <a:effectLst/>
         </p:spPr>
-        <p:style>
-          <a:lnRef idx="1">
-            <a:schemeClr val="accent2"/>
-          </a:lnRef>
-          <a:fillRef idx="3">
-            <a:schemeClr val="accent2"/>
-          </a:fillRef>
-          <a:effectRef idx="2">
-            <a:schemeClr val="accent2"/>
-          </a:effectRef>
-          <a:fontRef idx="minor">
-            <a:schemeClr val="lt1"/>
-          </a:fontRef>
-        </p:style>
-        <p:txBody>
-          <a:bodyPr rot="0" spcFirstLastPara="0" vertOverflow="overflow" horzOverflow="overflow" vert="horz" wrap="square" lIns="182880" tIns="146304" rIns="182880" bIns="146304" numCol="1" spcCol="0" rtlCol="0" fromWordArt="0" anchor="t" anchorCtr="0" forceAA="0" compatLnSpc="1">
-            <a:prstTxWarp prst="textNoShape">
-              <a:avLst/>
-            </a:prstTxWarp>
-            <a:noAutofit/>
-          </a:bodyPr>
-          <a:lstStyle/>
-          <a:p>
-            <a:pPr algn="ctr" defTabSz="932472" fontAlgn="base">
-              <a:lnSpc>
-                <a:spcPct val="90000"/>
-              </a:lnSpc>
-              <a:spcBef>
-                <a:spcPct val="0"/>
-              </a:spcBef>
-              <a:spcAft>
-                <a:spcPct val="0"/>
-              </a:spcAft>
-            </a:pPr>
-            <a:endParaRPr lang="en-US" sz="2400" dirty="0">
-              <a:gradFill>
-                <a:gsLst>
-                  <a:gs pos="0">
-                    <a:srgbClr val="FFFFFF"/>
-                  </a:gs>
-                  <a:gs pos="100000">
-                    <a:srgbClr val="FFFFFF"/>
-                  </a:gs>
-                </a:gsLst>
-                <a:lin ang="5400000" scaled="0"/>
-              </a:gradFill>
-              <a:ea typeface="Segoe UI" pitchFamily="34" charset="0"/>
-              <a:cs typeface="Segoe UI" pitchFamily="34" charset="0"/>
-            </a:endParaRPr>
-          </a:p>
-        </p:txBody>
-      </p:sp>
-      <p:sp>
-        <p:nvSpPr>
-          <p:cNvPr id="9" name="Speech Bubble: Rectangle with Corners Rounded 8" descr="On-Premise Domain Controllers callout" title="On-Premise Domain Controllers callout"/>
-          <p:cNvSpPr/>
-          <p:nvPr/>
-        </p:nvSpPr>
-        <p:spPr bwMode="auto">
-          <a:xfrm>
-            <a:off x="4241443" y="6276623"/>
-            <a:ext cx="1116168" cy="502276"/>
-          </a:xfrm>
-          <a:prstGeom prst="wedgeRoundRectCallout">
-            <a:avLst>
-              <a:gd name="adj1" fmla="val -56046"/>
-              <a:gd name="adj2" fmla="val -122969"/>
-              <a:gd name="adj3" fmla="val 16667"/>
-            </a:avLst>
-          </a:prstGeom>
-          <a:solidFill>
-            <a:srgbClr val="FF0000"/>
-          </a:solidFill>
-          <a:ln>
-            <a:noFill/>
-            <a:headEnd type="none" w="med" len="med"/>
-            <a:tailEnd type="none" w="med" len="med"/>
-          </a:ln>
-          <a:effectLst/>
-        </p:spPr>
-        <p:style>
-          <a:lnRef idx="1">
-            <a:schemeClr val="accent2"/>
-          </a:lnRef>
-          <a:fillRef idx="3">
-            <a:schemeClr val="accent2"/>
-          </a:fillRef>
-          <a:effectRef idx="2">
-            <a:schemeClr val="accent2"/>
-          </a:effectRef>
-          <a:fontRef idx="minor">
-            <a:schemeClr val="lt1"/>
-          </a:fontRef>
-        </p:style>
-        <p:txBody>
-          <a:bodyPr rot="0" spcFirstLastPara="0" vertOverflow="overflow" horzOverflow="overflow" vert="horz" wrap="square" lIns="182880" tIns="146304" rIns="182880" bIns="146304" numCol="1" spcCol="0" rtlCol="0" fromWordArt="0" anchor="ctr" anchorCtr="0" forceAA="0" compatLnSpc="1">
-            <a:prstTxWarp prst="textNoShape">
-              <a:avLst/>
-            </a:prstTxWarp>
-            <a:noAutofit/>
-          </a:bodyPr>
-          <a:lstStyle/>
-          <a:p>
-            <a:pPr algn="ctr" defTabSz="932472" fontAlgn="base">
-              <a:lnSpc>
-                <a:spcPct val="90000"/>
-              </a:lnSpc>
-              <a:spcBef>
-                <a:spcPct val="0"/>
-              </a:spcBef>
-              <a:spcAft>
-                <a:spcPct val="0"/>
-              </a:spcAft>
-            </a:pPr>
-            <a:r>
-              <a:rPr lang="en-US" sz="1000" dirty="0">
-                <a:gradFill>
-                  <a:gsLst>
-                    <a:gs pos="0">
-                      <a:srgbClr val="FFFFFF"/>
-                    </a:gs>
-                    <a:gs pos="100000">
-                      <a:srgbClr val="FFFFFF"/>
-                    </a:gs>
-                  </a:gsLst>
-                  <a:lin ang="5400000" scaled="0"/>
-                </a:gradFill>
-                <a:ea typeface="Segoe UI" pitchFamily="34" charset="0"/>
-                <a:cs typeface="Segoe UI" pitchFamily="34" charset="0"/>
-              </a:rPr>
-              <a:t>On-Premise Domain Controllers</a:t>
-            </a:r>
-          </a:p>
-        </p:txBody>
-      </p:sp>
+      </p:pic>
     </p:spTree>
     <p:extLst>
       <p:ext uri="{BB962C8B-B14F-4D97-AF65-F5344CB8AC3E}">
@@ -30801,7 +26210,7 @@
         <p:spPr>
           <a:xfrm>
             <a:off x="269239" y="1189177"/>
-            <a:ext cx="11653523" cy="3020507"/>
+            <a:ext cx="11653523" cy="2344168"/>
           </a:xfrm>
         </p:spPr>
         <p:txBody>
@@ -30809,12 +26218,12 @@
           <a:lstStyle/>
           <a:p>
             <a:r>
-              <a:rPr lang="en-US" dirty="0"/>
+              <a:rPr lang="en-US" sz="3600" dirty="0"/>
               <a:t>Since Contoso has not deployed any additional infrastructure to West US 2 the only ports needed are for administration and replication of Active Directory.</a:t>
             </a:r>
           </a:p>
           <a:p>
-            <a:endParaRPr lang="en-US" dirty="0"/>
+            <a:endParaRPr lang="en-US" sz="3600" dirty="0"/>
           </a:p>
         </p:txBody>
       </p:sp>
@@ -30841,1428 +26250,36 @@
           </a:p>
         </p:txBody>
       </p:sp>
-      <p:graphicFrame>
-        <p:nvGraphicFramePr>
-          <p:cNvPr id="6" name="Table 5"/>
-          <p:cNvGraphicFramePr>
-            <a:graphicFrameLocks noGrp="1"/>
-          </p:cNvGraphicFramePr>
-          <p:nvPr>
-            <p:extLst>
-              <p:ext uri="{D42A27DB-BD31-4B8C-83A1-F6EECF244321}">
-                <p14:modId xmlns:p14="http://schemas.microsoft.com/office/powerpoint/2010/main" val="1378241295"/>
-              </p:ext>
-            </p:extLst>
-          </p:nvPr>
-        </p:nvGraphicFramePr>
-        <p:xfrm>
-          <a:off x="522596" y="3429000"/>
-          <a:ext cx="11184989" cy="1265260"/>
-        </p:xfrm>
-        <a:graphic>
-          <a:graphicData uri="http://schemas.openxmlformats.org/drawingml/2006/table">
-            <a:tbl>
-              <a:tblPr firstRow="1" firstCol="1" bandRow="1">
-                <a:tableStyleId>{5C22544A-7EE6-4342-B048-85BDC9FD1C3A}</a:tableStyleId>
-              </a:tblPr>
-              <a:tblGrid>
-                <a:gridCol w="1350572">
-                  <a:extLst>
-                    <a:ext uri="{9D8B030D-6E8A-4147-A177-3AD203B41FA5}">
-                      <a16:colId xmlns:a16="http://schemas.microsoft.com/office/drawing/2014/main" val="2666432238"/>
-                    </a:ext>
-                  </a:extLst>
-                </a:gridCol>
-                <a:gridCol w="1366124">
-                  <a:extLst>
-                    <a:ext uri="{9D8B030D-6E8A-4147-A177-3AD203B41FA5}">
-                      <a16:colId xmlns:a16="http://schemas.microsoft.com/office/drawing/2014/main" val="1647015745"/>
-                    </a:ext>
-                  </a:extLst>
-                </a:gridCol>
-                <a:gridCol w="1494123">
-                  <a:extLst>
-                    <a:ext uri="{9D8B030D-6E8A-4147-A177-3AD203B41FA5}">
-                      <a16:colId xmlns:a16="http://schemas.microsoft.com/office/drawing/2014/main" val="560455665"/>
-                    </a:ext>
-                  </a:extLst>
-                </a:gridCol>
-                <a:gridCol w="1376891">
-                  <a:extLst>
-                    <a:ext uri="{9D8B030D-6E8A-4147-A177-3AD203B41FA5}">
-                      <a16:colId xmlns:a16="http://schemas.microsoft.com/office/drawing/2014/main" val="349185585"/>
-                    </a:ext>
-                  </a:extLst>
-                </a:gridCol>
-                <a:gridCol w="1515542">
-                  <a:extLst>
-                    <a:ext uri="{9D8B030D-6E8A-4147-A177-3AD203B41FA5}">
-                      <a16:colId xmlns:a16="http://schemas.microsoft.com/office/drawing/2014/main" val="102287761"/>
-                    </a:ext>
-                  </a:extLst>
-                </a:gridCol>
-                <a:gridCol w="1372219">
-                  <a:extLst>
-                    <a:ext uri="{9D8B030D-6E8A-4147-A177-3AD203B41FA5}">
-                      <a16:colId xmlns:a16="http://schemas.microsoft.com/office/drawing/2014/main" val="3757197783"/>
-                    </a:ext>
-                  </a:extLst>
-                </a:gridCol>
-                <a:gridCol w="1352965">
-                  <a:extLst>
-                    <a:ext uri="{9D8B030D-6E8A-4147-A177-3AD203B41FA5}">
-                      <a16:colId xmlns:a16="http://schemas.microsoft.com/office/drawing/2014/main" val="276571416"/>
-                    </a:ext>
-                  </a:extLst>
-                </a:gridCol>
-                <a:gridCol w="1356553">
-                  <a:extLst>
-                    <a:ext uri="{9D8B030D-6E8A-4147-A177-3AD203B41FA5}">
-                      <a16:colId xmlns:a16="http://schemas.microsoft.com/office/drawing/2014/main" val="3204085821"/>
-                    </a:ext>
-                  </a:extLst>
-                </a:gridCol>
-              </a:tblGrid>
-              <a:tr h="253052">
-                <a:tc gridSpan="8">
-                  <a:txBody>
-                    <a:bodyPr/>
-                    <a:lstStyle/>
-                    <a:p>
-                      <a:pPr marL="0" marR="0">
-                        <a:lnSpc>
-                          <a:spcPct val="107000"/>
-                        </a:lnSpc>
-                        <a:spcBef>
-                          <a:spcPts val="0"/>
-                        </a:spcBef>
-                        <a:spcAft>
-                          <a:spcPts val="0"/>
-                        </a:spcAft>
-                      </a:pPr>
-                      <a:r>
-                        <a:rPr lang="en-US" sz="1100" b="1" dirty="0">
-                          <a:effectLst/>
-                        </a:rPr>
-                        <a:t>Identity Tier NSG</a:t>
-                      </a:r>
-                      <a:endParaRPr lang="en-US" sz="1100" b="1" dirty="0">
-                        <a:effectLst/>
-                        <a:latin typeface="Calibri" panose="020F0502020204030204" pitchFamily="34" charset="0"/>
-                        <a:ea typeface="Calibri" panose="020F0502020204030204" pitchFamily="34" charset="0"/>
-                        <a:cs typeface="Times New Roman" panose="02020603050405020304" pitchFamily="18" charset="0"/>
-                      </a:endParaRPr>
-                    </a:p>
-                  </a:txBody>
-                  <a:tcPr marL="68580" marR="68580" marT="0" marB="0"/>
-                </a:tc>
-                <a:tc hMerge="1">
-                  <a:txBody>
-                    <a:bodyPr/>
-                    <a:lstStyle/>
-                    <a:p>
-                      <a:endParaRPr lang="en-US"/>
-                    </a:p>
-                  </a:txBody>
-                  <a:tcPr/>
-                </a:tc>
-                <a:tc hMerge="1">
-                  <a:txBody>
-                    <a:bodyPr/>
-                    <a:lstStyle/>
-                    <a:p>
-                      <a:endParaRPr lang="en-US"/>
-                    </a:p>
-                  </a:txBody>
-                  <a:tcPr/>
-                </a:tc>
-                <a:tc hMerge="1">
-                  <a:txBody>
-                    <a:bodyPr/>
-                    <a:lstStyle/>
-                    <a:p>
-                      <a:endParaRPr lang="en-US"/>
-                    </a:p>
-                  </a:txBody>
-                  <a:tcPr/>
-                </a:tc>
-                <a:tc hMerge="1">
-                  <a:txBody>
-                    <a:bodyPr/>
-                    <a:lstStyle/>
-                    <a:p>
-                      <a:endParaRPr lang="en-US"/>
-                    </a:p>
-                  </a:txBody>
-                  <a:tcPr/>
-                </a:tc>
-                <a:tc hMerge="1">
-                  <a:txBody>
-                    <a:bodyPr/>
-                    <a:lstStyle/>
-                    <a:p>
-                      <a:endParaRPr lang="en-US"/>
-                    </a:p>
-                  </a:txBody>
-                  <a:tcPr/>
-                </a:tc>
-                <a:tc hMerge="1">
-                  <a:txBody>
-                    <a:bodyPr/>
-                    <a:lstStyle/>
-                    <a:p>
-                      <a:endParaRPr lang="en-US"/>
-                    </a:p>
-                  </a:txBody>
-                  <a:tcPr/>
-                </a:tc>
-                <a:tc hMerge="1">
-                  <a:txBody>
-                    <a:bodyPr/>
-                    <a:lstStyle/>
-                    <a:p>
-                      <a:endParaRPr lang="en-US"/>
-                    </a:p>
-                  </a:txBody>
-                  <a:tcPr/>
-                </a:tc>
-                <a:extLst>
-                  <a:ext uri="{0D108BD9-81ED-4DB2-BD59-A6C34878D82A}">
-                    <a16:rowId xmlns:a16="http://schemas.microsoft.com/office/drawing/2014/main" val="2595900479"/>
-                  </a:ext>
-                </a:extLst>
-              </a:tr>
-              <a:tr h="253052">
-                <a:tc>
-                  <a:txBody>
-                    <a:bodyPr/>
-                    <a:lstStyle/>
-                    <a:p>
-                      <a:pPr marL="0" marR="0" algn="ctr">
-                        <a:lnSpc>
-                          <a:spcPct val="107000"/>
-                        </a:lnSpc>
-                        <a:spcBef>
-                          <a:spcPts val="0"/>
-                        </a:spcBef>
-                        <a:spcAft>
-                          <a:spcPts val="0"/>
-                        </a:spcAft>
-                      </a:pPr>
-                      <a:r>
-                        <a:rPr lang="en-US" sz="1100" dirty="0">
-                          <a:effectLst/>
-                        </a:rPr>
-                        <a:t>Name</a:t>
-                      </a:r>
-                      <a:endParaRPr lang="en-US" sz="1100" dirty="0">
-                        <a:effectLst/>
-                        <a:latin typeface="Calibri" panose="020F0502020204030204" pitchFamily="34" charset="0"/>
-                        <a:ea typeface="Calibri" panose="020F0502020204030204" pitchFamily="34" charset="0"/>
-                        <a:cs typeface="Times New Roman" panose="02020603050405020304" pitchFamily="18" charset="0"/>
-                      </a:endParaRPr>
-                    </a:p>
-                  </a:txBody>
-                  <a:tcPr marL="68580" marR="68580" marT="0" marB="0"/>
-                </a:tc>
-                <a:tc>
-                  <a:txBody>
-                    <a:bodyPr/>
-                    <a:lstStyle/>
-                    <a:p>
-                      <a:pPr marL="0" marR="0" algn="ctr">
-                        <a:lnSpc>
-                          <a:spcPct val="107000"/>
-                        </a:lnSpc>
-                        <a:spcBef>
-                          <a:spcPts val="0"/>
-                        </a:spcBef>
-                        <a:spcAft>
-                          <a:spcPts val="0"/>
-                        </a:spcAft>
-                      </a:pPr>
-                      <a:r>
-                        <a:rPr lang="en-US" sz="1100" b="1" dirty="0">
-                          <a:effectLst/>
-                        </a:rPr>
-                        <a:t>Priority</a:t>
-                      </a:r>
-                      <a:endParaRPr lang="en-US" sz="1100" b="1" dirty="0">
-                        <a:effectLst/>
-                        <a:latin typeface="Calibri" panose="020F0502020204030204" pitchFamily="34" charset="0"/>
-                        <a:ea typeface="Calibri" panose="020F0502020204030204" pitchFamily="34" charset="0"/>
-                        <a:cs typeface="Times New Roman" panose="02020603050405020304" pitchFamily="18" charset="0"/>
-                      </a:endParaRPr>
-                    </a:p>
-                  </a:txBody>
-                  <a:tcPr marL="68580" marR="68580" marT="0" marB="0"/>
-                </a:tc>
-                <a:tc>
-                  <a:txBody>
-                    <a:bodyPr/>
-                    <a:lstStyle/>
-                    <a:p>
-                      <a:pPr marL="0" marR="0" algn="ctr">
-                        <a:lnSpc>
-                          <a:spcPct val="107000"/>
-                        </a:lnSpc>
-                        <a:spcBef>
-                          <a:spcPts val="0"/>
-                        </a:spcBef>
-                        <a:spcAft>
-                          <a:spcPts val="0"/>
-                        </a:spcAft>
-                      </a:pPr>
-                      <a:r>
-                        <a:rPr lang="en-US" sz="1100" b="1" dirty="0">
-                          <a:effectLst/>
-                        </a:rPr>
-                        <a:t>Source</a:t>
-                      </a:r>
-                      <a:endParaRPr lang="en-US" sz="1100" b="1" dirty="0">
-                        <a:effectLst/>
-                        <a:latin typeface="Calibri" panose="020F0502020204030204" pitchFamily="34" charset="0"/>
-                        <a:ea typeface="Calibri" panose="020F0502020204030204" pitchFamily="34" charset="0"/>
-                        <a:cs typeface="Times New Roman" panose="02020603050405020304" pitchFamily="18" charset="0"/>
-                      </a:endParaRPr>
-                    </a:p>
-                  </a:txBody>
-                  <a:tcPr marL="68580" marR="68580" marT="0" marB="0"/>
-                </a:tc>
-                <a:tc>
-                  <a:txBody>
-                    <a:bodyPr/>
-                    <a:lstStyle/>
-                    <a:p>
-                      <a:pPr marL="0" marR="0" algn="ctr">
-                        <a:lnSpc>
-                          <a:spcPct val="107000"/>
-                        </a:lnSpc>
-                        <a:spcBef>
-                          <a:spcPts val="0"/>
-                        </a:spcBef>
-                        <a:spcAft>
-                          <a:spcPts val="0"/>
-                        </a:spcAft>
-                      </a:pPr>
-                      <a:r>
-                        <a:rPr lang="en-US" sz="1100" b="1" dirty="0">
-                          <a:effectLst/>
-                        </a:rPr>
-                        <a:t>Protocol</a:t>
-                      </a:r>
-                      <a:endParaRPr lang="en-US" sz="1100" b="1" dirty="0">
-                        <a:effectLst/>
-                        <a:latin typeface="Calibri" panose="020F0502020204030204" pitchFamily="34" charset="0"/>
-                        <a:ea typeface="Calibri" panose="020F0502020204030204" pitchFamily="34" charset="0"/>
-                        <a:cs typeface="Times New Roman" panose="02020603050405020304" pitchFamily="18" charset="0"/>
-                      </a:endParaRPr>
-                    </a:p>
-                  </a:txBody>
-                  <a:tcPr marL="68580" marR="68580" marT="0" marB="0"/>
-                </a:tc>
-                <a:tc>
-                  <a:txBody>
-                    <a:bodyPr/>
-                    <a:lstStyle/>
-                    <a:p>
-                      <a:pPr marL="0" marR="0" algn="ctr">
-                        <a:lnSpc>
-                          <a:spcPct val="107000"/>
-                        </a:lnSpc>
-                        <a:spcBef>
-                          <a:spcPts val="0"/>
-                        </a:spcBef>
-                        <a:spcAft>
-                          <a:spcPts val="0"/>
-                        </a:spcAft>
-                      </a:pPr>
-                      <a:r>
-                        <a:rPr lang="en-US" sz="1100" b="1" dirty="0">
-                          <a:effectLst/>
-                        </a:rPr>
-                        <a:t>Source Port Range</a:t>
-                      </a:r>
-                      <a:endParaRPr lang="en-US" sz="1100" b="1" dirty="0">
-                        <a:effectLst/>
-                        <a:latin typeface="Calibri" panose="020F0502020204030204" pitchFamily="34" charset="0"/>
-                        <a:ea typeface="Calibri" panose="020F0502020204030204" pitchFamily="34" charset="0"/>
-                        <a:cs typeface="Times New Roman" panose="02020603050405020304" pitchFamily="18" charset="0"/>
-                      </a:endParaRPr>
-                    </a:p>
-                  </a:txBody>
-                  <a:tcPr marL="68580" marR="68580" marT="0" marB="0"/>
-                </a:tc>
-                <a:tc>
-                  <a:txBody>
-                    <a:bodyPr/>
-                    <a:lstStyle/>
-                    <a:p>
-                      <a:pPr marL="0" marR="0" algn="ctr">
-                        <a:lnSpc>
-                          <a:spcPct val="107000"/>
-                        </a:lnSpc>
-                        <a:spcBef>
-                          <a:spcPts val="0"/>
-                        </a:spcBef>
-                        <a:spcAft>
-                          <a:spcPts val="0"/>
-                        </a:spcAft>
-                      </a:pPr>
-                      <a:r>
-                        <a:rPr lang="en-US" sz="1100" b="1" dirty="0">
-                          <a:effectLst/>
-                        </a:rPr>
-                        <a:t>Destination</a:t>
-                      </a:r>
-                      <a:endParaRPr lang="en-US" sz="1100" b="1" dirty="0">
-                        <a:effectLst/>
-                        <a:latin typeface="Calibri" panose="020F0502020204030204" pitchFamily="34" charset="0"/>
-                        <a:ea typeface="Calibri" panose="020F0502020204030204" pitchFamily="34" charset="0"/>
-                        <a:cs typeface="Times New Roman" panose="02020603050405020304" pitchFamily="18" charset="0"/>
-                      </a:endParaRPr>
-                    </a:p>
-                  </a:txBody>
-                  <a:tcPr marL="68580" marR="68580" marT="0" marB="0"/>
-                </a:tc>
-                <a:tc>
-                  <a:txBody>
-                    <a:bodyPr/>
-                    <a:lstStyle/>
-                    <a:p>
-                      <a:pPr marL="0" marR="0" algn="ctr">
-                        <a:lnSpc>
-                          <a:spcPct val="107000"/>
-                        </a:lnSpc>
-                        <a:spcBef>
-                          <a:spcPts val="0"/>
-                        </a:spcBef>
-                        <a:spcAft>
-                          <a:spcPts val="0"/>
-                        </a:spcAft>
-                      </a:pPr>
-                      <a:r>
-                        <a:rPr lang="en-US" sz="1100" b="1" dirty="0">
-                          <a:effectLst/>
-                        </a:rPr>
-                        <a:t>Dest. Port Range</a:t>
-                      </a:r>
-                      <a:endParaRPr lang="en-US" sz="1100" b="1" dirty="0">
-                        <a:effectLst/>
-                        <a:latin typeface="Calibri" panose="020F0502020204030204" pitchFamily="34" charset="0"/>
-                        <a:ea typeface="Calibri" panose="020F0502020204030204" pitchFamily="34" charset="0"/>
-                        <a:cs typeface="Times New Roman" panose="02020603050405020304" pitchFamily="18" charset="0"/>
-                      </a:endParaRPr>
-                    </a:p>
-                  </a:txBody>
-                  <a:tcPr marL="68580" marR="68580" marT="0" marB="0"/>
-                </a:tc>
-                <a:tc>
-                  <a:txBody>
-                    <a:bodyPr/>
-                    <a:lstStyle/>
-                    <a:p>
-                      <a:pPr marL="0" marR="0" algn="ctr">
-                        <a:lnSpc>
-                          <a:spcPct val="107000"/>
-                        </a:lnSpc>
-                        <a:spcBef>
-                          <a:spcPts val="0"/>
-                        </a:spcBef>
-                        <a:spcAft>
-                          <a:spcPts val="0"/>
-                        </a:spcAft>
-                      </a:pPr>
-                      <a:r>
-                        <a:rPr lang="en-US" sz="1100" b="1" dirty="0">
-                          <a:effectLst/>
-                        </a:rPr>
-                        <a:t>Action</a:t>
-                      </a:r>
-                      <a:endParaRPr lang="en-US" sz="1100" b="1" dirty="0">
-                        <a:effectLst/>
-                        <a:latin typeface="Calibri" panose="020F0502020204030204" pitchFamily="34" charset="0"/>
-                        <a:ea typeface="Calibri" panose="020F0502020204030204" pitchFamily="34" charset="0"/>
-                        <a:cs typeface="Times New Roman" panose="02020603050405020304" pitchFamily="18" charset="0"/>
-                      </a:endParaRPr>
-                    </a:p>
-                  </a:txBody>
-                  <a:tcPr marL="68580" marR="68580" marT="0" marB="0"/>
-                </a:tc>
-                <a:extLst>
-                  <a:ext uri="{0D108BD9-81ED-4DB2-BD59-A6C34878D82A}">
-                    <a16:rowId xmlns:a16="http://schemas.microsoft.com/office/drawing/2014/main" val="2883528278"/>
-                  </a:ext>
-                </a:extLst>
-              </a:tr>
-              <a:tr h="253052">
-                <a:tc>
-                  <a:txBody>
-                    <a:bodyPr/>
-                    <a:lstStyle/>
-                    <a:p>
-                      <a:pPr marL="0" marR="0">
-                        <a:lnSpc>
-                          <a:spcPct val="107000"/>
-                        </a:lnSpc>
-                        <a:spcBef>
-                          <a:spcPts val="0"/>
-                        </a:spcBef>
-                        <a:spcAft>
-                          <a:spcPts val="0"/>
-                        </a:spcAft>
-                      </a:pPr>
-                      <a:r>
-                        <a:rPr lang="en-US" sz="1100" dirty="0">
-                          <a:effectLst/>
-                        </a:rPr>
-                        <a:t>RDP</a:t>
-                      </a:r>
-                      <a:endParaRPr lang="en-US" sz="1100" dirty="0">
-                        <a:effectLst/>
-                        <a:latin typeface="Calibri" panose="020F0502020204030204" pitchFamily="34" charset="0"/>
-                        <a:ea typeface="Calibri" panose="020F0502020204030204" pitchFamily="34" charset="0"/>
-                        <a:cs typeface="Times New Roman" panose="02020603050405020304" pitchFamily="18" charset="0"/>
-                      </a:endParaRPr>
-                    </a:p>
-                  </a:txBody>
-                  <a:tcPr marL="68580" marR="68580" marT="0" marB="0"/>
-                </a:tc>
-                <a:tc>
-                  <a:txBody>
-                    <a:bodyPr/>
-                    <a:lstStyle/>
-                    <a:p>
-                      <a:pPr marL="0" marR="0">
-                        <a:lnSpc>
-                          <a:spcPct val="107000"/>
-                        </a:lnSpc>
-                        <a:spcBef>
-                          <a:spcPts val="0"/>
-                        </a:spcBef>
-                        <a:spcAft>
-                          <a:spcPts val="0"/>
-                        </a:spcAft>
-                      </a:pPr>
-                      <a:r>
-                        <a:rPr lang="en-US" sz="1100" dirty="0">
-                          <a:effectLst/>
-                        </a:rPr>
-                        <a:t>100</a:t>
-                      </a:r>
-                      <a:endParaRPr lang="en-US" sz="1100" dirty="0">
-                        <a:effectLst/>
-                        <a:latin typeface="Calibri" panose="020F0502020204030204" pitchFamily="34" charset="0"/>
-                        <a:ea typeface="Calibri" panose="020F0502020204030204" pitchFamily="34" charset="0"/>
-                        <a:cs typeface="Times New Roman" panose="02020603050405020304" pitchFamily="18" charset="0"/>
-                      </a:endParaRPr>
-                    </a:p>
-                  </a:txBody>
-                  <a:tcPr marL="68580" marR="68580" marT="0" marB="0"/>
-                </a:tc>
-                <a:tc>
-                  <a:txBody>
-                    <a:bodyPr/>
-                    <a:lstStyle/>
-                    <a:p>
-                      <a:pPr marL="0" marR="0">
-                        <a:lnSpc>
-                          <a:spcPct val="107000"/>
-                        </a:lnSpc>
-                        <a:spcBef>
-                          <a:spcPts val="0"/>
-                        </a:spcBef>
-                        <a:spcAft>
-                          <a:spcPts val="0"/>
-                        </a:spcAft>
-                      </a:pPr>
-                      <a:r>
-                        <a:rPr lang="en-US" sz="1100" dirty="0">
-                          <a:effectLst/>
-                        </a:rPr>
-                        <a:t>192.168.1.0/23</a:t>
-                      </a:r>
-                      <a:endParaRPr lang="en-US" sz="1100" dirty="0">
-                        <a:effectLst/>
-                        <a:latin typeface="Calibri" panose="020F0502020204030204" pitchFamily="34" charset="0"/>
-                        <a:ea typeface="Calibri" panose="020F0502020204030204" pitchFamily="34" charset="0"/>
-                        <a:cs typeface="Times New Roman" panose="02020603050405020304" pitchFamily="18" charset="0"/>
-                      </a:endParaRPr>
-                    </a:p>
-                  </a:txBody>
-                  <a:tcPr marL="68580" marR="68580" marT="0" marB="0"/>
-                </a:tc>
-                <a:tc>
-                  <a:txBody>
-                    <a:bodyPr/>
-                    <a:lstStyle/>
-                    <a:p>
-                      <a:pPr marL="0" marR="0">
-                        <a:lnSpc>
-                          <a:spcPct val="107000"/>
-                        </a:lnSpc>
-                        <a:spcBef>
-                          <a:spcPts val="0"/>
-                        </a:spcBef>
-                        <a:spcAft>
-                          <a:spcPts val="0"/>
-                        </a:spcAft>
-                      </a:pPr>
-                      <a:r>
-                        <a:rPr lang="en-US" sz="1100" dirty="0">
-                          <a:effectLst/>
-                        </a:rPr>
-                        <a:t>ANY</a:t>
-                      </a:r>
-                      <a:endParaRPr lang="en-US" sz="1100" dirty="0">
-                        <a:effectLst/>
-                        <a:latin typeface="Calibri" panose="020F0502020204030204" pitchFamily="34" charset="0"/>
-                        <a:ea typeface="Calibri" panose="020F0502020204030204" pitchFamily="34" charset="0"/>
-                        <a:cs typeface="Times New Roman" panose="02020603050405020304" pitchFamily="18" charset="0"/>
-                      </a:endParaRPr>
-                    </a:p>
-                  </a:txBody>
-                  <a:tcPr marL="68580" marR="68580" marT="0" marB="0"/>
-                </a:tc>
-                <a:tc>
-                  <a:txBody>
-                    <a:bodyPr/>
-                    <a:lstStyle/>
-                    <a:p>
-                      <a:pPr marL="0" marR="0">
-                        <a:lnSpc>
-                          <a:spcPct val="107000"/>
-                        </a:lnSpc>
-                        <a:spcBef>
-                          <a:spcPts val="0"/>
-                        </a:spcBef>
-                        <a:spcAft>
-                          <a:spcPts val="0"/>
-                        </a:spcAft>
-                      </a:pPr>
-                      <a:r>
-                        <a:rPr lang="en-US" sz="1100" dirty="0">
-                          <a:effectLst/>
-                        </a:rPr>
-                        <a:t>Any</a:t>
-                      </a:r>
-                      <a:endParaRPr lang="en-US" sz="1100" dirty="0">
-                        <a:effectLst/>
-                        <a:latin typeface="Calibri" panose="020F0502020204030204" pitchFamily="34" charset="0"/>
-                        <a:ea typeface="Calibri" panose="020F0502020204030204" pitchFamily="34" charset="0"/>
-                        <a:cs typeface="Times New Roman" panose="02020603050405020304" pitchFamily="18" charset="0"/>
-                      </a:endParaRPr>
-                    </a:p>
-                  </a:txBody>
-                  <a:tcPr marL="68580" marR="68580" marT="0" marB="0"/>
-                </a:tc>
-                <a:tc>
-                  <a:txBody>
-                    <a:bodyPr/>
-                    <a:lstStyle/>
-                    <a:p>
-                      <a:pPr marL="0" marR="0">
-                        <a:lnSpc>
-                          <a:spcPct val="107000"/>
-                        </a:lnSpc>
-                        <a:spcBef>
-                          <a:spcPts val="0"/>
-                        </a:spcBef>
-                        <a:spcAft>
-                          <a:spcPts val="0"/>
-                        </a:spcAft>
-                      </a:pPr>
-                      <a:r>
-                        <a:rPr lang="en-US" sz="1100" dirty="0">
-                          <a:effectLst/>
-                        </a:rPr>
-                        <a:t>172.16.3.0/24</a:t>
-                      </a:r>
-                      <a:endParaRPr lang="en-US" sz="1100" dirty="0">
-                        <a:effectLst/>
-                        <a:latin typeface="Calibri" panose="020F0502020204030204" pitchFamily="34" charset="0"/>
-                        <a:ea typeface="Calibri" panose="020F0502020204030204" pitchFamily="34" charset="0"/>
-                        <a:cs typeface="Times New Roman" panose="02020603050405020304" pitchFamily="18" charset="0"/>
-                      </a:endParaRPr>
-                    </a:p>
-                  </a:txBody>
-                  <a:tcPr marL="68580" marR="68580" marT="0" marB="0"/>
-                </a:tc>
-                <a:tc>
-                  <a:txBody>
-                    <a:bodyPr/>
-                    <a:lstStyle/>
-                    <a:p>
-                      <a:pPr marL="0" marR="0">
-                        <a:lnSpc>
-                          <a:spcPct val="107000"/>
-                        </a:lnSpc>
-                        <a:spcBef>
-                          <a:spcPts val="0"/>
-                        </a:spcBef>
-                        <a:spcAft>
-                          <a:spcPts val="0"/>
-                        </a:spcAft>
-                      </a:pPr>
-                      <a:r>
-                        <a:rPr lang="en-US" sz="1100" dirty="0">
-                          <a:effectLst/>
-                        </a:rPr>
-                        <a:t>3389</a:t>
-                      </a:r>
-                      <a:endParaRPr lang="en-US" sz="1100" dirty="0">
-                        <a:effectLst/>
-                        <a:latin typeface="Calibri" panose="020F0502020204030204" pitchFamily="34" charset="0"/>
-                        <a:ea typeface="Calibri" panose="020F0502020204030204" pitchFamily="34" charset="0"/>
-                        <a:cs typeface="Times New Roman" panose="02020603050405020304" pitchFamily="18" charset="0"/>
-                      </a:endParaRPr>
-                    </a:p>
-                  </a:txBody>
-                  <a:tcPr marL="68580" marR="68580" marT="0" marB="0"/>
-                </a:tc>
-                <a:tc>
-                  <a:txBody>
-                    <a:bodyPr/>
-                    <a:lstStyle/>
-                    <a:p>
-                      <a:pPr marL="0" marR="0">
-                        <a:lnSpc>
-                          <a:spcPct val="107000"/>
-                        </a:lnSpc>
-                        <a:spcBef>
-                          <a:spcPts val="0"/>
-                        </a:spcBef>
-                        <a:spcAft>
-                          <a:spcPts val="0"/>
-                        </a:spcAft>
-                      </a:pPr>
-                      <a:r>
-                        <a:rPr lang="en-US" sz="1100" dirty="0">
-                          <a:effectLst/>
-                        </a:rPr>
-                        <a:t>Allow</a:t>
-                      </a:r>
-                      <a:endParaRPr lang="en-US" sz="1100" dirty="0">
-                        <a:effectLst/>
-                        <a:latin typeface="Calibri" panose="020F0502020204030204" pitchFamily="34" charset="0"/>
-                        <a:ea typeface="Calibri" panose="020F0502020204030204" pitchFamily="34" charset="0"/>
-                        <a:cs typeface="Times New Roman" panose="02020603050405020304" pitchFamily="18" charset="0"/>
-                      </a:endParaRPr>
-                    </a:p>
-                  </a:txBody>
-                  <a:tcPr marL="68580" marR="68580" marT="0" marB="0"/>
-                </a:tc>
-                <a:extLst>
-                  <a:ext uri="{0D108BD9-81ED-4DB2-BD59-A6C34878D82A}">
-                    <a16:rowId xmlns:a16="http://schemas.microsoft.com/office/drawing/2014/main" val="1649721919"/>
-                  </a:ext>
-                </a:extLst>
-              </a:tr>
-              <a:tr h="253052">
-                <a:tc>
-                  <a:txBody>
-                    <a:bodyPr/>
-                    <a:lstStyle/>
-                    <a:p>
-                      <a:pPr marL="0" marR="0" algn="l" defTabSz="685710" rtl="0" eaLnBrk="1" latinLnBrk="0" hangingPunct="1">
-                        <a:lnSpc>
-                          <a:spcPct val="107000"/>
-                        </a:lnSpc>
-                        <a:spcBef>
-                          <a:spcPts val="0"/>
-                        </a:spcBef>
-                        <a:spcAft>
-                          <a:spcPts val="0"/>
-                        </a:spcAft>
-                      </a:pPr>
-                      <a:r>
-                        <a:rPr lang="en-US" sz="1100" b="1" kern="1200" dirty="0">
-                          <a:solidFill>
-                            <a:schemeClr val="lt1"/>
-                          </a:solidFill>
-                          <a:effectLst/>
-                          <a:latin typeface="+mn-lt"/>
-                          <a:ea typeface="+mn-ea"/>
-                          <a:cs typeface="+mn-cs"/>
-                        </a:rPr>
-                        <a:t>ADDS Replication1</a:t>
-                      </a:r>
-                    </a:p>
-                  </a:txBody>
-                  <a:tcPr marL="68580" marR="68580" marT="0" marB="0"/>
-                </a:tc>
-                <a:tc>
-                  <a:txBody>
-                    <a:bodyPr/>
-                    <a:lstStyle/>
-                    <a:p>
-                      <a:pPr marL="0" marR="0" algn="l" defTabSz="685710" rtl="0" eaLnBrk="1" latinLnBrk="0" hangingPunct="1">
-                        <a:lnSpc>
-                          <a:spcPct val="107000"/>
-                        </a:lnSpc>
-                        <a:spcBef>
-                          <a:spcPts val="0"/>
-                        </a:spcBef>
-                        <a:spcAft>
-                          <a:spcPts val="0"/>
-                        </a:spcAft>
-                      </a:pPr>
-                      <a:r>
-                        <a:rPr lang="en-US" sz="1100" kern="1200" dirty="0">
-                          <a:solidFill>
-                            <a:schemeClr val="dk1"/>
-                          </a:solidFill>
-                          <a:effectLst/>
-                          <a:latin typeface="+mn-lt"/>
-                          <a:ea typeface="+mn-ea"/>
-                          <a:cs typeface="+mn-cs"/>
-                        </a:rPr>
-                        <a:t>110</a:t>
-                      </a:r>
-                    </a:p>
-                  </a:txBody>
-                  <a:tcPr marL="68580" marR="68580" marT="0" marB="0"/>
-                </a:tc>
-                <a:tc>
-                  <a:txBody>
-                    <a:bodyPr/>
-                    <a:lstStyle/>
-                    <a:p>
-                      <a:pPr marL="0" marR="0" algn="l" defTabSz="685710" rtl="0" eaLnBrk="1" latinLnBrk="0" hangingPunct="1">
-                        <a:lnSpc>
-                          <a:spcPct val="107000"/>
-                        </a:lnSpc>
-                        <a:spcBef>
-                          <a:spcPts val="0"/>
-                        </a:spcBef>
-                        <a:spcAft>
-                          <a:spcPts val="0"/>
-                        </a:spcAft>
-                      </a:pPr>
-                      <a:r>
-                        <a:rPr lang="en-US" sz="1100" kern="1200" dirty="0">
-                          <a:solidFill>
-                            <a:schemeClr val="dk1"/>
-                          </a:solidFill>
-                          <a:effectLst/>
-                          <a:latin typeface="+mn-lt"/>
-                          <a:ea typeface="+mn-ea"/>
-                          <a:cs typeface="+mn-cs"/>
-                        </a:rPr>
-                        <a:t>192.168.1.10</a:t>
-                      </a:r>
-                    </a:p>
-                  </a:txBody>
-                  <a:tcPr marL="68580" marR="68580" marT="0" marB="0"/>
-                </a:tc>
-                <a:tc>
-                  <a:txBody>
-                    <a:bodyPr/>
-                    <a:lstStyle/>
-                    <a:p>
-                      <a:pPr marL="0" marR="0" algn="l" defTabSz="685710" rtl="0" eaLnBrk="1" latinLnBrk="0" hangingPunct="1">
-                        <a:lnSpc>
-                          <a:spcPct val="107000"/>
-                        </a:lnSpc>
-                        <a:spcBef>
-                          <a:spcPts val="0"/>
-                        </a:spcBef>
-                        <a:spcAft>
-                          <a:spcPts val="0"/>
-                        </a:spcAft>
-                      </a:pPr>
-                      <a:r>
-                        <a:rPr lang="en-US" sz="1100" kern="1200" dirty="0">
-                          <a:solidFill>
-                            <a:schemeClr val="dk1"/>
-                          </a:solidFill>
-                          <a:effectLst/>
-                          <a:latin typeface="+mn-lt"/>
-                          <a:ea typeface="+mn-ea"/>
-                          <a:cs typeface="+mn-cs"/>
-                        </a:rPr>
-                        <a:t>ANY</a:t>
-                      </a:r>
-                    </a:p>
-                  </a:txBody>
-                  <a:tcPr marL="68580" marR="68580" marT="0" marB="0"/>
-                </a:tc>
-                <a:tc>
-                  <a:txBody>
-                    <a:bodyPr/>
-                    <a:lstStyle/>
-                    <a:p>
-                      <a:pPr marL="0" marR="0" algn="l" defTabSz="685710" rtl="0" eaLnBrk="1" latinLnBrk="0" hangingPunct="1">
-                        <a:lnSpc>
-                          <a:spcPct val="107000"/>
-                        </a:lnSpc>
-                        <a:spcBef>
-                          <a:spcPts val="0"/>
-                        </a:spcBef>
-                        <a:spcAft>
-                          <a:spcPts val="0"/>
-                        </a:spcAft>
-                      </a:pPr>
-                      <a:r>
-                        <a:rPr lang="en-US" sz="1100" kern="1200" dirty="0">
-                          <a:solidFill>
-                            <a:schemeClr val="dk1"/>
-                          </a:solidFill>
-                          <a:effectLst/>
-                          <a:latin typeface="+mn-lt"/>
-                          <a:ea typeface="+mn-ea"/>
-                          <a:cs typeface="+mn-cs"/>
-                        </a:rPr>
-                        <a:t>Any</a:t>
-                      </a:r>
-                    </a:p>
-                  </a:txBody>
-                  <a:tcPr marL="68580" marR="68580" marT="0" marB="0"/>
-                </a:tc>
-                <a:tc>
-                  <a:txBody>
-                    <a:bodyPr/>
-                    <a:lstStyle/>
-                    <a:p>
-                      <a:pPr marL="0" marR="0">
-                        <a:lnSpc>
-                          <a:spcPct val="107000"/>
-                        </a:lnSpc>
-                        <a:spcBef>
-                          <a:spcPts val="0"/>
-                        </a:spcBef>
-                        <a:spcAft>
-                          <a:spcPts val="0"/>
-                        </a:spcAft>
-                      </a:pPr>
-                      <a:r>
-                        <a:rPr lang="en-US" sz="1100" dirty="0">
-                          <a:effectLst/>
-                        </a:rPr>
-                        <a:t>172.16.3.0/24</a:t>
-                      </a:r>
-                      <a:endParaRPr lang="en-US" sz="1100" dirty="0">
-                        <a:effectLst/>
-                        <a:latin typeface="Calibri" panose="020F0502020204030204" pitchFamily="34" charset="0"/>
-                        <a:ea typeface="Calibri" panose="020F0502020204030204" pitchFamily="34" charset="0"/>
-                        <a:cs typeface="Times New Roman" panose="02020603050405020304" pitchFamily="18" charset="0"/>
-                      </a:endParaRPr>
-                    </a:p>
-                  </a:txBody>
-                  <a:tcPr marL="68580" marR="68580" marT="0" marB="0"/>
-                </a:tc>
-                <a:tc>
-                  <a:txBody>
-                    <a:bodyPr/>
-                    <a:lstStyle/>
-                    <a:p>
-                      <a:pPr marL="0" marR="0" algn="l" defTabSz="685710" rtl="0" eaLnBrk="1" latinLnBrk="0" hangingPunct="1">
-                        <a:lnSpc>
-                          <a:spcPct val="107000"/>
-                        </a:lnSpc>
-                        <a:spcBef>
-                          <a:spcPts val="0"/>
-                        </a:spcBef>
-                        <a:spcAft>
-                          <a:spcPts val="0"/>
-                        </a:spcAft>
-                      </a:pPr>
-                      <a:r>
-                        <a:rPr lang="en-US" sz="1100" kern="1200" dirty="0">
-                          <a:solidFill>
-                            <a:schemeClr val="dk1"/>
-                          </a:solidFill>
-                          <a:effectLst/>
-                          <a:latin typeface="+mn-lt"/>
-                          <a:ea typeface="+mn-ea"/>
-                          <a:cs typeface="+mn-cs"/>
-                        </a:rPr>
-                        <a:t>ANY</a:t>
-                      </a:r>
-                    </a:p>
-                  </a:txBody>
-                  <a:tcPr marL="68580" marR="68580" marT="0" marB="0"/>
-                </a:tc>
-                <a:tc>
-                  <a:txBody>
-                    <a:bodyPr/>
-                    <a:lstStyle/>
-                    <a:p>
-                      <a:pPr marL="0" marR="0" algn="l" defTabSz="685710" rtl="0" eaLnBrk="1" latinLnBrk="0" hangingPunct="1">
-                        <a:lnSpc>
-                          <a:spcPct val="107000"/>
-                        </a:lnSpc>
-                        <a:spcBef>
-                          <a:spcPts val="0"/>
-                        </a:spcBef>
-                        <a:spcAft>
-                          <a:spcPts val="0"/>
-                        </a:spcAft>
-                      </a:pPr>
-                      <a:r>
-                        <a:rPr lang="en-US" sz="1100" kern="1200" dirty="0">
-                          <a:solidFill>
-                            <a:schemeClr val="dk1"/>
-                          </a:solidFill>
-                          <a:effectLst/>
-                          <a:latin typeface="+mn-lt"/>
-                          <a:ea typeface="+mn-ea"/>
-                          <a:cs typeface="+mn-cs"/>
-                        </a:rPr>
-                        <a:t>Allow</a:t>
-                      </a:r>
-                    </a:p>
-                  </a:txBody>
-                  <a:tcPr marL="68580" marR="68580" marT="0" marB="0"/>
-                </a:tc>
-                <a:extLst>
-                  <a:ext uri="{0D108BD9-81ED-4DB2-BD59-A6C34878D82A}">
-                    <a16:rowId xmlns:a16="http://schemas.microsoft.com/office/drawing/2014/main" val="1004948888"/>
-                  </a:ext>
-                </a:extLst>
-              </a:tr>
-              <a:tr h="253052">
-                <a:tc>
-                  <a:txBody>
-                    <a:bodyPr/>
-                    <a:lstStyle/>
-                    <a:p>
-                      <a:pPr marL="0" marR="0" algn="l" defTabSz="685710" rtl="0" eaLnBrk="1" latinLnBrk="0" hangingPunct="1">
-                        <a:lnSpc>
-                          <a:spcPct val="107000"/>
-                        </a:lnSpc>
-                        <a:spcBef>
-                          <a:spcPts val="0"/>
-                        </a:spcBef>
-                        <a:spcAft>
-                          <a:spcPts val="0"/>
-                        </a:spcAft>
-                      </a:pPr>
-                      <a:r>
-                        <a:rPr lang="en-US" sz="1100" b="1" kern="1200" dirty="0">
-                          <a:solidFill>
-                            <a:schemeClr val="lt1"/>
-                          </a:solidFill>
-                          <a:effectLst/>
-                          <a:latin typeface="+mn-lt"/>
-                          <a:ea typeface="+mn-ea"/>
-                          <a:cs typeface="+mn-cs"/>
-                        </a:rPr>
-                        <a:t>ADDS Replication2</a:t>
-                      </a:r>
-                    </a:p>
-                  </a:txBody>
-                  <a:tcPr marL="68580" marR="68580" marT="0" marB="0"/>
-                </a:tc>
-                <a:tc>
-                  <a:txBody>
-                    <a:bodyPr/>
-                    <a:lstStyle/>
-                    <a:p>
-                      <a:pPr marL="0" marR="0" algn="l" defTabSz="685710" rtl="0" eaLnBrk="1" latinLnBrk="0" hangingPunct="1">
-                        <a:lnSpc>
-                          <a:spcPct val="107000"/>
-                        </a:lnSpc>
-                        <a:spcBef>
-                          <a:spcPts val="0"/>
-                        </a:spcBef>
-                        <a:spcAft>
-                          <a:spcPts val="0"/>
-                        </a:spcAft>
-                      </a:pPr>
-                      <a:r>
-                        <a:rPr lang="en-US" sz="1100" kern="1200" dirty="0">
-                          <a:solidFill>
-                            <a:schemeClr val="dk1"/>
-                          </a:solidFill>
-                          <a:effectLst/>
-                          <a:latin typeface="+mn-lt"/>
-                          <a:ea typeface="+mn-ea"/>
-                          <a:cs typeface="+mn-cs"/>
-                        </a:rPr>
-                        <a:t>120</a:t>
-                      </a:r>
-                    </a:p>
-                  </a:txBody>
-                  <a:tcPr marL="68580" marR="68580" marT="0" marB="0"/>
-                </a:tc>
-                <a:tc>
-                  <a:txBody>
-                    <a:bodyPr/>
-                    <a:lstStyle/>
-                    <a:p>
-                      <a:pPr marL="0" marR="0" lvl="0" indent="0" algn="l" defTabSz="685710" rtl="0" eaLnBrk="1" fontAlgn="auto" latinLnBrk="0" hangingPunct="1">
-                        <a:lnSpc>
-                          <a:spcPct val="107000"/>
-                        </a:lnSpc>
-                        <a:spcBef>
-                          <a:spcPts val="0"/>
-                        </a:spcBef>
-                        <a:spcAft>
-                          <a:spcPts val="0"/>
-                        </a:spcAft>
-                        <a:buClrTx/>
-                        <a:buSzTx/>
-                        <a:buFontTx/>
-                        <a:buNone/>
-                        <a:tabLst/>
-                        <a:defRPr/>
-                      </a:pPr>
-                      <a:r>
-                        <a:rPr lang="en-US" sz="1100" kern="1200" dirty="0">
-                          <a:solidFill>
-                            <a:schemeClr val="dk1"/>
-                          </a:solidFill>
-                          <a:effectLst/>
-                          <a:latin typeface="+mn-lt"/>
-                          <a:ea typeface="+mn-ea"/>
-                          <a:cs typeface="+mn-cs"/>
-                        </a:rPr>
-                        <a:t>192.168.1.11</a:t>
-                      </a:r>
-                    </a:p>
-                  </a:txBody>
-                  <a:tcPr marL="68580" marR="68580" marT="0" marB="0"/>
-                </a:tc>
-                <a:tc>
-                  <a:txBody>
-                    <a:bodyPr/>
-                    <a:lstStyle/>
-                    <a:p>
-                      <a:pPr marL="0" marR="0" algn="l" defTabSz="685710" rtl="0" eaLnBrk="1" latinLnBrk="0" hangingPunct="1">
-                        <a:lnSpc>
-                          <a:spcPct val="107000"/>
-                        </a:lnSpc>
-                        <a:spcBef>
-                          <a:spcPts val="0"/>
-                        </a:spcBef>
-                        <a:spcAft>
-                          <a:spcPts val="0"/>
-                        </a:spcAft>
-                      </a:pPr>
-                      <a:r>
-                        <a:rPr lang="en-US" sz="1100" kern="1200" dirty="0">
-                          <a:solidFill>
-                            <a:schemeClr val="dk1"/>
-                          </a:solidFill>
-                          <a:effectLst/>
-                          <a:latin typeface="+mn-lt"/>
-                          <a:ea typeface="+mn-ea"/>
-                          <a:cs typeface="+mn-cs"/>
-                        </a:rPr>
-                        <a:t>ANY</a:t>
-                      </a:r>
-                    </a:p>
-                  </a:txBody>
-                  <a:tcPr marL="68580" marR="68580" marT="0" marB="0"/>
-                </a:tc>
-                <a:tc>
-                  <a:txBody>
-                    <a:bodyPr/>
-                    <a:lstStyle/>
-                    <a:p>
-                      <a:pPr marL="0" marR="0" algn="l" defTabSz="685710" rtl="0" eaLnBrk="1" latinLnBrk="0" hangingPunct="1">
-                        <a:lnSpc>
-                          <a:spcPct val="107000"/>
-                        </a:lnSpc>
-                        <a:spcBef>
-                          <a:spcPts val="0"/>
-                        </a:spcBef>
-                        <a:spcAft>
-                          <a:spcPts val="0"/>
-                        </a:spcAft>
-                      </a:pPr>
-                      <a:r>
-                        <a:rPr lang="en-US" sz="1100" kern="1200" dirty="0">
-                          <a:solidFill>
-                            <a:schemeClr val="dk1"/>
-                          </a:solidFill>
-                          <a:effectLst/>
-                          <a:latin typeface="+mn-lt"/>
-                          <a:ea typeface="+mn-ea"/>
-                          <a:cs typeface="+mn-cs"/>
-                        </a:rPr>
-                        <a:t>Any</a:t>
-                      </a:r>
-                    </a:p>
-                  </a:txBody>
-                  <a:tcPr marL="68580" marR="68580" marT="0" marB="0"/>
-                </a:tc>
-                <a:tc>
-                  <a:txBody>
-                    <a:bodyPr/>
-                    <a:lstStyle/>
-                    <a:p>
-                      <a:pPr marL="0" marR="0" lvl="0" indent="0" algn="l" defTabSz="685710" rtl="0" eaLnBrk="1" fontAlgn="auto" latinLnBrk="0" hangingPunct="1">
-                        <a:lnSpc>
-                          <a:spcPct val="107000"/>
-                        </a:lnSpc>
-                        <a:spcBef>
-                          <a:spcPts val="0"/>
-                        </a:spcBef>
-                        <a:spcAft>
-                          <a:spcPts val="0"/>
-                        </a:spcAft>
-                        <a:buClrTx/>
-                        <a:buSzTx/>
-                        <a:buFontTx/>
-                        <a:buNone/>
-                        <a:tabLst/>
-                        <a:defRPr/>
-                      </a:pPr>
-                      <a:r>
-                        <a:rPr lang="en-US" sz="1100" dirty="0">
-                          <a:effectLst/>
-                        </a:rPr>
-                        <a:t>172.16.3.0/24</a:t>
-                      </a:r>
-                      <a:endParaRPr lang="en-US" sz="1100" dirty="0">
-                        <a:effectLst/>
-                        <a:latin typeface="Calibri" panose="020F0502020204030204" pitchFamily="34" charset="0"/>
-                        <a:ea typeface="Calibri" panose="020F0502020204030204" pitchFamily="34" charset="0"/>
-                        <a:cs typeface="Times New Roman" panose="02020603050405020304" pitchFamily="18" charset="0"/>
-                      </a:endParaRPr>
-                    </a:p>
-                  </a:txBody>
-                  <a:tcPr marL="68580" marR="68580" marT="0" marB="0"/>
-                </a:tc>
-                <a:tc>
-                  <a:txBody>
-                    <a:bodyPr/>
-                    <a:lstStyle/>
-                    <a:p>
-                      <a:pPr marL="0" marR="0" algn="l" defTabSz="685710" rtl="0" eaLnBrk="1" latinLnBrk="0" hangingPunct="1">
-                        <a:lnSpc>
-                          <a:spcPct val="107000"/>
-                        </a:lnSpc>
-                        <a:spcBef>
-                          <a:spcPts val="0"/>
-                        </a:spcBef>
-                        <a:spcAft>
-                          <a:spcPts val="0"/>
-                        </a:spcAft>
-                      </a:pPr>
-                      <a:r>
-                        <a:rPr lang="en-US" sz="1100" kern="1200" dirty="0">
-                          <a:solidFill>
-                            <a:schemeClr val="dk1"/>
-                          </a:solidFill>
-                          <a:effectLst/>
-                          <a:latin typeface="+mn-lt"/>
-                          <a:ea typeface="+mn-ea"/>
-                          <a:cs typeface="+mn-cs"/>
-                        </a:rPr>
-                        <a:t>ANY</a:t>
-                      </a:r>
-                    </a:p>
-                  </a:txBody>
-                  <a:tcPr marL="68580" marR="68580" marT="0" marB="0"/>
-                </a:tc>
-                <a:tc>
-                  <a:txBody>
-                    <a:bodyPr/>
-                    <a:lstStyle/>
-                    <a:p>
-                      <a:pPr marL="0" marR="0" algn="l" defTabSz="685710" rtl="0" eaLnBrk="1" latinLnBrk="0" hangingPunct="1">
-                        <a:lnSpc>
-                          <a:spcPct val="107000"/>
-                        </a:lnSpc>
-                        <a:spcBef>
-                          <a:spcPts val="0"/>
-                        </a:spcBef>
-                        <a:spcAft>
-                          <a:spcPts val="0"/>
-                        </a:spcAft>
-                      </a:pPr>
-                      <a:r>
-                        <a:rPr lang="en-US" sz="1100" kern="1200" dirty="0">
-                          <a:solidFill>
-                            <a:schemeClr val="dk1"/>
-                          </a:solidFill>
-                          <a:effectLst/>
-                          <a:latin typeface="+mn-lt"/>
-                          <a:ea typeface="+mn-ea"/>
-                          <a:cs typeface="+mn-cs"/>
-                        </a:rPr>
-                        <a:t>Allow</a:t>
-                      </a:r>
-                    </a:p>
-                  </a:txBody>
-                  <a:tcPr marL="68580" marR="68580" marT="0" marB="0"/>
-                </a:tc>
-                <a:extLst>
-                  <a:ext uri="{0D108BD9-81ED-4DB2-BD59-A6C34878D82A}">
-                    <a16:rowId xmlns:a16="http://schemas.microsoft.com/office/drawing/2014/main" val="2562886868"/>
-                  </a:ext>
-                </a:extLst>
-              </a:tr>
-            </a:tbl>
-          </a:graphicData>
-        </a:graphic>
-      </p:graphicFrame>
-      <p:sp>
-        <p:nvSpPr>
-          <p:cNvPr id="7" name="Speech Bubble: Rectangle with Corners Rounded 6" descr="On-Premise Domain Controller speech bubble" title="On-Premise Domain Controller"/>
-          <p:cNvSpPr/>
+      <p:pic>
+        <p:nvPicPr>
+          <p:cNvPr id="3" name="Picture 2" descr="A diagram that shows the ports are opened for the two domain controllers." title="Network security group configuration">
+            <a:extLst>
+              <a:ext uri="{FF2B5EF4-FFF2-40B4-BE49-F238E27FC236}">
+                <a16:creationId xmlns:a16="http://schemas.microsoft.com/office/drawing/2014/main" id="{886D413C-94FF-4EB7-A2BA-9D06D4C394B8}"/>
+              </a:ext>
+            </a:extLst>
+          </p:cNvPr>
+          <p:cNvPicPr>
+            <a:picLocks noChangeAspect="1"/>
+          </p:cNvPicPr>
           <p:nvPr/>
-        </p:nvSpPr>
-        <p:spPr bwMode="auto">
+        </p:nvPicPr>
+        <p:blipFill>
+          <a:blip r:embed="rId3"/>
+          <a:stretch>
+            <a:fillRect/>
+          </a:stretch>
+        </p:blipFill>
+        <p:spPr>
           <a:xfrm>
-            <a:off x="4340183" y="5226403"/>
-            <a:ext cx="1116168" cy="502276"/>
+            <a:off x="212441" y="3268028"/>
+            <a:ext cx="11170263" cy="2623226"/>
           </a:xfrm>
-          <a:prstGeom prst="wedgeRoundRectCallout">
-            <a:avLst>
-              <a:gd name="adj1" fmla="val -53284"/>
-              <a:gd name="adj2" fmla="val -199893"/>
-              <a:gd name="adj3" fmla="val 16667"/>
-            </a:avLst>
+          <a:prstGeom prst="rect">
+            <a:avLst/>
           </a:prstGeom>
-          <a:solidFill>
-            <a:srgbClr val="FF0000"/>
-          </a:solidFill>
-          <a:ln>
-            <a:noFill/>
-            <a:headEnd type="none" w="med" len="med"/>
-            <a:tailEnd type="none" w="med" len="med"/>
-          </a:ln>
-          <a:effectLst/>
         </p:spPr>
-        <p:style>
-          <a:lnRef idx="1">
-            <a:schemeClr val="accent2"/>
-          </a:lnRef>
-          <a:fillRef idx="3">
-            <a:schemeClr val="accent2"/>
-          </a:fillRef>
-          <a:effectRef idx="2">
-            <a:schemeClr val="accent2"/>
-          </a:effectRef>
-          <a:fontRef idx="minor">
-            <a:schemeClr val="lt1"/>
-          </a:fontRef>
-        </p:style>
-        <p:txBody>
-          <a:bodyPr rot="0" spcFirstLastPara="0" vertOverflow="overflow" horzOverflow="overflow" vert="horz" wrap="square" lIns="182880" tIns="146304" rIns="182880" bIns="146304" numCol="1" spcCol="0" rtlCol="0" fromWordArt="0" anchor="t" anchorCtr="0" forceAA="0" compatLnSpc="1">
-            <a:prstTxWarp prst="textNoShape">
-              <a:avLst/>
-            </a:prstTxWarp>
-            <a:noAutofit/>
-          </a:bodyPr>
-          <a:lstStyle/>
-          <a:p>
-            <a:pPr algn="ctr" defTabSz="932472" fontAlgn="base">
-              <a:lnSpc>
-                <a:spcPct val="90000"/>
-              </a:lnSpc>
-              <a:spcBef>
-                <a:spcPct val="0"/>
-              </a:spcBef>
-              <a:spcAft>
-                <a:spcPct val="0"/>
-              </a:spcAft>
-            </a:pPr>
-            <a:endParaRPr lang="en-US" sz="2400" dirty="0">
-              <a:gradFill>
-                <a:gsLst>
-                  <a:gs pos="0">
-                    <a:srgbClr val="FFFFFF"/>
-                  </a:gs>
-                  <a:gs pos="100000">
-                    <a:srgbClr val="FFFFFF"/>
-                  </a:gs>
-                </a:gsLst>
-                <a:lin ang="5400000" scaled="0"/>
-              </a:gradFill>
-              <a:ea typeface="Segoe UI" pitchFamily="34" charset="0"/>
-              <a:cs typeface="Segoe UI" pitchFamily="34" charset="0"/>
-            </a:endParaRPr>
-          </a:p>
-        </p:txBody>
-      </p:sp>
-      <p:sp>
-        <p:nvSpPr>
-          <p:cNvPr id="9" name="Speech Bubble: Rectangle with Corners Rounded 8" descr="On-Premise Domain Controllers callout" title="On-Premise Domain Controllers callout"/>
-          <p:cNvSpPr/>
-          <p:nvPr/>
-        </p:nvSpPr>
-        <p:spPr bwMode="auto">
-          <a:xfrm>
-            <a:off x="4340183" y="5226403"/>
-            <a:ext cx="1116168" cy="502276"/>
-          </a:xfrm>
-          <a:prstGeom prst="wedgeRoundRectCallout">
-            <a:avLst>
-              <a:gd name="adj1" fmla="val -56046"/>
-              <a:gd name="adj2" fmla="val -122969"/>
-              <a:gd name="adj3" fmla="val 16667"/>
-            </a:avLst>
-          </a:prstGeom>
-          <a:solidFill>
-            <a:srgbClr val="FF0000"/>
-          </a:solidFill>
-          <a:ln>
-            <a:noFill/>
-            <a:headEnd type="none" w="med" len="med"/>
-            <a:tailEnd type="none" w="med" len="med"/>
-          </a:ln>
-          <a:effectLst/>
-        </p:spPr>
-        <p:style>
-          <a:lnRef idx="1">
-            <a:schemeClr val="accent2"/>
-          </a:lnRef>
-          <a:fillRef idx="3">
-            <a:schemeClr val="accent2"/>
-          </a:fillRef>
-          <a:effectRef idx="2">
-            <a:schemeClr val="accent2"/>
-          </a:effectRef>
-          <a:fontRef idx="minor">
-            <a:schemeClr val="lt1"/>
-          </a:fontRef>
-        </p:style>
-        <p:txBody>
-          <a:bodyPr rot="0" spcFirstLastPara="0" vertOverflow="overflow" horzOverflow="overflow" vert="horz" wrap="square" lIns="182880" tIns="146304" rIns="182880" bIns="146304" numCol="1" spcCol="0" rtlCol="0" fromWordArt="0" anchor="ctr" anchorCtr="0" forceAA="0" compatLnSpc="1">
-            <a:prstTxWarp prst="textNoShape">
-              <a:avLst/>
-            </a:prstTxWarp>
-            <a:noAutofit/>
-          </a:bodyPr>
-          <a:lstStyle/>
-          <a:p>
-            <a:pPr algn="ctr" defTabSz="932472" fontAlgn="base">
-              <a:lnSpc>
-                <a:spcPct val="90000"/>
-              </a:lnSpc>
-              <a:spcBef>
-                <a:spcPct val="0"/>
-              </a:spcBef>
-              <a:spcAft>
-                <a:spcPct val="0"/>
-              </a:spcAft>
-            </a:pPr>
-            <a:r>
-              <a:rPr lang="en-US" sz="1000" dirty="0">
-                <a:gradFill>
-                  <a:gsLst>
-                    <a:gs pos="0">
-                      <a:srgbClr val="FFFFFF"/>
-                    </a:gs>
-                    <a:gs pos="100000">
-                      <a:srgbClr val="FFFFFF"/>
-                    </a:gs>
-                  </a:gsLst>
-                  <a:lin ang="5400000" scaled="0"/>
-                </a:gradFill>
-                <a:ea typeface="Segoe UI" pitchFamily="34" charset="0"/>
-                <a:cs typeface="Segoe UI" pitchFamily="34" charset="0"/>
-              </a:rPr>
-              <a:t>On-Premise Domain Controllers</a:t>
-            </a:r>
-          </a:p>
-        </p:txBody>
-      </p:sp>
+      </p:pic>
     </p:spTree>
     <p:extLst>
       <p:ext uri="{BB962C8B-B14F-4D97-AF65-F5344CB8AC3E}">
@@ -32306,7 +26323,7 @@
       </p:grpSpPr>
       <p:pic>
         <p:nvPicPr>
-          <p:cNvPr id="5" name="Picture 4">
+          <p:cNvPr id="5" name="Picture 4" descr="The resilient benefits are shown in this image." title="Resilient Benefits">
             <a:extLst>
               <a:ext uri="{FF2B5EF4-FFF2-40B4-BE49-F238E27FC236}">
                 <a16:creationId xmlns:a16="http://schemas.microsoft.com/office/drawing/2014/main" id="{369D64A9-16D1-4B26-9840-D8C620252F29}"/>
@@ -32468,7 +26485,7 @@
       </p:grpSpPr>
       <p:pic>
         <p:nvPicPr>
-          <p:cNvPr id="3" name="Picture 2">
+          <p:cNvPr id="3" name="Picture 2" descr="SQL Server Managed Backup to Microsoft Azure manages and automates SQL Server backups to Microsoft Azure Blob storage. You can choose to allow SQL Server to determine the backup schedule based on the transaction workload of your database. Or, you can use advanced options to define a schedule. The retention settings determine how long the backups are stored in Azure Blob storage. SQL Server Managed Backup to Microsoft Azure supports point in time restore for the retention time period specified." title="SQL Server Managed Backup to Microsoft Azure ">
             <a:extLst>
               <a:ext uri="{FF2B5EF4-FFF2-40B4-BE49-F238E27FC236}">
                 <a16:creationId xmlns:a16="http://schemas.microsoft.com/office/drawing/2014/main" id="{ECA12A36-0BFE-45DC-BAB0-1AE529CD01E4}"/>
@@ -34044,7 +28061,7 @@
       </p:sp>
       <p:pic>
         <p:nvPicPr>
-          <p:cNvPr id="6" name="Picture 5" descr="Preferred storage approach&#10;&#10;The Preferred Storage Approach includes three sets of Premium Managed Disks. The first set of Premium Managed Disks includes a Domain Controller, OS on Drive C, and Database/Logs on drive F. The second set of Premium Managed Disks has a Web VM Scale Set, and the OS on drive C. Data disks are optional. The third set of Premium Managed Disks includes a Legacy App, the OS on drive C, and App Files on drive F. The last set of Premium Managed Disks has SQL Servers, the OS on drive C, Databases on drive F, and Logs on drive G. Storage considerations are also listed: With Premium Pay for size provisioned; LRS Only; Mix Standard and Premium where possible; and Single instance VM use Premium for all disks to ensure 99.9% SLA.&#10;">
+          <p:cNvPr id="6" name="Picture 5" descr="The Preferred Storage Approach includes three sets of Premium Managed Disks. The first set of Premium Managed Disks includes a Domain Controller, OS on Drive C, and Database/Logs on drive F. The second set of Premium Managed Disks has a Web VM Scale Set, and the OS on drive C. Data disks are optional. The third set of Premium Managed Disks includes a Legacy App, the OS on drive C, and App Files on drive F. The last set of Premium Managed Disks has SQL Servers, the OS on drive C, Databases on drive F, and Logs on drive G. Storage considerations are also listed: With Premium Pay for size provisioned; LRS Only; Mix Standard and Premium where possible; and Single instance VM use Premium for all disks to ensure 99.9% SLA.&#10;" title="Preferred storage approach">
             <a:extLst>
               <a:ext uri="{FF2B5EF4-FFF2-40B4-BE49-F238E27FC236}">
                 <a16:creationId xmlns:a16="http://schemas.microsoft.com/office/drawing/2014/main" id="{5FA98AF1-70A0-483C-8F9C-2758777F7268}"/>
@@ -34482,7 +28499,7 @@
             <a:pPr marL="342900" lvl="1" indent="-342900"/>
             <a:r>
               <a:rPr lang="en-US" sz="2400" dirty="0"/>
-              <a:t>To monitor the status of their VPN Gateway and other network health Contoso should enable Azure Network Watcher. Network Watcher can monitor the status of their VPN Gateway, and an Azure Automation runbook could be scheduled to check the status and report on issues. </a:t>
+              <a:t>To monitor the status of their VPN Gateway and other network health, Contoso should enable Azure Network Watcher. Network Watcher can monitor the status of their VPN Gateway, and an Azure Automation runbook could be scheduled to check the status and report on issues. </a:t>
             </a:r>
           </a:p>
         </p:txBody>
@@ -34884,7 +28901,7 @@
           </a:p>
           <a:p>
             <a:r>
-              <a:rPr lang="en-US" sz="2800" dirty="0">
+              <a:rPr lang="en-US" sz="2400" dirty="0">
                 <a:latin typeface="+mn-lt"/>
               </a:rPr>
               <a:t>Cost is a huge concern for us. With looming infrastructure and server replacement costs, we want to avoid any unnecessary expenditures. </a:t>
@@ -34904,7 +28921,7 @@
               <a:rPr lang="en-US" sz="2400" dirty="0">
                 <a:latin typeface="+mn-lt"/>
               </a:rPr>
-              <a:t>Contoso can restructure the way IT budgets are spent and ultimately save funds by rolling out the infrastructure into Azure as opposed to rolling out the infrastructure in the Cheyenne office. By, building out the infrastructure in Azure there is no upfront capital investment. The cost moves to an operating expense in a pay only for what you need and use model. This frees up Contoso’s capital for other investments which are more strategic to the growth of the company. This is also done in a more professional way in that Azure datacenters are world-class, enterprise-level datacenters providing a server environment that Contoso could never build on their own. Also, deploying VMs in Azure provides resiliency at a lower cost than physical hardware. </a:t>
+              <a:t>Contoso can restructure the way IT budgets are spent and ultimately save funds by rolling out the infrastructure into Azure as opposed to rolling out the infrastructure in the Cheyenne office. By building out the infrastructure in Azure there is no upfront capital investment. The cost moves to an operating expense in a pay only for what you need and use model. This frees up Contoso’s capital for other investments which are more strategic to the growth of the company. This is also done in a more professional way in that Azure datacenters are world-class, enterprise-level datacenters providing a server environment that Contoso could never build on their own. Also, deploying VMs in Azure provides resiliency at a lower cost than physical hardware. </a:t>
             </a:r>
           </a:p>
         </p:txBody>
@@ -36223,10 +30240,9 @@
           <a:lstStyle/>
           <a:p>
             <a:r>
-              <a:rPr lang="en-US"/>
+              <a:rPr lang="en-US" dirty="0"/>
               <a:t>Current Active Directory Configuration</a:t>
             </a:r>
-            <a:endParaRPr lang="en-US" dirty="0"/>
           </a:p>
         </p:txBody>
       </p:sp>
@@ -37444,24 +31460,6 @@
 </file>
 
 <file path=customXml/item1.xml><?xml version="1.0" encoding="utf-8"?>
-<p:properties xmlns:p="http://schemas.microsoft.com/office/2006/metadata/properties" xmlns:xsi="http://www.w3.org/2001/XMLSchema-instance" xmlns:pc="http://schemas.microsoft.com/office/infopath/2007/PartnerControls">
-  <documentManagement>
-    <_ip_UnifiedCompliancePolicyUIAction xmlns="http://schemas.microsoft.com/sharepoint/v3" xsi:nil="true"/>
-    <_ip_UnifiedCompliancePolicyProperties xmlns="http://schemas.microsoft.com/sharepoint/v3" xsi:nil="true"/>
-  </documentManagement>
-</p:properties>
-</file>
-
-<file path=customXml/item2.xml><?xml version="1.0" encoding="utf-8"?>
-<?mso-contentType ?>
-<FormTemplates xmlns="http://schemas.microsoft.com/sharepoint/v3/contenttype/forms">
-  <Display>DocumentLibraryForm</Display>
-  <Edit>DocumentLibraryForm</Edit>
-  <New>DocumentLibraryForm</New>
-</FormTemplates>
-</file>
-
-<file path=customXml/item3.xml><?xml version="1.0" encoding="utf-8"?>
 <ct:contentTypeSchema xmlns:ct="http://schemas.microsoft.com/office/2006/metadata/contentType" xmlns:ma="http://schemas.microsoft.com/office/2006/metadata/properties/metaAttributes" ct:_="" ma:_="" ma:contentTypeName="Document" ma:contentTypeID="0x010100D15DFA3690A15B4081582BBCC6BEAC3E" ma:contentTypeVersion="9" ma:contentTypeDescription="Create a new document." ma:contentTypeScope="" ma:versionID="642da1784587cbe85a7fdbbe4dc36103">
   <xsd:schema xmlns:xsd="http://www.w3.org/2001/XMLSchema" xmlns:xs="http://www.w3.org/2001/XMLSchema" xmlns:p="http://schemas.microsoft.com/office/2006/metadata/properties" xmlns:ns1="http://schemas.microsoft.com/sharepoint/v3" xmlns:ns2="2023ac63-7b75-4916-a9ee-591457758eee" xmlns:ns3="d9c797ad-d7c3-4982-82b7-81352a75e4a5" targetNamespace="http://schemas.microsoft.com/office/2006/metadata/properties" ma:root="true" ma:fieldsID="91198b0246576053cc55dd2c67035a89" ns1:_="" ns2:_="" ns3:_="">
     <xsd:import namespace="http://schemas.microsoft.com/sharepoint/v3"/>
@@ -37663,33 +31661,25 @@
 </ct:contentTypeSchema>
 </file>
 
-<file path=customXml/itemProps1.xml><?xml version="1.0" encoding="utf-8"?>
-<ds:datastoreItem xmlns:ds="http://schemas.openxmlformats.org/officeDocument/2006/customXml" ds:itemID="{7D07577D-30E5-48FB-B81C-E1B9EAC126B5}">
-  <ds:schemaRefs>
-    <ds:schemaRef ds:uri="http://schemas.microsoft.com/sharepoint/v3"/>
-    <ds:schemaRef ds:uri="http://purl.org/dc/terms/"/>
-    <ds:schemaRef ds:uri="http://schemas.openxmlformats.org/package/2006/metadata/core-properties"/>
-    <ds:schemaRef ds:uri="http://schemas.microsoft.com/office/2006/documentManagement/types"/>
-    <ds:schemaRef ds:uri="http://schemas.microsoft.com/office/infopath/2007/PartnerControls"/>
-    <ds:schemaRef ds:uri="2023ac63-7b75-4916-a9ee-591457758eee"/>
-    <ds:schemaRef ds:uri="http://purl.org/dc/elements/1.1/"/>
-    <ds:schemaRef ds:uri="http://schemas.microsoft.com/office/2006/metadata/properties"/>
-    <ds:schemaRef ds:uri="d9c797ad-d7c3-4982-82b7-81352a75e4a5"/>
-    <ds:schemaRef ds:uri="http://www.w3.org/XML/1998/namespace"/>
-    <ds:schemaRef ds:uri="http://purl.org/dc/dcmitype/"/>
-  </ds:schemaRefs>
-</ds:datastoreItem>
+<file path=customXml/item2.xml><?xml version="1.0" encoding="utf-8"?>
+<?mso-contentType ?>
+<FormTemplates xmlns="http://schemas.microsoft.com/sharepoint/v3/contenttype/forms">
+  <Display>DocumentLibraryForm</Display>
+  <Edit>DocumentLibraryForm</Edit>
+  <New>DocumentLibraryForm</New>
+</FormTemplates>
 </file>
 
-<file path=customXml/itemProps2.xml><?xml version="1.0" encoding="utf-8"?>
-<ds:datastoreItem xmlns:ds="http://schemas.openxmlformats.org/officeDocument/2006/customXml" ds:itemID="{D5A22677-9165-4AB6-9580-CE94CCD209C5}">
-  <ds:schemaRefs>
-    <ds:schemaRef ds:uri="http://schemas.microsoft.com/sharepoint/v3/contenttype/forms"/>
-  </ds:schemaRefs>
-</ds:datastoreItem>
+<file path=customXml/item3.xml><?xml version="1.0" encoding="utf-8"?>
+<p:properties xmlns:p="http://schemas.microsoft.com/office/2006/metadata/properties" xmlns:xsi="http://www.w3.org/2001/XMLSchema-instance" xmlns:pc="http://schemas.microsoft.com/office/infopath/2007/PartnerControls">
+  <documentManagement>
+    <_ip_UnifiedCompliancePolicyUIAction xmlns="http://schemas.microsoft.com/sharepoint/v3" xsi:nil="true"/>
+    <_ip_UnifiedCompliancePolicyProperties xmlns="http://schemas.microsoft.com/sharepoint/v3" xsi:nil="true"/>
+  </documentManagement>
+</p:properties>
 </file>
 
-<file path=customXml/itemProps3.xml><?xml version="1.0" encoding="utf-8"?>
+<file path=customXml/itemProps1.xml><?xml version="1.0" encoding="utf-8"?>
 <ds:datastoreItem xmlns:ds="http://schemas.openxmlformats.org/officeDocument/2006/customXml" ds:itemID="{A26E40F2-DB1A-4ED5-85D8-FAE814896E97}">
   <ds:schemaRefs>
     <ds:schemaRef ds:uri="http://schemas.microsoft.com/office/2006/metadata/contentType"/>
@@ -37707,4 +31697,30 @@
     <ds:schemaRef ds:uri="http://schemas.microsoft.com/internal/obd"/>
   </ds:schemaRefs>
 </ds:datastoreItem>
+</file>
+
+<file path=customXml/itemProps2.xml><?xml version="1.0" encoding="utf-8"?>
+<ds:datastoreItem xmlns:ds="http://schemas.openxmlformats.org/officeDocument/2006/customXml" ds:itemID="{D5A22677-9165-4AB6-9580-CE94CCD209C5}">
+  <ds:schemaRefs>
+    <ds:schemaRef ds:uri="http://schemas.microsoft.com/sharepoint/v3/contenttype/forms"/>
+  </ds:schemaRefs>
+</ds:datastoreItem>
+</file>
+
+<file path=customXml/itemProps3.xml><?xml version="1.0" encoding="utf-8"?>
+<ds:datastoreItem xmlns:ds="http://schemas.openxmlformats.org/officeDocument/2006/customXml" ds:itemID="{7D07577D-30E5-48FB-B81C-E1B9EAC126B5}">
+  <ds:schemaRefs>
+    <ds:schemaRef ds:uri="http://schemas.microsoft.com/sharepoint/v3"/>
+    <ds:schemaRef ds:uri="http://purl.org/dc/terms/"/>
+    <ds:schemaRef ds:uri="http://schemas.openxmlformats.org/package/2006/metadata/core-properties"/>
+    <ds:schemaRef ds:uri="http://schemas.microsoft.com/office/2006/documentManagement/types"/>
+    <ds:schemaRef ds:uri="http://schemas.microsoft.com/office/infopath/2007/PartnerControls"/>
+    <ds:schemaRef ds:uri="2023ac63-7b75-4916-a9ee-591457758eee"/>
+    <ds:schemaRef ds:uri="http://purl.org/dc/elements/1.1/"/>
+    <ds:schemaRef ds:uri="http://schemas.microsoft.com/office/2006/metadata/properties"/>
+    <ds:schemaRef ds:uri="d9c797ad-d7c3-4982-82b7-81352a75e4a5"/>
+    <ds:schemaRef ds:uri="http://www.w3.org/XML/1998/namespace"/>
+    <ds:schemaRef ds:uri="http://purl.org/dc/dcmitype/"/>
+  </ds:schemaRefs>
+</ds:datastoreItem>
 </file>
--- a/Whiteboard design session/WDS trainer presentation - Building a resilient IaaS architecture.pptx
+++ b/Whiteboard design session/WDS trainer presentation - Building a resilient IaaS architecture.pptx
@@ -242,7 +242,7 @@
           <a:p>
             <a:fld id="{D12B4A29-5F37-4DEF-BB05-EEA5E91F514E}" type="datetimeFigureOut">
               <a:rPr lang="en-US" smtClean="0"/>
-              <a:t>7/13/2018</a:t>
+              <a:t>7/16/2018</a:t>
             </a:fld>
             <a:endParaRPr lang="en-US" dirty="0"/>
           </a:p>
@@ -22938,7 +22938,7 @@
             <a:pPr lvl="0"/>
             <a:r>
               <a:rPr lang="en-US" sz="3200" dirty="0"/>
-              <a:t>The web application needs to have the ability to scale as we grow. that aspect of the cloud will allow this to be a reality? </a:t>
+              <a:t>The web application needs to have the ability to scale as we grow. That aspect of the cloud will allow this to be a reality? </a:t>
             </a:r>
           </a:p>
           <a:p>
@@ -25910,7 +25910,7 @@
       </p:grpSpPr>
       <p:pic>
         <p:nvPicPr>
-          <p:cNvPr id="4" name="Picture 3">
+          <p:cNvPr id="4" name="Picture 3" descr="A diagram that depicts two virtual networks peered and connected to multiple on-premises sites using site-to-site VPN." title="Recommended solution design">
             <a:extLst>
               <a:ext uri="{FF2B5EF4-FFF2-40B4-BE49-F238E27FC236}">
                 <a16:creationId xmlns:a16="http://schemas.microsoft.com/office/drawing/2014/main" id="{EF6AB932-4EB0-4F02-89C6-5C3FD9561143}"/>
@@ -31460,6 +31460,24 @@
 </file>
 
 <file path=customXml/item1.xml><?xml version="1.0" encoding="utf-8"?>
+<p:properties xmlns:p="http://schemas.microsoft.com/office/2006/metadata/properties" xmlns:xsi="http://www.w3.org/2001/XMLSchema-instance" xmlns:pc="http://schemas.microsoft.com/office/infopath/2007/PartnerControls">
+  <documentManagement>
+    <_ip_UnifiedCompliancePolicyUIAction xmlns="http://schemas.microsoft.com/sharepoint/v3" xsi:nil="true"/>
+    <_ip_UnifiedCompliancePolicyProperties xmlns="http://schemas.microsoft.com/sharepoint/v3" xsi:nil="true"/>
+  </documentManagement>
+</p:properties>
+</file>
+
+<file path=customXml/item2.xml><?xml version="1.0" encoding="utf-8"?>
+<?mso-contentType ?>
+<FormTemplates xmlns="http://schemas.microsoft.com/sharepoint/v3/contenttype/forms">
+  <Display>DocumentLibraryForm</Display>
+  <Edit>DocumentLibraryForm</Edit>
+  <New>DocumentLibraryForm</New>
+</FormTemplates>
+</file>
+
+<file path=customXml/item3.xml><?xml version="1.0" encoding="utf-8"?>
 <ct:contentTypeSchema xmlns:ct="http://schemas.microsoft.com/office/2006/metadata/contentType" xmlns:ma="http://schemas.microsoft.com/office/2006/metadata/properties/metaAttributes" ct:_="" ma:_="" ma:contentTypeName="Document" ma:contentTypeID="0x010100D15DFA3690A15B4081582BBCC6BEAC3E" ma:contentTypeVersion="9" ma:contentTypeDescription="Create a new document." ma:contentTypeScope="" ma:versionID="642da1784587cbe85a7fdbbe4dc36103">
   <xsd:schema xmlns:xsd="http://www.w3.org/2001/XMLSchema" xmlns:xs="http://www.w3.org/2001/XMLSchema" xmlns:p="http://schemas.microsoft.com/office/2006/metadata/properties" xmlns:ns1="http://schemas.microsoft.com/sharepoint/v3" xmlns:ns2="2023ac63-7b75-4916-a9ee-591457758eee" xmlns:ns3="d9c797ad-d7c3-4982-82b7-81352a75e4a5" targetNamespace="http://schemas.microsoft.com/office/2006/metadata/properties" ma:root="true" ma:fieldsID="91198b0246576053cc55dd2c67035a89" ns1:_="" ns2:_="" ns3:_="">
     <xsd:import namespace="http://schemas.microsoft.com/sharepoint/v3"/>
@@ -31661,25 +31679,33 @@
 </ct:contentTypeSchema>
 </file>
 
-<file path=customXml/item2.xml><?xml version="1.0" encoding="utf-8"?>
-<?mso-contentType ?>
-<FormTemplates xmlns="http://schemas.microsoft.com/sharepoint/v3/contenttype/forms">
-  <Display>DocumentLibraryForm</Display>
-  <Edit>DocumentLibraryForm</Edit>
-  <New>DocumentLibraryForm</New>
-</FormTemplates>
+<file path=customXml/itemProps1.xml><?xml version="1.0" encoding="utf-8"?>
+<ds:datastoreItem xmlns:ds="http://schemas.openxmlformats.org/officeDocument/2006/customXml" ds:itemID="{7D07577D-30E5-48FB-B81C-E1B9EAC126B5}">
+  <ds:schemaRefs>
+    <ds:schemaRef ds:uri="http://schemas.microsoft.com/sharepoint/v3"/>
+    <ds:schemaRef ds:uri="http://purl.org/dc/terms/"/>
+    <ds:schemaRef ds:uri="http://schemas.openxmlformats.org/package/2006/metadata/core-properties"/>
+    <ds:schemaRef ds:uri="http://schemas.microsoft.com/office/2006/documentManagement/types"/>
+    <ds:schemaRef ds:uri="http://schemas.microsoft.com/office/infopath/2007/PartnerControls"/>
+    <ds:schemaRef ds:uri="2023ac63-7b75-4916-a9ee-591457758eee"/>
+    <ds:schemaRef ds:uri="http://purl.org/dc/elements/1.1/"/>
+    <ds:schemaRef ds:uri="http://schemas.microsoft.com/office/2006/metadata/properties"/>
+    <ds:schemaRef ds:uri="d9c797ad-d7c3-4982-82b7-81352a75e4a5"/>
+    <ds:schemaRef ds:uri="http://www.w3.org/XML/1998/namespace"/>
+    <ds:schemaRef ds:uri="http://purl.org/dc/dcmitype/"/>
+  </ds:schemaRefs>
+</ds:datastoreItem>
 </file>
 
-<file path=customXml/item3.xml><?xml version="1.0" encoding="utf-8"?>
-<p:properties xmlns:p="http://schemas.microsoft.com/office/2006/metadata/properties" xmlns:xsi="http://www.w3.org/2001/XMLSchema-instance" xmlns:pc="http://schemas.microsoft.com/office/infopath/2007/PartnerControls">
-  <documentManagement>
-    <_ip_UnifiedCompliancePolicyUIAction xmlns="http://schemas.microsoft.com/sharepoint/v3" xsi:nil="true"/>
-    <_ip_UnifiedCompliancePolicyProperties xmlns="http://schemas.microsoft.com/sharepoint/v3" xsi:nil="true"/>
-  </documentManagement>
-</p:properties>
+<file path=customXml/itemProps2.xml><?xml version="1.0" encoding="utf-8"?>
+<ds:datastoreItem xmlns:ds="http://schemas.openxmlformats.org/officeDocument/2006/customXml" ds:itemID="{D5A22677-9165-4AB6-9580-CE94CCD209C5}">
+  <ds:schemaRefs>
+    <ds:schemaRef ds:uri="http://schemas.microsoft.com/sharepoint/v3/contenttype/forms"/>
+  </ds:schemaRefs>
+</ds:datastoreItem>
 </file>
 
-<file path=customXml/itemProps1.xml><?xml version="1.0" encoding="utf-8"?>
+<file path=customXml/itemProps3.xml><?xml version="1.0" encoding="utf-8"?>
 <ds:datastoreItem xmlns:ds="http://schemas.openxmlformats.org/officeDocument/2006/customXml" ds:itemID="{A26E40F2-DB1A-4ED5-85D8-FAE814896E97}">
   <ds:schemaRefs>
     <ds:schemaRef ds:uri="http://schemas.microsoft.com/office/2006/metadata/contentType"/>
@@ -31697,30 +31723,4 @@
     <ds:schemaRef ds:uri="http://schemas.microsoft.com/internal/obd"/>
   </ds:schemaRefs>
 </ds:datastoreItem>
-</file>
-
-<file path=customXml/itemProps2.xml><?xml version="1.0" encoding="utf-8"?>
-<ds:datastoreItem xmlns:ds="http://schemas.openxmlformats.org/officeDocument/2006/customXml" ds:itemID="{D5A22677-9165-4AB6-9580-CE94CCD209C5}">
-  <ds:schemaRefs>
-    <ds:schemaRef ds:uri="http://schemas.microsoft.com/sharepoint/v3/contenttype/forms"/>
-  </ds:schemaRefs>
-</ds:datastoreItem>
-</file>
-
-<file path=customXml/itemProps3.xml><?xml version="1.0" encoding="utf-8"?>
-<ds:datastoreItem xmlns:ds="http://schemas.openxmlformats.org/officeDocument/2006/customXml" ds:itemID="{7D07577D-30E5-48FB-B81C-E1B9EAC126B5}">
-  <ds:schemaRefs>
-    <ds:schemaRef ds:uri="http://schemas.microsoft.com/sharepoint/v3"/>
-    <ds:schemaRef ds:uri="http://purl.org/dc/terms/"/>
-    <ds:schemaRef ds:uri="http://schemas.openxmlformats.org/package/2006/metadata/core-properties"/>
-    <ds:schemaRef ds:uri="http://schemas.microsoft.com/office/2006/documentManagement/types"/>
-    <ds:schemaRef ds:uri="http://schemas.microsoft.com/office/infopath/2007/PartnerControls"/>
-    <ds:schemaRef ds:uri="2023ac63-7b75-4916-a9ee-591457758eee"/>
-    <ds:schemaRef ds:uri="http://purl.org/dc/elements/1.1/"/>
-    <ds:schemaRef ds:uri="http://schemas.microsoft.com/office/2006/metadata/properties"/>
-    <ds:schemaRef ds:uri="d9c797ad-d7c3-4982-82b7-81352a75e4a5"/>
-    <ds:schemaRef ds:uri="http://www.w3.org/XML/1998/namespace"/>
-    <ds:schemaRef ds:uri="http://purl.org/dc/dcmitype/"/>
-  </ds:schemaRefs>
-</ds:datastoreItem>
 </file>
--- a/Whiteboard design session/WDS trainer presentation - Building a resilient IaaS architecture.pptx
+++ b/Whiteboard design session/WDS trainer presentation - Building a resilient IaaS architecture.pptx
@@ -242,7 +242,7 @@
           <a:p>
             <a:fld id="{D12B4A29-5F37-4DEF-BB05-EEA5E91F514E}" type="datetimeFigureOut">
               <a:rPr lang="en-US" smtClean="0"/>
-              <a:t>9/5/2018</a:t>
+              <a:t>10/2/2018</a:t>
             </a:fld>
             <a:endParaRPr lang="en-US" dirty="0"/>
           </a:p>
@@ -22612,7 +22612,7 @@
       </p:sp>
       <p:pic>
         <p:nvPicPr>
-          <p:cNvPr id="7" name="Picture 6">
+          <p:cNvPr id="7" name="Picture 6" descr="The SQL and Web Server Current Implementation diagram depicts three virtual machines behind a load balancer and availability set, and a single virtual machine for SQL server with two disks for data.">
             <a:extLst>
               <a:ext uri="{FF2B5EF4-FFF2-40B4-BE49-F238E27FC236}">
                 <a16:creationId xmlns:a16="http://schemas.microsoft.com/office/drawing/2014/main" id="{117245A7-96EB-45F0-95E0-52B223EB7F86}"/>
@@ -30152,7 +30152,7 @@
       </p:sp>
       <p:pic>
         <p:nvPicPr>
-          <p:cNvPr id="19" name="Picture 18">
+          <p:cNvPr id="19" name="Picture 18" descr="This image represents a single domain controller in the West Central US region.">
             <a:extLst>
               <a:ext uri="{FF2B5EF4-FFF2-40B4-BE49-F238E27FC236}">
                 <a16:creationId xmlns:a16="http://schemas.microsoft.com/office/drawing/2014/main" id="{F5B7BF65-5DC8-448E-9685-F007557ADAA4}"/>
@@ -31364,6 +31364,15 @@
 </file>
 
 <file path=customXml/item1.xml><?xml version="1.0" encoding="utf-8"?>
+<?mso-contentType ?>
+<FormTemplates xmlns="http://schemas.microsoft.com/sharepoint/v3/contenttype/forms">
+  <Display>DocumentLibraryForm</Display>
+  <Edit>DocumentLibraryForm</Edit>
+  <New>DocumentLibraryForm</New>
+</FormTemplates>
+</file>
+
+<file path=customXml/item2.xml><?xml version="1.0" encoding="utf-8"?>
 <ct:contentTypeSchema xmlns:ct="http://schemas.microsoft.com/office/2006/metadata/contentType" xmlns:ma="http://schemas.microsoft.com/office/2006/metadata/properties/metaAttributes" ct:_="" ma:_="" ma:contentTypeName="Document" ma:contentTypeID="0x010100D15DFA3690A15B4081582BBCC6BEAC3E" ma:contentTypeVersion="9" ma:contentTypeDescription="Create a new document." ma:contentTypeScope="" ma:versionID="642da1784587cbe85a7fdbbe4dc36103">
   <xsd:schema xmlns:xsd="http://www.w3.org/2001/XMLSchema" xmlns:xs="http://www.w3.org/2001/XMLSchema" xmlns:p="http://schemas.microsoft.com/office/2006/metadata/properties" xmlns:ns1="http://schemas.microsoft.com/sharepoint/v3" xmlns:ns2="2023ac63-7b75-4916-a9ee-591457758eee" xmlns:ns3="d9c797ad-d7c3-4982-82b7-81352a75e4a5" targetNamespace="http://schemas.microsoft.com/office/2006/metadata/properties" ma:root="true" ma:fieldsID="91198b0246576053cc55dd2c67035a89" ns1:_="" ns2:_="" ns3:_="">
     <xsd:import namespace="http://schemas.microsoft.com/sharepoint/v3"/>
@@ -31565,15 +31574,6 @@
 </ct:contentTypeSchema>
 </file>
 
-<file path=customXml/item2.xml><?xml version="1.0" encoding="utf-8"?>
-<?mso-contentType ?>
-<FormTemplates xmlns="http://schemas.microsoft.com/sharepoint/v3/contenttype/forms">
-  <Display>DocumentLibraryForm</Display>
-  <Edit>DocumentLibraryForm</Edit>
-  <New>DocumentLibraryForm</New>
-</FormTemplates>
-</file>
-
 <file path=customXml/item3.xml><?xml version="1.0" encoding="utf-8"?>
 <p:properties xmlns:p="http://schemas.microsoft.com/office/2006/metadata/properties" xmlns:xsi="http://www.w3.org/2001/XMLSchema-instance" xmlns:pc="http://schemas.microsoft.com/office/infopath/2007/PartnerControls">
   <documentManagement>
@@ -31584,6 +31584,14 @@
 </file>
 
 <file path=customXml/itemProps1.xml><?xml version="1.0" encoding="utf-8"?>
+<ds:datastoreItem xmlns:ds="http://schemas.openxmlformats.org/officeDocument/2006/customXml" ds:itemID="{D5A22677-9165-4AB6-9580-CE94CCD209C5}">
+  <ds:schemaRefs>
+    <ds:schemaRef ds:uri="http://schemas.microsoft.com/sharepoint/v3/contenttype/forms"/>
+  </ds:schemaRefs>
+</ds:datastoreItem>
+</file>
+
+<file path=customXml/itemProps2.xml><?xml version="1.0" encoding="utf-8"?>
 <ds:datastoreItem xmlns:ds="http://schemas.openxmlformats.org/officeDocument/2006/customXml" ds:itemID="{A26E40F2-DB1A-4ED5-85D8-FAE814896E97}">
   <ds:schemaRefs>
     <ds:schemaRef ds:uri="http://schemas.microsoft.com/office/2006/metadata/contentType"/>
@@ -31599,14 +31607,6 @@
     <ds:schemaRef ds:uri="http://purl.org/dc/elements/1.1/"/>
     <ds:schemaRef ds:uri="http://purl.org/dc/terms/"/>
     <ds:schemaRef ds:uri="http://schemas.microsoft.com/internal/obd"/>
-  </ds:schemaRefs>
-</ds:datastoreItem>
-</file>
-
-<file path=customXml/itemProps2.xml><?xml version="1.0" encoding="utf-8"?>
-<ds:datastoreItem xmlns:ds="http://schemas.openxmlformats.org/officeDocument/2006/customXml" ds:itemID="{D5A22677-9165-4AB6-9580-CE94CCD209C5}">
-  <ds:schemaRefs>
-    <ds:schemaRef ds:uri="http://schemas.microsoft.com/sharepoint/v3/contenttype/forms"/>
   </ds:schemaRefs>
 </ds:datastoreItem>
 </file>

--- a/Whiteboard design session/WDS trainer presentation - Building a resilient IaaS architecture.pptx
+++ b/Whiteboard design session/WDS trainer presentation - Building a resilient IaaS architecture.pptx
@@ -238,7 +238,7 @@
           <a:p>
             <a:fld id="{D12B4A29-5F37-4DEF-BB05-EEA5E91F514E}" type="datetimeFigureOut">
               <a:rPr lang="en-US" smtClean="0"/>
-              <a:t>6/19/2020</a:t>
+              <a:t>6/30/2020</a:t>
             </a:fld>
             <a:endParaRPr lang="en-US" dirty="0"/>
           </a:p>
@@ -2832,6 +2832,32 @@
                 <a:ea typeface="+mn-ea"/>
                 <a:cs typeface="+mn-cs"/>
               </a:rPr>
+              <a:t>-  Each SQL Server Enterprise license includes one additional license for a DR server. Hence of the 4 SQL VMs, only 2 need the SQL license. </a:t>
+            </a:r>
+            <a:r>
+              <a:rPr lang="en-US" sz="1200" b="1" kern="1200" dirty="0">
+                <a:solidFill>
+                  <a:schemeClr val="tx1"/>
+                </a:solidFill>
+                <a:effectLst/>
+                <a:latin typeface="+mn-lt"/>
+                <a:ea typeface="+mn-ea"/>
+                <a:cs typeface="+mn-cs"/>
+              </a:rPr>
+              <a:t>This is a substantial saving.</a:t>
+            </a:r>
+          </a:p>
+          <a:p>
+            <a:r>
+              <a:rPr lang="en-US" sz="1200" b="0" kern="1200" dirty="0">
+                <a:solidFill>
+                  <a:schemeClr val="tx1"/>
+                </a:solidFill>
+                <a:effectLst/>
+                <a:latin typeface="+mn-lt"/>
+                <a:ea typeface="+mn-ea"/>
+                <a:cs typeface="+mn-cs"/>
+              </a:rPr>
               <a:t>-  Data between Availability Zones in the same region will be billed from Feb 1, 2021</a:t>
             </a:r>
           </a:p>
@@ -2930,7 +2956,7 @@
                 <a:ea typeface="+mn-ea"/>
                 <a:cs typeface="+mn-cs"/>
               </a:rPr>
-              <a:t>This compares with a monthly total for the IaaS implementation of </a:t>
+              <a:t>This compares with a monthly total for the IaaS implementation of </a:t>
             </a:r>
             <a:r>
               <a:rPr lang="en-US" sz="1200" b="1" kern="1200" dirty="0">
@@ -2942,7 +2968,7 @@
                 <a:ea typeface="+mn-ea"/>
                 <a:cs typeface="+mn-cs"/>
               </a:rPr>
-              <a:t>**$7,162.60**</a:t>
+              <a:t>**$4,949.42** </a:t>
             </a:r>
             <a:r>
               <a:rPr lang="en-US" sz="1200" b="0" kern="1200" dirty="0">
@@ -2954,11 +2980,22 @@
                 <a:ea typeface="+mn-ea"/>
                 <a:cs typeface="+mn-cs"/>
               </a:rPr>
-              <a:t> (excluding infra costs, on the assumption these are still required for other applications).</a:t>
-            </a:r>
-          </a:p>
-          <a:p>
-            <a:br>
+              <a:t>(excluding infra costs, on the assumption these are still required for other applications).</a:t>
+            </a:r>
+          </a:p>
+          <a:p>
+            <a:endParaRPr lang="en-US" sz="1200" b="0" kern="1200" dirty="0">
+              <a:solidFill>
+                <a:schemeClr val="tx1"/>
+              </a:solidFill>
+              <a:effectLst/>
+              <a:latin typeface="+mn-lt"/>
+              <a:ea typeface="+mn-ea"/>
+              <a:cs typeface="+mn-cs"/>
+            </a:endParaRPr>
+          </a:p>
+          <a:p>
+            <a:r>
               <a:rPr lang="en-US" sz="1200" b="0" kern="1200" dirty="0">
                 <a:solidFill>
                   <a:schemeClr val="tx1"/>
@@ -2968,18 +3005,7 @@
                 <a:ea typeface="+mn-ea"/>
                 <a:cs typeface="+mn-cs"/>
               </a:rPr>
-            </a:br>
-            <a:r>
-              <a:rPr lang="en-US" sz="1200" b="0" kern="1200" dirty="0">
-                <a:solidFill>
-                  <a:schemeClr val="tx1"/>
-                </a:solidFill>
-                <a:effectLst/>
-                <a:latin typeface="+mn-lt"/>
-                <a:ea typeface="+mn-ea"/>
-                <a:cs typeface="+mn-cs"/>
-              </a:rPr>
-              <a:t>The PaaS implementation is marginally more expensive. However a cost-only comparison does not take into account the considerable additional benefits of a PaaS-based approach, e.g. reduced </a:t>
+              <a:t>The PaaS implementation is roughly the same price. However a cost-only comparison does not take into account the considerable additional benefits of a PaaS-based approach, e.g. reduced </a:t>
             </a:r>
             <a:r>
               <a:rPr lang="en-US" sz="1200" b="0" kern="1200" dirty="0" err="1">
@@ -3003,10 +3029,8 @@
                 <a:ea typeface="+mn-ea"/>
                 <a:cs typeface="+mn-cs"/>
               </a:rPr>
-              <a:t> overhead. Overall, the PaaS solutions offers significantly better value.</a:t>
-            </a:r>
-          </a:p>
-          <a:p>
+              <a:t> overhead. Overall, the PaaS solutions offers significantly better value.</a:t>
+            </a:r>
             <a:endParaRPr lang="en-IE" dirty="0"/>
           </a:p>
         </p:txBody>
@@ -3581,7 +3605,7 @@
                 <a:ea typeface="+mn-ea"/>
                 <a:cs typeface="+mn-cs"/>
               </a:rPr>
-              <a:t>Contoso Inc. manufactures, sells, distributes, and services parts for major appliances and HVAC systems for large corporations and independent firms. The ordering system is currently housed in Azure on IaaS SQL server instances. Initially, the ordering process was done mainly via phone and expanded to email. Recently, the company has moved to an internet based ordering system with IIS Web Servers in Azure housing the front-end application for the ordering, invoicing, and support options.</a:t>
+              <a:t>Contoso Inc. manufactures, sells, distributes, and services parts for major appliances and HVAC systems for large corporations and independent firms. The claims application is currently housed in Azure on IaaS SQL server instances. Initially, the claims process was done mainly via phone and expanded to email. Recently, the company has moved to an internet-based claims application with IIS Web Servers in Azure housing the front-end application for the claims, invoicing, and support options.</a:t>
             </a:r>
           </a:p>
           <a:p>
@@ -3684,7 +3708,7 @@
                 <a:ea typeface="+mn-ea"/>
                 <a:cs typeface="+mn-cs"/>
               </a:rPr>
-              <a:t>Each branch office is small enough that there are no servers housed on-site. Each location has direct connectivity to corporate resources through a VPN connection to the Austin headquarters. Email is accessed via web as is the main ordering application. </a:t>
+              <a:t>Each branch office is small enough that there are no servers housed on-site. Each location has direct connectivity to corporate resources through a VPN connection to the Austin headquarters. Email is accessed via web as is the main claims application. </a:t>
             </a:r>
           </a:p>
           <a:p>
@@ -21894,7 +21918,7 @@
             </a:pPr>
             <a:r>
               <a:rPr lang="en-US" sz="3200" dirty="0"/>
-              <a:t>Redundancy and resiliency for the ADDS domain controller server, and the web and database servers for the Ordering application, to deliver the 99.95% or greater SLA required by the business.</a:t>
+              <a:t>Redundancy and resiliency for the ADDS domain controller server, and the web and database servers for the claims application, to deliver the 99.95% or greater SLA required by the business.</a:t>
             </a:r>
           </a:p>
           <a:p>
@@ -21914,7 +21938,7 @@
             </a:pPr>
             <a:r>
               <a:rPr lang="en-US" sz="3200" dirty="0"/>
-              <a:t>An automated mechanism for a quick recovery of the ordering application in the event of disaster impacting the entire West Central US Azure region.</a:t>
+              <a:t>An automated mechanism for a quick recovery of the claims application in the event of disaster impacting the entire West Central US Azure region.</a:t>
             </a:r>
           </a:p>
           <a:p>
@@ -22031,7 +22055,7 @@
             </a:pPr>
             <a:r>
               <a:rPr lang="en-US" sz="3200" dirty="0"/>
-              <a:t>An understanding of how to achieve an equivalent level of high availability, disaster recovery and backup for the next-generation PaaS-based implementation of the Ordering application.</a:t>
+              <a:t>An understanding of how to achieve an equivalent level of high availability, disaster recovery and backup for the next-generation PaaS-based implementation of the claims application.</a:t>
             </a:r>
           </a:p>
           <a:p>
@@ -23936,7 +23960,7 @@
           <a:p>
             <a:r>
               <a:rPr lang="en-US" sz="3200" dirty="0"/>
-              <a:t>You should also aim to identify the business owner of the Ordering application and the key stakeholders of the business impact analysis that provided the executive mandate for improved resiliency</a:t>
+              <a:t>You should also aim to identify the business owner of the claims application and the key stakeholders of the business impact analysis that provided the executive mandate for improved resiliency</a:t>
             </a:r>
           </a:p>
         </p:txBody>
@@ -26467,7 +26491,7 @@
           <p:nvPr>
             <p:extLst>
               <p:ext uri="{D42A27DB-BD31-4B8C-83A1-F6EECF244321}">
-                <p14:modId xmlns:p14="http://schemas.microsoft.com/office/powerpoint/2010/main" val="4052811637"/>
+                <p14:modId xmlns:p14="http://schemas.microsoft.com/office/powerpoint/2010/main" val="2254514400"/>
               </p:ext>
             </p:extLst>
           </p:nvPr>
@@ -26723,10 +26747,10 @@
                     <a:p>
                       <a:pPr algn="r"/>
                       <a:r>
-                        <a:rPr lang="en-IE" sz="1400">
+                        <a:rPr lang="en-IE" sz="1400" dirty="0">
                           <a:effectLst/>
                         </a:rPr>
-                        <a:t>$3,001.02</a:t>
+                        <a:t>$1,906.02</a:t>
                       </a:r>
                     </a:p>
                   </a:txBody>
@@ -27220,10 +27244,10 @@
                     <a:p>
                       <a:pPr algn="r"/>
                       <a:r>
-                        <a:rPr lang="en-IE" sz="1400">
+                        <a:rPr lang="en-IE" sz="1400" dirty="0">
                           <a:effectLst/>
                         </a:rPr>
-                        <a:t>$2,708.94</a:t>
+                        <a:t>$1,613.64</a:t>
                       </a:r>
                     </a:p>
                   </a:txBody>
@@ -27617,7 +27641,7 @@
                           <a:latin typeface="Segoe UI Semibold" panose="020B0702040204020203" pitchFamily="34" charset="0"/>
                           <a:cs typeface="Segoe UI Semibold" panose="020B0702040204020203" pitchFamily="34" charset="0"/>
                         </a:rPr>
-                        <a:t>$7,162.60</a:t>
+                        <a:t>$4,949.42</a:t>
                       </a:r>
                     </a:p>
                   </a:txBody>
@@ -27709,7 +27733,7 @@
           <p:nvPr>
             <p:extLst>
               <p:ext uri="{D42A27DB-BD31-4B8C-83A1-F6EECF244321}">
-                <p14:modId xmlns:p14="http://schemas.microsoft.com/office/powerpoint/2010/main" val="338347002"/>
+                <p14:modId xmlns:p14="http://schemas.microsoft.com/office/powerpoint/2010/main" val="3464450666"/>
               </p:ext>
             </p:extLst>
           </p:nvPr>
@@ -27882,10 +27906,10 @@
                     <a:p>
                       <a:pPr algn="r"/>
                       <a:r>
-                        <a:rPr lang="en-IE" sz="1600">
+                        <a:rPr lang="en-IE" sz="1600" dirty="0">
                           <a:effectLst/>
                         </a:rPr>
-                        <a:t>$584.00</a:t>
+                        <a:t>$ 584.00</a:t>
                       </a:r>
                     </a:p>
                   </a:txBody>
@@ -27953,10 +27977,10 @@
                     <a:p>
                       <a:pPr algn="r"/>
                       <a:r>
-                        <a:rPr lang="en-IE" sz="1600">
+                        <a:rPr lang="en-IE" sz="1600" dirty="0">
                           <a:effectLst/>
                         </a:rPr>
-                        <a:t>$584.00</a:t>
+                        <a:t>$ 584.00</a:t>
                       </a:r>
                     </a:p>
                   </a:txBody>
@@ -28011,7 +28035,7 @@
                         <a:rPr lang="en-US" sz="1600" dirty="0">
                           <a:effectLst/>
                         </a:rPr>
-                        <a:t>Single DB, General Purpose, 8 </a:t>
+                        <a:t>Single DB, General Purpose, 4 </a:t>
                       </a:r>
                       <a:r>
                         <a:rPr lang="en-US" sz="1600" dirty="0" err="1">
@@ -28023,7 +28047,18 @@
                         <a:rPr lang="en-US" sz="1600" dirty="0">
                           <a:effectLst/>
                         </a:rPr>
-                        <a:t>, PAYG, 2 instances, 500GB, 1 year reservation. Backup: RA-GRS, 1TB point-in-time, 300GB average backup size, 26 weeks/12 months/3 years retention</a:t>
+                        <a:t>, PAYG, 2 instances, 500GB.</a:t>
+                      </a:r>
+                      <a:br>
+                        <a:rPr lang="en-US" sz="1600" dirty="0">
+                          <a:effectLst/>
+                        </a:rPr>
+                      </a:br>
+                      <a:r>
+                        <a:rPr lang="en-US" sz="1600" dirty="0">
+                          <a:effectLst/>
+                        </a:rPr>
+                        <a:t>Backup: RA-GRS, 1TB point-in-time, 300GB average backup size, 26 weeks/12 months/3 years retention</a:t>
                       </a:r>
                     </a:p>
                   </a:txBody>
@@ -28036,10 +28071,10 @@
                     <a:p>
                       <a:pPr algn="r"/>
                       <a:r>
-                        <a:rPr lang="en-IE" sz="1600">
+                        <a:rPr lang="en-IE" sz="1600" dirty="0">
                           <a:effectLst/>
                         </a:rPr>
-                        <a:t>$4,044.77</a:t>
+                        <a:t>$ 1,719.54</a:t>
                       </a:r>
                     </a:p>
                   </a:txBody>
@@ -28107,10 +28142,10 @@
                     <a:p>
                       <a:pPr algn="r"/>
                       <a:r>
-                        <a:rPr lang="en-IE" sz="1600">
+                        <a:rPr lang="en-IE" sz="1600" dirty="0">
                           <a:effectLst/>
                         </a:rPr>
-                        <a:t>$3,370.07</a:t>
+                        <a:t>$ 1,530.25</a:t>
                       </a:r>
                     </a:p>
                   </a:txBody>
@@ -28178,7 +28213,7 @@
                     <a:p>
                       <a:pPr algn="r"/>
                       <a:r>
-                        <a:rPr lang="en-IE" sz="1600">
+                        <a:rPr lang="en-IE" sz="1600" dirty="0">
                           <a:effectLst/>
                         </a:rPr>
                         <a:t>$ 6.12</a:t>
@@ -28249,7 +28284,7 @@
                     <a:p>
                       <a:pPr algn="r"/>
                       <a:r>
-                        <a:rPr lang="en-IE" sz="1600">
+                        <a:rPr lang="en-IE" sz="1600" dirty="0">
                           <a:effectLst/>
                         </a:rPr>
                         <a:t>$ 14.00</a:t>
@@ -28320,7 +28355,7 @@
                     <a:p>
                       <a:pPr algn="r"/>
                       <a:r>
-                        <a:rPr lang="en-IE" sz="1600">
+                        <a:rPr lang="en-IE" sz="1600" dirty="0">
                           <a:effectLst/>
                         </a:rPr>
                         <a:t>$ 43.07</a:t>
@@ -28391,7 +28426,7 @@
                     <a:p>
                       <a:pPr algn="r"/>
                       <a:r>
-                        <a:rPr lang="en-IE" sz="1600">
+                        <a:rPr lang="en-IE" sz="1600" dirty="0">
                           <a:effectLst/>
                         </a:rPr>
                         <a:t>$312.20</a:t>
@@ -28575,7 +28610,7 @@
                           <a:latin typeface="Segoe UI Semibold" panose="020B0702040204020203" pitchFamily="34" charset="0"/>
                           <a:cs typeface="Segoe UI Semibold" panose="020B0702040204020203" pitchFamily="34" charset="0"/>
                         </a:rPr>
-                        <a:t>$8,300.53</a:t>
+                        <a:t>$ 4,810.17</a:t>
                       </a:r>
                     </a:p>
                   </a:txBody>
@@ -29576,7 +29611,7 @@
         <p:spPr>
           <a:xfrm>
             <a:off x="269239" y="1189177"/>
-            <a:ext cx="11653523" cy="4219617"/>
+            <a:ext cx="11653523" cy="2482218"/>
           </a:xfrm>
         </p:spPr>
         <p:txBody>
@@ -29585,16 +29620,13 @@
           <a:p>
             <a:r>
               <a:rPr lang="en-US" sz="2800" dirty="0"/>
-              <a:t>Contoso Inc. is a leading manufacturer, seller, distributor, and servicer of parts for Heating, Venting and Air-Conditioning (HVAC) systems. Their customer base includes some of the largest corporations and independent firms in the US.</a:t>
-            </a:r>
-          </a:p>
-          <a:p>
-            <a:endParaRPr lang="en-US" sz="1100" dirty="0"/>
+              <a:t>Contoso Insurance (CI), headquartered in Miami, provides insurance solutions across North America. </a:t>
+            </a:r>
           </a:p>
           <a:p>
             <a:r>
               <a:rPr lang="en-US" sz="2800" dirty="0"/>
-              <a:t>Contoso specializes in the datacenter space, designing computer room air conditioning (CRAC) units and contracting in the planning of hyper-scale cloud provider datacenter cooling strategies. As such, the Research and Development group is one of the largest business units in the company.</a:t>
+              <a:t>Mobile agents located across the US visit claimants to verify their claims and upload information using the Claims Application.</a:t>
             </a:r>
           </a:p>
           <a:p>
@@ -29719,7 +29751,15 @@
           <a:p>
             <a:r>
               <a:rPr lang="en-US" sz="2800" dirty="0"/>
-              <a:t>The organization has an Internet-based Ordering application they recently deployed into Azure (in West Central US).</a:t>
+              <a:t>The organization has an </a:t>
+            </a:r>
+            <a:r>
+              <a:rPr lang="en-US" sz="2800"/>
+              <a:t>Internet-based claims </a:t>
+            </a:r>
+            <a:r>
+              <a:rPr lang="en-US" sz="2800" dirty="0"/>
+              <a:t>application they recently deployed into Azure (in West Central US).</a:t>
             </a:r>
           </a:p>
           <a:p>
@@ -29821,7 +29861,7 @@
           <a:p>
             <a:r>
               <a:rPr lang="en-US" sz="2800" dirty="0"/>
-              <a:t>Customers have reported reliability issues with the Ordering application. Failures were correlated to service health issues with the SQL VM.</a:t>
+              <a:t>Customers have reported reliability issues with the claims application. Failures were correlated to service health issues with the SQL VM.</a:t>
             </a:r>
           </a:p>
           <a:p>
@@ -29849,7 +29889,7 @@
           <a:p>
             <a:r>
               <a:rPr lang="en-US" sz="2800" dirty="0"/>
-              <a:t>Recent stability issues with the ordering system prompted Contoso to perform a business impact analysis of the application.</a:t>
+              <a:t>Recent stability issues with the claims application prompted Contoso to perform a business impact analysis of the application.</a:t>
             </a:r>
           </a:p>
           <a:p>
@@ -29859,7 +29899,7 @@
           <a:p>
             <a:r>
               <a:rPr lang="en-US" sz="2800" dirty="0"/>
-              <a:t>The result is an executive mandate to achieve an SLA of at least 99.95% for the Ordering application, with RTO of 4 hours and RPO of 6 hours, plus backup of all critical VMs and data.</a:t>
+              <a:t>The result is an executive mandate to achieve an SLA of at least 99.95% for the claims application, with RTO of 4 hours and RPO of 6 hours, plus backup of all critical VMs and data.</a:t>
             </a:r>
           </a:p>
         </p:txBody>
@@ -29941,7 +29981,7 @@
           <a:p>
             <a:r>
               <a:rPr lang="en-US" sz="2800" dirty="0"/>
-              <a:t>The App Dev team is working on a next-generation PaaS-based implementation of the Ordering Application.</a:t>
+              <a:t>The App Dev team is working on a next-generation PaaS-based implementation of the claims application.</a:t>
             </a:r>
           </a:p>
           <a:p>
@@ -30229,7 +30269,7 @@
           <a:p>
             <a:r>
               <a:rPr lang="en-US" dirty="0"/>
-              <a:t>Current configuration for ordering application</a:t>
+              <a:t>Current configuration for claims application</a:t>
             </a:r>
           </a:p>
         </p:txBody>
@@ -31448,6 +31488,15 @@
 </file>
 
 <file path=customXml/item1.xml><?xml version="1.0" encoding="utf-8"?>
+<p:properties xmlns:p="http://schemas.microsoft.com/office/2006/metadata/properties" xmlns:xsi="http://www.w3.org/2001/XMLSchema-instance" xmlns:pc="http://schemas.microsoft.com/office/infopath/2007/PartnerControls">
+  <documentManagement>
+    <_ip_UnifiedCompliancePolicyUIAction xmlns="http://schemas.microsoft.com/sharepoint/v3" xsi:nil="true"/>
+    <_ip_UnifiedCompliancePolicyProperties xmlns="http://schemas.microsoft.com/sharepoint/v3" xsi:nil="true"/>
+  </documentManagement>
+</p:properties>
+</file>
+
+<file path=customXml/item2.xml><?xml version="1.0" encoding="utf-8"?>
 <ct:contentTypeSchema xmlns:ct="http://schemas.microsoft.com/office/2006/metadata/contentType" xmlns:ma="http://schemas.microsoft.com/office/2006/metadata/properties/metaAttributes" ct:_="" ma:_="" ma:contentTypeName="Document" ma:contentTypeID="0x010100D15DFA3690A15B4081582BBCC6BEAC3E" ma:contentTypeVersion="9" ma:contentTypeDescription="Create a new document." ma:contentTypeScope="" ma:versionID="642da1784587cbe85a7fdbbe4dc36103">
   <xsd:schema xmlns:xsd="http://www.w3.org/2001/XMLSchema" xmlns:xs="http://www.w3.org/2001/XMLSchema" xmlns:p="http://schemas.microsoft.com/office/2006/metadata/properties" xmlns:ns1="http://schemas.microsoft.com/sharepoint/v3" xmlns:ns2="2023ac63-7b75-4916-a9ee-591457758eee" xmlns:ns3="d9c797ad-d7c3-4982-82b7-81352a75e4a5" targetNamespace="http://schemas.microsoft.com/office/2006/metadata/properties" ma:root="true" ma:fieldsID="91198b0246576053cc55dd2c67035a89" ns1:_="" ns2:_="" ns3:_="">
     <xsd:import namespace="http://schemas.microsoft.com/sharepoint/v3"/>
@@ -31649,15 +31698,6 @@
 </ct:contentTypeSchema>
 </file>
 
-<file path=customXml/item2.xml><?xml version="1.0" encoding="utf-8"?>
-<p:properties xmlns:p="http://schemas.microsoft.com/office/2006/metadata/properties" xmlns:xsi="http://www.w3.org/2001/XMLSchema-instance" xmlns:pc="http://schemas.microsoft.com/office/infopath/2007/PartnerControls">
-  <documentManagement>
-    <_ip_UnifiedCompliancePolicyUIAction xmlns="http://schemas.microsoft.com/sharepoint/v3" xsi:nil="true"/>
-    <_ip_UnifiedCompliancePolicyProperties xmlns="http://schemas.microsoft.com/sharepoint/v3" xsi:nil="true"/>
-  </documentManagement>
-</p:properties>
-</file>
-
 <file path=customXml/item3.xml><?xml version="1.0" encoding="utf-8"?>
 <?mso-contentType ?>
 <FormTemplates xmlns="http://schemas.microsoft.com/sharepoint/v3/contenttype/forms">
@@ -31668,6 +31708,24 @@
 </file>
 
 <file path=customXml/itemProps1.xml><?xml version="1.0" encoding="utf-8"?>
+<ds:datastoreItem xmlns:ds="http://schemas.openxmlformats.org/officeDocument/2006/customXml" ds:itemID="{7D07577D-30E5-48FB-B81C-E1B9EAC126B5}">
+  <ds:schemaRefs>
+    <ds:schemaRef ds:uri="http://schemas.openxmlformats.org/package/2006/metadata/core-properties"/>
+    <ds:schemaRef ds:uri="http://schemas.microsoft.com/office/infopath/2007/PartnerControls"/>
+    <ds:schemaRef ds:uri="http://purl.org/dc/terms/"/>
+    <ds:schemaRef ds:uri="2023ac63-7b75-4916-a9ee-591457758eee"/>
+    <ds:schemaRef ds:uri="http://schemas.microsoft.com/office/2006/documentManagement/types"/>
+    <ds:schemaRef ds:uri="d9c797ad-d7c3-4982-82b7-81352a75e4a5"/>
+    <ds:schemaRef ds:uri="http://schemas.microsoft.com/sharepoint/v3"/>
+    <ds:schemaRef ds:uri="http://purl.org/dc/elements/1.1/"/>
+    <ds:schemaRef ds:uri="http://schemas.microsoft.com/office/2006/metadata/properties"/>
+    <ds:schemaRef ds:uri="http://www.w3.org/XML/1998/namespace"/>
+    <ds:schemaRef ds:uri="http://purl.org/dc/dcmitype/"/>
+  </ds:schemaRefs>
+</ds:datastoreItem>
+</file>
+
+<file path=customXml/itemProps2.xml><?xml version="1.0" encoding="utf-8"?>
 <ds:datastoreItem xmlns:ds="http://schemas.openxmlformats.org/officeDocument/2006/customXml" ds:itemID="{A26E40F2-DB1A-4ED5-85D8-FAE814896E97}">
   <ds:schemaRefs>
     <ds:schemaRef ds:uri="http://schemas.microsoft.com/office/2006/metadata/contentType"/>
@@ -31687,24 +31745,6 @@
 </ds:datastoreItem>
 </file>
 
-<file path=customXml/itemProps2.xml><?xml version="1.0" encoding="utf-8"?>
-<ds:datastoreItem xmlns:ds="http://schemas.openxmlformats.org/officeDocument/2006/customXml" ds:itemID="{7D07577D-30E5-48FB-B81C-E1B9EAC126B5}">
-  <ds:schemaRefs>
-    <ds:schemaRef ds:uri="http://schemas.openxmlformats.org/package/2006/metadata/core-properties"/>
-    <ds:schemaRef ds:uri="http://schemas.microsoft.com/office/infopath/2007/PartnerControls"/>
-    <ds:schemaRef ds:uri="http://purl.org/dc/terms/"/>
-    <ds:schemaRef ds:uri="2023ac63-7b75-4916-a9ee-591457758eee"/>
-    <ds:schemaRef ds:uri="http://schemas.microsoft.com/office/2006/documentManagement/types"/>
-    <ds:schemaRef ds:uri="d9c797ad-d7c3-4982-82b7-81352a75e4a5"/>
-    <ds:schemaRef ds:uri="http://schemas.microsoft.com/sharepoint/v3"/>
-    <ds:schemaRef ds:uri="http://purl.org/dc/elements/1.1/"/>
-    <ds:schemaRef ds:uri="http://schemas.microsoft.com/office/2006/metadata/properties"/>
-    <ds:schemaRef ds:uri="http://www.w3.org/XML/1998/namespace"/>
-    <ds:schemaRef ds:uri="http://purl.org/dc/dcmitype/"/>
-  </ds:schemaRefs>
-</ds:datastoreItem>
-</file>
-
 <file path=customXml/itemProps3.xml><?xml version="1.0" encoding="utf-8"?>
 <ds:datastoreItem xmlns:ds="http://schemas.openxmlformats.org/officeDocument/2006/customXml" ds:itemID="{D5A22677-9165-4AB6-9580-CE94CCD209C5}">
   <ds:schemaRefs>

--- a/Whiteboard design session/WDS trainer presentation - Building a resilient IaaS architecture.pptx
+++ b/Whiteboard design session/WDS trainer presentation - Building a resilient IaaS architecture.pptx
@@ -205,7 +205,7 @@
             </a:lvl1pPr>
           </a:lstStyle>
           <a:p>
-            <a:endParaRPr lang="en-US" dirty="0"/>
+            <a:endParaRPr lang="en-US"/>
           </a:p>
         </p:txBody>
       </p:sp>
@@ -238,9 +238,9 @@
           <a:p>
             <a:fld id="{D12B4A29-5F37-4DEF-BB05-EEA5E91F514E}" type="datetimeFigureOut">
               <a:rPr lang="en-US" smtClean="0"/>
-              <a:t>6/30/2020</a:t>
+              <a:t>7/1/20</a:t>
             </a:fld>
-            <a:endParaRPr lang="en-US" dirty="0"/>
+            <a:endParaRPr lang="en-US"/>
           </a:p>
         </p:txBody>
       </p:sp>
@@ -273,7 +273,7 @@
           <a:bodyPr vert="horz" lIns="91440" tIns="45720" rIns="91440" bIns="45720" rtlCol="0" anchor="ctr"/>
           <a:lstStyle/>
           <a:p>
-            <a:endParaRPr lang="en-US" dirty="0"/>
+            <a:endParaRPr lang="en-US"/>
           </a:p>
         </p:txBody>
       </p:sp>
@@ -363,7 +363,7 @@
             </a:lvl1pPr>
           </a:lstStyle>
           <a:p>
-            <a:endParaRPr lang="en-US" dirty="0"/>
+            <a:endParaRPr lang="en-US"/>
           </a:p>
         </p:txBody>
       </p:sp>
@@ -398,7 +398,7 @@
               <a:rPr lang="en-US" smtClean="0"/>
               <a:t>‹#›</a:t>
             </a:fld>
-            <a:endParaRPr lang="en-US" dirty="0"/>
+            <a:endParaRPr lang="en-US"/>
           </a:p>
         </p:txBody>
       </p:sp>
@@ -550,8 +550,12 @@
           <a:lstStyle/>
           <a:p>
             <a:r>
+              <a:rPr lang="en-US"/>
+              <a:t>June </a:t>
+            </a:r>
+            <a:r>
               <a:rPr lang="en-US" dirty="0"/>
-              <a:t>March 2020</a:t>
+              <a:t>2020</a:t>
             </a:r>
           </a:p>
         </p:txBody>
@@ -1785,31 +1789,7 @@
                 <a:ea typeface="+mn-ea"/>
                 <a:cs typeface="+mn-cs"/>
               </a:rPr>
-              <a:t>)). </a:t>
-            </a:r>
-            <a:r>
-              <a:rPr lang="en-IE" sz="1200" b="0" kern="1200" dirty="0" err="1">
-                <a:solidFill>
-                  <a:schemeClr val="tx1"/>
-                </a:solidFill>
-                <a:effectLst/>
-                <a:latin typeface="+mn-lt"/>
-                <a:ea typeface="+mn-ea"/>
-                <a:cs typeface="+mn-cs"/>
-              </a:rPr>
-              <a:t>Altneratively</a:t>
-            </a:r>
-            <a:r>
-              <a:rPr lang="en-IE" sz="1200" b="0" kern="1200" dirty="0">
-                <a:solidFill>
-                  <a:schemeClr val="tx1"/>
-                </a:solidFill>
-                <a:effectLst/>
-                <a:latin typeface="+mn-lt"/>
-                <a:ea typeface="+mn-ea"/>
-                <a:cs typeface="+mn-cs"/>
-              </a:rPr>
-              <a:t>, the servers could be upgraded to dedicated hardware VPN devices.</a:t>
+              <a:t>)). Alternatively, the servers could be upgraded to dedicated hardware VPN devices.</a:t>
             </a:r>
           </a:p>
           <a:p>
@@ -1896,31 +1876,7 @@
                 <a:ea typeface="+mn-ea"/>
                 <a:cs typeface="+mn-cs"/>
               </a:rPr>
-              <a:t>-   The local network gateways corresponding to your VPN devices must have unique public IP addresses in the \"</a:t>
-            </a:r>
-            <a:r>
-              <a:rPr lang="en-IE" sz="1200" b="0" kern="1200" dirty="0" err="1">
-                <a:solidFill>
-                  <a:schemeClr val="tx1"/>
-                </a:solidFill>
-                <a:effectLst/>
-                <a:latin typeface="+mn-lt"/>
-                <a:ea typeface="+mn-ea"/>
-                <a:cs typeface="+mn-cs"/>
-              </a:rPr>
-              <a:t>GatewayIpAddress</a:t>
-            </a:r>
-            <a:r>
-              <a:rPr lang="en-IE" sz="1200" b="0" kern="1200" dirty="0">
-                <a:solidFill>
-                  <a:schemeClr val="tx1"/>
-                </a:solidFill>
-                <a:effectLst/>
-                <a:latin typeface="+mn-lt"/>
-                <a:ea typeface="+mn-ea"/>
-                <a:cs typeface="+mn-cs"/>
-              </a:rPr>
-              <a:t>\" property. These IP addresses can be provided by different ISPs.</a:t>
+              <a:t>-   The local network gateways corresponding to your VPN devices must have unique public IP addresses in the \"GatewayIpAddress\" property. These IP addresses can be provided by different ISPs.</a:t>
             </a:r>
           </a:p>
           <a:p>
@@ -1945,31 +1901,7 @@
                 <a:ea typeface="+mn-ea"/>
                 <a:cs typeface="+mn-cs"/>
               </a:rPr>
-              <a:t>-   BGP is required for this configuration. Each local network gateway representing a VPN device must have a unique BGP peer IP address specified in the \"</a:t>
-            </a:r>
-            <a:r>
-              <a:rPr lang="en-IE" sz="1200" b="0" kern="1200" dirty="0" err="1">
-                <a:solidFill>
-                  <a:schemeClr val="tx1"/>
-                </a:solidFill>
-                <a:effectLst/>
-                <a:latin typeface="+mn-lt"/>
-                <a:ea typeface="+mn-ea"/>
-                <a:cs typeface="+mn-cs"/>
-              </a:rPr>
-              <a:t>BgpPeerIpAddress</a:t>
-            </a:r>
-            <a:r>
-              <a:rPr lang="en-IE" sz="1200" b="0" kern="1200" dirty="0">
-                <a:solidFill>
-                  <a:schemeClr val="tx1"/>
-                </a:solidFill>
-                <a:effectLst/>
-                <a:latin typeface="+mn-lt"/>
-                <a:ea typeface="+mn-ea"/>
-                <a:cs typeface="+mn-cs"/>
-              </a:rPr>
-              <a:t>\" property.</a:t>
+              <a:t>-   BGP is required for this configuration. Each local network gateway representing a VPN device must have a unique BGP peer IP address specified in the \"BgpPeerIpAddress\" property.</a:t>
             </a:r>
           </a:p>
           <a:p>
@@ -1994,79 +1926,7 @@
                 <a:ea typeface="+mn-ea"/>
                 <a:cs typeface="+mn-cs"/>
               </a:rPr>
-              <a:t>-   The </a:t>
-            </a:r>
-            <a:r>
-              <a:rPr lang="en-IE" sz="1200" b="0" kern="1200" dirty="0" err="1">
-                <a:solidFill>
-                  <a:schemeClr val="tx1"/>
-                </a:solidFill>
-                <a:effectLst/>
-                <a:latin typeface="+mn-lt"/>
-                <a:ea typeface="+mn-ea"/>
-                <a:cs typeface="+mn-cs"/>
-              </a:rPr>
-              <a:t>AddressPrefix</a:t>
-            </a:r>
-            <a:r>
-              <a:rPr lang="en-IE" sz="1200" b="0" kern="1200" dirty="0">
-                <a:solidFill>
-                  <a:schemeClr val="tx1"/>
-                </a:solidFill>
-                <a:effectLst/>
-                <a:latin typeface="+mn-lt"/>
-                <a:ea typeface="+mn-ea"/>
-                <a:cs typeface="+mn-cs"/>
-              </a:rPr>
-              <a:t> property field in each local network gateway must not overlap. You should specify the \"</a:t>
-            </a:r>
-            <a:r>
-              <a:rPr lang="en-IE" sz="1200" b="0" kern="1200" dirty="0" err="1">
-                <a:solidFill>
-                  <a:schemeClr val="tx1"/>
-                </a:solidFill>
-                <a:effectLst/>
-                <a:latin typeface="+mn-lt"/>
-                <a:ea typeface="+mn-ea"/>
-                <a:cs typeface="+mn-cs"/>
-              </a:rPr>
-              <a:t>BgpPeerIpAddress</a:t>
-            </a:r>
-            <a:r>
-              <a:rPr lang="en-IE" sz="1200" b="0" kern="1200" dirty="0">
-                <a:solidFill>
-                  <a:schemeClr val="tx1"/>
-                </a:solidFill>
-                <a:effectLst/>
-                <a:latin typeface="+mn-lt"/>
-                <a:ea typeface="+mn-ea"/>
-                <a:cs typeface="+mn-cs"/>
-              </a:rPr>
-              <a:t>\" in /32 CIDR format in the </a:t>
-            </a:r>
-            <a:r>
-              <a:rPr lang="en-IE" sz="1200" b="0" kern="1200" dirty="0" err="1">
-                <a:solidFill>
-                  <a:schemeClr val="tx1"/>
-                </a:solidFill>
-                <a:effectLst/>
-                <a:latin typeface="+mn-lt"/>
-                <a:ea typeface="+mn-ea"/>
-                <a:cs typeface="+mn-cs"/>
-              </a:rPr>
-              <a:t>AddressPrefix</a:t>
-            </a:r>
-            <a:r>
-              <a:rPr lang="en-IE" sz="1200" b="0" kern="1200" dirty="0">
-                <a:solidFill>
-                  <a:schemeClr val="tx1"/>
-                </a:solidFill>
-                <a:effectLst/>
-                <a:latin typeface="+mn-lt"/>
-                <a:ea typeface="+mn-ea"/>
-                <a:cs typeface="+mn-cs"/>
-              </a:rPr>
-              <a:t> field.</a:t>
+              <a:t>-   The AddressPrefix property field in each local network gateway must not overlap. You should specify the \"BgpPeerIpAddress\" in /32 CIDR format in the AddressPrefix field.</a:t>
             </a:r>
           </a:p>
           <a:p>
@@ -2203,31 +2063,7 @@
                 <a:ea typeface="+mn-ea"/>
                 <a:cs typeface="+mn-cs"/>
               </a:rPr>
-              <a:t>-  An 'Az' SKU should be used to provide protection against failure of individual data </a:t>
-            </a:r>
-            <a:r>
-              <a:rPr lang="en-IE" sz="1200" b="0" kern="1200" dirty="0" err="1">
-                <a:solidFill>
-                  <a:schemeClr val="tx1"/>
-                </a:solidFill>
-                <a:effectLst/>
-                <a:latin typeface="+mn-lt"/>
-                <a:ea typeface="+mn-ea"/>
-                <a:cs typeface="+mn-cs"/>
-              </a:rPr>
-              <a:t>centers</a:t>
-            </a:r>
-            <a:r>
-              <a:rPr lang="en-IE" sz="1200" b="0" kern="1200" dirty="0">
-                <a:solidFill>
-                  <a:schemeClr val="tx1"/>
-                </a:solidFill>
-                <a:effectLst/>
-                <a:latin typeface="+mn-lt"/>
-                <a:ea typeface="+mn-ea"/>
-                <a:cs typeface="+mn-cs"/>
-              </a:rPr>
-              <a:t> in the chosen Azure region.</a:t>
+              <a:t>-  An 'Az' SKU should be used to provide protection against failure of individual data centers in the chosen Azure region.</a:t>
             </a:r>
           </a:p>
           <a:p>
@@ -2794,31 +2630,7 @@
                 <a:ea typeface="+mn-ea"/>
                 <a:cs typeface="+mn-cs"/>
               </a:rPr>
-              <a:t>-  SQL Server Enterprise licensing is required for </a:t>
-            </a:r>
-            <a:r>
-              <a:rPr lang="en-US" sz="1200" b="0" kern="1200" dirty="0" err="1">
-                <a:solidFill>
-                  <a:schemeClr val="tx1"/>
-                </a:solidFill>
-                <a:effectLst/>
-                <a:latin typeface="+mn-lt"/>
-                <a:ea typeface="+mn-ea"/>
-                <a:cs typeface="+mn-cs"/>
-              </a:rPr>
-              <a:t>AlwaysOn</a:t>
-            </a:r>
-            <a:r>
-              <a:rPr lang="en-US" sz="1200" b="0" kern="1200" dirty="0">
-                <a:solidFill>
-                  <a:schemeClr val="tx1"/>
-                </a:solidFill>
-                <a:effectLst/>
-                <a:latin typeface="+mn-lt"/>
-                <a:ea typeface="+mn-ea"/>
-                <a:cs typeface="+mn-cs"/>
-              </a:rPr>
-              <a:t> Availability Groups</a:t>
+              <a:t>-  SQL Server Enterprise licensing is required for AlwaysOn Availability Groups</a:t>
             </a:r>
           </a:p>
           <a:p>
@@ -4273,7 +4085,7 @@
           <a:lstStyle/>
           <a:p>
             <a:r>
-              <a:rPr dirty="0">
+              <a:rPr>
                 <a:gradFill>
                   <a:gsLst>
                     <a:gs pos="2239">
@@ -4289,7 +4101,7 @@
               <a:t>Microsoft</a:t>
             </a:r>
             <a:r>
-              <a:rPr lang="en-IE" dirty="0">
+              <a:rPr lang="en-IE">
                 <a:gradFill>
                   <a:gsLst>
                     <a:gs pos="2239">
@@ -4305,7 +4117,7 @@
               <a:t> </a:t>
             </a:r>
             <a:r>
-              <a:rPr dirty="0">
+              <a:rPr>
                 <a:gradFill>
                   <a:gsLst>
                     <a:gs pos="2239">
@@ -4355,7 +4167,7 @@
               <a:pPr/>
               <a:t>‹#›</a:t>
             </a:fld>
-            <a:endParaRPr dirty="0">
+            <a:endParaRPr>
               <a:gradFill>
                 <a:gsLst>
                   <a:gs pos="2239">
@@ -4805,7 +4617,7 @@
                 <a:spcPct val="0"/>
               </a:spcAft>
             </a:pPr>
-            <a:endParaRPr lang="en-US" sz="2400" dirty="0">
+            <a:endParaRPr lang="en-US" sz="2400">
               <a:gradFill>
                 <a:gsLst>
                   <a:gs pos="0">
@@ -5936,7 +5748,7 @@
                 <a:spcPct val="0"/>
               </a:spcAft>
             </a:pPr>
-            <a:endParaRPr lang="en-US" sz="2400" dirty="0">
+            <a:endParaRPr lang="en-US" sz="2400">
               <a:gradFill>
                 <a:gsLst>
                   <a:gs pos="0">
@@ -7323,7 +7135,7 @@
                 <a:spcPct val="0"/>
               </a:spcAft>
             </a:pPr>
-            <a:endParaRPr lang="en-US" sz="2353" dirty="0">
+            <a:endParaRPr lang="en-US" sz="2353">
               <a:gradFill>
                 <a:gsLst>
                   <a:gs pos="0">
@@ -7556,7 +7368,7 @@
               </a:lnSpc>
             </a:pPr>
             <a:r>
-              <a:rPr lang="en-US" sz="4800" b="1" kern="1200" cap="none" spc="-98" baseline="0" dirty="0">
+              <a:rPr lang="en-US" sz="4800" b="1" kern="1200" cap="none" spc="-98" baseline="0">
                 <a:ln w="3175">
                   <a:noFill/>
                 </a:ln>
@@ -8643,7 +8455,7 @@
           </a:bodyPr>
           <a:lstStyle/>
           <a:p>
-            <a:endParaRPr lang="en-US" dirty="0"/>
+            <a:endParaRPr lang="en-US"/>
           </a:p>
         </p:txBody>
       </p:sp>
@@ -10052,7 +9864,7 @@
             </a:bodyPr>
             <a:lstStyle/>
             <a:p>
-              <a:endParaRPr lang="en-US" sz="1765" dirty="0"/>
+              <a:endParaRPr lang="en-US" sz="1765"/>
             </a:p>
           </p:txBody>
         </p:sp>
@@ -10176,7 +9988,7 @@
               </a:lnSpc>
             </a:pPr>
             <a:r>
-              <a:rPr lang="en-US" sz="4800" b="1" kern="1200" cap="none" spc="-98" baseline="0" dirty="0">
+              <a:rPr lang="en-US" sz="4800" b="1" kern="1200" cap="none" spc="-98" baseline="0">
                 <a:ln w="3175">
                   <a:noFill/>
                 </a:ln>
@@ -11263,7 +11075,7 @@
           </a:bodyPr>
           <a:lstStyle/>
           <a:p>
-            <a:endParaRPr lang="en-US" dirty="0"/>
+            <a:endParaRPr lang="en-US"/>
           </a:p>
         </p:txBody>
       </p:sp>
@@ -12672,7 +12484,7 @@
             </a:bodyPr>
             <a:lstStyle/>
             <a:p>
-              <a:endParaRPr lang="en-US" sz="1765" dirty="0"/>
+              <a:endParaRPr lang="en-US" sz="1765"/>
             </a:p>
           </p:txBody>
         </p:sp>
@@ -14168,7 +13980,7 @@
             </a:bodyPr>
             <a:lstStyle/>
             <a:p>
-              <a:endParaRPr lang="en-US" sz="1765" dirty="0"/>
+              <a:endParaRPr lang="en-US" sz="1765"/>
             </a:p>
           </p:txBody>
         </p:sp>
@@ -15675,7 +15487,7 @@
           </a:lstStyle>
           <a:p>
             <a:r>
-              <a:rPr lang="en-US" dirty="0"/>
+              <a:rPr lang="en-US"/>
               <a:t>Click icon to add picture</a:t>
             </a:r>
           </a:p>
@@ -15820,7 +15632,7 @@
           </a:lstStyle>
           <a:p>
             <a:r>
-              <a:rPr lang="en-US" dirty="0"/>
+              <a:rPr lang="en-US"/>
               <a:t>Click icon to add picture</a:t>
             </a:r>
           </a:p>
@@ -15965,7 +15777,7 @@
             </a:lvl1pPr>
           </a:lstStyle>
           <a:p>
-            <a:endParaRPr lang="en-US" dirty="0"/>
+            <a:endParaRPr lang="en-US"/>
           </a:p>
         </p:txBody>
       </p:sp>
@@ -16193,7 +16005,7 @@
                 <a:spcPct val="0"/>
               </a:spcAft>
             </a:pPr>
-            <a:endParaRPr lang="en-US" sz="1765" dirty="0">
+            <a:endParaRPr lang="en-US" sz="1765">
               <a:gradFill>
                 <a:gsLst>
                   <a:gs pos="0">
@@ -17708,7 +17520,7 @@
             </a:bodyPr>
             <a:lstStyle/>
             <a:p>
-              <a:endParaRPr lang="en-US" sz="1765" dirty="0"/>
+              <a:endParaRPr lang="en-US" sz="1765"/>
             </a:p>
           </p:txBody>
         </p:sp>
@@ -17749,7 +17561,7 @@
           <a:p>
             <a:pPr defTabSz="913924" eaLnBrk="0" hangingPunct="0"/>
             <a:r>
-              <a:rPr lang="en-US" sz="686" dirty="0">
+              <a:rPr lang="en-US" sz="686">
                 <a:gradFill>
                   <a:gsLst>
                     <a:gs pos="0">
@@ -18150,7 +17962,7 @@
           <a:bodyPr/>
           <a:lstStyle/>
           <a:p>
-            <a:endParaRPr lang="en-US" dirty="0"/>
+            <a:endParaRPr lang="en-US"/>
           </a:p>
         </p:txBody>
       </p:sp>
@@ -18319,7 +18131,7 @@
                 <a:spcPct val="0"/>
               </a:spcAft>
             </a:pPr>
-            <a:endParaRPr lang="en-US" sz="2400" dirty="0">
+            <a:endParaRPr lang="en-US" sz="2400">
               <a:gradFill>
                 <a:gsLst>
                   <a:gs pos="0">
@@ -18462,7 +18274,7 @@
                 <a:spcPct val="0"/>
               </a:spcAft>
             </a:pPr>
-            <a:endParaRPr lang="en-US" sz="2400" dirty="0">
+            <a:endParaRPr lang="en-US" sz="2400">
               <a:gradFill>
                 <a:gsLst>
                   <a:gs pos="0">
@@ -18622,7 +18434,7 @@
                 <a:spcPct val="0"/>
               </a:spcAft>
             </a:pPr>
-            <a:endParaRPr lang="en-US" sz="2353" dirty="0">
+            <a:endParaRPr lang="en-US" sz="2353">
               <a:gradFill>
                 <a:gsLst>
                   <a:gs pos="0">
@@ -18698,7 +18510,7 @@
                 <a:spcPct val="0"/>
               </a:spcAft>
             </a:pPr>
-            <a:endParaRPr lang="en-US" sz="2353" dirty="0">
+            <a:endParaRPr lang="en-US" sz="2353">
               <a:gradFill>
                 <a:gsLst>
                   <a:gs pos="0">
@@ -18774,7 +18586,7 @@
                 <a:spcPct val="0"/>
               </a:spcAft>
             </a:pPr>
-            <a:endParaRPr lang="en-US" sz="2353" dirty="0">
+            <a:endParaRPr lang="en-US" sz="2353">
               <a:gradFill>
                 <a:gsLst>
                   <a:gs pos="0">
@@ -18850,7 +18662,7 @@
                 <a:spcPct val="0"/>
               </a:spcAft>
             </a:pPr>
-            <a:endParaRPr lang="en-US" sz="2353" dirty="0">
+            <a:endParaRPr lang="en-US" sz="2353">
               <a:gradFill>
                 <a:gsLst>
                   <a:gs pos="0">
@@ -19829,7 +19641,7 @@
           </a:lstStyle>
           <a:p>
             <a:r>
-              <a:rPr dirty="0">
+              <a:rPr>
                 <a:gradFill>
                   <a:gsLst>
                     <a:gs pos="2239">
@@ -19845,7 +19657,7 @@
               <a:t>Microsoft</a:t>
             </a:r>
             <a:r>
-              <a:rPr lang="en-IE" dirty="0">
+              <a:rPr lang="en-IE">
                 <a:gradFill>
                   <a:gsLst>
                     <a:gs pos="2239">
@@ -19861,7 +19673,7 @@
               <a:t> </a:t>
             </a:r>
             <a:r>
-              <a:rPr dirty="0">
+              <a:rPr>
                 <a:gradFill>
                   <a:gsLst>
                     <a:gs pos="2239">
@@ -19939,7 +19751,7 @@
               <a:pPr defTabSz="914554"/>
               <a:t>‹#›</a:t>
             </a:fld>
-            <a:endParaRPr lang="en-US" dirty="0">
+            <a:endParaRPr lang="en-US">
               <a:gradFill>
                 <a:gsLst>
                   <a:gs pos="2239">
@@ -20590,7 +20402,7 @@
               </a:spcAft>
             </a:pPr>
             <a:r>
-              <a:rPr lang="en-US" sz="1078" dirty="0">
+              <a:rPr lang="en-US" sz="1078">
                 <a:gradFill>
                   <a:gsLst>
                     <a:gs pos="68142">
@@ -24085,15 +23897,7 @@
           <a:p>
             <a:r>
               <a:rPr lang="en-IE" sz="2400" dirty="0"/>
-              <a:t>SQL Server to use </a:t>
-            </a:r>
-            <a:r>
-              <a:rPr lang="en-IE" sz="2400" dirty="0" err="1"/>
-              <a:t>AlwaysOn</a:t>
-            </a:r>
-            <a:r>
-              <a:rPr lang="en-IE" sz="2400" dirty="0"/>
-              <a:t> Availability Groups with cloud witness, synchronous replication, and automatic failover</a:t>
+              <a:t>SQL Server to use AlwaysOn Availability Groups with cloud witness, synchronous replication, and automatic failover</a:t>
             </a:r>
           </a:p>
           <a:p>
@@ -24425,15 +24229,7 @@
             </a:br>
             <a:r>
               <a:rPr lang="en-US" sz="2400" dirty="0"/>
-              <a:t>At the end of the workshop, you will be better able to design and use resiliency concepts including high availability with Availability Zones, disaster recovery for virtual machines to another region using Azure Site Recovery, and SQL Server high availability and disaster recovery using </a:t>
-            </a:r>
-            <a:r>
-              <a:rPr lang="en-US" sz="2400" dirty="0" err="1"/>
-              <a:t>AlwaysOn</a:t>
-            </a:r>
-            <a:r>
-              <a:rPr lang="en-US" sz="2400" dirty="0"/>
-              <a:t> Availability Groups. You will also learn how to assess the availability SLA, RPO and RTO of your design, and how to use Azure Backup to protect and secure your SQL data and VMs against corruption and loss.</a:t>
+              <a:t>At the end of the workshop, you will be better able to design and use resiliency concepts including high availability with Availability Zones, disaster recovery for virtual machines to another region using Azure Site Recovery, and SQL Server high availability and disaster recovery using AlwaysOn Availability Groups. You will also learn how to assess the availability SLA, RPO and RTO of your design, and how to use Azure Backup to protect and secure your SQL data and VMs against corruption and loss.</a:t>
             </a:r>
           </a:p>
           <a:p>
@@ -25286,7 +25082,7 @@
           <p:nvPr>
             <p:extLst>
               <p:ext uri="{D42A27DB-BD31-4B8C-83A1-F6EECF244321}">
-                <p14:modId xmlns:p14="http://schemas.microsoft.com/office/powerpoint/2010/main" val="2536570901"/>
+                <p14:modId xmlns:p14="http://schemas.microsoft.com/office/powerpoint/2010/main" val="617648558"/>
               </p:ext>
             </p:extLst>
           </p:nvPr>
@@ -25500,15 +25296,7 @@
                       </a:br>
                       <a:r>
                         <a:rPr lang="en-US" dirty="0"/>
-                        <a:t>2x Premium SSD 128 </a:t>
-                      </a:r>
-                      <a:r>
-                        <a:rPr lang="en-US" dirty="0" err="1"/>
-                        <a:t>GiB</a:t>
-                      </a:r>
-                      <a:r>
-                        <a:rPr lang="en-US" dirty="0"/>
-                        <a:t> per VM</a:t>
+                        <a:t>2x Premium SSD 128 GiB per VM</a:t>
                       </a:r>
                       <a:endParaRPr lang="en-IE" dirty="0"/>
                     </a:p>
@@ -26491,7 +26279,7 @@
           <p:nvPr>
             <p:extLst>
               <p:ext uri="{D42A27DB-BD31-4B8C-83A1-F6EECF244321}">
-                <p14:modId xmlns:p14="http://schemas.microsoft.com/office/powerpoint/2010/main" val="2254514400"/>
+                <p14:modId xmlns:p14="http://schemas.microsoft.com/office/powerpoint/2010/main" val="2685422891"/>
               </p:ext>
             </p:extLst>
           </p:nvPr>
@@ -26632,7 +26420,7 @@
                     <a:p>
                       <a:pPr algn="l"/>
                       <a:r>
-                        <a:rPr lang="en-IE" sz="1400">
+                        <a:rPr lang="en-IE" sz="1400" dirty="0">
                           <a:effectLst/>
                         </a:rPr>
                         <a:t>Central US</a:t>
@@ -26651,19 +26439,7 @@
                         <a:rPr lang="en-US" sz="1400" dirty="0">
                           <a:effectLst/>
                         </a:rPr>
-                        <a:t>2 VMs, Windows, D4s_v3, 1 year reservation, 1x Premium SSD 128 </a:t>
-                      </a:r>
-                      <a:r>
-                        <a:rPr lang="en-US" sz="1400" dirty="0" err="1">
-                          <a:effectLst/>
-                        </a:rPr>
-                        <a:t>GiB</a:t>
-                      </a:r>
-                      <a:r>
-                        <a:rPr lang="en-US" sz="1400" dirty="0">
-                          <a:effectLst/>
-                        </a:rPr>
-                        <a:t> per VM</a:t>
+                        <a:t>2 VMs, Windows, D4s_v3, 1 year reservation, 1x Premium SSD 128 GiB per VM</a:t>
                       </a:r>
                     </a:p>
                   </a:txBody>
@@ -26676,7 +26452,7 @@
                     <a:p>
                       <a:pPr algn="r"/>
                       <a:r>
-                        <a:rPr lang="en-IE" sz="1400">
+                        <a:rPr lang="en-IE" sz="1400" dirty="0">
                           <a:effectLst/>
                         </a:rPr>
                         <a:t>$510.56</a:t>
@@ -26699,7 +26475,7 @@
                     <a:p>
                       <a:pPr algn="l"/>
                       <a:r>
-                        <a:rPr lang="en-IE" sz="1400">
+                        <a:rPr lang="en-IE" sz="1400" dirty="0">
                           <a:effectLst/>
                         </a:rPr>
                         <a:t>SQL VMs</a:t>
@@ -26715,7 +26491,7 @@
                     <a:p>
                       <a:pPr algn="l"/>
                       <a:r>
-                        <a:rPr lang="en-IE" sz="1400">
+                        <a:rPr lang="en-IE" sz="1400" dirty="0">
                           <a:effectLst/>
                         </a:rPr>
                         <a:t>Central US</a:t>
@@ -26770,7 +26546,7 @@
                     <a:p>
                       <a:pPr algn="l"/>
                       <a:r>
-                        <a:rPr lang="en-IE" sz="1400">
+                        <a:rPr lang="en-IE" sz="1400" dirty="0">
                           <a:effectLst/>
                         </a:rPr>
                         <a:t>Bandwidth</a:t>
@@ -26786,7 +26562,7 @@
                     <a:p>
                       <a:pPr algn="l"/>
                       <a:r>
-                        <a:rPr lang="en-IE" sz="1400">
+                        <a:rPr lang="en-IE" sz="1400" dirty="0">
                           <a:effectLst/>
                         </a:rPr>
                         <a:t>Central US</a:t>
@@ -26802,7 +26578,7 @@
                     <a:p>
                       <a:pPr algn="l"/>
                       <a:r>
-                        <a:rPr lang="en-IE" sz="1400">
+                        <a:rPr lang="en-IE" sz="1400" dirty="0">
                           <a:effectLst/>
                         </a:rPr>
                         <a:t>500 GB</a:t>
@@ -26818,7 +26594,7 @@
                     <a:p>
                       <a:pPr algn="r"/>
                       <a:r>
-                        <a:rPr lang="en-IE" sz="1400">
+                        <a:rPr lang="en-IE" sz="1400" dirty="0">
                           <a:effectLst/>
                         </a:rPr>
                         <a:t>$ 43.07</a:t>
@@ -26841,7 +26617,7 @@
                     <a:p>
                       <a:pPr algn="l"/>
                       <a:r>
-                        <a:rPr lang="en-IE" sz="1400">
+                        <a:rPr lang="en-IE" sz="1400" dirty="0">
                           <a:effectLst/>
                         </a:rPr>
                         <a:t>Log Analytics</a:t>
@@ -26857,7 +26633,7 @@
                     <a:p>
                       <a:pPr algn="l"/>
                       <a:r>
-                        <a:rPr lang="en-IE" sz="1400">
+                        <a:rPr lang="en-IE" sz="1400" dirty="0">
                           <a:effectLst/>
                         </a:rPr>
                         <a:t>Central US</a:t>
@@ -26873,7 +26649,7 @@
                     <a:p>
                       <a:pPr algn="l"/>
                       <a:r>
-                        <a:rPr lang="en-US" sz="1400">
+                        <a:rPr lang="en-US" sz="1400" dirty="0">
                           <a:effectLst/>
                         </a:rPr>
                         <a:t>3GB per VM, 180 day retention</a:t>
@@ -26889,7 +26665,7 @@
                     <a:p>
                       <a:pPr algn="r"/>
                       <a:r>
-                        <a:rPr lang="en-IE" sz="1400">
+                        <a:rPr lang="en-IE" sz="1400" dirty="0">
                           <a:effectLst/>
                         </a:rPr>
                         <a:t>$ 27.96</a:t>
@@ -26912,7 +26688,7 @@
                     <a:p>
                       <a:pPr algn="l"/>
                       <a:r>
-                        <a:rPr lang="en-IE" sz="1400">
+                        <a:rPr lang="en-IE" sz="1400" dirty="0">
                           <a:effectLst/>
                         </a:rPr>
                         <a:t>Alert Rules</a:t>
@@ -26928,7 +26704,7 @@
                     <a:p>
                       <a:pPr algn="l"/>
                       <a:r>
-                        <a:rPr lang="en-IE" sz="1400">
+                        <a:rPr lang="en-IE" sz="1400" dirty="0">
                           <a:effectLst/>
                         </a:rPr>
                         <a:t>Central US</a:t>
@@ -26944,7 +26720,7 @@
                     <a:p>
                       <a:pPr algn="l"/>
                       <a:r>
-                        <a:rPr lang="en-IE" sz="1400">
+                        <a:rPr lang="en-IE" sz="1400" dirty="0">
                           <a:effectLst/>
                         </a:rPr>
                         <a:t>2 VMs x 10 metrics + 5 log signals @ 5 minutes</a:t>
@@ -26960,7 +26736,7 @@
                     <a:p>
                       <a:pPr algn="r"/>
                       <a:r>
-                        <a:rPr lang="en-IE" sz="1400">
+                        <a:rPr lang="en-IE" sz="1400" dirty="0">
                           <a:effectLst/>
                         </a:rPr>
                         <a:t>$ 11.50</a:t>
@@ -26983,7 +26759,7 @@
                     <a:p>
                       <a:pPr algn="l"/>
                       <a:r>
-                        <a:rPr lang="en-IE" sz="1400">
+                        <a:rPr lang="en-IE" sz="1400" dirty="0">
                           <a:effectLst/>
                         </a:rPr>
                         <a:t>VM Backup</a:t>
@@ -26999,7 +26775,7 @@
                     <a:p>
                       <a:pPr algn="l"/>
                       <a:r>
-                        <a:rPr lang="en-IE" sz="1400">
+                        <a:rPr lang="en-IE" sz="1400" dirty="0">
                           <a:effectLst/>
                         </a:rPr>
                         <a:t>Central US</a:t>
@@ -27031,7 +26807,7 @@
                     <a:p>
                       <a:pPr algn="r"/>
                       <a:r>
-                        <a:rPr lang="en-IE" sz="1400">
+                        <a:rPr lang="en-IE" sz="1400" dirty="0">
                           <a:effectLst/>
                         </a:rPr>
                         <a:t>$ 54.69</a:t>
@@ -27054,7 +26830,7 @@
                     <a:p>
                       <a:pPr algn="l"/>
                       <a:r>
-                        <a:rPr lang="en-IE" sz="1400">
+                        <a:rPr lang="en-IE" sz="1400" dirty="0">
                           <a:effectLst/>
                         </a:rPr>
                         <a:t>SQL Backup</a:t>
@@ -27070,7 +26846,7 @@
                     <a:p>
                       <a:pPr algn="l"/>
                       <a:r>
-                        <a:rPr lang="en-IE" sz="1400">
+                        <a:rPr lang="en-IE" sz="1400" dirty="0">
                           <a:effectLst/>
                         </a:rPr>
                         <a:t>Central US</a:t>
@@ -27086,7 +26862,7 @@
                     <a:p>
                       <a:pPr algn="l"/>
                       <a:r>
-                        <a:rPr lang="en-US" sz="1400">
+                        <a:rPr lang="en-US" sz="1400" dirty="0">
                           <a:effectLst/>
                         </a:rPr>
                         <a:t>300 GB, GRS, high churn, 30 daily/6 weekly/12 monthly RPs, steady state</a:t>
@@ -27102,7 +26878,7 @@
                     <a:p>
                       <a:pPr algn="r"/>
                       <a:r>
-                        <a:rPr lang="en-IE" sz="1400">
+                        <a:rPr lang="en-IE" sz="1400" dirty="0">
                           <a:effectLst/>
                         </a:rPr>
                         <a:t>$695.28</a:t>
@@ -27125,7 +26901,7 @@
                     <a:p>
                       <a:pPr algn="l"/>
                       <a:r>
-                        <a:rPr lang="en-IE" sz="1400">
+                        <a:rPr lang="en-IE" sz="1400" dirty="0">
                           <a:effectLst/>
                         </a:rPr>
                         <a:t>ASR</a:t>
@@ -27141,7 +26917,7 @@
                     <a:p>
                       <a:pPr algn="l"/>
                       <a:r>
-                        <a:rPr lang="en-IE" sz="1400">
+                        <a:rPr lang="en-IE" sz="1400" dirty="0">
                           <a:effectLst/>
                         </a:rPr>
                         <a:t>East US 2</a:t>
@@ -27157,7 +26933,7 @@
                     <a:p>
                       <a:pPr algn="l"/>
                       <a:r>
-                        <a:rPr lang="en-IE" sz="1400">
+                        <a:rPr lang="en-IE" sz="1400" dirty="0">
                           <a:effectLst/>
                         </a:rPr>
                         <a:t>2 instances</a:t>
@@ -27173,7 +26949,7 @@
                     <a:p>
                       <a:pPr algn="r"/>
                       <a:r>
-                        <a:rPr lang="en-IE" sz="1400">
+                        <a:rPr lang="en-IE" sz="1400" dirty="0">
                           <a:effectLst/>
                         </a:rPr>
                         <a:t>$ 50.00</a:t>
@@ -27196,7 +26972,7 @@
                     <a:p>
                       <a:pPr algn="l"/>
                       <a:r>
-                        <a:rPr lang="en-IE" sz="1400">
+                        <a:rPr lang="en-IE" sz="1400" dirty="0">
                           <a:effectLst/>
                         </a:rPr>
                         <a:t>SQL VMs (DR)</a:t>
@@ -27212,7 +26988,7 @@
                     <a:p>
                       <a:pPr algn="l"/>
                       <a:r>
-                        <a:rPr lang="en-IE" sz="1400">
+                        <a:rPr lang="en-IE" sz="1400" dirty="0">
                           <a:effectLst/>
                         </a:rPr>
                         <a:t>East US 2</a:t>
@@ -27267,7 +27043,7 @@
                     <a:p>
                       <a:pPr algn="l"/>
                       <a:r>
-                        <a:rPr lang="en-IE" sz="1400">
+                        <a:rPr lang="en-IE" sz="1400" dirty="0">
                           <a:effectLst/>
                         </a:rPr>
                         <a:t>Traffic Manager</a:t>
@@ -27283,7 +27059,7 @@
                     <a:p>
                       <a:pPr algn="l"/>
                       <a:r>
-                        <a:rPr lang="en-IE" sz="1400">
+                        <a:rPr lang="en-IE" sz="1400" dirty="0">
                           <a:effectLst/>
                         </a:rPr>
                         <a:t>Global</a:t>
@@ -27299,7 +27075,7 @@
                     <a:p>
                       <a:pPr algn="l"/>
                       <a:r>
-                        <a:rPr lang="fr-FR" sz="1400">
+                        <a:rPr lang="fr-FR" sz="1400" dirty="0">
                           <a:effectLst/>
                         </a:rPr>
                         <a:t>10M DNS queries, 2 endpoints</a:t>
@@ -27315,7 +27091,7 @@
                     <a:p>
                       <a:pPr algn="r"/>
                       <a:r>
-                        <a:rPr lang="en-IE" sz="1400">
+                        <a:rPr lang="en-IE" sz="1400" dirty="0">
                           <a:effectLst/>
                         </a:rPr>
                         <a:t>$ 6.12</a:t>
@@ -27338,7 +27114,7 @@
                     <a:p>
                       <a:pPr algn="l"/>
                       <a:r>
-                        <a:rPr lang="en-IE" sz="1400">
+                        <a:rPr lang="en-IE" sz="1400" dirty="0">
                           <a:effectLst/>
                         </a:rPr>
                         <a:t>VNet</a:t>
@@ -27354,7 +27130,7 @@
                     <a:p>
                       <a:pPr algn="l"/>
                       <a:r>
-                        <a:rPr lang="en-IE" sz="1400">
+                        <a:rPr lang="en-IE" sz="1400" dirty="0">
                           <a:effectLst/>
                         </a:rPr>
                         <a:t>East US 2</a:t>
@@ -27370,7 +27146,7 @@
                     <a:p>
                       <a:pPr algn="l"/>
                       <a:r>
-                        <a:rPr lang="en-US" sz="1400">
+                        <a:rPr lang="en-US" sz="1400" dirty="0">
                           <a:effectLst/>
                         </a:rPr>
                         <a:t>Global peering bandwidth for SQL replication to East US 2, 200GB</a:t>
@@ -27386,7 +27162,7 @@
                     <a:p>
                       <a:pPr algn="r"/>
                       <a:r>
-                        <a:rPr lang="en-IE" sz="1400">
+                        <a:rPr lang="en-IE" sz="1400" dirty="0">
                           <a:effectLst/>
                         </a:rPr>
                         <a:t>$ 14.00</a:t>
@@ -27409,7 +27185,7 @@
                     <a:p>
                       <a:pPr algn="l"/>
                       <a:r>
-                        <a:rPr lang="en-IE" sz="1400">
+                        <a:rPr lang="en-IE" sz="1400" dirty="0">
                           <a:effectLst/>
                         </a:rPr>
                         <a:t>Log Analytics</a:t>
@@ -27425,7 +27201,7 @@
                     <a:p>
                       <a:pPr algn="l"/>
                       <a:r>
-                        <a:rPr lang="en-IE" sz="1400">
+                        <a:rPr lang="en-IE" sz="1400" dirty="0">
                           <a:effectLst/>
                         </a:rPr>
                         <a:t>East US 2</a:t>
@@ -27441,7 +27217,7 @@
                     <a:p>
                       <a:pPr algn="l"/>
                       <a:r>
-                        <a:rPr lang="en-US" sz="1400">
+                        <a:rPr lang="en-US" sz="1400" dirty="0">
                           <a:effectLst/>
                         </a:rPr>
                         <a:t>3GB per VM, 180 day retention</a:t>
@@ -27457,7 +27233,7 @@
                     <a:p>
                       <a:pPr algn="r"/>
                       <a:r>
-                        <a:rPr lang="en-IE" sz="1400">
+                        <a:rPr lang="en-IE" sz="1400" dirty="0">
                           <a:effectLst/>
                         </a:rPr>
                         <a:t>$ 7.08</a:t>
@@ -27480,7 +27256,7 @@
                     <a:p>
                       <a:pPr algn="l"/>
                       <a:r>
-                        <a:rPr lang="en-IE" sz="1400">
+                        <a:rPr lang="en-IE" sz="1400" dirty="0">
                           <a:effectLst/>
                         </a:rPr>
                         <a:t>Alert Rules</a:t>
@@ -27496,7 +27272,7 @@
                     <a:p>
                       <a:pPr algn="l"/>
                       <a:r>
-                        <a:rPr lang="en-IE" sz="1400">
+                        <a:rPr lang="en-IE" sz="1400" dirty="0">
                           <a:effectLst/>
                         </a:rPr>
                         <a:t>East US 2</a:t>
@@ -27512,7 +27288,7 @@
                     <a:p>
                       <a:pPr algn="l"/>
                       <a:r>
-                        <a:rPr lang="en-IE" sz="1400">
+                        <a:rPr lang="en-IE" sz="1400" dirty="0">
                           <a:effectLst/>
                         </a:rPr>
                         <a:t>2 VMs x 10 metrics + 5 log signals @ 5 minutes</a:t>
@@ -27733,7 +27509,7 @@
           <p:nvPr>
             <p:extLst>
               <p:ext uri="{D42A27DB-BD31-4B8C-83A1-F6EECF244321}">
-                <p14:modId xmlns:p14="http://schemas.microsoft.com/office/powerpoint/2010/main" val="3464450666"/>
+                <p14:modId xmlns:p14="http://schemas.microsoft.com/office/powerpoint/2010/main" val="1185667099"/>
               </p:ext>
             </p:extLst>
           </p:nvPr>
@@ -27874,7 +27650,7 @@
                     <a:p>
                       <a:pPr algn="l"/>
                       <a:r>
-                        <a:rPr lang="en-IE" sz="1600">
+                        <a:rPr lang="en-IE" sz="1600" dirty="0">
                           <a:effectLst/>
                         </a:rPr>
                         <a:t>Central US</a:t>
@@ -27890,7 +27666,7 @@
                     <a:p>
                       <a:pPr algn="l"/>
                       <a:r>
-                        <a:rPr lang="en-IE" sz="1600">
+                        <a:rPr lang="en-IE" sz="1600" dirty="0">
                           <a:effectLst/>
                         </a:rPr>
                         <a:t>2 instances, S3 tier</a:t>
@@ -27929,7 +27705,7 @@
                     <a:p>
                       <a:pPr algn="l"/>
                       <a:r>
-                        <a:rPr lang="en-IE" sz="1600">
+                        <a:rPr lang="en-IE" sz="1600" dirty="0">
                           <a:effectLst/>
                         </a:rPr>
                         <a:t>Web App (DR)</a:t>
@@ -28000,7 +27776,7 @@
                     <a:p>
                       <a:pPr algn="l"/>
                       <a:r>
-                        <a:rPr lang="en-IE" sz="1600">
+                        <a:rPr lang="en-IE" sz="1600" dirty="0">
                           <a:effectLst/>
                         </a:rPr>
                         <a:t>SQL Database</a:t>
@@ -28016,7 +27792,7 @@
                     <a:p>
                       <a:pPr algn="l"/>
                       <a:r>
-                        <a:rPr lang="en-IE" sz="1600">
+                        <a:rPr lang="en-IE" sz="1600" dirty="0">
                           <a:effectLst/>
                         </a:rPr>
                         <a:t>Central US</a:t>
@@ -28035,19 +27811,7 @@
                         <a:rPr lang="en-US" sz="1600" dirty="0">
                           <a:effectLst/>
                         </a:rPr>
-                        <a:t>Single DB, General Purpose, 4 </a:t>
-                      </a:r>
-                      <a:r>
-                        <a:rPr lang="en-US" sz="1600" dirty="0" err="1">
-                          <a:effectLst/>
-                        </a:rPr>
-                        <a:t>vCores</a:t>
-                      </a:r>
-                      <a:r>
-                        <a:rPr lang="en-US" sz="1600" dirty="0">
-                          <a:effectLst/>
-                        </a:rPr>
-                        <a:t>, PAYG, 2 instances, 500GB.</a:t>
+                        <a:t>Single DB, General Purpose, 4 vCores, PAYG, 2 instances, 500GB.</a:t>
                       </a:r>
                       <a:br>
                         <a:rPr lang="en-US" sz="1600" dirty="0">
@@ -28094,7 +27858,7 @@
                     <a:p>
                       <a:pPr algn="l"/>
                       <a:r>
-                        <a:rPr lang="en-IE" sz="1600">
+                        <a:rPr lang="en-IE" sz="1600" dirty="0">
                           <a:effectLst/>
                         </a:rPr>
                         <a:t>SQL Database (DR)</a:t>
@@ -28110,7 +27874,7 @@
                     <a:p>
                       <a:pPr algn="l"/>
                       <a:r>
-                        <a:rPr lang="en-IE" sz="1600">
+                        <a:rPr lang="en-IE" sz="1600" dirty="0">
                           <a:effectLst/>
                         </a:rPr>
                         <a:t>East US 2</a:t>
@@ -28165,7 +27929,7 @@
                     <a:p>
                       <a:pPr algn="l"/>
                       <a:r>
-                        <a:rPr lang="en-IE" sz="1600">
+                        <a:rPr lang="en-IE" sz="1600" dirty="0">
                           <a:effectLst/>
                         </a:rPr>
                         <a:t>Traffic Manager</a:t>
@@ -28181,7 +27945,7 @@
                     <a:p>
                       <a:pPr algn="l"/>
                       <a:r>
-                        <a:rPr lang="en-IE" sz="1600">
+                        <a:rPr lang="en-IE" sz="1600" dirty="0">
                           <a:effectLst/>
                         </a:rPr>
                         <a:t>Global</a:t>
@@ -28197,7 +27961,7 @@
                     <a:p>
                       <a:pPr algn="l"/>
                       <a:r>
-                        <a:rPr lang="fr-FR" sz="1600">
+                        <a:rPr lang="fr-FR" sz="1600" dirty="0">
                           <a:effectLst/>
                         </a:rPr>
                         <a:t>10M DNS queries, 2 endpoints</a:t>
@@ -28236,7 +28000,7 @@
                     <a:p>
                       <a:pPr algn="l"/>
                       <a:r>
-                        <a:rPr lang="en-IE" sz="1600">
+                        <a:rPr lang="en-IE" sz="1600" dirty="0">
                           <a:effectLst/>
                         </a:rPr>
                         <a:t>VNet</a:t>
@@ -28252,7 +28016,7 @@
                     <a:p>
                       <a:pPr algn="l"/>
                       <a:r>
-                        <a:rPr lang="en-IE" sz="1600">
+                        <a:rPr lang="en-IE" sz="1600" dirty="0">
                           <a:effectLst/>
                         </a:rPr>
                         <a:t>Central US</a:t>
@@ -28268,7 +28032,7 @@
                     <a:p>
                       <a:pPr algn="l"/>
                       <a:r>
-                        <a:rPr lang="en-US" sz="1600">
+                        <a:rPr lang="en-US" sz="1600" dirty="0">
                           <a:effectLst/>
                         </a:rPr>
                         <a:t>Global peering bandwidth for SQL replication to East US 2, 200GB</a:t>
@@ -28307,7 +28071,7 @@
                     <a:p>
                       <a:pPr algn="l"/>
                       <a:r>
-                        <a:rPr lang="en-IE" sz="1600">
+                        <a:rPr lang="en-IE" sz="1600" dirty="0">
                           <a:effectLst/>
                         </a:rPr>
                         <a:t>Bandwidth</a:t>
@@ -28323,7 +28087,7 @@
                     <a:p>
                       <a:pPr algn="l"/>
                       <a:r>
-                        <a:rPr lang="en-IE" sz="1600">
+                        <a:rPr lang="en-IE" sz="1600" dirty="0">
                           <a:effectLst/>
                         </a:rPr>
                         <a:t>Central US</a:t>
@@ -28339,7 +28103,7 @@
                     <a:p>
                       <a:pPr algn="l"/>
                       <a:r>
-                        <a:rPr lang="en-IE" sz="1600">
+                        <a:rPr lang="en-IE" sz="1600" dirty="0">
                           <a:effectLst/>
                         </a:rPr>
                         <a:t>500 GB</a:t>
@@ -28378,7 +28142,7 @@
                     <a:p>
                       <a:pPr algn="l"/>
                       <a:r>
-                        <a:rPr lang="en-IE" sz="1600">
+                        <a:rPr lang="en-IE" sz="1600" dirty="0">
                           <a:effectLst/>
                         </a:rPr>
                         <a:t>App Insights</a:t>
@@ -28394,7 +28158,7 @@
                     <a:p>
                       <a:pPr algn="l"/>
                       <a:r>
-                        <a:rPr lang="en-IE" sz="1600">
+                        <a:rPr lang="en-IE" sz="1600" dirty="0">
                           <a:effectLst/>
                         </a:rPr>
                         <a:t>Central US</a:t>
@@ -28410,7 +28174,7 @@
                     <a:p>
                       <a:pPr algn="l"/>
                       <a:r>
-                        <a:rPr lang="en-US" sz="1600">
+                        <a:rPr lang="en-US" sz="1600" dirty="0">
                           <a:effectLst/>
                         </a:rPr>
                         <a:t>100GB/month, 5 multi-step web tests</a:t>
@@ -28449,7 +28213,7 @@
                     <a:p>
                       <a:pPr algn="l"/>
                       <a:r>
-                        <a:rPr lang="en-IE" sz="1600">
+                        <a:rPr lang="en-IE" sz="1600" dirty="0">
                           <a:effectLst/>
                         </a:rPr>
                         <a:t>Alert Rules</a:t>
@@ -28465,7 +28229,7 @@
                     <a:p>
                       <a:pPr algn="l"/>
                       <a:r>
-                        <a:rPr lang="en-IE" sz="1600">
+                        <a:rPr lang="en-IE" sz="1600" dirty="0">
                           <a:effectLst/>
                         </a:rPr>
                         <a:t>Central US</a:t>
@@ -28481,7 +28245,7 @@
                     <a:p>
                       <a:pPr algn="l"/>
                       <a:r>
-                        <a:rPr lang="en-IE" sz="1600">
+                        <a:rPr lang="en-IE" sz="1600" dirty="0">
                           <a:effectLst/>
                         </a:rPr>
                         <a:t>20 metrics + 10 log signals x 5 minutes</a:t>
@@ -29734,32 +29498,16 @@
           <a:p>
             <a:r>
               <a:rPr lang="en-US" sz="2800" dirty="0"/>
-              <a:t>The </a:t>
-            </a:r>
-            <a:r>
-              <a:rPr lang="en-US" sz="2800" dirty="0" err="1"/>
-              <a:t>AppDev</a:t>
-            </a:r>
+              <a:t>The AppDev department’s skill set is dated, predominantly focused on client/server development.</a:t>
+            </a:r>
+          </a:p>
+          <a:p>
+            <a:endParaRPr lang="en-US" sz="1100" dirty="0"/>
+          </a:p>
+          <a:p>
             <a:r>
               <a:rPr lang="en-US" sz="2800" dirty="0"/>
-              <a:t> department’s skill set is dated, predominantly focused on client/server development.</a:t>
-            </a:r>
-          </a:p>
-          <a:p>
-            <a:endParaRPr lang="en-US" sz="1100" dirty="0"/>
-          </a:p>
-          <a:p>
-            <a:r>
-              <a:rPr lang="en-US" sz="2800" dirty="0"/>
-              <a:t>The organization has an </a:t>
-            </a:r>
-            <a:r>
-              <a:rPr lang="en-US" sz="2800"/>
-              <a:t>Internet-based claims </a:t>
-            </a:r>
-            <a:r>
-              <a:rPr lang="en-US" sz="2800" dirty="0"/>
-              <a:t>application they recently deployed into Azure (in West Central US).</a:t>
+              <a:t>The organization has an Internet-based claims application they recently deployed into Azure (in West Central US).</a:t>
             </a:r>
           </a:p>
           <a:p>
@@ -31488,15 +31236,6 @@
 </file>
 
 <file path=customXml/item1.xml><?xml version="1.0" encoding="utf-8"?>
-<p:properties xmlns:p="http://schemas.microsoft.com/office/2006/metadata/properties" xmlns:xsi="http://www.w3.org/2001/XMLSchema-instance" xmlns:pc="http://schemas.microsoft.com/office/infopath/2007/PartnerControls">
-  <documentManagement>
-    <_ip_UnifiedCompliancePolicyUIAction xmlns="http://schemas.microsoft.com/sharepoint/v3" xsi:nil="true"/>
-    <_ip_UnifiedCompliancePolicyProperties xmlns="http://schemas.microsoft.com/sharepoint/v3" xsi:nil="true"/>
-  </documentManagement>
-</p:properties>
-</file>
-
-<file path=customXml/item2.xml><?xml version="1.0" encoding="utf-8"?>
 <ct:contentTypeSchema xmlns:ct="http://schemas.microsoft.com/office/2006/metadata/contentType" xmlns:ma="http://schemas.microsoft.com/office/2006/metadata/properties/metaAttributes" ct:_="" ma:_="" ma:contentTypeName="Document" ma:contentTypeID="0x010100D15DFA3690A15B4081582BBCC6BEAC3E" ma:contentTypeVersion="9" ma:contentTypeDescription="Create a new document." ma:contentTypeScope="" ma:versionID="642da1784587cbe85a7fdbbe4dc36103">
   <xsd:schema xmlns:xsd="http://www.w3.org/2001/XMLSchema" xmlns:xs="http://www.w3.org/2001/XMLSchema" xmlns:p="http://schemas.microsoft.com/office/2006/metadata/properties" xmlns:ns1="http://schemas.microsoft.com/sharepoint/v3" xmlns:ns2="2023ac63-7b75-4916-a9ee-591457758eee" xmlns:ns3="d9c797ad-d7c3-4982-82b7-81352a75e4a5" targetNamespace="http://schemas.microsoft.com/office/2006/metadata/properties" ma:root="true" ma:fieldsID="91198b0246576053cc55dd2c67035a89" ns1:_="" ns2:_="" ns3:_="">
     <xsd:import namespace="http://schemas.microsoft.com/sharepoint/v3"/>
@@ -31698,6 +31437,15 @@
 </ct:contentTypeSchema>
 </file>
 
+<file path=customXml/item2.xml><?xml version="1.0" encoding="utf-8"?>
+<p:properties xmlns:p="http://schemas.microsoft.com/office/2006/metadata/properties" xmlns:xsi="http://www.w3.org/2001/XMLSchema-instance" xmlns:pc="http://schemas.microsoft.com/office/infopath/2007/PartnerControls">
+  <documentManagement>
+    <_ip_UnifiedCompliancePolicyUIAction xmlns="http://schemas.microsoft.com/sharepoint/v3" xsi:nil="true"/>
+    <_ip_UnifiedCompliancePolicyProperties xmlns="http://schemas.microsoft.com/sharepoint/v3" xsi:nil="true"/>
+  </documentManagement>
+</p:properties>
+</file>
+
 <file path=customXml/item3.xml><?xml version="1.0" encoding="utf-8"?>
 <?mso-contentType ?>
 <FormTemplates xmlns="http://schemas.microsoft.com/sharepoint/v3/contenttype/forms">
@@ -31708,24 +31456,6 @@
 </file>
 
 <file path=customXml/itemProps1.xml><?xml version="1.0" encoding="utf-8"?>
-<ds:datastoreItem xmlns:ds="http://schemas.openxmlformats.org/officeDocument/2006/customXml" ds:itemID="{7D07577D-30E5-48FB-B81C-E1B9EAC126B5}">
-  <ds:schemaRefs>
-    <ds:schemaRef ds:uri="http://schemas.openxmlformats.org/package/2006/metadata/core-properties"/>
-    <ds:schemaRef ds:uri="http://schemas.microsoft.com/office/infopath/2007/PartnerControls"/>
-    <ds:schemaRef ds:uri="http://purl.org/dc/terms/"/>
-    <ds:schemaRef ds:uri="2023ac63-7b75-4916-a9ee-591457758eee"/>
-    <ds:schemaRef ds:uri="http://schemas.microsoft.com/office/2006/documentManagement/types"/>
-    <ds:schemaRef ds:uri="d9c797ad-d7c3-4982-82b7-81352a75e4a5"/>
-    <ds:schemaRef ds:uri="http://schemas.microsoft.com/sharepoint/v3"/>
-    <ds:schemaRef ds:uri="http://purl.org/dc/elements/1.1/"/>
-    <ds:schemaRef ds:uri="http://schemas.microsoft.com/office/2006/metadata/properties"/>
-    <ds:schemaRef ds:uri="http://www.w3.org/XML/1998/namespace"/>
-    <ds:schemaRef ds:uri="http://purl.org/dc/dcmitype/"/>
-  </ds:schemaRefs>
-</ds:datastoreItem>
-</file>
-
-<file path=customXml/itemProps2.xml><?xml version="1.0" encoding="utf-8"?>
 <ds:datastoreItem xmlns:ds="http://schemas.openxmlformats.org/officeDocument/2006/customXml" ds:itemID="{A26E40F2-DB1A-4ED5-85D8-FAE814896E97}">
   <ds:schemaRefs>
     <ds:schemaRef ds:uri="http://schemas.microsoft.com/office/2006/metadata/contentType"/>
@@ -31745,6 +31475,24 @@
 </ds:datastoreItem>
 </file>
 
+<file path=customXml/itemProps2.xml><?xml version="1.0" encoding="utf-8"?>
+<ds:datastoreItem xmlns:ds="http://schemas.openxmlformats.org/officeDocument/2006/customXml" ds:itemID="{7D07577D-30E5-48FB-B81C-E1B9EAC126B5}">
+  <ds:schemaRefs>
+    <ds:schemaRef ds:uri="http://schemas.openxmlformats.org/package/2006/metadata/core-properties"/>
+    <ds:schemaRef ds:uri="http://schemas.microsoft.com/office/infopath/2007/PartnerControls"/>
+    <ds:schemaRef ds:uri="http://purl.org/dc/terms/"/>
+    <ds:schemaRef ds:uri="2023ac63-7b75-4916-a9ee-591457758eee"/>
+    <ds:schemaRef ds:uri="http://schemas.microsoft.com/office/2006/documentManagement/types"/>
+    <ds:schemaRef ds:uri="d9c797ad-d7c3-4982-82b7-81352a75e4a5"/>
+    <ds:schemaRef ds:uri="http://schemas.microsoft.com/sharepoint/v3"/>
+    <ds:schemaRef ds:uri="http://purl.org/dc/elements/1.1/"/>
+    <ds:schemaRef ds:uri="http://schemas.microsoft.com/office/2006/metadata/properties"/>
+    <ds:schemaRef ds:uri="http://www.w3.org/XML/1998/namespace"/>
+    <ds:schemaRef ds:uri="http://purl.org/dc/dcmitype/"/>
+  </ds:schemaRefs>
+</ds:datastoreItem>
+</file>
+
 <file path=customXml/itemProps3.xml><?xml version="1.0" encoding="utf-8"?>
 <ds:datastoreItem xmlns:ds="http://schemas.openxmlformats.org/officeDocument/2006/customXml" ds:itemID="{D5A22677-9165-4AB6-9580-CE94CCD209C5}">
   <ds:schemaRefs>

--- a/Whiteboard design session/WDS trainer presentation - Building a resilient IaaS architecture.pptx
+++ b/Whiteboard design session/WDS trainer presentation - Building a resilient IaaS architecture.pptx
@@ -238,7 +238,7 @@
           <a:p>
             <a:fld id="{D12B4A29-5F37-4DEF-BB05-EEA5E91F514E}" type="datetimeFigureOut">
               <a:rPr lang="en-US" smtClean="0"/>
-              <a:t>7/1/20</a:t>
+              <a:t>7/23/2020</a:t>
             </a:fld>
             <a:endParaRPr lang="en-US"/>
           </a:p>
@@ -21730,7 +21730,15 @@
             </a:pPr>
             <a:r>
               <a:rPr lang="en-US" sz="3200" dirty="0"/>
-              <a:t>Redundancy and resiliency for the ADDS domain controller server, and the web and database servers for the claims application, to deliver the 99.95% or greater SLA required by the business.</a:t>
+              <a:t>Redundancy and resiliency for </a:t>
+            </a:r>
+            <a:r>
+              <a:rPr lang="en-US" sz="3200"/>
+              <a:t>the AD DS </a:t>
+            </a:r>
+            <a:r>
+              <a:rPr lang="en-US" sz="3200" dirty="0"/>
+              <a:t>domain controller server, and the web and database servers for the claims application, to deliver the 99.95% or greater SLA required by the business.</a:t>
             </a:r>
           </a:p>
           <a:p>
@@ -31438,21 +31446,21 @@
 </file>
 
 <file path=customXml/item2.xml><?xml version="1.0" encoding="utf-8"?>
+<?mso-contentType ?>
+<FormTemplates xmlns="http://schemas.microsoft.com/sharepoint/v3/contenttype/forms">
+  <Display>DocumentLibraryForm</Display>
+  <Edit>DocumentLibraryForm</Edit>
+  <New>DocumentLibraryForm</New>
+</FormTemplates>
+</file>
+
+<file path=customXml/item3.xml><?xml version="1.0" encoding="utf-8"?>
 <p:properties xmlns:p="http://schemas.microsoft.com/office/2006/metadata/properties" xmlns:xsi="http://www.w3.org/2001/XMLSchema-instance" xmlns:pc="http://schemas.microsoft.com/office/infopath/2007/PartnerControls">
   <documentManagement>
     <_ip_UnifiedCompliancePolicyUIAction xmlns="http://schemas.microsoft.com/sharepoint/v3" xsi:nil="true"/>
     <_ip_UnifiedCompliancePolicyProperties xmlns="http://schemas.microsoft.com/sharepoint/v3" xsi:nil="true"/>
   </documentManagement>
 </p:properties>
-</file>
-
-<file path=customXml/item3.xml><?xml version="1.0" encoding="utf-8"?>
-<?mso-contentType ?>
-<FormTemplates xmlns="http://schemas.microsoft.com/sharepoint/v3/contenttype/forms">
-  <Display>DocumentLibraryForm</Display>
-  <Edit>DocumentLibraryForm</Edit>
-  <New>DocumentLibraryForm</New>
-</FormTemplates>
 </file>
 
 <file path=customXml/itemProps1.xml><?xml version="1.0" encoding="utf-8"?>
@@ -31476,6 +31484,14 @@
 </file>
 
 <file path=customXml/itemProps2.xml><?xml version="1.0" encoding="utf-8"?>
+<ds:datastoreItem xmlns:ds="http://schemas.openxmlformats.org/officeDocument/2006/customXml" ds:itemID="{D5A22677-9165-4AB6-9580-CE94CCD209C5}">
+  <ds:schemaRefs>
+    <ds:schemaRef ds:uri="http://schemas.microsoft.com/sharepoint/v3/contenttype/forms"/>
+  </ds:schemaRefs>
+</ds:datastoreItem>
+</file>
+
+<file path=customXml/itemProps3.xml><?xml version="1.0" encoding="utf-8"?>
 <ds:datastoreItem xmlns:ds="http://schemas.openxmlformats.org/officeDocument/2006/customXml" ds:itemID="{7D07577D-30E5-48FB-B81C-E1B9EAC126B5}">
   <ds:schemaRefs>
     <ds:schemaRef ds:uri="http://schemas.openxmlformats.org/package/2006/metadata/core-properties"/>
@@ -31491,12 +31507,4 @@
     <ds:schemaRef ds:uri="http://purl.org/dc/dcmitype/"/>
   </ds:schemaRefs>
 </ds:datastoreItem>
-</file>
-
-<file path=customXml/itemProps3.xml><?xml version="1.0" encoding="utf-8"?>
-<ds:datastoreItem xmlns:ds="http://schemas.openxmlformats.org/officeDocument/2006/customXml" ds:itemID="{D5A22677-9165-4AB6-9580-CE94CCD209C5}">
-  <ds:schemaRefs>
-    <ds:schemaRef ds:uri="http://schemas.microsoft.com/sharepoint/v3/contenttype/forms"/>
-  </ds:schemaRefs>
-</ds:datastoreItem>
 </file>
--- a/Whiteboard design session/WDS trainer presentation - Building a resilient IaaS architecture.pptx
+++ b/Whiteboard design session/WDS trainer presentation - Building a resilient IaaS architecture.pptx
@@ -238,7 +238,7 @@
           <a:p>
             <a:fld id="{D12B4A29-5F37-4DEF-BB05-EEA5E91F514E}" type="datetimeFigureOut">
               <a:rPr lang="en-US" smtClean="0"/>
-              <a:t>7/23/2020</a:t>
+              <a:t>2/1/2021</a:t>
             </a:fld>
             <a:endParaRPr lang="en-US" dirty="0"/>
           </a:p>
@@ -29371,7 +29371,15 @@
           <a:p>
             <a:r>
               <a:rPr lang="en-US" sz="2800" dirty="0"/>
-              <a:t>Headquarters is in Cheyenne, Wyoming with various branch locations.</a:t>
+              <a:t>Headquarters is in Miami</a:t>
+            </a:r>
+            <a:r>
+              <a:rPr lang="en-US" sz="2800"/>
+              <a:t>, Florida with </a:t>
+            </a:r>
+            <a:r>
+              <a:rPr lang="en-US" sz="2800" dirty="0"/>
+              <a:t>various branch locations.</a:t>
             </a:r>
           </a:p>
         </p:txBody>
@@ -31208,15 +31216,6 @@
 </file>
 
 <file path=customXml/item1.xml><?xml version="1.0" encoding="utf-8"?>
-<?mso-contentType ?>
-<FormTemplates xmlns="http://schemas.microsoft.com/sharepoint/v3/contenttype/forms">
-  <Display>DocumentLibraryForm</Display>
-  <Edit>DocumentLibraryForm</Edit>
-  <New>DocumentLibraryForm</New>
-</FormTemplates>
-</file>
-
-<file path=customXml/item2.xml><?xml version="1.0" encoding="utf-8"?>
 <ct:contentTypeSchema xmlns:ct="http://schemas.microsoft.com/office/2006/metadata/contentType" xmlns:ma="http://schemas.microsoft.com/office/2006/metadata/properties/metaAttributes" ct:_="" ma:_="" ma:contentTypeName="Document" ma:contentTypeID="0x010100D15DFA3690A15B4081582BBCC6BEAC3E" ma:contentTypeVersion="9" ma:contentTypeDescription="Create a new document." ma:contentTypeScope="" ma:versionID="642da1784587cbe85a7fdbbe4dc36103">
   <xsd:schema xmlns:xsd="http://www.w3.org/2001/XMLSchema" xmlns:xs="http://www.w3.org/2001/XMLSchema" xmlns:p="http://schemas.microsoft.com/office/2006/metadata/properties" xmlns:ns1="http://schemas.microsoft.com/sharepoint/v3" xmlns:ns2="2023ac63-7b75-4916-a9ee-591457758eee" xmlns:ns3="d9c797ad-d7c3-4982-82b7-81352a75e4a5" targetNamespace="http://schemas.microsoft.com/office/2006/metadata/properties" ma:root="true" ma:fieldsID="91198b0246576053cc55dd2c67035a89" ns1:_="" ns2:_="" ns3:_="">
     <xsd:import namespace="http://schemas.microsoft.com/sharepoint/v3"/>
@@ -31418,6 +31417,15 @@
 </ct:contentTypeSchema>
 </file>
 
+<file path=customXml/item2.xml><?xml version="1.0" encoding="utf-8"?>
+<?mso-contentType ?>
+<FormTemplates xmlns="http://schemas.microsoft.com/sharepoint/v3/contenttype/forms">
+  <Display>DocumentLibraryForm</Display>
+  <Edit>DocumentLibraryForm</Edit>
+  <New>DocumentLibraryForm</New>
+</FormTemplates>
+</file>
+
 <file path=customXml/item3.xml><?xml version="1.0" encoding="utf-8"?>
 <p:properties xmlns:p="http://schemas.microsoft.com/office/2006/metadata/properties" xmlns:xsi="http://www.w3.org/2001/XMLSchema-instance" xmlns:pc="http://schemas.microsoft.com/office/infopath/2007/PartnerControls">
   <documentManagement>
@@ -31428,14 +31436,6 @@
 </file>
 
 <file path=customXml/itemProps1.xml><?xml version="1.0" encoding="utf-8"?>
-<ds:datastoreItem xmlns:ds="http://schemas.openxmlformats.org/officeDocument/2006/customXml" ds:itemID="{D5A22677-9165-4AB6-9580-CE94CCD209C5}">
-  <ds:schemaRefs>
-    <ds:schemaRef ds:uri="http://schemas.microsoft.com/sharepoint/v3/contenttype/forms"/>
-  </ds:schemaRefs>
-</ds:datastoreItem>
-</file>
-
-<file path=customXml/itemProps2.xml><?xml version="1.0" encoding="utf-8"?>
 <ds:datastoreItem xmlns:ds="http://schemas.openxmlformats.org/officeDocument/2006/customXml" ds:itemID="{A26E40F2-DB1A-4ED5-85D8-FAE814896E97}">
   <ds:schemaRefs>
     <ds:schemaRef ds:uri="http://schemas.microsoft.com/office/2006/metadata/contentType"/>
@@ -31451,6 +31451,14 @@
     <ds:schemaRef ds:uri="http://purl.org/dc/elements/1.1/"/>
     <ds:schemaRef ds:uri="http://purl.org/dc/terms/"/>
     <ds:schemaRef ds:uri="http://schemas.microsoft.com/internal/obd"/>
+  </ds:schemaRefs>
+</ds:datastoreItem>
+</file>
+
+<file path=customXml/itemProps2.xml><?xml version="1.0" encoding="utf-8"?>
+<ds:datastoreItem xmlns:ds="http://schemas.openxmlformats.org/officeDocument/2006/customXml" ds:itemID="{D5A22677-9165-4AB6-9580-CE94CCD209C5}">
+  <ds:schemaRefs>
+    <ds:schemaRef ds:uri="http://schemas.microsoft.com/sharepoint/v3/contenttype/forms"/>
   </ds:schemaRefs>
 </ds:datastoreItem>
 </file>

--- a/Whiteboard design session/WDS trainer presentation - Building a resilient IaaS architecture.pptx
+++ b/Whiteboard design session/WDS trainer presentation - Building a resilient IaaS architecture.pptx
@@ -238,7 +238,7 @@
           <a:p>
             <a:fld id="{D12B4A29-5F37-4DEF-BB05-EEA5E91F514E}" type="datetimeFigureOut">
               <a:rPr lang="en-US" smtClean="0"/>
-              <a:t>2/1/2021</a:t>
+              <a:t>9/20/2021</a:t>
             </a:fld>
             <a:endParaRPr lang="en-US" dirty="0"/>
           </a:p>
@@ -21620,9 +21620,10 @@
           <a:lstStyle/>
           <a:p>
             <a:r>
-              <a:rPr lang="en-US" dirty="0"/>
-              <a:t>June 2020</a:t>
-            </a:r>
+              <a:rPr lang="en-US"/>
+              <a:t>September 2021</a:t>
+            </a:r>
+            <a:endParaRPr lang="en-US" dirty="0"/>
           </a:p>
         </p:txBody>
       </p:sp>
@@ -31418,21 +31419,21 @@
 </file>
 
 <file path=customXml/item2.xml><?xml version="1.0" encoding="utf-8"?>
+<p:properties xmlns:p="http://schemas.microsoft.com/office/2006/metadata/properties" xmlns:xsi="http://www.w3.org/2001/XMLSchema-instance" xmlns:pc="http://schemas.microsoft.com/office/infopath/2007/PartnerControls">
+  <documentManagement>
+    <_ip_UnifiedCompliancePolicyUIAction xmlns="http://schemas.microsoft.com/sharepoint/v3" xsi:nil="true"/>
+    <_ip_UnifiedCompliancePolicyProperties xmlns="http://schemas.microsoft.com/sharepoint/v3" xsi:nil="true"/>
+  </documentManagement>
+</p:properties>
+</file>
+
+<file path=customXml/item3.xml><?xml version="1.0" encoding="utf-8"?>
 <?mso-contentType ?>
 <FormTemplates xmlns="http://schemas.microsoft.com/sharepoint/v3/contenttype/forms">
   <Display>DocumentLibraryForm</Display>
   <Edit>DocumentLibraryForm</Edit>
   <New>DocumentLibraryForm</New>
 </FormTemplates>
-</file>
-
-<file path=customXml/item3.xml><?xml version="1.0" encoding="utf-8"?>
-<p:properties xmlns:p="http://schemas.microsoft.com/office/2006/metadata/properties" xmlns:xsi="http://www.w3.org/2001/XMLSchema-instance" xmlns:pc="http://schemas.microsoft.com/office/infopath/2007/PartnerControls">
-  <documentManagement>
-    <_ip_UnifiedCompliancePolicyUIAction xmlns="http://schemas.microsoft.com/sharepoint/v3" xsi:nil="true"/>
-    <_ip_UnifiedCompliancePolicyProperties xmlns="http://schemas.microsoft.com/sharepoint/v3" xsi:nil="true"/>
-  </documentManagement>
-</p:properties>
 </file>
 
 <file path=customXml/itemProps1.xml><?xml version="1.0" encoding="utf-8"?>
@@ -31456,14 +31457,6 @@
 </file>
 
 <file path=customXml/itemProps2.xml><?xml version="1.0" encoding="utf-8"?>
-<ds:datastoreItem xmlns:ds="http://schemas.openxmlformats.org/officeDocument/2006/customXml" ds:itemID="{D5A22677-9165-4AB6-9580-CE94CCD209C5}">
-  <ds:schemaRefs>
-    <ds:schemaRef ds:uri="http://schemas.microsoft.com/sharepoint/v3/contenttype/forms"/>
-  </ds:schemaRefs>
-</ds:datastoreItem>
-</file>
-
-<file path=customXml/itemProps3.xml><?xml version="1.0" encoding="utf-8"?>
 <ds:datastoreItem xmlns:ds="http://schemas.openxmlformats.org/officeDocument/2006/customXml" ds:itemID="{7D07577D-30E5-48FB-B81C-E1B9EAC126B5}">
   <ds:schemaRefs>
     <ds:schemaRef ds:uri="http://schemas.openxmlformats.org/package/2006/metadata/core-properties"/>
@@ -31479,4 +31472,12 @@
     <ds:schemaRef ds:uri="http://purl.org/dc/dcmitype/"/>
   </ds:schemaRefs>
 </ds:datastoreItem>
+</file>
+
+<file path=customXml/itemProps3.xml><?xml version="1.0" encoding="utf-8"?>
+<ds:datastoreItem xmlns:ds="http://schemas.openxmlformats.org/officeDocument/2006/customXml" ds:itemID="{D5A22677-9165-4AB6-9580-CE94CCD209C5}">
+  <ds:schemaRefs>
+    <ds:schemaRef ds:uri="http://schemas.microsoft.com/sharepoint/v3/contenttype/forms"/>
+  </ds:schemaRefs>
+</ds:datastoreItem>
 </file>
--- a/Whiteboard design session/WDS trainer presentation - Building a resilient IaaS architecture.pptx
+++ b/Whiteboard design session/WDS trainer presentation - Building a resilient IaaS architecture.pptx
@@ -238,7 +238,7 @@
           <a:p>
             <a:fld id="{D12B4A29-5F37-4DEF-BB05-EEA5E91F514E}" type="datetimeFigureOut">
               <a:rPr lang="en-US" smtClean="0"/>
-              <a:t>10/29/2021</a:t>
+              <a:t>5/25/22</a:t>
             </a:fld>
             <a:endParaRPr lang="en-US" dirty="0"/>
           </a:p>
@@ -21620,10 +21620,9 @@
           <a:lstStyle/>
           <a:p>
             <a:r>
-              <a:rPr lang="en-US"/>
-              <a:t>September 2021</a:t>
-            </a:r>
-            <a:endParaRPr lang="en-US" dirty="0"/>
+              <a:rPr lang="en-US" dirty="0"/>
+              <a:t>May 2022</a:t>
+            </a:r>
           </a:p>
         </p:txBody>
       </p:sp>
@@ -31256,21 +31255,21 @@
 </file>
 
 <file path=customXml/item1.xml><?xml version="1.0" encoding="utf-8"?>
+<p:properties xmlns:p="http://schemas.microsoft.com/office/2006/metadata/properties" xmlns:xsi="http://www.w3.org/2001/XMLSchema-instance" xmlns:pc="http://schemas.microsoft.com/office/infopath/2007/PartnerControls">
+  <documentManagement>
+    <_ip_UnifiedCompliancePolicyUIAction xmlns="http://schemas.microsoft.com/sharepoint/v3" xsi:nil="true"/>
+    <_ip_UnifiedCompliancePolicyProperties xmlns="http://schemas.microsoft.com/sharepoint/v3" xsi:nil="true"/>
+  </documentManagement>
+</p:properties>
+</file>
+
+<file path=customXml/item2.xml><?xml version="1.0" encoding="utf-8"?>
 <?mso-contentType ?>
 <FormTemplates xmlns="http://schemas.microsoft.com/sharepoint/v3/contenttype/forms">
   <Display>DocumentLibraryForm</Display>
   <Edit>DocumentLibraryForm</Edit>
   <New>DocumentLibraryForm</New>
 </FormTemplates>
-</file>
-
-<file path=customXml/item2.xml><?xml version="1.0" encoding="utf-8"?>
-<p:properties xmlns:p="http://schemas.microsoft.com/office/2006/metadata/properties" xmlns:xsi="http://www.w3.org/2001/XMLSchema-instance" xmlns:pc="http://schemas.microsoft.com/office/infopath/2007/PartnerControls">
-  <documentManagement>
-    <_ip_UnifiedCompliancePolicyUIAction xmlns="http://schemas.microsoft.com/sharepoint/v3" xsi:nil="true"/>
-    <_ip_UnifiedCompliancePolicyProperties xmlns="http://schemas.microsoft.com/sharepoint/v3" xsi:nil="true"/>
-  </documentManagement>
-</p:properties>
 </file>
 
 <file path=customXml/item3.xml><?xml version="1.0" encoding="utf-8"?>
@@ -31476,14 +31475,6 @@
 </file>
 
 <file path=customXml/itemProps1.xml><?xml version="1.0" encoding="utf-8"?>
-<ds:datastoreItem xmlns:ds="http://schemas.openxmlformats.org/officeDocument/2006/customXml" ds:itemID="{D5A22677-9165-4AB6-9580-CE94CCD209C5}">
-  <ds:schemaRefs>
-    <ds:schemaRef ds:uri="http://schemas.microsoft.com/sharepoint/v3/contenttype/forms"/>
-  </ds:schemaRefs>
-</ds:datastoreItem>
-</file>
-
-<file path=customXml/itemProps2.xml><?xml version="1.0" encoding="utf-8"?>
 <ds:datastoreItem xmlns:ds="http://schemas.openxmlformats.org/officeDocument/2006/customXml" ds:itemID="{7D07577D-30E5-48FB-B81C-E1B9EAC126B5}">
   <ds:schemaRefs>
     <ds:schemaRef ds:uri="http://schemas.openxmlformats.org/package/2006/metadata/core-properties"/>
@@ -31497,6 +31488,14 @@
     <ds:schemaRef ds:uri="http://schemas.microsoft.com/office/2006/metadata/properties"/>
     <ds:schemaRef ds:uri="http://www.w3.org/XML/1998/namespace"/>
     <ds:schemaRef ds:uri="http://purl.org/dc/dcmitype/"/>
+  </ds:schemaRefs>
+</ds:datastoreItem>
+</file>
+
+<file path=customXml/itemProps2.xml><?xml version="1.0" encoding="utf-8"?>
+<ds:datastoreItem xmlns:ds="http://schemas.openxmlformats.org/officeDocument/2006/customXml" ds:itemID="{D5A22677-9165-4AB6-9580-CE94CCD209C5}">
+  <ds:schemaRefs>
+    <ds:schemaRef ds:uri="http://schemas.microsoft.com/sharepoint/v3/contenttype/forms"/>
   </ds:schemaRefs>
 </ds:datastoreItem>
 </file>

--- a/Whiteboard design session/WDS trainer presentation - Building a resilient IaaS architecture.pptx
+++ b/Whiteboard design session/WDS trainer presentation - Building a resilient IaaS architecture.pptx
@@ -238,7 +238,7 @@
           <a:p>
             <a:fld id="{D12B4A29-5F37-4DEF-BB05-EEA5E91F514E}" type="datetimeFigureOut">
               <a:rPr lang="en-US" smtClean="0"/>
-              <a:t>5/25/22</a:t>
+              <a:t>5/25/2022</a:t>
             </a:fld>
             <a:endParaRPr lang="en-US" dirty="0"/>
           </a:p>
@@ -549,10 +549,7 @@
           <a:bodyPr/>
           <a:lstStyle/>
           <a:p>
-            <a:r>
-              <a:rPr lang="en-US" dirty="0"/>
-              <a:t>June 2020</a:t>
-            </a:r>
+            <a:endParaRPr lang="en-US" dirty="0"/>
           </a:p>
         </p:txBody>
       </p:sp>
@@ -21678,6 +21675,28 @@
       </p:grpSpPr>
       <p:sp>
         <p:nvSpPr>
+          <p:cNvPr id="2" name="Title 1"/>
+          <p:cNvSpPr>
+            <a:spLocks noGrp="1"/>
+          </p:cNvSpPr>
+          <p:nvPr>
+            <p:ph type="title"/>
+          </p:nvPr>
+        </p:nvSpPr>
+        <p:spPr/>
+        <p:txBody>
+          <a:bodyPr/>
+          <a:lstStyle/>
+          <a:p>
+            <a:r>
+              <a:rPr lang="en-US" dirty="0"/>
+              <a:t>Customer needs</a:t>
+            </a:r>
+          </a:p>
+        </p:txBody>
+      </p:sp>
+      <p:sp>
+        <p:nvSpPr>
           <p:cNvPr id="3" name="Content Placeholder 2"/>
           <p:cNvSpPr>
             <a:spLocks noGrp="1"/>
@@ -21727,28 +21746,6 @@
           </a:p>
           <a:p>
             <a:endParaRPr lang="en-US" sz="3200" dirty="0"/>
-          </a:p>
-        </p:txBody>
-      </p:sp>
-      <p:sp>
-        <p:nvSpPr>
-          <p:cNvPr id="2" name="Title 1"/>
-          <p:cNvSpPr>
-            <a:spLocks noGrp="1"/>
-          </p:cNvSpPr>
-          <p:nvPr>
-            <p:ph type="title"/>
-          </p:nvPr>
-        </p:nvSpPr>
-        <p:spPr/>
-        <p:txBody>
-          <a:bodyPr/>
-          <a:lstStyle/>
-          <a:p>
-            <a:r>
-              <a:rPr lang="en-US" dirty="0"/>
-              <a:t>Customer needs</a:t>
-            </a:r>
           </a:p>
         </p:txBody>
       </p:sp>
@@ -21795,6 +21792,28 @@
       </p:grpSpPr>
       <p:sp>
         <p:nvSpPr>
+          <p:cNvPr id="2" name="Title 1"/>
+          <p:cNvSpPr>
+            <a:spLocks noGrp="1"/>
+          </p:cNvSpPr>
+          <p:nvPr>
+            <p:ph type="title"/>
+          </p:nvPr>
+        </p:nvSpPr>
+        <p:spPr/>
+        <p:txBody>
+          <a:bodyPr/>
+          <a:lstStyle/>
+          <a:p>
+            <a:r>
+              <a:rPr lang="en-US" dirty="0"/>
+              <a:t>Customer needs - continued</a:t>
+            </a:r>
+          </a:p>
+        </p:txBody>
+      </p:sp>
+      <p:sp>
+        <p:nvSpPr>
           <p:cNvPr id="3" name="Content Placeholder 2"/>
           <p:cNvSpPr>
             <a:spLocks noGrp="1"/>
@@ -21849,28 +21868,6 @@
             <a:r>
               <a:rPr lang="en-US" sz="3200" dirty="0"/>
               <a:t>Contoso also want to fully understand the costs associated with each of 1 – 6 above.</a:t>
-            </a:r>
-          </a:p>
-        </p:txBody>
-      </p:sp>
-      <p:sp>
-        <p:nvSpPr>
-          <p:cNvPr id="2" name="Title 1"/>
-          <p:cNvSpPr>
-            <a:spLocks noGrp="1"/>
-          </p:cNvSpPr>
-          <p:nvPr>
-            <p:ph type="title"/>
-          </p:nvPr>
-        </p:nvSpPr>
-        <p:spPr/>
-        <p:txBody>
-          <a:bodyPr/>
-          <a:lstStyle/>
-          <a:p>
-            <a:r>
-              <a:rPr lang="en-US" dirty="0"/>
-              <a:t>Customer needs - continued</a:t>
             </a:r>
           </a:p>
         </p:txBody>
@@ -21918,6 +21915,28 @@
       </p:grpSpPr>
       <p:sp>
         <p:nvSpPr>
+          <p:cNvPr id="2" name="Title 1"/>
+          <p:cNvSpPr>
+            <a:spLocks noGrp="1"/>
+          </p:cNvSpPr>
+          <p:nvPr>
+            <p:ph type="title"/>
+          </p:nvPr>
+        </p:nvSpPr>
+        <p:spPr/>
+        <p:txBody>
+          <a:bodyPr/>
+          <a:lstStyle/>
+          <a:p>
+            <a:r>
+              <a:rPr lang="en-US" dirty="0"/>
+              <a:t>Customer objections</a:t>
+            </a:r>
+          </a:p>
+        </p:txBody>
+      </p:sp>
+      <p:sp>
+        <p:nvSpPr>
           <p:cNvPr id="3" name="Content Placeholder 2"/>
           <p:cNvSpPr>
             <a:spLocks noGrp="1"/>
@@ -21979,28 +21998,6 @@
               <a:t>Contoso also want to be able to test both the BCDR and Backup solutions regularly.</a:t>
             </a:r>
             <a:endParaRPr lang="en-US" dirty="0"/>
-          </a:p>
-        </p:txBody>
-      </p:sp>
-      <p:sp>
-        <p:nvSpPr>
-          <p:cNvPr id="2" name="Title 1"/>
-          <p:cNvSpPr>
-            <a:spLocks noGrp="1"/>
-          </p:cNvSpPr>
-          <p:nvPr>
-            <p:ph type="title"/>
-          </p:nvPr>
-        </p:nvSpPr>
-        <p:spPr/>
-        <p:txBody>
-          <a:bodyPr/>
-          <a:lstStyle/>
-          <a:p>
-            <a:r>
-              <a:rPr lang="en-US" dirty="0"/>
-              <a:t>Customer objections</a:t>
-            </a:r>
           </a:p>
         </p:txBody>
       </p:sp>
@@ -23724,6 +23721,28 @@
       </p:grpSpPr>
       <p:sp>
         <p:nvSpPr>
+          <p:cNvPr id="2" name="Title 1"/>
+          <p:cNvSpPr>
+            <a:spLocks noGrp="1"/>
+          </p:cNvSpPr>
+          <p:nvPr>
+            <p:ph type="title"/>
+          </p:nvPr>
+        </p:nvSpPr>
+        <p:spPr/>
+        <p:txBody>
+          <a:bodyPr/>
+          <a:lstStyle/>
+          <a:p>
+            <a:r>
+              <a:rPr lang="en-US" dirty="0"/>
+              <a:t>Preferred target audience</a:t>
+            </a:r>
+          </a:p>
+        </p:txBody>
+      </p:sp>
+      <p:sp>
+        <p:nvSpPr>
           <p:cNvPr id="3" name="Content Placeholder 2"/>
           <p:cNvSpPr>
             <a:spLocks noGrp="1"/>
@@ -23784,28 +23803,6 @@
             <a:r>
               <a:rPr lang="en-US" sz="3200" dirty="0"/>
               <a:t>You should also aim to identify the business owner of the claims application and the key stakeholders of the business impact analysis that provided the executive mandate for improved resiliency</a:t>
-            </a:r>
-          </a:p>
-        </p:txBody>
-      </p:sp>
-      <p:sp>
-        <p:nvSpPr>
-          <p:cNvPr id="2" name="Title 1"/>
-          <p:cNvSpPr>
-            <a:spLocks noGrp="1"/>
-          </p:cNvSpPr>
-          <p:nvPr>
-            <p:ph type="title"/>
-          </p:nvPr>
-        </p:nvSpPr>
-        <p:spPr/>
-        <p:txBody>
-          <a:bodyPr/>
-          <a:lstStyle/>
-          <a:p>
-            <a:r>
-              <a:rPr lang="en-US" dirty="0"/>
-              <a:t>Preferred target audience</a:t>
             </a:r>
           </a:p>
         </p:txBody>
@@ -24916,6 +24913,28 @@
       </p:grpSpPr>
       <p:sp>
         <p:nvSpPr>
+          <p:cNvPr id="2" name="Title 1"/>
+          <p:cNvSpPr>
+            <a:spLocks noGrp="1"/>
+          </p:cNvSpPr>
+          <p:nvPr>
+            <p:ph type="title"/>
+          </p:nvPr>
+        </p:nvSpPr>
+        <p:spPr/>
+        <p:txBody>
+          <a:bodyPr/>
+          <a:lstStyle/>
+          <a:p>
+            <a:r>
+              <a:rPr lang="en-US" dirty="0"/>
+              <a:t>PaaS Resiliency</a:t>
+            </a:r>
+          </a:p>
+        </p:txBody>
+      </p:sp>
+      <p:sp>
+        <p:nvSpPr>
           <p:cNvPr id="6" name="Text Placeholder 5">
             <a:extLst>
               <a:ext uri="{FF2B5EF4-FFF2-40B4-BE49-F238E27FC236}">
@@ -24991,28 +25010,6 @@
             <a:r>
               <a:rPr lang="en-US" dirty="0"/>
               <a:t>Traffic Manager or Front Door for public endpoint failover</a:t>
-            </a:r>
-          </a:p>
-        </p:txBody>
-      </p:sp>
-      <p:sp>
-        <p:nvSpPr>
-          <p:cNvPr id="2" name="Title 1"/>
-          <p:cNvSpPr>
-            <a:spLocks noGrp="1"/>
-          </p:cNvSpPr>
-          <p:nvPr>
-            <p:ph type="title"/>
-          </p:nvPr>
-        </p:nvSpPr>
-        <p:spPr/>
-        <p:txBody>
-          <a:bodyPr/>
-          <a:lstStyle/>
-          <a:p>
-            <a:r>
-              <a:rPr lang="en-US" dirty="0"/>
-              <a:t>PaaS Resiliency</a:t>
             </a:r>
           </a:p>
         </p:txBody>
@@ -28436,6 +28433,34 @@
       </p:grpSpPr>
       <p:sp>
         <p:nvSpPr>
+          <p:cNvPr id="3" name="Title 2">
+            <a:extLst>
+              <a:ext uri="{FF2B5EF4-FFF2-40B4-BE49-F238E27FC236}">
+                <a16:creationId xmlns:a16="http://schemas.microsoft.com/office/drawing/2014/main" id="{C5BFB35D-F2C6-45BE-87C1-4C4021B63DA2}"/>
+              </a:ext>
+            </a:extLst>
+          </p:cNvPr>
+          <p:cNvSpPr>
+            <a:spLocks noGrp="1"/>
+          </p:cNvSpPr>
+          <p:nvPr>
+            <p:ph type="title"/>
+          </p:nvPr>
+        </p:nvSpPr>
+        <p:spPr/>
+        <p:txBody>
+          <a:bodyPr/>
+          <a:lstStyle/>
+          <a:p>
+            <a:r>
+              <a:rPr lang="en-IE" dirty="0"/>
+              <a:t>Cost Savings</a:t>
+            </a:r>
+          </a:p>
+        </p:txBody>
+      </p:sp>
+      <p:sp>
+        <p:nvSpPr>
           <p:cNvPr id="2" name="Text Placeholder 1">
             <a:extLst>
               <a:ext uri="{FF2B5EF4-FFF2-40B4-BE49-F238E27FC236}">
@@ -28495,34 +28520,6 @@
               <a:t>PaaS solution does not include reservations (a 1-year reservation for the SQL Database would reduce monthly costs, but must be paid up-front)</a:t>
             </a:r>
             <a:endParaRPr lang="en-IE" sz="3200" dirty="0"/>
-          </a:p>
-        </p:txBody>
-      </p:sp>
-      <p:sp>
-        <p:nvSpPr>
-          <p:cNvPr id="3" name="Title 2">
-            <a:extLst>
-              <a:ext uri="{FF2B5EF4-FFF2-40B4-BE49-F238E27FC236}">
-                <a16:creationId xmlns:a16="http://schemas.microsoft.com/office/drawing/2014/main" id="{C5BFB35D-F2C6-45BE-87C1-4C4021B63DA2}"/>
-              </a:ext>
-            </a:extLst>
-          </p:cNvPr>
-          <p:cNvSpPr>
-            <a:spLocks noGrp="1"/>
-          </p:cNvSpPr>
-          <p:nvPr>
-            <p:ph type="title"/>
-          </p:nvPr>
-        </p:nvSpPr>
-        <p:spPr/>
-        <p:txBody>
-          <a:bodyPr/>
-          <a:lstStyle/>
-          <a:p>
-            <a:r>
-              <a:rPr lang="en-IE" dirty="0"/>
-              <a:t>Cost Savings</a:t>
-            </a:r>
           </a:p>
         </p:txBody>
       </p:sp>
@@ -29375,6 +29372,28 @@
       </p:grpSpPr>
       <p:sp>
         <p:nvSpPr>
+          <p:cNvPr id="2" name="Title 1"/>
+          <p:cNvSpPr>
+            <a:spLocks noGrp="1"/>
+          </p:cNvSpPr>
+          <p:nvPr>
+            <p:ph type="title"/>
+          </p:nvPr>
+        </p:nvSpPr>
+        <p:spPr/>
+        <p:txBody>
+          <a:bodyPr/>
+          <a:lstStyle/>
+          <a:p>
+            <a:r>
+              <a:rPr lang="en-US" dirty="0"/>
+              <a:t>Customer situation</a:t>
+            </a:r>
+          </a:p>
+        </p:txBody>
+      </p:sp>
+      <p:sp>
+        <p:nvSpPr>
           <p:cNvPr id="3" name="Content Placeholder 2"/>
           <p:cNvSpPr>
             <a:spLocks noGrp="1"/>
@@ -29410,37 +29429,7 @@
           <a:p>
             <a:r>
               <a:rPr lang="en-US" sz="2800" dirty="0"/>
-              <a:t>Headquarters is in Miami</a:t>
-            </a:r>
-            <a:r>
-              <a:rPr lang="en-US" sz="2800"/>
-              <a:t>, Florida with </a:t>
-            </a:r>
-            <a:r>
-              <a:rPr lang="en-US" sz="2800" dirty="0"/>
-              <a:t>various branch locations.</a:t>
-            </a:r>
-          </a:p>
-        </p:txBody>
-      </p:sp>
-      <p:sp>
-        <p:nvSpPr>
-          <p:cNvPr id="2" name="Title 1"/>
-          <p:cNvSpPr>
-            <a:spLocks noGrp="1"/>
-          </p:cNvSpPr>
-          <p:nvPr>
-            <p:ph type="title"/>
-          </p:nvPr>
-        </p:nvSpPr>
-        <p:spPr/>
-        <p:txBody>
-          <a:bodyPr/>
-          <a:lstStyle/>
-          <a:p>
-            <a:r>
-              <a:rPr lang="en-US" dirty="0"/>
-              <a:t>Customer situation</a:t>
+              <a:t>Headquarters is in Miami, Florida with various branch locations.</a:t>
             </a:r>
           </a:p>
         </p:txBody>
@@ -29488,6 +29477,28 @@
       </p:grpSpPr>
       <p:sp>
         <p:nvSpPr>
+          <p:cNvPr id="2" name="Title 1"/>
+          <p:cNvSpPr>
+            <a:spLocks noGrp="1"/>
+          </p:cNvSpPr>
+          <p:nvPr>
+            <p:ph type="title"/>
+          </p:nvPr>
+        </p:nvSpPr>
+        <p:spPr/>
+        <p:txBody>
+          <a:bodyPr/>
+          <a:lstStyle/>
+          <a:p>
+            <a:r>
+              <a:rPr lang="en-US" dirty="0"/>
+              <a:t>Customer situation - continued</a:t>
+            </a:r>
+          </a:p>
+        </p:txBody>
+      </p:sp>
+      <p:sp>
+        <p:nvSpPr>
           <p:cNvPr id="3" name="Content Placeholder 2"/>
           <p:cNvSpPr>
             <a:spLocks noGrp="1"/>
@@ -29547,28 +29558,6 @@
             <a:r>
               <a:rPr lang="en-US" sz="2800" dirty="0"/>
               <a:t>Branch offices are connected to Azure using Site-to-Site VPNs with on-site RRAS server.</a:t>
-            </a:r>
-          </a:p>
-        </p:txBody>
-      </p:sp>
-      <p:sp>
-        <p:nvSpPr>
-          <p:cNvPr id="2" name="Title 1"/>
-          <p:cNvSpPr>
-            <a:spLocks noGrp="1"/>
-          </p:cNvSpPr>
-          <p:nvPr>
-            <p:ph type="title"/>
-          </p:nvPr>
-        </p:nvSpPr>
-        <p:spPr/>
-        <p:txBody>
-          <a:bodyPr/>
-          <a:lstStyle/>
-          <a:p>
-            <a:r>
-              <a:rPr lang="en-US" dirty="0"/>
-              <a:t>Customer situation - continued</a:t>
             </a:r>
           </a:p>
         </p:txBody>
@@ -29608,6 +29597,28 @@
       </p:grpSpPr>
       <p:sp>
         <p:nvSpPr>
+          <p:cNvPr id="2" name="Title 1"/>
+          <p:cNvSpPr>
+            <a:spLocks noGrp="1"/>
+          </p:cNvSpPr>
+          <p:nvPr>
+            <p:ph type="title"/>
+          </p:nvPr>
+        </p:nvSpPr>
+        <p:spPr/>
+        <p:txBody>
+          <a:bodyPr/>
+          <a:lstStyle/>
+          <a:p>
+            <a:r>
+              <a:rPr lang="en-US" dirty="0"/>
+              <a:t>Customer situation – continued</a:t>
+            </a:r>
+          </a:p>
+        </p:txBody>
+      </p:sp>
+      <p:sp>
+        <p:nvSpPr>
           <p:cNvPr id="3" name="Content Placeholder 2"/>
           <p:cNvSpPr>
             <a:spLocks noGrp="1"/>
@@ -29667,28 +29678,6 @@
             <a:r>
               <a:rPr lang="en-US" sz="2800" dirty="0"/>
               <a:t>The result is an executive mandate to achieve an SLA of at least 99.95% for the claims application, with RTO of 4 hours and RPO of 6 hours, plus backup of all critical VMs and data.</a:t>
-            </a:r>
-          </a:p>
-        </p:txBody>
-      </p:sp>
-      <p:sp>
-        <p:nvSpPr>
-          <p:cNvPr id="2" name="Title 1"/>
-          <p:cNvSpPr>
-            <a:spLocks noGrp="1"/>
-          </p:cNvSpPr>
-          <p:nvPr>
-            <p:ph type="title"/>
-          </p:nvPr>
-        </p:nvSpPr>
-        <p:spPr/>
-        <p:txBody>
-          <a:bodyPr/>
-          <a:lstStyle/>
-          <a:p>
-            <a:r>
-              <a:rPr lang="en-US" dirty="0"/>
-              <a:t>Customer situation – continued</a:t>
             </a:r>
           </a:p>
         </p:txBody>
@@ -29728,6 +29717,28 @@
       </p:grpSpPr>
       <p:sp>
         <p:nvSpPr>
+          <p:cNvPr id="2" name="Title 1"/>
+          <p:cNvSpPr>
+            <a:spLocks noGrp="1"/>
+          </p:cNvSpPr>
+          <p:nvPr>
+            <p:ph type="title"/>
+          </p:nvPr>
+        </p:nvSpPr>
+        <p:spPr/>
+        <p:txBody>
+          <a:bodyPr/>
+          <a:lstStyle/>
+          <a:p>
+            <a:r>
+              <a:rPr lang="en-US" dirty="0"/>
+              <a:t>Customer situation – continued</a:t>
+            </a:r>
+          </a:p>
+        </p:txBody>
+      </p:sp>
+      <p:sp>
+        <p:nvSpPr>
           <p:cNvPr id="3" name="Content Placeholder 2"/>
           <p:cNvSpPr>
             <a:spLocks noGrp="1"/>
@@ -29769,28 +29780,6 @@
             <a:r>
               <a:rPr lang="en-US" sz="2800" dirty="0"/>
               <a:t>The need to achieve a similar level of resilience as the IaaS-based version, otherwise the business will not agree to migrate to PaaS.</a:t>
-            </a:r>
-          </a:p>
-        </p:txBody>
-      </p:sp>
-      <p:sp>
-        <p:nvSpPr>
-          <p:cNvPr id="2" name="Title 1"/>
-          <p:cNvSpPr>
-            <a:spLocks noGrp="1"/>
-          </p:cNvSpPr>
-          <p:nvPr>
-            <p:ph type="title"/>
-          </p:nvPr>
-        </p:nvSpPr>
-        <p:spPr/>
-        <p:txBody>
-          <a:bodyPr/>
-          <a:lstStyle/>
-          <a:p>
-            <a:r>
-              <a:rPr lang="en-US" dirty="0"/>
-              <a:t>Customer situation – continued</a:t>
             </a:r>
           </a:p>
         </p:txBody>
@@ -31255,15 +31244,6 @@
 </file>
 
 <file path=customXml/item1.xml><?xml version="1.0" encoding="utf-8"?>
-<p:properties xmlns:p="http://schemas.microsoft.com/office/2006/metadata/properties" xmlns:xsi="http://www.w3.org/2001/XMLSchema-instance" xmlns:pc="http://schemas.microsoft.com/office/infopath/2007/PartnerControls">
-  <documentManagement>
-    <_ip_UnifiedCompliancePolicyUIAction xmlns="http://schemas.microsoft.com/sharepoint/v3" xsi:nil="true"/>
-    <_ip_UnifiedCompliancePolicyProperties xmlns="http://schemas.microsoft.com/sharepoint/v3" xsi:nil="true"/>
-  </documentManagement>
-</p:properties>
-</file>
-
-<file path=customXml/item2.xml><?xml version="1.0" encoding="utf-8"?>
 <?mso-contentType ?>
 <FormTemplates xmlns="http://schemas.microsoft.com/sharepoint/v3/contenttype/forms">
   <Display>DocumentLibraryForm</Display>
@@ -31272,7 +31252,7 @@
 </FormTemplates>
 </file>
 
-<file path=customXml/item3.xml><?xml version="1.0" encoding="utf-8"?>
+<file path=customXml/item2.xml><?xml version="1.0" encoding="utf-8"?>
 <ct:contentTypeSchema xmlns:ct="http://schemas.microsoft.com/office/2006/metadata/contentType" xmlns:ma="http://schemas.microsoft.com/office/2006/metadata/properties/metaAttributes" ct:_="" ma:_="" ma:contentTypeName="Document" ma:contentTypeID="0x010100D15DFA3690A15B4081582BBCC6BEAC3E" ma:contentTypeVersion="9" ma:contentTypeDescription="Create a new document." ma:contentTypeScope="" ma:versionID="642da1784587cbe85a7fdbbe4dc36103">
   <xsd:schema xmlns:xsd="http://www.w3.org/2001/XMLSchema" xmlns:xs="http://www.w3.org/2001/XMLSchema" xmlns:p="http://schemas.microsoft.com/office/2006/metadata/properties" xmlns:ns1="http://schemas.microsoft.com/sharepoint/v3" xmlns:ns2="2023ac63-7b75-4916-a9ee-591457758eee" xmlns:ns3="d9c797ad-d7c3-4982-82b7-81352a75e4a5" targetNamespace="http://schemas.microsoft.com/office/2006/metadata/properties" ma:root="true" ma:fieldsID="91198b0246576053cc55dd2c67035a89" ns1:_="" ns2:_="" ns3:_="">
     <xsd:import namespace="http://schemas.microsoft.com/sharepoint/v3"/>
@@ -31474,25 +31454,16 @@
 </ct:contentTypeSchema>
 </file>
 
-<file path=customXml/itemProps1.xml><?xml version="1.0" encoding="utf-8"?>
-<ds:datastoreItem xmlns:ds="http://schemas.openxmlformats.org/officeDocument/2006/customXml" ds:itemID="{7D07577D-30E5-48FB-B81C-E1B9EAC126B5}">
-  <ds:schemaRefs>
-    <ds:schemaRef ds:uri="http://schemas.openxmlformats.org/package/2006/metadata/core-properties"/>
-    <ds:schemaRef ds:uri="http://schemas.microsoft.com/office/infopath/2007/PartnerControls"/>
-    <ds:schemaRef ds:uri="http://purl.org/dc/terms/"/>
-    <ds:schemaRef ds:uri="2023ac63-7b75-4916-a9ee-591457758eee"/>
-    <ds:schemaRef ds:uri="http://schemas.microsoft.com/office/2006/documentManagement/types"/>
-    <ds:schemaRef ds:uri="d9c797ad-d7c3-4982-82b7-81352a75e4a5"/>
-    <ds:schemaRef ds:uri="http://schemas.microsoft.com/sharepoint/v3"/>
-    <ds:schemaRef ds:uri="http://purl.org/dc/elements/1.1/"/>
-    <ds:schemaRef ds:uri="http://schemas.microsoft.com/office/2006/metadata/properties"/>
-    <ds:schemaRef ds:uri="http://www.w3.org/XML/1998/namespace"/>
-    <ds:schemaRef ds:uri="http://purl.org/dc/dcmitype/"/>
-  </ds:schemaRefs>
-</ds:datastoreItem>
+<file path=customXml/item3.xml><?xml version="1.0" encoding="utf-8"?>
+<p:properties xmlns:p="http://schemas.microsoft.com/office/2006/metadata/properties" xmlns:xsi="http://www.w3.org/2001/XMLSchema-instance" xmlns:pc="http://schemas.microsoft.com/office/infopath/2007/PartnerControls">
+  <documentManagement>
+    <_ip_UnifiedCompliancePolicyUIAction xmlns="http://schemas.microsoft.com/sharepoint/v3" xsi:nil="true"/>
+    <_ip_UnifiedCompliancePolicyProperties xmlns="http://schemas.microsoft.com/sharepoint/v3" xsi:nil="true"/>
+  </documentManagement>
+</p:properties>
 </file>
 
-<file path=customXml/itemProps2.xml><?xml version="1.0" encoding="utf-8"?>
+<file path=customXml/itemProps1.xml><?xml version="1.0" encoding="utf-8"?>
 <ds:datastoreItem xmlns:ds="http://schemas.openxmlformats.org/officeDocument/2006/customXml" ds:itemID="{D5A22677-9165-4AB6-9580-CE94CCD209C5}">
   <ds:schemaRefs>
     <ds:schemaRef ds:uri="http://schemas.microsoft.com/sharepoint/v3/contenttype/forms"/>
@@ -31500,7 +31471,7 @@
 </ds:datastoreItem>
 </file>
 
-<file path=customXml/itemProps3.xml><?xml version="1.0" encoding="utf-8"?>
+<file path=customXml/itemProps2.xml><?xml version="1.0" encoding="utf-8"?>
 <ds:datastoreItem xmlns:ds="http://schemas.openxmlformats.org/officeDocument/2006/customXml" ds:itemID="{A26E40F2-DB1A-4ED5-85D8-FAE814896E97}">
   <ds:schemaRefs>
     <ds:schemaRef ds:uri="http://schemas.microsoft.com/office/2006/metadata/contentType"/>
@@ -31520,6 +31491,24 @@
 </ds:datastoreItem>
 </file>
 
+<file path=customXml/itemProps3.xml><?xml version="1.0" encoding="utf-8"?>
+<ds:datastoreItem xmlns:ds="http://schemas.openxmlformats.org/officeDocument/2006/customXml" ds:itemID="{7D07577D-30E5-48FB-B81C-E1B9EAC126B5}">
+  <ds:schemaRefs>
+    <ds:schemaRef ds:uri="http://schemas.openxmlformats.org/package/2006/metadata/core-properties"/>
+    <ds:schemaRef ds:uri="http://schemas.microsoft.com/office/infopath/2007/PartnerControls"/>
+    <ds:schemaRef ds:uri="http://purl.org/dc/terms/"/>
+    <ds:schemaRef ds:uri="2023ac63-7b75-4916-a9ee-591457758eee"/>
+    <ds:schemaRef ds:uri="http://schemas.microsoft.com/office/2006/documentManagement/types"/>
+    <ds:schemaRef ds:uri="d9c797ad-d7c3-4982-82b7-81352a75e4a5"/>
+    <ds:schemaRef ds:uri="http://schemas.microsoft.com/sharepoint/v3"/>
+    <ds:schemaRef ds:uri="http://purl.org/dc/elements/1.1/"/>
+    <ds:schemaRef ds:uri="http://schemas.microsoft.com/office/2006/metadata/properties"/>
+    <ds:schemaRef ds:uri="http://www.w3.org/XML/1998/namespace"/>
+    <ds:schemaRef ds:uri="http://purl.org/dc/dcmitype/"/>
+  </ds:schemaRefs>
+</ds:datastoreItem>
+</file>
+
 <file path=docMetadata/LabelInfo.xml><?xml version="1.0" encoding="utf-8"?>
 <clbl:labelList xmlns:clbl="http://schemas.microsoft.com/office/2020/mipLabelMetadata">
   <clbl:label id="{f42aa342-8706-4288-bd11-ebb85995028c}" enabled="1" method="Privileged" siteId="{72f988bf-86f1-41af-91ab-2d7cd011db47}" removed="0"/>
